--- a/notes.pptx
+++ b/notes.pptx
@@ -17,6 +17,17 @@
     <p:sldId id="265" r:id="rId11"/>
     <p:sldId id="266" r:id="rId12"/>
     <p:sldId id="267" r:id="rId13"/>
+    <p:sldId id="268" r:id="rId14"/>
+    <p:sldId id="269" r:id="rId15"/>
+    <p:sldId id="271" r:id="rId16"/>
+    <p:sldId id="270" r:id="rId17"/>
+    <p:sldId id="276" r:id="rId18"/>
+    <p:sldId id="272" r:id="rId19"/>
+    <p:sldId id="273" r:id="rId20"/>
+    <p:sldId id="274" r:id="rId21"/>
+    <p:sldId id="275" r:id="rId22"/>
+    <p:sldId id="277" r:id="rId23"/>
+    <p:sldId id="278" r:id="rId24"/>
   </p:sldIdLst>
   <p:sldSz cx="12192000" cy="6858000"/>
   <p:notesSz cx="6858000" cy="9144000"/>
@@ -115,6 +126,11 @@
       </a:defRPr>
     </a:lvl9pPr>
   </p:defaultTextStyle>
+  <p:extLst>
+    <p:ext uri="{EFAFB233-063F-42B5-8137-9DF3F51BA10A}">
+      <p15:sldGuideLst xmlns:p15="http://schemas.microsoft.com/office/powerpoint/2012/main"/>
+    </p:ext>
+  </p:extLst>
 </p:presentation>
 </file>
 
@@ -267,7 +283,7 @@
           <a:p>
             <a:fld id="{71997044-8253-414A-AF66-7FB46D6844A2}" type="datetimeFigureOut">
               <a:rPr lang="fr-FR" smtClean="0"/>
-              <a:t>17/05/2022</a:t>
+              <a:t>18/05/2022</a:t>
             </a:fld>
             <a:endParaRPr lang="fr-FR"/>
           </a:p>
@@ -467,7 +483,7 @@
           <a:p>
             <a:fld id="{71997044-8253-414A-AF66-7FB46D6844A2}" type="datetimeFigureOut">
               <a:rPr lang="fr-FR" smtClean="0"/>
-              <a:t>17/05/2022</a:t>
+              <a:t>18/05/2022</a:t>
             </a:fld>
             <a:endParaRPr lang="fr-FR"/>
           </a:p>
@@ -677,7 +693,7 @@
           <a:p>
             <a:fld id="{71997044-8253-414A-AF66-7FB46D6844A2}" type="datetimeFigureOut">
               <a:rPr lang="fr-FR" smtClean="0"/>
-              <a:t>17/05/2022</a:t>
+              <a:t>18/05/2022</a:t>
             </a:fld>
             <a:endParaRPr lang="fr-FR"/>
           </a:p>
@@ -877,7 +893,7 @@
           <a:p>
             <a:fld id="{71997044-8253-414A-AF66-7FB46D6844A2}" type="datetimeFigureOut">
               <a:rPr lang="fr-FR" smtClean="0"/>
-              <a:t>17/05/2022</a:t>
+              <a:t>18/05/2022</a:t>
             </a:fld>
             <a:endParaRPr lang="fr-FR"/>
           </a:p>
@@ -1153,7 +1169,7 @@
           <a:p>
             <a:fld id="{71997044-8253-414A-AF66-7FB46D6844A2}" type="datetimeFigureOut">
               <a:rPr lang="fr-FR" smtClean="0"/>
-              <a:t>17/05/2022</a:t>
+              <a:t>18/05/2022</a:t>
             </a:fld>
             <a:endParaRPr lang="fr-FR"/>
           </a:p>
@@ -1421,7 +1437,7 @@
           <a:p>
             <a:fld id="{71997044-8253-414A-AF66-7FB46D6844A2}" type="datetimeFigureOut">
               <a:rPr lang="fr-FR" smtClean="0"/>
-              <a:t>17/05/2022</a:t>
+              <a:t>18/05/2022</a:t>
             </a:fld>
             <a:endParaRPr lang="fr-FR"/>
           </a:p>
@@ -1836,7 +1852,7 @@
           <a:p>
             <a:fld id="{71997044-8253-414A-AF66-7FB46D6844A2}" type="datetimeFigureOut">
               <a:rPr lang="fr-FR" smtClean="0"/>
-              <a:t>17/05/2022</a:t>
+              <a:t>18/05/2022</a:t>
             </a:fld>
             <a:endParaRPr lang="fr-FR"/>
           </a:p>
@@ -1978,7 +1994,7 @@
           <a:p>
             <a:fld id="{71997044-8253-414A-AF66-7FB46D6844A2}" type="datetimeFigureOut">
               <a:rPr lang="fr-FR" smtClean="0"/>
-              <a:t>17/05/2022</a:t>
+              <a:t>18/05/2022</a:t>
             </a:fld>
             <a:endParaRPr lang="fr-FR"/>
           </a:p>
@@ -2091,7 +2107,7 @@
           <a:p>
             <a:fld id="{71997044-8253-414A-AF66-7FB46D6844A2}" type="datetimeFigureOut">
               <a:rPr lang="fr-FR" smtClean="0"/>
-              <a:t>17/05/2022</a:t>
+              <a:t>18/05/2022</a:t>
             </a:fld>
             <a:endParaRPr lang="fr-FR"/>
           </a:p>
@@ -2404,7 +2420,7 @@
           <a:p>
             <a:fld id="{71997044-8253-414A-AF66-7FB46D6844A2}" type="datetimeFigureOut">
               <a:rPr lang="fr-FR" smtClean="0"/>
-              <a:t>17/05/2022</a:t>
+              <a:t>18/05/2022</a:t>
             </a:fld>
             <a:endParaRPr lang="fr-FR"/>
           </a:p>
@@ -2693,7 +2709,7 @@
           <a:p>
             <a:fld id="{71997044-8253-414A-AF66-7FB46D6844A2}" type="datetimeFigureOut">
               <a:rPr lang="fr-FR" smtClean="0"/>
-              <a:t>17/05/2022</a:t>
+              <a:t>18/05/2022</a:t>
             </a:fld>
             <a:endParaRPr lang="fr-FR"/>
           </a:p>
@@ -2936,7 +2952,7 @@
           <a:p>
             <a:fld id="{71997044-8253-414A-AF66-7FB46D6844A2}" type="datetimeFigureOut">
               <a:rPr lang="fr-FR" smtClean="0"/>
-              <a:t>17/05/2022</a:t>
+              <a:t>18/05/2022</a:t>
             </a:fld>
             <a:endParaRPr lang="fr-FR"/>
           </a:p>
@@ -4215,6 +4231,2827 @@
 </p:sld>
 </file>
 
+<file path=ppt/slides/slide13.xml><?xml version="1.0" encoding="utf-8"?>
+<p:sld xmlns:a="http://schemas.openxmlformats.org/drawingml/2006/main" xmlns:r="http://schemas.openxmlformats.org/officeDocument/2006/relationships" xmlns:p="http://schemas.openxmlformats.org/presentationml/2006/main">
+  <p:cSld>
+    <p:spTree>
+      <p:nvGrpSpPr>
+        <p:cNvPr id="1" name=""/>
+        <p:cNvGrpSpPr/>
+        <p:nvPr/>
+      </p:nvGrpSpPr>
+      <p:grpSpPr>
+        <a:xfrm>
+          <a:off x="0" y="0"/>
+          <a:ext cx="0" cy="0"/>
+          <a:chOff x="0" y="0"/>
+          <a:chExt cx="0" cy="0"/>
+        </a:xfrm>
+      </p:grpSpPr>
+      <p:sp>
+        <p:nvSpPr>
+          <p:cNvPr id="2" name="Title 1">
+            <a:extLst>
+              <a:ext uri="{FF2B5EF4-FFF2-40B4-BE49-F238E27FC236}">
+                <a16:creationId xmlns:a16="http://schemas.microsoft.com/office/drawing/2014/main" id="{A59C4B91-9142-4B94-964A-B73B979FE5C4}"/>
+              </a:ext>
+            </a:extLst>
+          </p:cNvPr>
+          <p:cNvSpPr>
+            <a:spLocks noGrp="1"/>
+          </p:cNvSpPr>
+          <p:nvPr>
+            <p:ph type="title"/>
+          </p:nvPr>
+        </p:nvSpPr>
+        <p:spPr/>
+        <p:txBody>
+          <a:bodyPr/>
+          <a:lstStyle/>
+          <a:p>
+            <a:r>
+              <a:rPr lang="fr-FR" dirty="0" err="1"/>
+              <a:t>Angular</a:t>
+            </a:r>
+            <a:endParaRPr lang="fr-FR" dirty="0"/>
+          </a:p>
+        </p:txBody>
+      </p:sp>
+      <p:sp>
+        <p:nvSpPr>
+          <p:cNvPr id="3" name="Content Placeholder 2">
+            <a:extLst>
+              <a:ext uri="{FF2B5EF4-FFF2-40B4-BE49-F238E27FC236}">
+                <a16:creationId xmlns:a16="http://schemas.microsoft.com/office/drawing/2014/main" id="{49F4470B-B418-45E6-B6C7-92961D3DBAAD}"/>
+              </a:ext>
+            </a:extLst>
+          </p:cNvPr>
+          <p:cNvSpPr>
+            <a:spLocks noGrp="1"/>
+          </p:cNvSpPr>
+          <p:nvPr>
+            <p:ph idx="1"/>
+          </p:nvPr>
+        </p:nvSpPr>
+        <p:spPr/>
+        <p:txBody>
+          <a:bodyPr/>
+          <a:lstStyle/>
+          <a:p>
+            <a:r>
+              <a:rPr lang="fr-FR" dirty="0" err="1"/>
+              <a:t>npm</a:t>
+            </a:r>
+            <a:r>
+              <a:rPr lang="fr-FR" dirty="0"/>
+              <a:t> i @</a:t>
+            </a:r>
+            <a:r>
+              <a:rPr lang="fr-FR" dirty="0" err="1"/>
+              <a:t>angular</a:t>
+            </a:r>
+            <a:r>
+              <a:rPr lang="fr-FR" dirty="0"/>
+              <a:t>/cli –g</a:t>
+            </a:r>
+          </a:p>
+          <a:p>
+            <a:r>
+              <a:rPr lang="fr-FR" dirty="0" err="1"/>
+              <a:t>ng</a:t>
+            </a:r>
+            <a:r>
+              <a:rPr lang="fr-FR" dirty="0"/>
+              <a:t> new front</a:t>
+            </a:r>
+          </a:p>
+          <a:p>
+            <a:pPr lvl="1"/>
+            <a:r>
+              <a:rPr lang="fr-FR" dirty="0"/>
+              <a:t>SCSS et </a:t>
+            </a:r>
+            <a:r>
+              <a:rPr lang="fr-FR" dirty="0" err="1"/>
+              <a:t>Routing</a:t>
+            </a:r>
+            <a:endParaRPr lang="fr-FR" dirty="0"/>
+          </a:p>
+          <a:p>
+            <a:r>
+              <a:rPr lang="fr-FR" dirty="0" err="1"/>
+              <a:t>ng</a:t>
+            </a:r>
+            <a:r>
+              <a:rPr lang="fr-FR" dirty="0"/>
+              <a:t> serve</a:t>
+            </a:r>
+          </a:p>
+          <a:p>
+            <a:pPr lvl="1"/>
+            <a:r>
+              <a:rPr lang="fr-FR" dirty="0"/>
+              <a:t>lancé avec </a:t>
+            </a:r>
+            <a:r>
+              <a:rPr lang="fr-FR" dirty="0" err="1"/>
+              <a:t>npm</a:t>
+            </a:r>
+            <a:r>
+              <a:rPr lang="fr-FR" dirty="0"/>
+              <a:t> start</a:t>
+            </a:r>
+          </a:p>
+        </p:txBody>
+      </p:sp>
+    </p:spTree>
+    <p:extLst>
+      <p:ext uri="{BB962C8B-B14F-4D97-AF65-F5344CB8AC3E}">
+        <p14:creationId xmlns:p14="http://schemas.microsoft.com/office/powerpoint/2010/main" val="1497610945"/>
+      </p:ext>
+    </p:extLst>
+  </p:cSld>
+  <p:clrMapOvr>
+    <a:masterClrMapping/>
+  </p:clrMapOvr>
+</p:sld>
+</file>
+
+<file path=ppt/slides/slide14.xml><?xml version="1.0" encoding="utf-8"?>
+<p:sld xmlns:a="http://schemas.openxmlformats.org/drawingml/2006/main" xmlns:r="http://schemas.openxmlformats.org/officeDocument/2006/relationships" xmlns:p="http://schemas.openxmlformats.org/presentationml/2006/main">
+  <p:cSld>
+    <p:spTree>
+      <p:nvGrpSpPr>
+        <p:cNvPr id="1" name=""/>
+        <p:cNvGrpSpPr/>
+        <p:nvPr/>
+      </p:nvGrpSpPr>
+      <p:grpSpPr>
+        <a:xfrm>
+          <a:off x="0" y="0"/>
+          <a:ext cx="0" cy="0"/>
+          <a:chOff x="0" y="0"/>
+          <a:chExt cx="0" cy="0"/>
+        </a:xfrm>
+      </p:grpSpPr>
+      <p:sp>
+        <p:nvSpPr>
+          <p:cNvPr id="2" name="Title 1">
+            <a:extLst>
+              <a:ext uri="{FF2B5EF4-FFF2-40B4-BE49-F238E27FC236}">
+                <a16:creationId xmlns:a16="http://schemas.microsoft.com/office/drawing/2014/main" id="{0154AC59-BF7A-4C2D-A077-61D3E31AF273}"/>
+              </a:ext>
+            </a:extLst>
+          </p:cNvPr>
+          <p:cNvSpPr>
+            <a:spLocks noGrp="1"/>
+          </p:cNvSpPr>
+          <p:nvPr>
+            <p:ph type="title"/>
+          </p:nvPr>
+        </p:nvSpPr>
+        <p:spPr/>
+        <p:txBody>
+          <a:bodyPr/>
+          <a:lstStyle/>
+          <a:p>
+            <a:r>
+              <a:rPr lang="fr-FR" dirty="0"/>
+              <a:t>5 Artefacts</a:t>
+            </a:r>
+          </a:p>
+        </p:txBody>
+      </p:sp>
+      <p:sp>
+        <p:nvSpPr>
+          <p:cNvPr id="3" name="Content Placeholder 2">
+            <a:extLst>
+              <a:ext uri="{FF2B5EF4-FFF2-40B4-BE49-F238E27FC236}">
+                <a16:creationId xmlns:a16="http://schemas.microsoft.com/office/drawing/2014/main" id="{36719D79-6C40-4DF1-AF53-2F4CA7AF9CB4}"/>
+              </a:ext>
+            </a:extLst>
+          </p:cNvPr>
+          <p:cNvSpPr>
+            <a:spLocks noGrp="1"/>
+          </p:cNvSpPr>
+          <p:nvPr>
+            <p:ph idx="1"/>
+          </p:nvPr>
+        </p:nvSpPr>
+        <p:spPr/>
+        <p:txBody>
+          <a:bodyPr/>
+          <a:lstStyle/>
+          <a:p>
+            <a:r>
+              <a:rPr lang="fr-FR" dirty="0"/>
+              <a:t>Modules (@</a:t>
+            </a:r>
+            <a:r>
+              <a:rPr lang="fr-FR" dirty="0" err="1"/>
+              <a:t>NgModule</a:t>
+            </a:r>
+            <a:r>
+              <a:rPr lang="fr-FR" dirty="0"/>
+              <a:t>) : ensemble de composants, de directives, de pipes et de services</a:t>
+            </a:r>
+          </a:p>
+          <a:p>
+            <a:r>
+              <a:rPr lang="fr-FR" dirty="0"/>
+              <a:t>Composant (@Component) : intelligent, communicatif, visuel</a:t>
+            </a:r>
+          </a:p>
+          <a:p>
+            <a:r>
+              <a:rPr lang="fr-FR" dirty="0"/>
+              <a:t>Directive (@Directive) : </a:t>
+            </a:r>
+          </a:p>
+          <a:p>
+            <a:r>
+              <a:rPr lang="fr-FR" dirty="0"/>
+              <a:t>Pipe (@Pipe)</a:t>
+            </a:r>
+          </a:p>
+          <a:p>
+            <a:r>
+              <a:rPr lang="fr-FR" dirty="0"/>
+              <a:t>Service (@Injectable)</a:t>
+            </a:r>
+          </a:p>
+        </p:txBody>
+      </p:sp>
+    </p:spTree>
+    <p:extLst>
+      <p:ext uri="{BB962C8B-B14F-4D97-AF65-F5344CB8AC3E}">
+        <p14:creationId xmlns:p14="http://schemas.microsoft.com/office/powerpoint/2010/main" val="307878223"/>
+      </p:ext>
+    </p:extLst>
+  </p:cSld>
+  <p:clrMapOvr>
+    <a:masterClrMapping/>
+  </p:clrMapOvr>
+</p:sld>
+</file>
+
+<file path=ppt/slides/slide15.xml><?xml version="1.0" encoding="utf-8"?>
+<p:sld xmlns:a="http://schemas.openxmlformats.org/drawingml/2006/main" xmlns:r="http://schemas.openxmlformats.org/officeDocument/2006/relationships" xmlns:p="http://schemas.openxmlformats.org/presentationml/2006/main">
+  <p:cSld>
+    <p:spTree>
+      <p:nvGrpSpPr>
+        <p:cNvPr id="1" name=""/>
+        <p:cNvGrpSpPr/>
+        <p:nvPr/>
+      </p:nvGrpSpPr>
+      <p:grpSpPr>
+        <a:xfrm>
+          <a:off x="0" y="0"/>
+          <a:ext cx="0" cy="0"/>
+          <a:chOff x="0" y="0"/>
+          <a:chExt cx="0" cy="0"/>
+        </a:xfrm>
+      </p:grpSpPr>
+      <p:sp>
+        <p:nvSpPr>
+          <p:cNvPr id="2" name="Title 1">
+            <a:extLst>
+              <a:ext uri="{FF2B5EF4-FFF2-40B4-BE49-F238E27FC236}">
+                <a16:creationId xmlns:a16="http://schemas.microsoft.com/office/drawing/2014/main" id="{B0A2CF6C-80D5-4DE5-BE15-D85D1E579EF1}"/>
+              </a:ext>
+            </a:extLst>
+          </p:cNvPr>
+          <p:cNvSpPr>
+            <a:spLocks noGrp="1"/>
+          </p:cNvSpPr>
+          <p:nvPr>
+            <p:ph type="title"/>
+          </p:nvPr>
+        </p:nvSpPr>
+        <p:spPr/>
+        <p:txBody>
+          <a:bodyPr/>
+          <a:lstStyle/>
+          <a:p>
+            <a:r>
+              <a:rPr lang="fr-FR" dirty="0"/>
+              <a:t>Module</a:t>
+            </a:r>
+          </a:p>
+        </p:txBody>
+      </p:sp>
+      <p:sp>
+        <p:nvSpPr>
+          <p:cNvPr id="4" name="Rectangle 3">
+            <a:extLst>
+              <a:ext uri="{FF2B5EF4-FFF2-40B4-BE49-F238E27FC236}">
+                <a16:creationId xmlns:a16="http://schemas.microsoft.com/office/drawing/2014/main" id="{1F0474C4-3BC1-4BEB-AF32-29C3B12B376E}"/>
+              </a:ext>
+            </a:extLst>
+          </p:cNvPr>
+          <p:cNvSpPr/>
+          <p:nvPr/>
+        </p:nvSpPr>
+        <p:spPr>
+          <a:xfrm>
+            <a:off x="4746609" y="1433632"/>
+            <a:ext cx="2499666" cy="1470392"/>
+          </a:xfrm>
+          <a:prstGeom prst="rect">
+            <a:avLst/>
+          </a:prstGeom>
+        </p:spPr>
+        <p:style>
+          <a:lnRef idx="2">
+            <a:schemeClr val="accent1">
+              <a:shade val="50000"/>
+            </a:schemeClr>
+          </a:lnRef>
+          <a:fillRef idx="1">
+            <a:schemeClr val="accent1"/>
+          </a:fillRef>
+          <a:effectRef idx="0">
+            <a:schemeClr val="accent1"/>
+          </a:effectRef>
+          <a:fontRef idx="minor">
+            <a:schemeClr val="lt1"/>
+          </a:fontRef>
+        </p:style>
+        <p:txBody>
+          <a:bodyPr rtlCol="0" anchor="ctr"/>
+          <a:lstStyle/>
+          <a:p>
+            <a:pPr algn="ctr"/>
+            <a:r>
+              <a:rPr lang="fr-FR" dirty="0"/>
+              <a:t>Module</a:t>
+            </a:r>
+          </a:p>
+        </p:txBody>
+      </p:sp>
+      <p:sp>
+        <p:nvSpPr>
+          <p:cNvPr id="5" name="Rectangle 4">
+            <a:extLst>
+              <a:ext uri="{FF2B5EF4-FFF2-40B4-BE49-F238E27FC236}">
+                <a16:creationId xmlns:a16="http://schemas.microsoft.com/office/drawing/2014/main" id="{82DC8B78-9C6B-4110-B736-2B9FD4149F1B}"/>
+              </a:ext>
+            </a:extLst>
+          </p:cNvPr>
+          <p:cNvSpPr/>
+          <p:nvPr/>
+        </p:nvSpPr>
+        <p:spPr>
+          <a:xfrm>
+            <a:off x="3620840" y="3335952"/>
+            <a:ext cx="2959164" cy="1810420"/>
+          </a:xfrm>
+          <a:prstGeom prst="rect">
+            <a:avLst/>
+          </a:prstGeom>
+        </p:spPr>
+        <p:style>
+          <a:lnRef idx="2">
+            <a:schemeClr val="accent5"/>
+          </a:lnRef>
+          <a:fillRef idx="1">
+            <a:schemeClr val="lt1"/>
+          </a:fillRef>
+          <a:effectRef idx="0">
+            <a:schemeClr val="accent5"/>
+          </a:effectRef>
+          <a:fontRef idx="minor">
+            <a:schemeClr val="dk1"/>
+          </a:fontRef>
+        </p:style>
+        <p:txBody>
+          <a:bodyPr rtlCol="0" anchor="ctr"/>
+          <a:lstStyle/>
+          <a:p>
+            <a:pPr algn="ctr"/>
+            <a:endParaRPr lang="fr-FR"/>
+          </a:p>
+        </p:txBody>
+      </p:sp>
+      <p:sp>
+        <p:nvSpPr>
+          <p:cNvPr id="6" name="Oval 5">
+            <a:extLst>
+              <a:ext uri="{FF2B5EF4-FFF2-40B4-BE49-F238E27FC236}">
+                <a16:creationId xmlns:a16="http://schemas.microsoft.com/office/drawing/2014/main" id="{93E79D26-5012-4720-8B36-4AC4CD1A744C}"/>
+              </a:ext>
+            </a:extLst>
+          </p:cNvPr>
+          <p:cNvSpPr/>
+          <p:nvPr/>
+        </p:nvSpPr>
+        <p:spPr>
+          <a:xfrm>
+            <a:off x="4057363" y="3593270"/>
+            <a:ext cx="753576" cy="477878"/>
+          </a:xfrm>
+          <a:prstGeom prst="ellipse">
+            <a:avLst/>
+          </a:prstGeom>
+        </p:spPr>
+        <p:style>
+          <a:lnRef idx="2">
+            <a:schemeClr val="accent6">
+              <a:shade val="50000"/>
+            </a:schemeClr>
+          </a:lnRef>
+          <a:fillRef idx="1">
+            <a:schemeClr val="accent6"/>
+          </a:fillRef>
+          <a:effectRef idx="0">
+            <a:schemeClr val="accent6"/>
+          </a:effectRef>
+          <a:fontRef idx="minor">
+            <a:schemeClr val="lt1"/>
+          </a:fontRef>
+        </p:style>
+        <p:txBody>
+          <a:bodyPr rtlCol="0" anchor="ctr"/>
+          <a:lstStyle/>
+          <a:p>
+            <a:pPr algn="ctr"/>
+            <a:endParaRPr lang="fr-FR"/>
+          </a:p>
+        </p:txBody>
+      </p:sp>
+      <p:sp>
+        <p:nvSpPr>
+          <p:cNvPr id="7" name="Oval 6">
+            <a:extLst>
+              <a:ext uri="{FF2B5EF4-FFF2-40B4-BE49-F238E27FC236}">
+                <a16:creationId xmlns:a16="http://schemas.microsoft.com/office/drawing/2014/main" id="{F70D201A-BEF6-4A0E-9110-82FD6D7DA1B7}"/>
+              </a:ext>
+            </a:extLst>
+          </p:cNvPr>
+          <p:cNvSpPr/>
+          <p:nvPr/>
+        </p:nvSpPr>
+        <p:spPr>
+          <a:xfrm>
+            <a:off x="5366931" y="3841399"/>
+            <a:ext cx="790335" cy="477878"/>
+          </a:xfrm>
+          <a:prstGeom prst="ellipse">
+            <a:avLst/>
+          </a:prstGeom>
+        </p:spPr>
+        <p:style>
+          <a:lnRef idx="2">
+            <a:schemeClr val="accent2">
+              <a:shade val="50000"/>
+            </a:schemeClr>
+          </a:lnRef>
+          <a:fillRef idx="1">
+            <a:schemeClr val="accent2"/>
+          </a:fillRef>
+          <a:effectRef idx="0">
+            <a:schemeClr val="accent2"/>
+          </a:effectRef>
+          <a:fontRef idx="minor">
+            <a:schemeClr val="lt1"/>
+          </a:fontRef>
+        </p:style>
+        <p:txBody>
+          <a:bodyPr rtlCol="0" anchor="ctr"/>
+          <a:lstStyle/>
+          <a:p>
+            <a:pPr algn="ctr"/>
+            <a:endParaRPr lang="fr-FR"/>
+          </a:p>
+        </p:txBody>
+      </p:sp>
+      <p:sp>
+        <p:nvSpPr>
+          <p:cNvPr id="8" name="Isosceles Triangle 7">
+            <a:extLst>
+              <a:ext uri="{FF2B5EF4-FFF2-40B4-BE49-F238E27FC236}">
+                <a16:creationId xmlns:a16="http://schemas.microsoft.com/office/drawing/2014/main" id="{18139B88-ACE0-4F3C-BE23-3B3CFEAB6E48}"/>
+              </a:ext>
+            </a:extLst>
+          </p:cNvPr>
+          <p:cNvSpPr/>
+          <p:nvPr/>
+        </p:nvSpPr>
+        <p:spPr>
+          <a:xfrm>
+            <a:off x="4057363" y="4277922"/>
+            <a:ext cx="822500" cy="643296"/>
+          </a:xfrm>
+          <a:prstGeom prst="triangle">
+            <a:avLst/>
+          </a:prstGeom>
+        </p:spPr>
+        <p:style>
+          <a:lnRef idx="2">
+            <a:schemeClr val="accent1">
+              <a:shade val="50000"/>
+            </a:schemeClr>
+          </a:lnRef>
+          <a:fillRef idx="1">
+            <a:schemeClr val="accent1"/>
+          </a:fillRef>
+          <a:effectRef idx="0">
+            <a:schemeClr val="accent1"/>
+          </a:effectRef>
+          <a:fontRef idx="minor">
+            <a:schemeClr val="lt1"/>
+          </a:fontRef>
+        </p:style>
+        <p:txBody>
+          <a:bodyPr rtlCol="0" anchor="ctr"/>
+          <a:lstStyle/>
+          <a:p>
+            <a:pPr algn="ctr"/>
+            <a:endParaRPr lang="fr-FR"/>
+          </a:p>
+        </p:txBody>
+      </p:sp>
+      <p:cxnSp>
+        <p:nvCxnSpPr>
+          <p:cNvPr id="10" name="Straight Arrow Connector 9">
+            <a:extLst>
+              <a:ext uri="{FF2B5EF4-FFF2-40B4-BE49-F238E27FC236}">
+                <a16:creationId xmlns:a16="http://schemas.microsoft.com/office/drawing/2014/main" id="{44539FE8-741A-4C5F-A677-EB0BA843F254}"/>
+              </a:ext>
+            </a:extLst>
+          </p:cNvPr>
+          <p:cNvCxnSpPr>
+            <a:endCxn id="4" idx="3"/>
+          </p:cNvCxnSpPr>
+          <p:nvPr/>
+        </p:nvCxnSpPr>
+        <p:spPr>
+          <a:xfrm flipH="1" flipV="1">
+            <a:off x="7246275" y="2168828"/>
+            <a:ext cx="2380197" cy="565182"/>
+          </a:xfrm>
+          <a:prstGeom prst="straightConnector1">
+            <a:avLst/>
+          </a:prstGeom>
+          <a:ln w="76200">
+            <a:prstDash val="sysDash"/>
+            <a:tailEnd type="triangle"/>
+          </a:ln>
+        </p:spPr>
+        <p:style>
+          <a:lnRef idx="1">
+            <a:schemeClr val="accent1"/>
+          </a:lnRef>
+          <a:fillRef idx="0">
+            <a:schemeClr val="accent1"/>
+          </a:fillRef>
+          <a:effectRef idx="0">
+            <a:schemeClr val="accent1"/>
+          </a:effectRef>
+          <a:fontRef idx="minor">
+            <a:schemeClr val="tx1"/>
+          </a:fontRef>
+        </p:style>
+      </p:cxnSp>
+      <p:sp>
+        <p:nvSpPr>
+          <p:cNvPr id="11" name="Rectangle 10">
+            <a:extLst>
+              <a:ext uri="{FF2B5EF4-FFF2-40B4-BE49-F238E27FC236}">
+                <a16:creationId xmlns:a16="http://schemas.microsoft.com/office/drawing/2014/main" id="{D02FAC39-C378-4AFC-AAE9-8394A96B3BB5}"/>
+              </a:ext>
+            </a:extLst>
+          </p:cNvPr>
+          <p:cNvSpPr/>
+          <p:nvPr/>
+        </p:nvSpPr>
+        <p:spPr>
+          <a:xfrm>
+            <a:off x="9626472" y="2411858"/>
+            <a:ext cx="1255194" cy="800292"/>
+          </a:xfrm>
+          <a:prstGeom prst="rect">
+            <a:avLst/>
+          </a:prstGeom>
+        </p:spPr>
+        <p:style>
+          <a:lnRef idx="2">
+            <a:schemeClr val="accent1">
+              <a:shade val="50000"/>
+            </a:schemeClr>
+          </a:lnRef>
+          <a:fillRef idx="1">
+            <a:schemeClr val="accent1"/>
+          </a:fillRef>
+          <a:effectRef idx="0">
+            <a:schemeClr val="accent1"/>
+          </a:effectRef>
+          <a:fontRef idx="minor">
+            <a:schemeClr val="lt1"/>
+          </a:fontRef>
+        </p:style>
+        <p:txBody>
+          <a:bodyPr rtlCol="0" anchor="ctr"/>
+          <a:lstStyle/>
+          <a:p>
+            <a:pPr algn="ctr"/>
+            <a:r>
+              <a:rPr lang="fr-FR" dirty="0"/>
+              <a:t>Autre Module</a:t>
+            </a:r>
+          </a:p>
+        </p:txBody>
+      </p:sp>
+      <p:sp>
+        <p:nvSpPr>
+          <p:cNvPr id="13" name="TextBox 12">
+            <a:extLst>
+              <a:ext uri="{FF2B5EF4-FFF2-40B4-BE49-F238E27FC236}">
+                <a16:creationId xmlns:a16="http://schemas.microsoft.com/office/drawing/2014/main" id="{55494B6A-1AB2-41C4-9E12-8022BD673EF7}"/>
+              </a:ext>
+            </a:extLst>
+          </p:cNvPr>
+          <p:cNvSpPr txBox="1"/>
+          <p:nvPr/>
+        </p:nvSpPr>
+        <p:spPr>
+          <a:xfrm>
+            <a:off x="8032016" y="1948269"/>
+            <a:ext cx="822661" cy="369332"/>
+          </a:xfrm>
+          <a:prstGeom prst="rect">
+            <a:avLst/>
+          </a:prstGeom>
+          <a:noFill/>
+        </p:spPr>
+        <p:txBody>
+          <a:bodyPr wrap="none" rtlCol="0">
+            <a:spAutoFit/>
+          </a:bodyPr>
+          <a:lstStyle/>
+          <a:p>
+            <a:r>
+              <a:rPr lang="fr-FR" dirty="0"/>
+              <a:t>import</a:t>
+            </a:r>
+          </a:p>
+        </p:txBody>
+      </p:sp>
+    </p:spTree>
+    <p:extLst>
+      <p:ext uri="{BB962C8B-B14F-4D97-AF65-F5344CB8AC3E}">
+        <p14:creationId xmlns:p14="http://schemas.microsoft.com/office/powerpoint/2010/main" val="2116797429"/>
+      </p:ext>
+    </p:extLst>
+  </p:cSld>
+  <p:clrMapOvr>
+    <a:masterClrMapping/>
+  </p:clrMapOvr>
+</p:sld>
+</file>
+
+<file path=ppt/slides/slide16.xml><?xml version="1.0" encoding="utf-8"?>
+<p:sld xmlns:a="http://schemas.openxmlformats.org/drawingml/2006/main" xmlns:r="http://schemas.openxmlformats.org/officeDocument/2006/relationships" xmlns:p="http://schemas.openxmlformats.org/presentationml/2006/main">
+  <p:cSld>
+    <p:spTree>
+      <p:nvGrpSpPr>
+        <p:cNvPr id="1" name=""/>
+        <p:cNvGrpSpPr/>
+        <p:nvPr/>
+      </p:nvGrpSpPr>
+      <p:grpSpPr>
+        <a:xfrm>
+          <a:off x="0" y="0"/>
+          <a:ext cx="0" cy="0"/>
+          <a:chOff x="0" y="0"/>
+          <a:chExt cx="0" cy="0"/>
+        </a:xfrm>
+      </p:grpSpPr>
+      <p:sp>
+        <p:nvSpPr>
+          <p:cNvPr id="2" name="Title 1">
+            <a:extLst>
+              <a:ext uri="{FF2B5EF4-FFF2-40B4-BE49-F238E27FC236}">
+                <a16:creationId xmlns:a16="http://schemas.microsoft.com/office/drawing/2014/main" id="{07ABCAC5-591E-4DD6-9E9E-A41764867CD2}"/>
+              </a:ext>
+            </a:extLst>
+          </p:cNvPr>
+          <p:cNvSpPr>
+            <a:spLocks noGrp="1"/>
+          </p:cNvSpPr>
+          <p:nvPr>
+            <p:ph type="title"/>
+          </p:nvPr>
+        </p:nvSpPr>
+        <p:spPr/>
+        <p:txBody>
+          <a:bodyPr/>
+          <a:lstStyle/>
+          <a:p>
+            <a:r>
+              <a:rPr lang="fr-FR" dirty="0"/>
+              <a:t>Composant</a:t>
+            </a:r>
+          </a:p>
+        </p:txBody>
+      </p:sp>
+      <p:sp>
+        <p:nvSpPr>
+          <p:cNvPr id="4" name="Oval 3">
+            <a:extLst>
+              <a:ext uri="{FF2B5EF4-FFF2-40B4-BE49-F238E27FC236}">
+                <a16:creationId xmlns:a16="http://schemas.microsoft.com/office/drawing/2014/main" id="{97AD0C21-755A-4465-98CB-F9FC4E41346D}"/>
+              </a:ext>
+            </a:extLst>
+          </p:cNvPr>
+          <p:cNvSpPr/>
+          <p:nvPr/>
+        </p:nvSpPr>
+        <p:spPr>
+          <a:xfrm>
+            <a:off x="5270436" y="1355518"/>
+            <a:ext cx="2747795" cy="1369302"/>
+          </a:xfrm>
+          <a:prstGeom prst="ellipse">
+            <a:avLst/>
+          </a:prstGeom>
+        </p:spPr>
+        <p:style>
+          <a:lnRef idx="2">
+            <a:schemeClr val="accent6">
+              <a:shade val="50000"/>
+            </a:schemeClr>
+          </a:lnRef>
+          <a:fillRef idx="1">
+            <a:schemeClr val="accent6"/>
+          </a:fillRef>
+          <a:effectRef idx="0">
+            <a:schemeClr val="accent6"/>
+          </a:effectRef>
+          <a:fontRef idx="minor">
+            <a:schemeClr val="lt1"/>
+          </a:fontRef>
+        </p:style>
+        <p:txBody>
+          <a:bodyPr rtlCol="0" anchor="ctr"/>
+          <a:lstStyle/>
+          <a:p>
+            <a:pPr algn="ctr"/>
+            <a:r>
+              <a:rPr lang="fr-FR" dirty="0"/>
+              <a:t>Component</a:t>
+            </a:r>
+          </a:p>
+        </p:txBody>
+      </p:sp>
+      <p:sp>
+        <p:nvSpPr>
+          <p:cNvPr id="5" name="Rectangle 4">
+            <a:extLst>
+              <a:ext uri="{FF2B5EF4-FFF2-40B4-BE49-F238E27FC236}">
+                <a16:creationId xmlns:a16="http://schemas.microsoft.com/office/drawing/2014/main" id="{EF4CAC19-66CC-44A7-A0EF-EFD706E03BDA}"/>
+              </a:ext>
+            </a:extLst>
+          </p:cNvPr>
+          <p:cNvSpPr/>
+          <p:nvPr/>
+        </p:nvSpPr>
+        <p:spPr>
+          <a:xfrm>
+            <a:off x="2931594" y="3556511"/>
+            <a:ext cx="1879345" cy="1024679"/>
+          </a:xfrm>
+          <a:prstGeom prst="rect">
+            <a:avLst/>
+          </a:prstGeom>
+        </p:spPr>
+        <p:style>
+          <a:lnRef idx="2">
+            <a:schemeClr val="accent1">
+              <a:shade val="50000"/>
+            </a:schemeClr>
+          </a:lnRef>
+          <a:fillRef idx="1">
+            <a:schemeClr val="accent1"/>
+          </a:fillRef>
+          <a:effectRef idx="0">
+            <a:schemeClr val="accent1"/>
+          </a:effectRef>
+          <a:fontRef idx="minor">
+            <a:schemeClr val="lt1"/>
+          </a:fontRef>
+        </p:style>
+        <p:txBody>
+          <a:bodyPr rtlCol="0" anchor="ctr"/>
+          <a:lstStyle/>
+          <a:p>
+            <a:pPr algn="ctr"/>
+            <a:r>
+              <a:rPr lang="fr-FR" dirty="0"/>
+              <a:t>Visuelle</a:t>
+            </a:r>
+          </a:p>
+        </p:txBody>
+      </p:sp>
+      <p:sp>
+        <p:nvSpPr>
+          <p:cNvPr id="6" name="Rectangle 5">
+            <a:extLst>
+              <a:ext uri="{FF2B5EF4-FFF2-40B4-BE49-F238E27FC236}">
+                <a16:creationId xmlns:a16="http://schemas.microsoft.com/office/drawing/2014/main" id="{ED27932A-A770-41C0-98A7-14635CE9A99C}"/>
+              </a:ext>
+            </a:extLst>
+          </p:cNvPr>
+          <p:cNvSpPr/>
+          <p:nvPr/>
+        </p:nvSpPr>
+        <p:spPr>
+          <a:xfrm>
+            <a:off x="5601274" y="3556511"/>
+            <a:ext cx="1966650" cy="1024679"/>
+          </a:xfrm>
+          <a:prstGeom prst="rect">
+            <a:avLst/>
+          </a:prstGeom>
+        </p:spPr>
+        <p:style>
+          <a:lnRef idx="2">
+            <a:schemeClr val="accent1">
+              <a:shade val="50000"/>
+            </a:schemeClr>
+          </a:lnRef>
+          <a:fillRef idx="1">
+            <a:schemeClr val="accent1"/>
+          </a:fillRef>
+          <a:effectRef idx="0">
+            <a:schemeClr val="accent1"/>
+          </a:effectRef>
+          <a:fontRef idx="minor">
+            <a:schemeClr val="lt1"/>
+          </a:fontRef>
+        </p:style>
+        <p:txBody>
+          <a:bodyPr rtlCol="0" anchor="ctr"/>
+          <a:lstStyle/>
+          <a:p>
+            <a:pPr algn="ctr"/>
+            <a:r>
+              <a:rPr lang="fr-FR" dirty="0"/>
+              <a:t>Intelligente</a:t>
+            </a:r>
+          </a:p>
+        </p:txBody>
+      </p:sp>
+      <p:sp>
+        <p:nvSpPr>
+          <p:cNvPr id="7" name="Rectangle 6">
+            <a:extLst>
+              <a:ext uri="{FF2B5EF4-FFF2-40B4-BE49-F238E27FC236}">
+                <a16:creationId xmlns:a16="http://schemas.microsoft.com/office/drawing/2014/main" id="{61E5CB99-E7AB-41B6-860D-E3D27031A0FA}"/>
+              </a:ext>
+            </a:extLst>
+          </p:cNvPr>
+          <p:cNvSpPr/>
+          <p:nvPr/>
+        </p:nvSpPr>
+        <p:spPr>
+          <a:xfrm>
+            <a:off x="8437139" y="3556511"/>
+            <a:ext cx="1966650" cy="1024679"/>
+          </a:xfrm>
+          <a:prstGeom prst="rect">
+            <a:avLst/>
+          </a:prstGeom>
+        </p:spPr>
+        <p:style>
+          <a:lnRef idx="2">
+            <a:schemeClr val="accent1">
+              <a:shade val="50000"/>
+            </a:schemeClr>
+          </a:lnRef>
+          <a:fillRef idx="1">
+            <a:schemeClr val="accent1"/>
+          </a:fillRef>
+          <a:effectRef idx="0">
+            <a:schemeClr val="accent1"/>
+          </a:effectRef>
+          <a:fontRef idx="minor">
+            <a:schemeClr val="lt1"/>
+          </a:fontRef>
+        </p:style>
+        <p:txBody>
+          <a:bodyPr rtlCol="0" anchor="ctr"/>
+          <a:lstStyle/>
+          <a:p>
+            <a:pPr algn="ctr"/>
+            <a:r>
+              <a:rPr lang="fr-FR" dirty="0"/>
+              <a:t>Communiquer</a:t>
+            </a:r>
+          </a:p>
+        </p:txBody>
+      </p:sp>
+      <p:cxnSp>
+        <p:nvCxnSpPr>
+          <p:cNvPr id="9" name="Straight Arrow Connector 8">
+            <a:extLst>
+              <a:ext uri="{FF2B5EF4-FFF2-40B4-BE49-F238E27FC236}">
+                <a16:creationId xmlns:a16="http://schemas.microsoft.com/office/drawing/2014/main" id="{6DD2A27E-E9FD-45E5-A0E4-1C7B4119A989}"/>
+              </a:ext>
+            </a:extLst>
+          </p:cNvPr>
+          <p:cNvCxnSpPr>
+            <a:stCxn id="5" idx="0"/>
+            <a:endCxn id="4" idx="3"/>
+          </p:cNvCxnSpPr>
+          <p:nvPr/>
+        </p:nvCxnSpPr>
+        <p:spPr>
+          <a:xfrm flipV="1">
+            <a:off x="3871267" y="2524290"/>
+            <a:ext cx="1801574" cy="1032221"/>
+          </a:xfrm>
+          <a:prstGeom prst="straightConnector1">
+            <a:avLst/>
+          </a:prstGeom>
+          <a:ln w="76200">
+            <a:tailEnd type="triangle"/>
+          </a:ln>
+        </p:spPr>
+        <p:style>
+          <a:lnRef idx="1">
+            <a:schemeClr val="accent1"/>
+          </a:lnRef>
+          <a:fillRef idx="0">
+            <a:schemeClr val="accent1"/>
+          </a:fillRef>
+          <a:effectRef idx="0">
+            <a:schemeClr val="accent1"/>
+          </a:effectRef>
+          <a:fontRef idx="minor">
+            <a:schemeClr val="tx1"/>
+          </a:fontRef>
+        </p:style>
+      </p:cxnSp>
+      <p:cxnSp>
+        <p:nvCxnSpPr>
+          <p:cNvPr id="11" name="Straight Arrow Connector 10">
+            <a:extLst>
+              <a:ext uri="{FF2B5EF4-FFF2-40B4-BE49-F238E27FC236}">
+                <a16:creationId xmlns:a16="http://schemas.microsoft.com/office/drawing/2014/main" id="{A51B32E2-BC5F-42C8-AB95-5B9DC9F447B8}"/>
+              </a:ext>
+            </a:extLst>
+          </p:cNvPr>
+          <p:cNvCxnSpPr>
+            <a:stCxn id="6" idx="0"/>
+            <a:endCxn id="4" idx="4"/>
+          </p:cNvCxnSpPr>
+          <p:nvPr/>
+        </p:nvCxnSpPr>
+        <p:spPr>
+          <a:xfrm flipV="1">
+            <a:off x="6584599" y="2724820"/>
+            <a:ext cx="59735" cy="831691"/>
+          </a:xfrm>
+          <a:prstGeom prst="straightConnector1">
+            <a:avLst/>
+          </a:prstGeom>
+          <a:ln w="76200">
+            <a:tailEnd type="triangle"/>
+          </a:ln>
+        </p:spPr>
+        <p:style>
+          <a:lnRef idx="1">
+            <a:schemeClr val="accent1"/>
+          </a:lnRef>
+          <a:fillRef idx="0">
+            <a:schemeClr val="accent1"/>
+          </a:fillRef>
+          <a:effectRef idx="0">
+            <a:schemeClr val="accent1"/>
+          </a:effectRef>
+          <a:fontRef idx="minor">
+            <a:schemeClr val="tx1"/>
+          </a:fontRef>
+        </p:style>
+      </p:cxnSp>
+      <p:cxnSp>
+        <p:nvCxnSpPr>
+          <p:cNvPr id="13" name="Straight Arrow Connector 12">
+            <a:extLst>
+              <a:ext uri="{FF2B5EF4-FFF2-40B4-BE49-F238E27FC236}">
+                <a16:creationId xmlns:a16="http://schemas.microsoft.com/office/drawing/2014/main" id="{176C98B7-0E4D-4619-854E-A5559FCACE08}"/>
+              </a:ext>
+            </a:extLst>
+          </p:cNvPr>
+          <p:cNvCxnSpPr>
+            <a:stCxn id="7" idx="0"/>
+            <a:endCxn id="4" idx="5"/>
+          </p:cNvCxnSpPr>
+          <p:nvPr/>
+        </p:nvCxnSpPr>
+        <p:spPr>
+          <a:xfrm flipH="1" flipV="1">
+            <a:off x="7615826" y="2524290"/>
+            <a:ext cx="1804638" cy="1032221"/>
+          </a:xfrm>
+          <a:prstGeom prst="straightConnector1">
+            <a:avLst/>
+          </a:prstGeom>
+          <a:ln w="76200">
+            <a:tailEnd type="triangle"/>
+          </a:ln>
+        </p:spPr>
+        <p:style>
+          <a:lnRef idx="1">
+            <a:schemeClr val="accent1"/>
+          </a:lnRef>
+          <a:fillRef idx="0">
+            <a:schemeClr val="accent1"/>
+          </a:fillRef>
+          <a:effectRef idx="0">
+            <a:schemeClr val="accent1"/>
+          </a:effectRef>
+          <a:fontRef idx="minor">
+            <a:schemeClr val="tx1"/>
+          </a:fontRef>
+        </p:style>
+      </p:cxnSp>
+      <p:sp>
+        <p:nvSpPr>
+          <p:cNvPr id="14" name="TextBox 13">
+            <a:extLst>
+              <a:ext uri="{FF2B5EF4-FFF2-40B4-BE49-F238E27FC236}">
+                <a16:creationId xmlns:a16="http://schemas.microsoft.com/office/drawing/2014/main" id="{000FCE04-8CD1-4E94-AA10-D1F310FA7257}"/>
+              </a:ext>
+            </a:extLst>
+          </p:cNvPr>
+          <p:cNvSpPr txBox="1"/>
+          <p:nvPr/>
+        </p:nvSpPr>
+        <p:spPr>
+          <a:xfrm>
+            <a:off x="3675980" y="4953383"/>
+            <a:ext cx="618567" cy="646331"/>
+          </a:xfrm>
+          <a:prstGeom prst="rect">
+            <a:avLst/>
+          </a:prstGeom>
+          <a:noFill/>
+        </p:spPr>
+        <p:txBody>
+          <a:bodyPr wrap="none" rtlCol="0">
+            <a:spAutoFit/>
+          </a:bodyPr>
+          <a:lstStyle/>
+          <a:p>
+            <a:r>
+              <a:rPr lang="fr-FR" dirty="0"/>
+              <a:t>html</a:t>
+            </a:r>
+          </a:p>
+          <a:p>
+            <a:r>
+              <a:rPr lang="fr-FR" dirty="0" err="1"/>
+              <a:t>css</a:t>
+            </a:r>
+            <a:endParaRPr lang="fr-FR" dirty="0"/>
+          </a:p>
+        </p:txBody>
+      </p:sp>
+      <p:sp>
+        <p:nvSpPr>
+          <p:cNvPr id="15" name="TextBox 14">
+            <a:extLst>
+              <a:ext uri="{FF2B5EF4-FFF2-40B4-BE49-F238E27FC236}">
+                <a16:creationId xmlns:a16="http://schemas.microsoft.com/office/drawing/2014/main" id="{16E26C48-3501-4678-B802-EBBEBA9D6D13}"/>
+              </a:ext>
+            </a:extLst>
+          </p:cNvPr>
+          <p:cNvSpPr txBox="1"/>
+          <p:nvPr/>
+        </p:nvSpPr>
+        <p:spPr>
+          <a:xfrm>
+            <a:off x="6157266" y="4953383"/>
+            <a:ext cx="1556260" cy="1200329"/>
+          </a:xfrm>
+          <a:prstGeom prst="rect">
+            <a:avLst/>
+          </a:prstGeom>
+          <a:noFill/>
+        </p:spPr>
+        <p:txBody>
+          <a:bodyPr wrap="none" rtlCol="0">
+            <a:spAutoFit/>
+          </a:bodyPr>
+          <a:lstStyle/>
+          <a:p>
+            <a:r>
+              <a:rPr lang="fr-FR" dirty="0"/>
+              <a:t>classe</a:t>
+            </a:r>
+          </a:p>
+          <a:p>
+            <a:r>
+              <a:rPr lang="fr-FR" dirty="0"/>
+              <a:t> - attributs</a:t>
+            </a:r>
+          </a:p>
+          <a:p>
+            <a:r>
+              <a:rPr lang="fr-FR" dirty="0"/>
+              <a:t> - </a:t>
+            </a:r>
+            <a:r>
+              <a:rPr lang="fr-FR" dirty="0" err="1"/>
+              <a:t>methodes</a:t>
+            </a:r>
+            <a:endParaRPr lang="fr-FR" dirty="0"/>
+          </a:p>
+          <a:p>
+            <a:r>
+              <a:rPr lang="fr-FR" dirty="0"/>
+              <a:t> - constructeur</a:t>
+            </a:r>
+          </a:p>
+        </p:txBody>
+      </p:sp>
+      <p:sp>
+        <p:nvSpPr>
+          <p:cNvPr id="16" name="TextBox 15">
+            <a:extLst>
+              <a:ext uri="{FF2B5EF4-FFF2-40B4-BE49-F238E27FC236}">
+                <a16:creationId xmlns:a16="http://schemas.microsoft.com/office/drawing/2014/main" id="{FCF14B80-E8CB-43CD-8DC2-4A04DA7A1B82}"/>
+              </a:ext>
+            </a:extLst>
+          </p:cNvPr>
+          <p:cNvSpPr txBox="1"/>
+          <p:nvPr/>
+        </p:nvSpPr>
+        <p:spPr>
+          <a:xfrm>
+            <a:off x="8928036" y="5049877"/>
+            <a:ext cx="2235805" cy="923330"/>
+          </a:xfrm>
+          <a:prstGeom prst="rect">
+            <a:avLst/>
+          </a:prstGeom>
+          <a:noFill/>
+        </p:spPr>
+        <p:txBody>
+          <a:bodyPr wrap="none" rtlCol="0">
+            <a:spAutoFit/>
+          </a:bodyPr>
+          <a:lstStyle/>
+          <a:p>
+            <a:r>
+              <a:rPr lang="fr-FR" dirty="0"/>
+              <a:t>classe :</a:t>
+            </a:r>
+          </a:p>
+          <a:p>
+            <a:r>
+              <a:rPr lang="fr-FR" dirty="0"/>
+              <a:t> - output : </a:t>
+            </a:r>
+            <a:r>
+              <a:rPr lang="fr-FR" dirty="0" err="1"/>
+              <a:t>evenement</a:t>
+            </a:r>
+            <a:endParaRPr lang="fr-FR" dirty="0"/>
+          </a:p>
+          <a:p>
+            <a:r>
+              <a:rPr lang="fr-FR" dirty="0"/>
+              <a:t> - input</a:t>
+            </a:r>
+          </a:p>
+        </p:txBody>
+      </p:sp>
+    </p:spTree>
+    <p:extLst>
+      <p:ext uri="{BB962C8B-B14F-4D97-AF65-F5344CB8AC3E}">
+        <p14:creationId xmlns:p14="http://schemas.microsoft.com/office/powerpoint/2010/main" val="1498690829"/>
+      </p:ext>
+    </p:extLst>
+  </p:cSld>
+  <p:clrMapOvr>
+    <a:masterClrMapping/>
+  </p:clrMapOvr>
+</p:sld>
+</file>
+
+<file path=ppt/slides/slide17.xml><?xml version="1.0" encoding="utf-8"?>
+<p:sld xmlns:a="http://schemas.openxmlformats.org/drawingml/2006/main" xmlns:r="http://schemas.openxmlformats.org/officeDocument/2006/relationships" xmlns:p="http://schemas.openxmlformats.org/presentationml/2006/main">
+  <p:cSld>
+    <p:spTree>
+      <p:nvGrpSpPr>
+        <p:cNvPr id="1" name=""/>
+        <p:cNvGrpSpPr/>
+        <p:nvPr/>
+      </p:nvGrpSpPr>
+      <p:grpSpPr>
+        <a:xfrm>
+          <a:off x="0" y="0"/>
+          <a:ext cx="0" cy="0"/>
+          <a:chOff x="0" y="0"/>
+          <a:chExt cx="0" cy="0"/>
+        </a:xfrm>
+      </p:grpSpPr>
+      <p:sp>
+        <p:nvSpPr>
+          <p:cNvPr id="2" name="Title 1">
+            <a:extLst>
+              <a:ext uri="{FF2B5EF4-FFF2-40B4-BE49-F238E27FC236}">
+                <a16:creationId xmlns:a16="http://schemas.microsoft.com/office/drawing/2014/main" id="{07ABCAC5-591E-4DD6-9E9E-A41764867CD2}"/>
+              </a:ext>
+            </a:extLst>
+          </p:cNvPr>
+          <p:cNvSpPr>
+            <a:spLocks noGrp="1"/>
+          </p:cNvSpPr>
+          <p:nvPr>
+            <p:ph type="title"/>
+          </p:nvPr>
+        </p:nvSpPr>
+        <p:spPr/>
+        <p:txBody>
+          <a:bodyPr/>
+          <a:lstStyle/>
+          <a:p>
+            <a:r>
+              <a:rPr lang="fr-FR" dirty="0"/>
+              <a:t>Directive</a:t>
+            </a:r>
+          </a:p>
+        </p:txBody>
+      </p:sp>
+      <p:sp>
+        <p:nvSpPr>
+          <p:cNvPr id="4" name="Oval 3">
+            <a:extLst>
+              <a:ext uri="{FF2B5EF4-FFF2-40B4-BE49-F238E27FC236}">
+                <a16:creationId xmlns:a16="http://schemas.microsoft.com/office/drawing/2014/main" id="{97AD0C21-755A-4465-98CB-F9FC4E41346D}"/>
+              </a:ext>
+            </a:extLst>
+          </p:cNvPr>
+          <p:cNvSpPr/>
+          <p:nvPr/>
+        </p:nvSpPr>
+        <p:spPr>
+          <a:xfrm>
+            <a:off x="5270436" y="1355518"/>
+            <a:ext cx="2747795" cy="1369302"/>
+          </a:xfrm>
+          <a:prstGeom prst="ellipse">
+            <a:avLst/>
+          </a:prstGeom>
+        </p:spPr>
+        <p:style>
+          <a:lnRef idx="2">
+            <a:schemeClr val="accent6">
+              <a:shade val="50000"/>
+            </a:schemeClr>
+          </a:lnRef>
+          <a:fillRef idx="1">
+            <a:schemeClr val="accent6"/>
+          </a:fillRef>
+          <a:effectRef idx="0">
+            <a:schemeClr val="accent6"/>
+          </a:effectRef>
+          <a:fontRef idx="minor">
+            <a:schemeClr val="lt1"/>
+          </a:fontRef>
+        </p:style>
+        <p:txBody>
+          <a:bodyPr rtlCol="0" anchor="ctr"/>
+          <a:lstStyle/>
+          <a:p>
+            <a:pPr algn="ctr"/>
+            <a:r>
+              <a:rPr lang="fr-FR" dirty="0"/>
+              <a:t>Directive</a:t>
+            </a:r>
+          </a:p>
+        </p:txBody>
+      </p:sp>
+      <p:sp>
+        <p:nvSpPr>
+          <p:cNvPr id="5" name="Rectangle 4">
+            <a:extLst>
+              <a:ext uri="{FF2B5EF4-FFF2-40B4-BE49-F238E27FC236}">
+                <a16:creationId xmlns:a16="http://schemas.microsoft.com/office/drawing/2014/main" id="{EF4CAC19-66CC-44A7-A0EF-EFD706E03BDA}"/>
+              </a:ext>
+            </a:extLst>
+          </p:cNvPr>
+          <p:cNvSpPr/>
+          <p:nvPr/>
+        </p:nvSpPr>
+        <p:spPr>
+          <a:xfrm>
+            <a:off x="2931594" y="3556511"/>
+            <a:ext cx="1879345" cy="1024679"/>
+          </a:xfrm>
+          <a:prstGeom prst="rect">
+            <a:avLst/>
+          </a:prstGeom>
+        </p:spPr>
+        <p:style>
+          <a:lnRef idx="2">
+            <a:schemeClr val="accent1"/>
+          </a:lnRef>
+          <a:fillRef idx="1">
+            <a:schemeClr val="lt1"/>
+          </a:fillRef>
+          <a:effectRef idx="0">
+            <a:schemeClr val="accent1"/>
+          </a:effectRef>
+          <a:fontRef idx="minor">
+            <a:schemeClr val="dk1"/>
+          </a:fontRef>
+        </p:style>
+        <p:txBody>
+          <a:bodyPr rtlCol="0" anchor="ctr"/>
+          <a:lstStyle/>
+          <a:p>
+            <a:pPr algn="ctr"/>
+            <a:r>
+              <a:rPr lang="fr-FR" dirty="0"/>
+              <a:t>Visuelle</a:t>
+            </a:r>
+          </a:p>
+        </p:txBody>
+      </p:sp>
+      <p:sp>
+        <p:nvSpPr>
+          <p:cNvPr id="6" name="Rectangle 5">
+            <a:extLst>
+              <a:ext uri="{FF2B5EF4-FFF2-40B4-BE49-F238E27FC236}">
+                <a16:creationId xmlns:a16="http://schemas.microsoft.com/office/drawing/2014/main" id="{ED27932A-A770-41C0-98A7-14635CE9A99C}"/>
+              </a:ext>
+            </a:extLst>
+          </p:cNvPr>
+          <p:cNvSpPr/>
+          <p:nvPr/>
+        </p:nvSpPr>
+        <p:spPr>
+          <a:xfrm>
+            <a:off x="5601274" y="3556511"/>
+            <a:ext cx="1966650" cy="1024679"/>
+          </a:xfrm>
+          <a:prstGeom prst="rect">
+            <a:avLst/>
+          </a:prstGeom>
+        </p:spPr>
+        <p:style>
+          <a:lnRef idx="2">
+            <a:schemeClr val="accent1">
+              <a:shade val="50000"/>
+            </a:schemeClr>
+          </a:lnRef>
+          <a:fillRef idx="1">
+            <a:schemeClr val="accent1"/>
+          </a:fillRef>
+          <a:effectRef idx="0">
+            <a:schemeClr val="accent1"/>
+          </a:effectRef>
+          <a:fontRef idx="minor">
+            <a:schemeClr val="lt1"/>
+          </a:fontRef>
+        </p:style>
+        <p:txBody>
+          <a:bodyPr rtlCol="0" anchor="ctr"/>
+          <a:lstStyle/>
+          <a:p>
+            <a:pPr algn="ctr"/>
+            <a:r>
+              <a:rPr lang="fr-FR" dirty="0"/>
+              <a:t>Intelligente</a:t>
+            </a:r>
+          </a:p>
+        </p:txBody>
+      </p:sp>
+      <p:sp>
+        <p:nvSpPr>
+          <p:cNvPr id="7" name="Rectangle 6">
+            <a:extLst>
+              <a:ext uri="{FF2B5EF4-FFF2-40B4-BE49-F238E27FC236}">
+                <a16:creationId xmlns:a16="http://schemas.microsoft.com/office/drawing/2014/main" id="{61E5CB99-E7AB-41B6-860D-E3D27031A0FA}"/>
+              </a:ext>
+            </a:extLst>
+          </p:cNvPr>
+          <p:cNvSpPr/>
+          <p:nvPr/>
+        </p:nvSpPr>
+        <p:spPr>
+          <a:xfrm>
+            <a:off x="8437139" y="3556511"/>
+            <a:ext cx="1966650" cy="1024679"/>
+          </a:xfrm>
+          <a:prstGeom prst="rect">
+            <a:avLst/>
+          </a:prstGeom>
+        </p:spPr>
+        <p:style>
+          <a:lnRef idx="2">
+            <a:schemeClr val="accent1">
+              <a:shade val="50000"/>
+            </a:schemeClr>
+          </a:lnRef>
+          <a:fillRef idx="1">
+            <a:schemeClr val="accent1"/>
+          </a:fillRef>
+          <a:effectRef idx="0">
+            <a:schemeClr val="accent1"/>
+          </a:effectRef>
+          <a:fontRef idx="minor">
+            <a:schemeClr val="lt1"/>
+          </a:fontRef>
+        </p:style>
+        <p:txBody>
+          <a:bodyPr rtlCol="0" anchor="ctr"/>
+          <a:lstStyle/>
+          <a:p>
+            <a:pPr algn="ctr"/>
+            <a:r>
+              <a:rPr lang="fr-FR" dirty="0"/>
+              <a:t>Communiquer</a:t>
+            </a:r>
+          </a:p>
+        </p:txBody>
+      </p:sp>
+      <p:cxnSp>
+        <p:nvCxnSpPr>
+          <p:cNvPr id="9" name="Straight Arrow Connector 8">
+            <a:extLst>
+              <a:ext uri="{FF2B5EF4-FFF2-40B4-BE49-F238E27FC236}">
+                <a16:creationId xmlns:a16="http://schemas.microsoft.com/office/drawing/2014/main" id="{6DD2A27E-E9FD-45E5-A0E4-1C7B4119A989}"/>
+              </a:ext>
+            </a:extLst>
+          </p:cNvPr>
+          <p:cNvCxnSpPr>
+            <a:stCxn id="5" idx="0"/>
+            <a:endCxn id="4" idx="3"/>
+          </p:cNvCxnSpPr>
+          <p:nvPr/>
+        </p:nvCxnSpPr>
+        <p:spPr>
+          <a:xfrm flipV="1">
+            <a:off x="3871267" y="2524290"/>
+            <a:ext cx="1801574" cy="1032221"/>
+          </a:xfrm>
+          <a:prstGeom prst="straightConnector1">
+            <a:avLst/>
+          </a:prstGeom>
+          <a:ln w="76200">
+            <a:tailEnd type="triangle"/>
+          </a:ln>
+        </p:spPr>
+        <p:style>
+          <a:lnRef idx="1">
+            <a:schemeClr val="accent1"/>
+          </a:lnRef>
+          <a:fillRef idx="0">
+            <a:schemeClr val="accent1"/>
+          </a:fillRef>
+          <a:effectRef idx="0">
+            <a:schemeClr val="accent1"/>
+          </a:effectRef>
+          <a:fontRef idx="minor">
+            <a:schemeClr val="tx1"/>
+          </a:fontRef>
+        </p:style>
+      </p:cxnSp>
+      <p:cxnSp>
+        <p:nvCxnSpPr>
+          <p:cNvPr id="11" name="Straight Arrow Connector 10">
+            <a:extLst>
+              <a:ext uri="{FF2B5EF4-FFF2-40B4-BE49-F238E27FC236}">
+                <a16:creationId xmlns:a16="http://schemas.microsoft.com/office/drawing/2014/main" id="{A51B32E2-BC5F-42C8-AB95-5B9DC9F447B8}"/>
+              </a:ext>
+            </a:extLst>
+          </p:cNvPr>
+          <p:cNvCxnSpPr>
+            <a:stCxn id="6" idx="0"/>
+            <a:endCxn id="4" idx="4"/>
+          </p:cNvCxnSpPr>
+          <p:nvPr/>
+        </p:nvCxnSpPr>
+        <p:spPr>
+          <a:xfrm flipV="1">
+            <a:off x="6584599" y="2724820"/>
+            <a:ext cx="59735" cy="831691"/>
+          </a:xfrm>
+          <a:prstGeom prst="straightConnector1">
+            <a:avLst/>
+          </a:prstGeom>
+          <a:ln w="76200">
+            <a:tailEnd type="triangle"/>
+          </a:ln>
+        </p:spPr>
+        <p:style>
+          <a:lnRef idx="1">
+            <a:schemeClr val="accent1"/>
+          </a:lnRef>
+          <a:fillRef idx="0">
+            <a:schemeClr val="accent1"/>
+          </a:fillRef>
+          <a:effectRef idx="0">
+            <a:schemeClr val="accent1"/>
+          </a:effectRef>
+          <a:fontRef idx="minor">
+            <a:schemeClr val="tx1"/>
+          </a:fontRef>
+        </p:style>
+      </p:cxnSp>
+      <p:cxnSp>
+        <p:nvCxnSpPr>
+          <p:cNvPr id="13" name="Straight Arrow Connector 12">
+            <a:extLst>
+              <a:ext uri="{FF2B5EF4-FFF2-40B4-BE49-F238E27FC236}">
+                <a16:creationId xmlns:a16="http://schemas.microsoft.com/office/drawing/2014/main" id="{176C98B7-0E4D-4619-854E-A5559FCACE08}"/>
+              </a:ext>
+            </a:extLst>
+          </p:cNvPr>
+          <p:cNvCxnSpPr>
+            <a:stCxn id="7" idx="0"/>
+            <a:endCxn id="4" idx="5"/>
+          </p:cNvCxnSpPr>
+          <p:nvPr/>
+        </p:nvCxnSpPr>
+        <p:spPr>
+          <a:xfrm flipH="1" flipV="1">
+            <a:off x="7615826" y="2524290"/>
+            <a:ext cx="1804638" cy="1032221"/>
+          </a:xfrm>
+          <a:prstGeom prst="straightConnector1">
+            <a:avLst/>
+          </a:prstGeom>
+          <a:ln w="76200">
+            <a:tailEnd type="triangle"/>
+          </a:ln>
+        </p:spPr>
+        <p:style>
+          <a:lnRef idx="1">
+            <a:schemeClr val="accent1"/>
+          </a:lnRef>
+          <a:fillRef idx="0">
+            <a:schemeClr val="accent1"/>
+          </a:fillRef>
+          <a:effectRef idx="0">
+            <a:schemeClr val="accent1"/>
+          </a:effectRef>
+          <a:fontRef idx="minor">
+            <a:schemeClr val="tx1"/>
+          </a:fontRef>
+        </p:style>
+      </p:cxnSp>
+      <p:sp>
+        <p:nvSpPr>
+          <p:cNvPr id="14" name="TextBox 13">
+            <a:extLst>
+              <a:ext uri="{FF2B5EF4-FFF2-40B4-BE49-F238E27FC236}">
+                <a16:creationId xmlns:a16="http://schemas.microsoft.com/office/drawing/2014/main" id="{000FCE04-8CD1-4E94-AA10-D1F310FA7257}"/>
+              </a:ext>
+            </a:extLst>
+          </p:cNvPr>
+          <p:cNvSpPr txBox="1"/>
+          <p:nvPr/>
+        </p:nvSpPr>
+        <p:spPr>
+          <a:xfrm>
+            <a:off x="3675980" y="4953383"/>
+            <a:ext cx="618567" cy="646331"/>
+          </a:xfrm>
+          <a:prstGeom prst="rect">
+            <a:avLst/>
+          </a:prstGeom>
+          <a:noFill/>
+        </p:spPr>
+        <p:txBody>
+          <a:bodyPr wrap="none" rtlCol="0">
+            <a:spAutoFit/>
+          </a:bodyPr>
+          <a:lstStyle/>
+          <a:p>
+            <a:r>
+              <a:rPr lang="fr-FR" dirty="0"/>
+              <a:t>html</a:t>
+            </a:r>
+          </a:p>
+          <a:p>
+            <a:r>
+              <a:rPr lang="fr-FR" dirty="0" err="1"/>
+              <a:t>css</a:t>
+            </a:r>
+            <a:endParaRPr lang="fr-FR" dirty="0"/>
+          </a:p>
+        </p:txBody>
+      </p:sp>
+      <p:sp>
+        <p:nvSpPr>
+          <p:cNvPr id="15" name="TextBox 14">
+            <a:extLst>
+              <a:ext uri="{FF2B5EF4-FFF2-40B4-BE49-F238E27FC236}">
+                <a16:creationId xmlns:a16="http://schemas.microsoft.com/office/drawing/2014/main" id="{16E26C48-3501-4678-B802-EBBEBA9D6D13}"/>
+              </a:ext>
+            </a:extLst>
+          </p:cNvPr>
+          <p:cNvSpPr txBox="1"/>
+          <p:nvPr/>
+        </p:nvSpPr>
+        <p:spPr>
+          <a:xfrm>
+            <a:off x="6157266" y="4953383"/>
+            <a:ext cx="1556260" cy="1200329"/>
+          </a:xfrm>
+          <a:prstGeom prst="rect">
+            <a:avLst/>
+          </a:prstGeom>
+          <a:noFill/>
+        </p:spPr>
+        <p:txBody>
+          <a:bodyPr wrap="none" rtlCol="0">
+            <a:spAutoFit/>
+          </a:bodyPr>
+          <a:lstStyle/>
+          <a:p>
+            <a:r>
+              <a:rPr lang="fr-FR" dirty="0"/>
+              <a:t>classe</a:t>
+            </a:r>
+          </a:p>
+          <a:p>
+            <a:r>
+              <a:rPr lang="fr-FR" dirty="0"/>
+              <a:t> - attributs</a:t>
+            </a:r>
+          </a:p>
+          <a:p>
+            <a:r>
+              <a:rPr lang="fr-FR" dirty="0"/>
+              <a:t> - </a:t>
+            </a:r>
+            <a:r>
+              <a:rPr lang="fr-FR" dirty="0" err="1"/>
+              <a:t>methodes</a:t>
+            </a:r>
+            <a:endParaRPr lang="fr-FR" dirty="0"/>
+          </a:p>
+          <a:p>
+            <a:r>
+              <a:rPr lang="fr-FR" dirty="0"/>
+              <a:t> - constructeur</a:t>
+            </a:r>
+          </a:p>
+        </p:txBody>
+      </p:sp>
+      <p:sp>
+        <p:nvSpPr>
+          <p:cNvPr id="16" name="TextBox 15">
+            <a:extLst>
+              <a:ext uri="{FF2B5EF4-FFF2-40B4-BE49-F238E27FC236}">
+                <a16:creationId xmlns:a16="http://schemas.microsoft.com/office/drawing/2014/main" id="{FCF14B80-E8CB-43CD-8DC2-4A04DA7A1B82}"/>
+              </a:ext>
+            </a:extLst>
+          </p:cNvPr>
+          <p:cNvSpPr txBox="1"/>
+          <p:nvPr/>
+        </p:nvSpPr>
+        <p:spPr>
+          <a:xfrm>
+            <a:off x="8928036" y="5049877"/>
+            <a:ext cx="2235805" cy="923330"/>
+          </a:xfrm>
+          <a:prstGeom prst="rect">
+            <a:avLst/>
+          </a:prstGeom>
+          <a:noFill/>
+        </p:spPr>
+        <p:txBody>
+          <a:bodyPr wrap="none" rtlCol="0">
+            <a:spAutoFit/>
+          </a:bodyPr>
+          <a:lstStyle/>
+          <a:p>
+            <a:r>
+              <a:rPr lang="fr-FR" dirty="0"/>
+              <a:t>classe :</a:t>
+            </a:r>
+          </a:p>
+          <a:p>
+            <a:r>
+              <a:rPr lang="fr-FR" dirty="0"/>
+              <a:t> - output : </a:t>
+            </a:r>
+            <a:r>
+              <a:rPr lang="fr-FR" dirty="0" err="1"/>
+              <a:t>evenement</a:t>
+            </a:r>
+            <a:endParaRPr lang="fr-FR" dirty="0"/>
+          </a:p>
+          <a:p>
+            <a:r>
+              <a:rPr lang="fr-FR" dirty="0"/>
+              <a:t> - input</a:t>
+            </a:r>
+          </a:p>
+        </p:txBody>
+      </p:sp>
+    </p:spTree>
+    <p:extLst>
+      <p:ext uri="{BB962C8B-B14F-4D97-AF65-F5344CB8AC3E}">
+        <p14:creationId xmlns:p14="http://schemas.microsoft.com/office/powerpoint/2010/main" val="512415160"/>
+      </p:ext>
+    </p:extLst>
+  </p:cSld>
+  <p:clrMapOvr>
+    <a:masterClrMapping/>
+  </p:clrMapOvr>
+</p:sld>
+</file>
+
+<file path=ppt/slides/slide18.xml><?xml version="1.0" encoding="utf-8"?>
+<p:sld xmlns:a="http://schemas.openxmlformats.org/drawingml/2006/main" xmlns:r="http://schemas.openxmlformats.org/officeDocument/2006/relationships" xmlns:p="http://schemas.openxmlformats.org/presentationml/2006/main">
+  <p:cSld>
+    <p:spTree>
+      <p:nvGrpSpPr>
+        <p:cNvPr id="1" name=""/>
+        <p:cNvGrpSpPr/>
+        <p:nvPr/>
+      </p:nvGrpSpPr>
+      <p:grpSpPr>
+        <a:xfrm>
+          <a:off x="0" y="0"/>
+          <a:ext cx="0" cy="0"/>
+          <a:chOff x="0" y="0"/>
+          <a:chExt cx="0" cy="0"/>
+        </a:xfrm>
+      </p:grpSpPr>
+      <p:sp>
+        <p:nvSpPr>
+          <p:cNvPr id="4" name="Rectangle 3">
+            <a:extLst>
+              <a:ext uri="{FF2B5EF4-FFF2-40B4-BE49-F238E27FC236}">
+                <a16:creationId xmlns:a16="http://schemas.microsoft.com/office/drawing/2014/main" id="{90BA5115-B598-478A-9A4F-D2AA08F90B00}"/>
+              </a:ext>
+            </a:extLst>
+          </p:cNvPr>
+          <p:cNvSpPr/>
+          <p:nvPr/>
+        </p:nvSpPr>
+        <p:spPr>
+          <a:xfrm>
+            <a:off x="4236567" y="1116579"/>
+            <a:ext cx="1116579" cy="744386"/>
+          </a:xfrm>
+          <a:prstGeom prst="rect">
+            <a:avLst/>
+          </a:prstGeom>
+        </p:spPr>
+        <p:style>
+          <a:lnRef idx="2">
+            <a:schemeClr val="accent1">
+              <a:shade val="50000"/>
+            </a:schemeClr>
+          </a:lnRef>
+          <a:fillRef idx="1">
+            <a:schemeClr val="accent1"/>
+          </a:fillRef>
+          <a:effectRef idx="0">
+            <a:schemeClr val="accent1"/>
+          </a:effectRef>
+          <a:fontRef idx="minor">
+            <a:schemeClr val="lt1"/>
+          </a:fontRef>
+        </p:style>
+        <p:txBody>
+          <a:bodyPr rtlCol="0" anchor="ctr"/>
+          <a:lstStyle/>
+          <a:p>
+            <a:pPr algn="ctr"/>
+            <a:r>
+              <a:rPr lang="fr-FR" dirty="0"/>
+              <a:t>App</a:t>
+            </a:r>
+          </a:p>
+        </p:txBody>
+      </p:sp>
+      <p:sp>
+        <p:nvSpPr>
+          <p:cNvPr id="5" name="Oval 4">
+            <a:extLst>
+              <a:ext uri="{FF2B5EF4-FFF2-40B4-BE49-F238E27FC236}">
+                <a16:creationId xmlns:a16="http://schemas.microsoft.com/office/drawing/2014/main" id="{082EC38B-50AB-4E80-A58D-AFAEEE8F74B5}"/>
+              </a:ext>
+            </a:extLst>
+          </p:cNvPr>
+          <p:cNvSpPr/>
+          <p:nvPr/>
+        </p:nvSpPr>
+        <p:spPr>
+          <a:xfrm>
+            <a:off x="4036685" y="2536427"/>
+            <a:ext cx="1516342" cy="744386"/>
+          </a:xfrm>
+          <a:prstGeom prst="ellipse">
+            <a:avLst/>
+          </a:prstGeom>
+        </p:spPr>
+        <p:style>
+          <a:lnRef idx="2">
+            <a:schemeClr val="accent6">
+              <a:shade val="50000"/>
+            </a:schemeClr>
+          </a:lnRef>
+          <a:fillRef idx="1">
+            <a:schemeClr val="accent6"/>
+          </a:fillRef>
+          <a:effectRef idx="0">
+            <a:schemeClr val="accent6"/>
+          </a:effectRef>
+          <a:fontRef idx="minor">
+            <a:schemeClr val="lt1"/>
+          </a:fontRef>
+        </p:style>
+        <p:txBody>
+          <a:bodyPr rtlCol="0" anchor="ctr"/>
+          <a:lstStyle/>
+          <a:p>
+            <a:pPr algn="ctr"/>
+            <a:r>
+              <a:rPr lang="fr-FR" dirty="0"/>
+              <a:t>App</a:t>
+            </a:r>
+          </a:p>
+        </p:txBody>
+      </p:sp>
+      <p:cxnSp>
+        <p:nvCxnSpPr>
+          <p:cNvPr id="7" name="Straight Arrow Connector 6">
+            <a:extLst>
+              <a:ext uri="{FF2B5EF4-FFF2-40B4-BE49-F238E27FC236}">
+                <a16:creationId xmlns:a16="http://schemas.microsoft.com/office/drawing/2014/main" id="{A1174456-A355-45FF-B42C-348E4C86096A}"/>
+              </a:ext>
+            </a:extLst>
+          </p:cNvPr>
+          <p:cNvCxnSpPr>
+            <a:stCxn id="5" idx="0"/>
+            <a:endCxn id="4" idx="2"/>
+          </p:cNvCxnSpPr>
+          <p:nvPr/>
+        </p:nvCxnSpPr>
+        <p:spPr>
+          <a:xfrm flipV="1">
+            <a:off x="4794856" y="1860965"/>
+            <a:ext cx="1" cy="675462"/>
+          </a:xfrm>
+          <a:prstGeom prst="straightConnector1">
+            <a:avLst/>
+          </a:prstGeom>
+          <a:ln w="76200">
+            <a:tailEnd type="triangle"/>
+          </a:ln>
+        </p:spPr>
+        <p:style>
+          <a:lnRef idx="1">
+            <a:schemeClr val="accent1"/>
+          </a:lnRef>
+          <a:fillRef idx="0">
+            <a:schemeClr val="accent1"/>
+          </a:fillRef>
+          <a:effectRef idx="0">
+            <a:schemeClr val="accent1"/>
+          </a:effectRef>
+          <a:fontRef idx="minor">
+            <a:schemeClr val="tx1"/>
+          </a:fontRef>
+        </p:style>
+      </p:cxnSp>
+      <p:sp>
+        <p:nvSpPr>
+          <p:cNvPr id="9" name="Rectangle 8">
+            <a:extLst>
+              <a:ext uri="{FF2B5EF4-FFF2-40B4-BE49-F238E27FC236}">
+                <a16:creationId xmlns:a16="http://schemas.microsoft.com/office/drawing/2014/main" id="{F969D6EF-4E23-451B-A8BF-46AAF17631F7}"/>
+              </a:ext>
+            </a:extLst>
+          </p:cNvPr>
+          <p:cNvSpPr/>
+          <p:nvPr/>
+        </p:nvSpPr>
+        <p:spPr>
+          <a:xfrm>
+            <a:off x="7595493" y="583562"/>
+            <a:ext cx="1479578" cy="629511"/>
+          </a:xfrm>
+          <a:prstGeom prst="rect">
+            <a:avLst/>
+          </a:prstGeom>
+        </p:spPr>
+        <p:style>
+          <a:lnRef idx="2">
+            <a:schemeClr val="accent1">
+              <a:shade val="50000"/>
+            </a:schemeClr>
+          </a:lnRef>
+          <a:fillRef idx="1">
+            <a:schemeClr val="accent1"/>
+          </a:fillRef>
+          <a:effectRef idx="0">
+            <a:schemeClr val="accent1"/>
+          </a:effectRef>
+          <a:fontRef idx="minor">
+            <a:schemeClr val="lt1"/>
+          </a:fontRef>
+        </p:style>
+        <p:txBody>
+          <a:bodyPr rtlCol="0" anchor="ctr"/>
+          <a:lstStyle/>
+          <a:p>
+            <a:pPr algn="ctr"/>
+            <a:r>
+              <a:rPr lang="fr-FR" dirty="0"/>
+              <a:t>Browser</a:t>
+            </a:r>
+          </a:p>
+        </p:txBody>
+      </p:sp>
+      <p:sp>
+        <p:nvSpPr>
+          <p:cNvPr id="10" name="Rectangle 9">
+            <a:extLst>
+              <a:ext uri="{FF2B5EF4-FFF2-40B4-BE49-F238E27FC236}">
+                <a16:creationId xmlns:a16="http://schemas.microsoft.com/office/drawing/2014/main" id="{578F8CDF-72B1-43E4-A330-4D3E8C447C9A}"/>
+              </a:ext>
+            </a:extLst>
+          </p:cNvPr>
+          <p:cNvSpPr/>
+          <p:nvPr/>
+        </p:nvSpPr>
+        <p:spPr>
+          <a:xfrm>
+            <a:off x="7595492" y="1517873"/>
+            <a:ext cx="1479579" cy="629511"/>
+          </a:xfrm>
+          <a:prstGeom prst="rect">
+            <a:avLst/>
+          </a:prstGeom>
+        </p:spPr>
+        <p:style>
+          <a:lnRef idx="2">
+            <a:schemeClr val="accent1">
+              <a:shade val="50000"/>
+            </a:schemeClr>
+          </a:lnRef>
+          <a:fillRef idx="1">
+            <a:schemeClr val="accent1"/>
+          </a:fillRef>
+          <a:effectRef idx="0">
+            <a:schemeClr val="accent1"/>
+          </a:effectRef>
+          <a:fontRef idx="minor">
+            <a:schemeClr val="lt1"/>
+          </a:fontRef>
+        </p:style>
+        <p:txBody>
+          <a:bodyPr rtlCol="0" anchor="ctr"/>
+          <a:lstStyle/>
+          <a:p>
+            <a:pPr algn="ctr"/>
+            <a:r>
+              <a:rPr lang="fr-FR" dirty="0" err="1"/>
+              <a:t>AppRouting</a:t>
+            </a:r>
+            <a:endParaRPr lang="fr-FR" dirty="0"/>
+          </a:p>
+        </p:txBody>
+      </p:sp>
+      <p:cxnSp>
+        <p:nvCxnSpPr>
+          <p:cNvPr id="12" name="Straight Arrow Connector 11">
+            <a:extLst>
+              <a:ext uri="{FF2B5EF4-FFF2-40B4-BE49-F238E27FC236}">
+                <a16:creationId xmlns:a16="http://schemas.microsoft.com/office/drawing/2014/main" id="{C3B5D011-CF58-4919-8C29-2D3E569F76EA}"/>
+              </a:ext>
+            </a:extLst>
+          </p:cNvPr>
+          <p:cNvCxnSpPr>
+            <a:stCxn id="9" idx="1"/>
+            <a:endCxn id="4" idx="3"/>
+          </p:cNvCxnSpPr>
+          <p:nvPr/>
+        </p:nvCxnSpPr>
+        <p:spPr>
+          <a:xfrm flipH="1">
+            <a:off x="5353146" y="898318"/>
+            <a:ext cx="2242347" cy="590454"/>
+          </a:xfrm>
+          <a:prstGeom prst="straightConnector1">
+            <a:avLst/>
+          </a:prstGeom>
+          <a:ln w="76200">
+            <a:prstDash val="sysDash"/>
+            <a:tailEnd type="triangle"/>
+          </a:ln>
+        </p:spPr>
+        <p:style>
+          <a:lnRef idx="1">
+            <a:schemeClr val="accent1"/>
+          </a:lnRef>
+          <a:fillRef idx="0">
+            <a:schemeClr val="accent1"/>
+          </a:fillRef>
+          <a:effectRef idx="0">
+            <a:schemeClr val="accent1"/>
+          </a:effectRef>
+          <a:fontRef idx="minor">
+            <a:schemeClr val="tx1"/>
+          </a:fontRef>
+        </p:style>
+      </p:cxnSp>
+      <p:cxnSp>
+        <p:nvCxnSpPr>
+          <p:cNvPr id="13" name="Straight Arrow Connector 12">
+            <a:extLst>
+              <a:ext uri="{FF2B5EF4-FFF2-40B4-BE49-F238E27FC236}">
+                <a16:creationId xmlns:a16="http://schemas.microsoft.com/office/drawing/2014/main" id="{899E3502-9130-43FD-BF3A-D377BC12DE27}"/>
+              </a:ext>
+            </a:extLst>
+          </p:cNvPr>
+          <p:cNvCxnSpPr>
+            <a:cxnSpLocks/>
+            <a:stCxn id="10" idx="1"/>
+            <a:endCxn id="4" idx="3"/>
+          </p:cNvCxnSpPr>
+          <p:nvPr/>
+        </p:nvCxnSpPr>
+        <p:spPr>
+          <a:xfrm flipH="1" flipV="1">
+            <a:off x="5353146" y="1488772"/>
+            <a:ext cx="2242346" cy="343857"/>
+          </a:xfrm>
+          <a:prstGeom prst="straightConnector1">
+            <a:avLst/>
+          </a:prstGeom>
+          <a:ln w="76200">
+            <a:prstDash val="sysDash"/>
+            <a:tailEnd type="triangle"/>
+          </a:ln>
+        </p:spPr>
+        <p:style>
+          <a:lnRef idx="1">
+            <a:schemeClr val="accent1"/>
+          </a:lnRef>
+          <a:fillRef idx="0">
+            <a:schemeClr val="accent1"/>
+          </a:fillRef>
+          <a:effectRef idx="0">
+            <a:schemeClr val="accent1"/>
+          </a:effectRef>
+          <a:fontRef idx="minor">
+            <a:schemeClr val="tx1"/>
+          </a:fontRef>
+        </p:style>
+      </p:cxnSp>
+    </p:spTree>
+    <p:extLst>
+      <p:ext uri="{BB962C8B-B14F-4D97-AF65-F5344CB8AC3E}">
+        <p14:creationId xmlns:p14="http://schemas.microsoft.com/office/powerpoint/2010/main" val="3285689257"/>
+      </p:ext>
+    </p:extLst>
+  </p:cSld>
+  <p:clrMapOvr>
+    <a:masterClrMapping/>
+  </p:clrMapOvr>
+</p:sld>
+</file>
+
+<file path=ppt/slides/slide19.xml><?xml version="1.0" encoding="utf-8"?>
+<p:sld xmlns:a="http://schemas.openxmlformats.org/drawingml/2006/main" xmlns:r="http://schemas.openxmlformats.org/officeDocument/2006/relationships" xmlns:p="http://schemas.openxmlformats.org/presentationml/2006/main">
+  <p:cSld>
+    <p:spTree>
+      <p:nvGrpSpPr>
+        <p:cNvPr id="1" name=""/>
+        <p:cNvGrpSpPr/>
+        <p:nvPr/>
+      </p:nvGrpSpPr>
+      <p:grpSpPr>
+        <a:xfrm>
+          <a:off x="0" y="0"/>
+          <a:ext cx="0" cy="0"/>
+          <a:chOff x="0" y="0"/>
+          <a:chExt cx="0" cy="0"/>
+        </a:xfrm>
+      </p:grpSpPr>
+      <p:sp>
+        <p:nvSpPr>
+          <p:cNvPr id="4" name="Rectangle 3">
+            <a:extLst>
+              <a:ext uri="{FF2B5EF4-FFF2-40B4-BE49-F238E27FC236}">
+                <a16:creationId xmlns:a16="http://schemas.microsoft.com/office/drawing/2014/main" id="{90BA5115-B598-478A-9A4F-D2AA08F90B00}"/>
+              </a:ext>
+            </a:extLst>
+          </p:cNvPr>
+          <p:cNvSpPr/>
+          <p:nvPr/>
+        </p:nvSpPr>
+        <p:spPr>
+          <a:xfrm>
+            <a:off x="4236567" y="1116579"/>
+            <a:ext cx="1116579" cy="744386"/>
+          </a:xfrm>
+          <a:prstGeom prst="rect">
+            <a:avLst/>
+          </a:prstGeom>
+        </p:spPr>
+        <p:style>
+          <a:lnRef idx="2">
+            <a:schemeClr val="accent1">
+              <a:shade val="50000"/>
+            </a:schemeClr>
+          </a:lnRef>
+          <a:fillRef idx="1">
+            <a:schemeClr val="accent1"/>
+          </a:fillRef>
+          <a:effectRef idx="0">
+            <a:schemeClr val="accent1"/>
+          </a:effectRef>
+          <a:fontRef idx="minor">
+            <a:schemeClr val="lt1"/>
+          </a:fontRef>
+        </p:style>
+        <p:txBody>
+          <a:bodyPr rtlCol="0" anchor="ctr"/>
+          <a:lstStyle/>
+          <a:p>
+            <a:pPr algn="ctr"/>
+            <a:r>
+              <a:rPr lang="fr-FR" dirty="0"/>
+              <a:t>App</a:t>
+            </a:r>
+          </a:p>
+        </p:txBody>
+      </p:sp>
+      <p:sp>
+        <p:nvSpPr>
+          <p:cNvPr id="5" name="Oval 4">
+            <a:extLst>
+              <a:ext uri="{FF2B5EF4-FFF2-40B4-BE49-F238E27FC236}">
+                <a16:creationId xmlns:a16="http://schemas.microsoft.com/office/drawing/2014/main" id="{082EC38B-50AB-4E80-A58D-AFAEEE8F74B5}"/>
+              </a:ext>
+            </a:extLst>
+          </p:cNvPr>
+          <p:cNvSpPr/>
+          <p:nvPr/>
+        </p:nvSpPr>
+        <p:spPr>
+          <a:xfrm>
+            <a:off x="4036685" y="2536427"/>
+            <a:ext cx="1516342" cy="744386"/>
+          </a:xfrm>
+          <a:prstGeom prst="ellipse">
+            <a:avLst/>
+          </a:prstGeom>
+        </p:spPr>
+        <p:style>
+          <a:lnRef idx="2">
+            <a:schemeClr val="accent6">
+              <a:shade val="50000"/>
+            </a:schemeClr>
+          </a:lnRef>
+          <a:fillRef idx="1">
+            <a:schemeClr val="accent6"/>
+          </a:fillRef>
+          <a:effectRef idx="0">
+            <a:schemeClr val="accent6"/>
+          </a:effectRef>
+          <a:fontRef idx="minor">
+            <a:schemeClr val="lt1"/>
+          </a:fontRef>
+        </p:style>
+        <p:txBody>
+          <a:bodyPr rtlCol="0" anchor="ctr"/>
+          <a:lstStyle/>
+          <a:p>
+            <a:pPr algn="ctr"/>
+            <a:r>
+              <a:rPr lang="fr-FR" dirty="0"/>
+              <a:t>App</a:t>
+            </a:r>
+          </a:p>
+        </p:txBody>
+      </p:sp>
+      <p:cxnSp>
+        <p:nvCxnSpPr>
+          <p:cNvPr id="7" name="Straight Arrow Connector 6">
+            <a:extLst>
+              <a:ext uri="{FF2B5EF4-FFF2-40B4-BE49-F238E27FC236}">
+                <a16:creationId xmlns:a16="http://schemas.microsoft.com/office/drawing/2014/main" id="{A1174456-A355-45FF-B42C-348E4C86096A}"/>
+              </a:ext>
+            </a:extLst>
+          </p:cNvPr>
+          <p:cNvCxnSpPr>
+            <a:stCxn id="5" idx="0"/>
+            <a:endCxn id="4" idx="2"/>
+          </p:cNvCxnSpPr>
+          <p:nvPr/>
+        </p:nvCxnSpPr>
+        <p:spPr>
+          <a:xfrm flipV="1">
+            <a:off x="4794856" y="1860965"/>
+            <a:ext cx="1" cy="675462"/>
+          </a:xfrm>
+          <a:prstGeom prst="straightConnector1">
+            <a:avLst/>
+          </a:prstGeom>
+          <a:ln w="76200">
+            <a:tailEnd type="triangle"/>
+          </a:ln>
+        </p:spPr>
+        <p:style>
+          <a:lnRef idx="1">
+            <a:schemeClr val="accent1"/>
+          </a:lnRef>
+          <a:fillRef idx="0">
+            <a:schemeClr val="accent1"/>
+          </a:fillRef>
+          <a:effectRef idx="0">
+            <a:schemeClr val="accent1"/>
+          </a:effectRef>
+          <a:fontRef idx="minor">
+            <a:schemeClr val="tx1"/>
+          </a:fontRef>
+        </p:style>
+      </p:cxnSp>
+      <p:sp>
+        <p:nvSpPr>
+          <p:cNvPr id="9" name="Rectangle 8">
+            <a:extLst>
+              <a:ext uri="{FF2B5EF4-FFF2-40B4-BE49-F238E27FC236}">
+                <a16:creationId xmlns:a16="http://schemas.microsoft.com/office/drawing/2014/main" id="{F969D6EF-4E23-451B-A8BF-46AAF17631F7}"/>
+              </a:ext>
+            </a:extLst>
+          </p:cNvPr>
+          <p:cNvSpPr/>
+          <p:nvPr/>
+        </p:nvSpPr>
+        <p:spPr>
+          <a:xfrm>
+            <a:off x="7595493" y="583562"/>
+            <a:ext cx="1479578" cy="629511"/>
+          </a:xfrm>
+          <a:prstGeom prst="rect">
+            <a:avLst/>
+          </a:prstGeom>
+        </p:spPr>
+        <p:style>
+          <a:lnRef idx="2">
+            <a:schemeClr val="accent1">
+              <a:shade val="50000"/>
+            </a:schemeClr>
+          </a:lnRef>
+          <a:fillRef idx="1">
+            <a:schemeClr val="accent1"/>
+          </a:fillRef>
+          <a:effectRef idx="0">
+            <a:schemeClr val="accent1"/>
+          </a:effectRef>
+          <a:fontRef idx="minor">
+            <a:schemeClr val="lt1"/>
+          </a:fontRef>
+        </p:style>
+        <p:txBody>
+          <a:bodyPr rtlCol="0" anchor="ctr"/>
+          <a:lstStyle/>
+          <a:p>
+            <a:pPr algn="ctr"/>
+            <a:r>
+              <a:rPr lang="fr-FR" dirty="0"/>
+              <a:t>Browser</a:t>
+            </a:r>
+          </a:p>
+        </p:txBody>
+      </p:sp>
+      <p:sp>
+        <p:nvSpPr>
+          <p:cNvPr id="10" name="Rectangle 9">
+            <a:extLst>
+              <a:ext uri="{FF2B5EF4-FFF2-40B4-BE49-F238E27FC236}">
+                <a16:creationId xmlns:a16="http://schemas.microsoft.com/office/drawing/2014/main" id="{578F8CDF-72B1-43E4-A330-4D3E8C447C9A}"/>
+              </a:ext>
+            </a:extLst>
+          </p:cNvPr>
+          <p:cNvSpPr/>
+          <p:nvPr/>
+        </p:nvSpPr>
+        <p:spPr>
+          <a:xfrm>
+            <a:off x="7595492" y="1517873"/>
+            <a:ext cx="1479579" cy="629511"/>
+          </a:xfrm>
+          <a:prstGeom prst="rect">
+            <a:avLst/>
+          </a:prstGeom>
+        </p:spPr>
+        <p:style>
+          <a:lnRef idx="2">
+            <a:schemeClr val="accent1">
+              <a:shade val="50000"/>
+            </a:schemeClr>
+          </a:lnRef>
+          <a:fillRef idx="1">
+            <a:schemeClr val="accent1"/>
+          </a:fillRef>
+          <a:effectRef idx="0">
+            <a:schemeClr val="accent1"/>
+          </a:effectRef>
+          <a:fontRef idx="minor">
+            <a:schemeClr val="lt1"/>
+          </a:fontRef>
+        </p:style>
+        <p:txBody>
+          <a:bodyPr rtlCol="0" anchor="ctr"/>
+          <a:lstStyle/>
+          <a:p>
+            <a:pPr algn="ctr"/>
+            <a:r>
+              <a:rPr lang="fr-FR" dirty="0" err="1"/>
+              <a:t>AppRouting</a:t>
+            </a:r>
+            <a:endParaRPr lang="fr-FR" dirty="0"/>
+          </a:p>
+        </p:txBody>
+      </p:sp>
+      <p:cxnSp>
+        <p:nvCxnSpPr>
+          <p:cNvPr id="12" name="Straight Arrow Connector 11">
+            <a:extLst>
+              <a:ext uri="{FF2B5EF4-FFF2-40B4-BE49-F238E27FC236}">
+                <a16:creationId xmlns:a16="http://schemas.microsoft.com/office/drawing/2014/main" id="{C3B5D011-CF58-4919-8C29-2D3E569F76EA}"/>
+              </a:ext>
+            </a:extLst>
+          </p:cNvPr>
+          <p:cNvCxnSpPr>
+            <a:stCxn id="9" idx="1"/>
+            <a:endCxn id="4" idx="3"/>
+          </p:cNvCxnSpPr>
+          <p:nvPr/>
+        </p:nvCxnSpPr>
+        <p:spPr>
+          <a:xfrm flipH="1">
+            <a:off x="5353146" y="898318"/>
+            <a:ext cx="2242347" cy="590454"/>
+          </a:xfrm>
+          <a:prstGeom prst="straightConnector1">
+            <a:avLst/>
+          </a:prstGeom>
+          <a:ln w="76200">
+            <a:prstDash val="sysDash"/>
+            <a:tailEnd type="triangle"/>
+          </a:ln>
+        </p:spPr>
+        <p:style>
+          <a:lnRef idx="1">
+            <a:schemeClr val="accent1"/>
+          </a:lnRef>
+          <a:fillRef idx="0">
+            <a:schemeClr val="accent1"/>
+          </a:fillRef>
+          <a:effectRef idx="0">
+            <a:schemeClr val="accent1"/>
+          </a:effectRef>
+          <a:fontRef idx="minor">
+            <a:schemeClr val="tx1"/>
+          </a:fontRef>
+        </p:style>
+      </p:cxnSp>
+      <p:cxnSp>
+        <p:nvCxnSpPr>
+          <p:cNvPr id="13" name="Straight Arrow Connector 12">
+            <a:extLst>
+              <a:ext uri="{FF2B5EF4-FFF2-40B4-BE49-F238E27FC236}">
+                <a16:creationId xmlns:a16="http://schemas.microsoft.com/office/drawing/2014/main" id="{899E3502-9130-43FD-BF3A-D377BC12DE27}"/>
+              </a:ext>
+            </a:extLst>
+          </p:cNvPr>
+          <p:cNvCxnSpPr>
+            <a:cxnSpLocks/>
+            <a:stCxn id="10" idx="1"/>
+            <a:endCxn id="4" idx="3"/>
+          </p:cNvCxnSpPr>
+          <p:nvPr/>
+        </p:nvCxnSpPr>
+        <p:spPr>
+          <a:xfrm flipH="1" flipV="1">
+            <a:off x="5353146" y="1488772"/>
+            <a:ext cx="2242346" cy="343857"/>
+          </a:xfrm>
+          <a:prstGeom prst="straightConnector1">
+            <a:avLst/>
+          </a:prstGeom>
+          <a:ln w="76200">
+            <a:prstDash val="sysDash"/>
+            <a:tailEnd type="triangle"/>
+          </a:ln>
+        </p:spPr>
+        <p:style>
+          <a:lnRef idx="1">
+            <a:schemeClr val="accent1"/>
+          </a:lnRef>
+          <a:fillRef idx="0">
+            <a:schemeClr val="accent1"/>
+          </a:fillRef>
+          <a:effectRef idx="0">
+            <a:schemeClr val="accent1"/>
+          </a:effectRef>
+          <a:fontRef idx="minor">
+            <a:schemeClr val="tx1"/>
+          </a:fontRef>
+        </p:style>
+      </p:cxnSp>
+      <p:sp>
+        <p:nvSpPr>
+          <p:cNvPr id="2" name="Oval 1">
+            <a:extLst>
+              <a:ext uri="{FF2B5EF4-FFF2-40B4-BE49-F238E27FC236}">
+                <a16:creationId xmlns:a16="http://schemas.microsoft.com/office/drawing/2014/main" id="{A2B1E4AB-04D9-402B-A2FB-6C9D1534CD55}"/>
+              </a:ext>
+            </a:extLst>
+          </p:cNvPr>
+          <p:cNvSpPr/>
+          <p:nvPr/>
+        </p:nvSpPr>
+        <p:spPr>
+          <a:xfrm>
+            <a:off x="1769065" y="3308382"/>
+            <a:ext cx="1406063" cy="703031"/>
+          </a:xfrm>
+          <a:prstGeom prst="ellipse">
+            <a:avLst/>
+          </a:prstGeom>
+        </p:spPr>
+        <p:style>
+          <a:lnRef idx="2">
+            <a:schemeClr val="accent6">
+              <a:shade val="50000"/>
+            </a:schemeClr>
+          </a:lnRef>
+          <a:fillRef idx="1">
+            <a:schemeClr val="accent6"/>
+          </a:fillRef>
+          <a:effectRef idx="0">
+            <a:schemeClr val="accent6"/>
+          </a:effectRef>
+          <a:fontRef idx="minor">
+            <a:schemeClr val="lt1"/>
+          </a:fontRef>
+        </p:style>
+        <p:txBody>
+          <a:bodyPr rtlCol="0" anchor="ctr"/>
+          <a:lstStyle/>
+          <a:p>
+            <a:pPr algn="ctr"/>
+            <a:r>
+              <a:rPr lang="fr-FR" dirty="0"/>
+              <a:t>Header</a:t>
+            </a:r>
+          </a:p>
+        </p:txBody>
+      </p:sp>
+      <p:sp>
+        <p:nvSpPr>
+          <p:cNvPr id="11" name="Oval 10">
+            <a:extLst>
+              <a:ext uri="{FF2B5EF4-FFF2-40B4-BE49-F238E27FC236}">
+                <a16:creationId xmlns:a16="http://schemas.microsoft.com/office/drawing/2014/main" id="{2115249B-2C71-495A-ABD0-49464E45596E}"/>
+              </a:ext>
+            </a:extLst>
+          </p:cNvPr>
+          <p:cNvSpPr/>
+          <p:nvPr/>
+        </p:nvSpPr>
+        <p:spPr>
+          <a:xfrm>
+            <a:off x="1769064" y="4143136"/>
+            <a:ext cx="1406063" cy="703031"/>
+          </a:xfrm>
+          <a:prstGeom prst="ellipse">
+            <a:avLst/>
+          </a:prstGeom>
+        </p:spPr>
+        <p:style>
+          <a:lnRef idx="2">
+            <a:schemeClr val="accent6">
+              <a:shade val="50000"/>
+            </a:schemeClr>
+          </a:lnRef>
+          <a:fillRef idx="1">
+            <a:schemeClr val="accent6"/>
+          </a:fillRef>
+          <a:effectRef idx="0">
+            <a:schemeClr val="accent6"/>
+          </a:effectRef>
+          <a:fontRef idx="minor">
+            <a:schemeClr val="lt1"/>
+          </a:fontRef>
+        </p:style>
+        <p:txBody>
+          <a:bodyPr rtlCol="0" anchor="ctr"/>
+          <a:lstStyle/>
+          <a:p>
+            <a:pPr algn="ctr"/>
+            <a:r>
+              <a:rPr lang="fr-FR" dirty="0"/>
+              <a:t>Main</a:t>
+            </a:r>
+          </a:p>
+        </p:txBody>
+      </p:sp>
+      <p:sp>
+        <p:nvSpPr>
+          <p:cNvPr id="14" name="Oval 13">
+            <a:extLst>
+              <a:ext uri="{FF2B5EF4-FFF2-40B4-BE49-F238E27FC236}">
+                <a16:creationId xmlns:a16="http://schemas.microsoft.com/office/drawing/2014/main" id="{C9930EDE-AA70-49F2-8583-DAD580D83C89}"/>
+              </a:ext>
+            </a:extLst>
+          </p:cNvPr>
+          <p:cNvSpPr/>
+          <p:nvPr/>
+        </p:nvSpPr>
+        <p:spPr>
+          <a:xfrm>
+            <a:off x="1769064" y="4977890"/>
+            <a:ext cx="1406063" cy="703031"/>
+          </a:xfrm>
+          <a:prstGeom prst="ellipse">
+            <a:avLst/>
+          </a:prstGeom>
+        </p:spPr>
+        <p:style>
+          <a:lnRef idx="2">
+            <a:schemeClr val="accent6">
+              <a:shade val="50000"/>
+            </a:schemeClr>
+          </a:lnRef>
+          <a:fillRef idx="1">
+            <a:schemeClr val="accent6"/>
+          </a:fillRef>
+          <a:effectRef idx="0">
+            <a:schemeClr val="accent6"/>
+          </a:effectRef>
+          <a:fontRef idx="minor">
+            <a:schemeClr val="lt1"/>
+          </a:fontRef>
+        </p:style>
+        <p:txBody>
+          <a:bodyPr rtlCol="0" anchor="ctr"/>
+          <a:lstStyle/>
+          <a:p>
+            <a:pPr algn="ctr"/>
+            <a:r>
+              <a:rPr lang="fr-FR" dirty="0" err="1"/>
+              <a:t>Footer</a:t>
+            </a:r>
+            <a:endParaRPr lang="fr-FR" dirty="0"/>
+          </a:p>
+        </p:txBody>
+      </p:sp>
+      <p:sp>
+        <p:nvSpPr>
+          <p:cNvPr id="3" name="Rectangle 2">
+            <a:extLst>
+              <a:ext uri="{FF2B5EF4-FFF2-40B4-BE49-F238E27FC236}">
+                <a16:creationId xmlns:a16="http://schemas.microsoft.com/office/drawing/2014/main" id="{3E11197F-7F8D-4D42-A111-AD38F9A58FD3}"/>
+              </a:ext>
+            </a:extLst>
+          </p:cNvPr>
+          <p:cNvSpPr/>
+          <p:nvPr/>
+        </p:nvSpPr>
+        <p:spPr>
+          <a:xfrm>
+            <a:off x="2861524" y="2320462"/>
+            <a:ext cx="1102792" cy="703031"/>
+          </a:xfrm>
+          <a:prstGeom prst="rect">
+            <a:avLst/>
+          </a:prstGeom>
+        </p:spPr>
+        <p:style>
+          <a:lnRef idx="2">
+            <a:schemeClr val="accent1">
+              <a:shade val="50000"/>
+            </a:schemeClr>
+          </a:lnRef>
+          <a:fillRef idx="1">
+            <a:schemeClr val="accent1"/>
+          </a:fillRef>
+          <a:effectRef idx="0">
+            <a:schemeClr val="accent1"/>
+          </a:effectRef>
+          <a:fontRef idx="minor">
+            <a:schemeClr val="lt1"/>
+          </a:fontRef>
+        </p:style>
+        <p:txBody>
+          <a:bodyPr rtlCol="0" anchor="ctr"/>
+          <a:lstStyle/>
+          <a:p>
+            <a:pPr algn="ctr"/>
+            <a:r>
+              <a:rPr lang="fr-FR" dirty="0" err="1"/>
+              <a:t>Layout</a:t>
+            </a:r>
+            <a:endParaRPr lang="fr-FR" dirty="0"/>
+          </a:p>
+        </p:txBody>
+      </p:sp>
+      <p:cxnSp>
+        <p:nvCxnSpPr>
+          <p:cNvPr id="8" name="Connector: Elbow 7">
+            <a:extLst>
+              <a:ext uri="{FF2B5EF4-FFF2-40B4-BE49-F238E27FC236}">
+                <a16:creationId xmlns:a16="http://schemas.microsoft.com/office/drawing/2014/main" id="{C54BF45A-6A43-443A-9746-EEE1F2F66E49}"/>
+              </a:ext>
+            </a:extLst>
+          </p:cNvPr>
+          <p:cNvCxnSpPr>
+            <a:stCxn id="2" idx="6"/>
+            <a:endCxn id="3" idx="2"/>
+          </p:cNvCxnSpPr>
+          <p:nvPr/>
+        </p:nvCxnSpPr>
+        <p:spPr>
+          <a:xfrm flipV="1">
+            <a:off x="3175128" y="3023493"/>
+            <a:ext cx="237792" cy="636405"/>
+          </a:xfrm>
+          <a:prstGeom prst="bentConnector2">
+            <a:avLst/>
+          </a:prstGeom>
+          <a:ln w="76200">
+            <a:tailEnd type="triangle"/>
+          </a:ln>
+        </p:spPr>
+        <p:style>
+          <a:lnRef idx="1">
+            <a:schemeClr val="accent1"/>
+          </a:lnRef>
+          <a:fillRef idx="0">
+            <a:schemeClr val="accent1"/>
+          </a:fillRef>
+          <a:effectRef idx="0">
+            <a:schemeClr val="accent1"/>
+          </a:effectRef>
+          <a:fontRef idx="minor">
+            <a:schemeClr val="tx1"/>
+          </a:fontRef>
+        </p:style>
+      </p:cxnSp>
+      <p:cxnSp>
+        <p:nvCxnSpPr>
+          <p:cNvPr id="17" name="Connector: Elbow 16">
+            <a:extLst>
+              <a:ext uri="{FF2B5EF4-FFF2-40B4-BE49-F238E27FC236}">
+                <a16:creationId xmlns:a16="http://schemas.microsoft.com/office/drawing/2014/main" id="{2AE9061C-435B-4AA7-A897-AB7AB788D7B7}"/>
+              </a:ext>
+            </a:extLst>
+          </p:cNvPr>
+          <p:cNvCxnSpPr>
+            <a:stCxn id="11" idx="6"/>
+            <a:endCxn id="3" idx="2"/>
+          </p:cNvCxnSpPr>
+          <p:nvPr/>
+        </p:nvCxnSpPr>
+        <p:spPr>
+          <a:xfrm flipV="1">
+            <a:off x="3175127" y="3023493"/>
+            <a:ext cx="237793" cy="1471159"/>
+          </a:xfrm>
+          <a:prstGeom prst="bentConnector2">
+            <a:avLst/>
+          </a:prstGeom>
+          <a:ln w="76200">
+            <a:tailEnd type="triangle"/>
+          </a:ln>
+        </p:spPr>
+        <p:style>
+          <a:lnRef idx="1">
+            <a:schemeClr val="accent1"/>
+          </a:lnRef>
+          <a:fillRef idx="0">
+            <a:schemeClr val="accent1"/>
+          </a:fillRef>
+          <a:effectRef idx="0">
+            <a:schemeClr val="accent1"/>
+          </a:effectRef>
+          <a:fontRef idx="minor">
+            <a:schemeClr val="tx1"/>
+          </a:fontRef>
+        </p:style>
+      </p:cxnSp>
+      <p:cxnSp>
+        <p:nvCxnSpPr>
+          <p:cNvPr id="19" name="Connector: Elbow 18">
+            <a:extLst>
+              <a:ext uri="{FF2B5EF4-FFF2-40B4-BE49-F238E27FC236}">
+                <a16:creationId xmlns:a16="http://schemas.microsoft.com/office/drawing/2014/main" id="{B0600DFD-3DEA-410A-8811-D2B17132FD06}"/>
+              </a:ext>
+            </a:extLst>
+          </p:cNvPr>
+          <p:cNvCxnSpPr>
+            <a:stCxn id="14" idx="6"/>
+            <a:endCxn id="3" idx="2"/>
+          </p:cNvCxnSpPr>
+          <p:nvPr/>
+        </p:nvCxnSpPr>
+        <p:spPr>
+          <a:xfrm flipV="1">
+            <a:off x="3175127" y="3023493"/>
+            <a:ext cx="237793" cy="2305913"/>
+          </a:xfrm>
+          <a:prstGeom prst="bentConnector2">
+            <a:avLst/>
+          </a:prstGeom>
+          <a:ln w="76200">
+            <a:tailEnd type="triangle"/>
+          </a:ln>
+        </p:spPr>
+        <p:style>
+          <a:lnRef idx="1">
+            <a:schemeClr val="accent1"/>
+          </a:lnRef>
+          <a:fillRef idx="0">
+            <a:schemeClr val="accent1"/>
+          </a:fillRef>
+          <a:effectRef idx="0">
+            <a:schemeClr val="accent1"/>
+          </a:effectRef>
+          <a:fontRef idx="minor">
+            <a:schemeClr val="tx1"/>
+          </a:fontRef>
+        </p:style>
+      </p:cxnSp>
+      <p:cxnSp>
+        <p:nvCxnSpPr>
+          <p:cNvPr id="20" name="Straight Arrow Connector 19">
+            <a:extLst>
+              <a:ext uri="{FF2B5EF4-FFF2-40B4-BE49-F238E27FC236}">
+                <a16:creationId xmlns:a16="http://schemas.microsoft.com/office/drawing/2014/main" id="{8D281EF7-B98B-448E-9BEA-A3870A695C4E}"/>
+              </a:ext>
+            </a:extLst>
+          </p:cNvPr>
+          <p:cNvCxnSpPr>
+            <a:cxnSpLocks/>
+            <a:stCxn id="3" idx="0"/>
+            <a:endCxn id="4" idx="1"/>
+          </p:cNvCxnSpPr>
+          <p:nvPr/>
+        </p:nvCxnSpPr>
+        <p:spPr>
+          <a:xfrm flipV="1">
+            <a:off x="3412920" y="1488772"/>
+            <a:ext cx="823647" cy="831690"/>
+          </a:xfrm>
+          <a:prstGeom prst="straightConnector1">
+            <a:avLst/>
+          </a:prstGeom>
+          <a:ln w="76200">
+            <a:prstDash val="sysDash"/>
+            <a:tailEnd type="triangle"/>
+          </a:ln>
+        </p:spPr>
+        <p:style>
+          <a:lnRef idx="1">
+            <a:schemeClr val="accent1"/>
+          </a:lnRef>
+          <a:fillRef idx="0">
+            <a:schemeClr val="accent1"/>
+          </a:fillRef>
+          <a:effectRef idx="0">
+            <a:schemeClr val="accent1"/>
+          </a:effectRef>
+          <a:fontRef idx="minor">
+            <a:schemeClr val="tx1"/>
+          </a:fontRef>
+        </p:style>
+      </p:cxnSp>
+    </p:spTree>
+    <p:extLst>
+      <p:ext uri="{BB962C8B-B14F-4D97-AF65-F5344CB8AC3E}">
+        <p14:creationId xmlns:p14="http://schemas.microsoft.com/office/powerpoint/2010/main" val="1531428671"/>
+      </p:ext>
+    </p:extLst>
+  </p:cSld>
+  <p:clrMapOvr>
+    <a:masterClrMapping/>
+  </p:clrMapOvr>
+</p:sld>
+</file>
+
 <file path=ppt/slides/slide2.xml><?xml version="1.0" encoding="utf-8"?>
 <p:sld xmlns:a="http://schemas.openxmlformats.org/drawingml/2006/main" xmlns:r="http://schemas.openxmlformats.org/officeDocument/2006/relationships" xmlns:p="http://schemas.openxmlformats.org/presentationml/2006/main">
   <p:cSld>
@@ -4444,6 +7281,3137 @@
     <p:extLst>
       <p:ext uri="{BB962C8B-B14F-4D97-AF65-F5344CB8AC3E}">
         <p14:creationId xmlns:p14="http://schemas.microsoft.com/office/powerpoint/2010/main" val="748719229"/>
+      </p:ext>
+    </p:extLst>
+  </p:cSld>
+  <p:clrMapOvr>
+    <a:masterClrMapping/>
+  </p:clrMapOvr>
+</p:sld>
+</file>
+
+<file path=ppt/slides/slide20.xml><?xml version="1.0" encoding="utf-8"?>
+<p:sld xmlns:a="http://schemas.openxmlformats.org/drawingml/2006/main" xmlns:r="http://schemas.openxmlformats.org/officeDocument/2006/relationships" xmlns:p="http://schemas.openxmlformats.org/presentationml/2006/main">
+  <p:cSld>
+    <p:spTree>
+      <p:nvGrpSpPr>
+        <p:cNvPr id="1" name=""/>
+        <p:cNvGrpSpPr/>
+        <p:nvPr/>
+      </p:nvGrpSpPr>
+      <p:grpSpPr>
+        <a:xfrm>
+          <a:off x="0" y="0"/>
+          <a:ext cx="0" cy="0"/>
+          <a:chOff x="0" y="0"/>
+          <a:chExt cx="0" cy="0"/>
+        </a:xfrm>
+      </p:grpSpPr>
+      <p:sp>
+        <p:nvSpPr>
+          <p:cNvPr id="2" name="Title 1">
+            <a:extLst>
+              <a:ext uri="{FF2B5EF4-FFF2-40B4-BE49-F238E27FC236}">
+                <a16:creationId xmlns:a16="http://schemas.microsoft.com/office/drawing/2014/main" id="{42BA99C2-D87A-4B91-8468-93B412452A3E}"/>
+              </a:ext>
+            </a:extLst>
+          </p:cNvPr>
+          <p:cNvSpPr>
+            <a:spLocks noGrp="1"/>
+          </p:cNvSpPr>
+          <p:nvPr>
+            <p:ph type="title"/>
+          </p:nvPr>
+        </p:nvSpPr>
+        <p:spPr/>
+        <p:txBody>
+          <a:bodyPr/>
+          <a:lstStyle/>
+          <a:p>
+            <a:r>
+              <a:rPr lang="fr-FR" dirty="0"/>
+              <a:t>Command </a:t>
+            </a:r>
+            <a:r>
+              <a:rPr lang="fr-FR" dirty="0" err="1"/>
+              <a:t>ng</a:t>
+            </a:r>
+            <a:r>
+              <a:rPr lang="fr-FR" dirty="0"/>
+              <a:t> </a:t>
+            </a:r>
+            <a:r>
+              <a:rPr lang="fr-FR" dirty="0" err="1"/>
+              <a:t>generate</a:t>
+            </a:r>
+            <a:endParaRPr lang="fr-FR" dirty="0"/>
+          </a:p>
+        </p:txBody>
+      </p:sp>
+      <p:sp>
+        <p:nvSpPr>
+          <p:cNvPr id="3" name="Content Placeholder 2">
+            <a:extLst>
+              <a:ext uri="{FF2B5EF4-FFF2-40B4-BE49-F238E27FC236}">
+                <a16:creationId xmlns:a16="http://schemas.microsoft.com/office/drawing/2014/main" id="{3B79E94C-2971-4FA4-B7FE-1A38B992471D}"/>
+              </a:ext>
+            </a:extLst>
+          </p:cNvPr>
+          <p:cNvSpPr>
+            <a:spLocks noGrp="1"/>
+          </p:cNvSpPr>
+          <p:nvPr>
+            <p:ph idx="1"/>
+          </p:nvPr>
+        </p:nvSpPr>
+        <p:spPr/>
+        <p:txBody>
+          <a:bodyPr/>
+          <a:lstStyle/>
+          <a:p>
+            <a:r>
+              <a:rPr lang="fr-FR" dirty="0" err="1"/>
+              <a:t>ng</a:t>
+            </a:r>
+            <a:r>
+              <a:rPr lang="fr-FR" dirty="0"/>
+              <a:t> g m </a:t>
+            </a:r>
+            <a:r>
+              <a:rPr lang="fr-FR" dirty="0" err="1"/>
+              <a:t>layout</a:t>
+            </a:r>
+            <a:r>
+              <a:rPr lang="fr-FR" dirty="0"/>
+              <a:t> –m app</a:t>
+            </a:r>
+          </a:p>
+          <a:p>
+            <a:r>
+              <a:rPr lang="fr-FR" dirty="0" err="1"/>
+              <a:t>ng</a:t>
+            </a:r>
+            <a:r>
+              <a:rPr lang="fr-FR" dirty="0"/>
+              <a:t> g c </a:t>
+            </a:r>
+            <a:r>
+              <a:rPr lang="fr-FR" dirty="0" err="1"/>
+              <a:t>layout</a:t>
+            </a:r>
+            <a:r>
+              <a:rPr lang="fr-FR" dirty="0"/>
+              <a:t>/header –export</a:t>
+            </a:r>
+          </a:p>
+          <a:p>
+            <a:r>
+              <a:rPr lang="en-US" dirty="0"/>
+              <a:t>ng g m stock --route stock -m app</a:t>
+            </a:r>
+          </a:p>
+          <a:p>
+            <a:r>
+              <a:rPr lang="fr-FR" dirty="0" err="1"/>
+              <a:t>ng</a:t>
+            </a:r>
+            <a:r>
+              <a:rPr lang="fr-FR" dirty="0"/>
+              <a:t> g i interfaces/article</a:t>
+            </a:r>
+          </a:p>
+        </p:txBody>
+      </p:sp>
+    </p:spTree>
+    <p:extLst>
+      <p:ext uri="{BB962C8B-B14F-4D97-AF65-F5344CB8AC3E}">
+        <p14:creationId xmlns:p14="http://schemas.microsoft.com/office/powerpoint/2010/main" val="1065620588"/>
+      </p:ext>
+    </p:extLst>
+  </p:cSld>
+  <p:clrMapOvr>
+    <a:masterClrMapping/>
+  </p:clrMapOvr>
+</p:sld>
+</file>
+
+<file path=ppt/slides/slide21.xml><?xml version="1.0" encoding="utf-8"?>
+<p:sld xmlns:a="http://schemas.openxmlformats.org/drawingml/2006/main" xmlns:r="http://schemas.openxmlformats.org/officeDocument/2006/relationships" xmlns:p="http://schemas.openxmlformats.org/presentationml/2006/main">
+  <p:cSld>
+    <p:spTree>
+      <p:nvGrpSpPr>
+        <p:cNvPr id="1" name=""/>
+        <p:cNvGrpSpPr/>
+        <p:nvPr/>
+      </p:nvGrpSpPr>
+      <p:grpSpPr>
+        <a:xfrm>
+          <a:off x="0" y="0"/>
+          <a:ext cx="0" cy="0"/>
+          <a:chOff x="0" y="0"/>
+          <a:chExt cx="0" cy="0"/>
+        </a:xfrm>
+      </p:grpSpPr>
+      <p:sp>
+        <p:nvSpPr>
+          <p:cNvPr id="4" name="Rectangle 3">
+            <a:extLst>
+              <a:ext uri="{FF2B5EF4-FFF2-40B4-BE49-F238E27FC236}">
+                <a16:creationId xmlns:a16="http://schemas.microsoft.com/office/drawing/2014/main" id="{90BA5115-B598-478A-9A4F-D2AA08F90B00}"/>
+              </a:ext>
+            </a:extLst>
+          </p:cNvPr>
+          <p:cNvSpPr/>
+          <p:nvPr/>
+        </p:nvSpPr>
+        <p:spPr>
+          <a:xfrm>
+            <a:off x="4236567" y="1116579"/>
+            <a:ext cx="1116579" cy="744386"/>
+          </a:xfrm>
+          <a:prstGeom prst="rect">
+            <a:avLst/>
+          </a:prstGeom>
+        </p:spPr>
+        <p:style>
+          <a:lnRef idx="2">
+            <a:schemeClr val="accent1">
+              <a:shade val="50000"/>
+            </a:schemeClr>
+          </a:lnRef>
+          <a:fillRef idx="1">
+            <a:schemeClr val="accent1"/>
+          </a:fillRef>
+          <a:effectRef idx="0">
+            <a:schemeClr val="accent1"/>
+          </a:effectRef>
+          <a:fontRef idx="minor">
+            <a:schemeClr val="lt1"/>
+          </a:fontRef>
+        </p:style>
+        <p:txBody>
+          <a:bodyPr rtlCol="0" anchor="ctr"/>
+          <a:lstStyle/>
+          <a:p>
+            <a:pPr algn="ctr"/>
+            <a:r>
+              <a:rPr lang="fr-FR" dirty="0"/>
+              <a:t>App</a:t>
+            </a:r>
+          </a:p>
+        </p:txBody>
+      </p:sp>
+      <p:sp>
+        <p:nvSpPr>
+          <p:cNvPr id="5" name="Oval 4">
+            <a:extLst>
+              <a:ext uri="{FF2B5EF4-FFF2-40B4-BE49-F238E27FC236}">
+                <a16:creationId xmlns:a16="http://schemas.microsoft.com/office/drawing/2014/main" id="{082EC38B-50AB-4E80-A58D-AFAEEE8F74B5}"/>
+              </a:ext>
+            </a:extLst>
+          </p:cNvPr>
+          <p:cNvSpPr/>
+          <p:nvPr/>
+        </p:nvSpPr>
+        <p:spPr>
+          <a:xfrm>
+            <a:off x="4036685" y="2536427"/>
+            <a:ext cx="1516342" cy="744386"/>
+          </a:xfrm>
+          <a:prstGeom prst="ellipse">
+            <a:avLst/>
+          </a:prstGeom>
+        </p:spPr>
+        <p:style>
+          <a:lnRef idx="2">
+            <a:schemeClr val="accent6">
+              <a:shade val="50000"/>
+            </a:schemeClr>
+          </a:lnRef>
+          <a:fillRef idx="1">
+            <a:schemeClr val="accent6"/>
+          </a:fillRef>
+          <a:effectRef idx="0">
+            <a:schemeClr val="accent6"/>
+          </a:effectRef>
+          <a:fontRef idx="minor">
+            <a:schemeClr val="lt1"/>
+          </a:fontRef>
+        </p:style>
+        <p:txBody>
+          <a:bodyPr rtlCol="0" anchor="ctr"/>
+          <a:lstStyle/>
+          <a:p>
+            <a:pPr algn="ctr"/>
+            <a:r>
+              <a:rPr lang="fr-FR" dirty="0"/>
+              <a:t>App</a:t>
+            </a:r>
+          </a:p>
+        </p:txBody>
+      </p:sp>
+      <p:cxnSp>
+        <p:nvCxnSpPr>
+          <p:cNvPr id="7" name="Straight Arrow Connector 6">
+            <a:extLst>
+              <a:ext uri="{FF2B5EF4-FFF2-40B4-BE49-F238E27FC236}">
+                <a16:creationId xmlns:a16="http://schemas.microsoft.com/office/drawing/2014/main" id="{A1174456-A355-45FF-B42C-348E4C86096A}"/>
+              </a:ext>
+            </a:extLst>
+          </p:cNvPr>
+          <p:cNvCxnSpPr>
+            <a:stCxn id="5" idx="0"/>
+            <a:endCxn id="4" idx="2"/>
+          </p:cNvCxnSpPr>
+          <p:nvPr/>
+        </p:nvCxnSpPr>
+        <p:spPr>
+          <a:xfrm flipV="1">
+            <a:off x="4794856" y="1860965"/>
+            <a:ext cx="1" cy="675462"/>
+          </a:xfrm>
+          <a:prstGeom prst="straightConnector1">
+            <a:avLst/>
+          </a:prstGeom>
+          <a:ln w="76200">
+            <a:tailEnd type="triangle"/>
+          </a:ln>
+        </p:spPr>
+        <p:style>
+          <a:lnRef idx="1">
+            <a:schemeClr val="accent1"/>
+          </a:lnRef>
+          <a:fillRef idx="0">
+            <a:schemeClr val="accent1"/>
+          </a:fillRef>
+          <a:effectRef idx="0">
+            <a:schemeClr val="accent1"/>
+          </a:effectRef>
+          <a:fontRef idx="minor">
+            <a:schemeClr val="tx1"/>
+          </a:fontRef>
+        </p:style>
+      </p:cxnSp>
+      <p:sp>
+        <p:nvSpPr>
+          <p:cNvPr id="9" name="Rectangle 8">
+            <a:extLst>
+              <a:ext uri="{FF2B5EF4-FFF2-40B4-BE49-F238E27FC236}">
+                <a16:creationId xmlns:a16="http://schemas.microsoft.com/office/drawing/2014/main" id="{F969D6EF-4E23-451B-A8BF-46AAF17631F7}"/>
+              </a:ext>
+            </a:extLst>
+          </p:cNvPr>
+          <p:cNvSpPr/>
+          <p:nvPr/>
+        </p:nvSpPr>
+        <p:spPr>
+          <a:xfrm>
+            <a:off x="7595493" y="583562"/>
+            <a:ext cx="1479578" cy="629511"/>
+          </a:xfrm>
+          <a:prstGeom prst="rect">
+            <a:avLst/>
+          </a:prstGeom>
+        </p:spPr>
+        <p:style>
+          <a:lnRef idx="2">
+            <a:schemeClr val="accent1">
+              <a:shade val="50000"/>
+            </a:schemeClr>
+          </a:lnRef>
+          <a:fillRef idx="1">
+            <a:schemeClr val="accent1"/>
+          </a:fillRef>
+          <a:effectRef idx="0">
+            <a:schemeClr val="accent1"/>
+          </a:effectRef>
+          <a:fontRef idx="minor">
+            <a:schemeClr val="lt1"/>
+          </a:fontRef>
+        </p:style>
+        <p:txBody>
+          <a:bodyPr rtlCol="0" anchor="ctr"/>
+          <a:lstStyle/>
+          <a:p>
+            <a:pPr algn="ctr"/>
+            <a:r>
+              <a:rPr lang="fr-FR" dirty="0"/>
+              <a:t>Browser</a:t>
+            </a:r>
+          </a:p>
+        </p:txBody>
+      </p:sp>
+      <p:sp>
+        <p:nvSpPr>
+          <p:cNvPr id="10" name="Rectangle 9">
+            <a:extLst>
+              <a:ext uri="{FF2B5EF4-FFF2-40B4-BE49-F238E27FC236}">
+                <a16:creationId xmlns:a16="http://schemas.microsoft.com/office/drawing/2014/main" id="{578F8CDF-72B1-43E4-A330-4D3E8C447C9A}"/>
+              </a:ext>
+            </a:extLst>
+          </p:cNvPr>
+          <p:cNvSpPr/>
+          <p:nvPr/>
+        </p:nvSpPr>
+        <p:spPr>
+          <a:xfrm>
+            <a:off x="7595492" y="1517873"/>
+            <a:ext cx="1479579" cy="629511"/>
+          </a:xfrm>
+          <a:prstGeom prst="rect">
+            <a:avLst/>
+          </a:prstGeom>
+        </p:spPr>
+        <p:style>
+          <a:lnRef idx="2">
+            <a:schemeClr val="accent1">
+              <a:shade val="50000"/>
+            </a:schemeClr>
+          </a:lnRef>
+          <a:fillRef idx="1">
+            <a:schemeClr val="accent1"/>
+          </a:fillRef>
+          <a:effectRef idx="0">
+            <a:schemeClr val="accent1"/>
+          </a:effectRef>
+          <a:fontRef idx="minor">
+            <a:schemeClr val="lt1"/>
+          </a:fontRef>
+        </p:style>
+        <p:txBody>
+          <a:bodyPr rtlCol="0" anchor="ctr"/>
+          <a:lstStyle/>
+          <a:p>
+            <a:pPr algn="ctr"/>
+            <a:r>
+              <a:rPr lang="fr-FR" dirty="0" err="1"/>
+              <a:t>AppRouting</a:t>
+            </a:r>
+            <a:endParaRPr lang="fr-FR" dirty="0"/>
+          </a:p>
+        </p:txBody>
+      </p:sp>
+      <p:cxnSp>
+        <p:nvCxnSpPr>
+          <p:cNvPr id="12" name="Straight Arrow Connector 11">
+            <a:extLst>
+              <a:ext uri="{FF2B5EF4-FFF2-40B4-BE49-F238E27FC236}">
+                <a16:creationId xmlns:a16="http://schemas.microsoft.com/office/drawing/2014/main" id="{C3B5D011-CF58-4919-8C29-2D3E569F76EA}"/>
+              </a:ext>
+            </a:extLst>
+          </p:cNvPr>
+          <p:cNvCxnSpPr>
+            <a:stCxn id="9" idx="1"/>
+            <a:endCxn id="4" idx="3"/>
+          </p:cNvCxnSpPr>
+          <p:nvPr/>
+        </p:nvCxnSpPr>
+        <p:spPr>
+          <a:xfrm flipH="1">
+            <a:off x="5353146" y="898318"/>
+            <a:ext cx="2242347" cy="590454"/>
+          </a:xfrm>
+          <a:prstGeom prst="straightConnector1">
+            <a:avLst/>
+          </a:prstGeom>
+          <a:ln w="76200">
+            <a:prstDash val="sysDash"/>
+            <a:tailEnd type="triangle"/>
+          </a:ln>
+        </p:spPr>
+        <p:style>
+          <a:lnRef idx="1">
+            <a:schemeClr val="accent1"/>
+          </a:lnRef>
+          <a:fillRef idx="0">
+            <a:schemeClr val="accent1"/>
+          </a:fillRef>
+          <a:effectRef idx="0">
+            <a:schemeClr val="accent1"/>
+          </a:effectRef>
+          <a:fontRef idx="minor">
+            <a:schemeClr val="tx1"/>
+          </a:fontRef>
+        </p:style>
+      </p:cxnSp>
+      <p:cxnSp>
+        <p:nvCxnSpPr>
+          <p:cNvPr id="13" name="Straight Arrow Connector 12">
+            <a:extLst>
+              <a:ext uri="{FF2B5EF4-FFF2-40B4-BE49-F238E27FC236}">
+                <a16:creationId xmlns:a16="http://schemas.microsoft.com/office/drawing/2014/main" id="{899E3502-9130-43FD-BF3A-D377BC12DE27}"/>
+              </a:ext>
+            </a:extLst>
+          </p:cNvPr>
+          <p:cNvCxnSpPr>
+            <a:cxnSpLocks/>
+            <a:stCxn id="10" idx="1"/>
+            <a:endCxn id="4" idx="3"/>
+          </p:cNvCxnSpPr>
+          <p:nvPr/>
+        </p:nvCxnSpPr>
+        <p:spPr>
+          <a:xfrm flipH="1" flipV="1">
+            <a:off x="5353146" y="1488772"/>
+            <a:ext cx="2242346" cy="343857"/>
+          </a:xfrm>
+          <a:prstGeom prst="straightConnector1">
+            <a:avLst/>
+          </a:prstGeom>
+          <a:ln w="76200">
+            <a:prstDash val="sysDash"/>
+            <a:tailEnd type="triangle"/>
+          </a:ln>
+        </p:spPr>
+        <p:style>
+          <a:lnRef idx="1">
+            <a:schemeClr val="accent1"/>
+          </a:lnRef>
+          <a:fillRef idx="0">
+            <a:schemeClr val="accent1"/>
+          </a:fillRef>
+          <a:effectRef idx="0">
+            <a:schemeClr val="accent1"/>
+          </a:effectRef>
+          <a:fontRef idx="minor">
+            <a:schemeClr val="tx1"/>
+          </a:fontRef>
+        </p:style>
+      </p:cxnSp>
+      <p:sp>
+        <p:nvSpPr>
+          <p:cNvPr id="2" name="Oval 1">
+            <a:extLst>
+              <a:ext uri="{FF2B5EF4-FFF2-40B4-BE49-F238E27FC236}">
+                <a16:creationId xmlns:a16="http://schemas.microsoft.com/office/drawing/2014/main" id="{A2B1E4AB-04D9-402B-A2FB-6C9D1534CD55}"/>
+              </a:ext>
+            </a:extLst>
+          </p:cNvPr>
+          <p:cNvSpPr/>
+          <p:nvPr/>
+        </p:nvSpPr>
+        <p:spPr>
+          <a:xfrm>
+            <a:off x="1769065" y="3308382"/>
+            <a:ext cx="1406063" cy="703031"/>
+          </a:xfrm>
+          <a:prstGeom prst="ellipse">
+            <a:avLst/>
+          </a:prstGeom>
+        </p:spPr>
+        <p:style>
+          <a:lnRef idx="2">
+            <a:schemeClr val="accent6">
+              <a:shade val="50000"/>
+            </a:schemeClr>
+          </a:lnRef>
+          <a:fillRef idx="1">
+            <a:schemeClr val="accent6"/>
+          </a:fillRef>
+          <a:effectRef idx="0">
+            <a:schemeClr val="accent6"/>
+          </a:effectRef>
+          <a:fontRef idx="minor">
+            <a:schemeClr val="lt1"/>
+          </a:fontRef>
+        </p:style>
+        <p:txBody>
+          <a:bodyPr rtlCol="0" anchor="ctr"/>
+          <a:lstStyle/>
+          <a:p>
+            <a:pPr algn="ctr"/>
+            <a:r>
+              <a:rPr lang="fr-FR" dirty="0"/>
+              <a:t>Header</a:t>
+            </a:r>
+          </a:p>
+        </p:txBody>
+      </p:sp>
+      <p:sp>
+        <p:nvSpPr>
+          <p:cNvPr id="11" name="Oval 10">
+            <a:extLst>
+              <a:ext uri="{FF2B5EF4-FFF2-40B4-BE49-F238E27FC236}">
+                <a16:creationId xmlns:a16="http://schemas.microsoft.com/office/drawing/2014/main" id="{2115249B-2C71-495A-ABD0-49464E45596E}"/>
+              </a:ext>
+            </a:extLst>
+          </p:cNvPr>
+          <p:cNvSpPr/>
+          <p:nvPr/>
+        </p:nvSpPr>
+        <p:spPr>
+          <a:xfrm>
+            <a:off x="1769064" y="4143136"/>
+            <a:ext cx="1406063" cy="703031"/>
+          </a:xfrm>
+          <a:prstGeom prst="ellipse">
+            <a:avLst/>
+          </a:prstGeom>
+        </p:spPr>
+        <p:style>
+          <a:lnRef idx="2">
+            <a:schemeClr val="accent6">
+              <a:shade val="50000"/>
+            </a:schemeClr>
+          </a:lnRef>
+          <a:fillRef idx="1">
+            <a:schemeClr val="accent6"/>
+          </a:fillRef>
+          <a:effectRef idx="0">
+            <a:schemeClr val="accent6"/>
+          </a:effectRef>
+          <a:fontRef idx="minor">
+            <a:schemeClr val="lt1"/>
+          </a:fontRef>
+        </p:style>
+        <p:txBody>
+          <a:bodyPr rtlCol="0" anchor="ctr"/>
+          <a:lstStyle/>
+          <a:p>
+            <a:pPr algn="ctr"/>
+            <a:r>
+              <a:rPr lang="fr-FR" dirty="0"/>
+              <a:t>Main</a:t>
+            </a:r>
+          </a:p>
+        </p:txBody>
+      </p:sp>
+      <p:sp>
+        <p:nvSpPr>
+          <p:cNvPr id="14" name="Oval 13">
+            <a:extLst>
+              <a:ext uri="{FF2B5EF4-FFF2-40B4-BE49-F238E27FC236}">
+                <a16:creationId xmlns:a16="http://schemas.microsoft.com/office/drawing/2014/main" id="{C9930EDE-AA70-49F2-8583-DAD580D83C89}"/>
+              </a:ext>
+            </a:extLst>
+          </p:cNvPr>
+          <p:cNvSpPr/>
+          <p:nvPr/>
+        </p:nvSpPr>
+        <p:spPr>
+          <a:xfrm>
+            <a:off x="1769064" y="4977890"/>
+            <a:ext cx="1406063" cy="703031"/>
+          </a:xfrm>
+          <a:prstGeom prst="ellipse">
+            <a:avLst/>
+          </a:prstGeom>
+        </p:spPr>
+        <p:style>
+          <a:lnRef idx="2">
+            <a:schemeClr val="accent6">
+              <a:shade val="50000"/>
+            </a:schemeClr>
+          </a:lnRef>
+          <a:fillRef idx="1">
+            <a:schemeClr val="accent6"/>
+          </a:fillRef>
+          <a:effectRef idx="0">
+            <a:schemeClr val="accent6"/>
+          </a:effectRef>
+          <a:fontRef idx="minor">
+            <a:schemeClr val="lt1"/>
+          </a:fontRef>
+        </p:style>
+        <p:txBody>
+          <a:bodyPr rtlCol="0" anchor="ctr"/>
+          <a:lstStyle/>
+          <a:p>
+            <a:pPr algn="ctr"/>
+            <a:r>
+              <a:rPr lang="fr-FR" dirty="0" err="1"/>
+              <a:t>Footer</a:t>
+            </a:r>
+            <a:endParaRPr lang="fr-FR" dirty="0"/>
+          </a:p>
+        </p:txBody>
+      </p:sp>
+      <p:sp>
+        <p:nvSpPr>
+          <p:cNvPr id="3" name="Rectangle 2">
+            <a:extLst>
+              <a:ext uri="{FF2B5EF4-FFF2-40B4-BE49-F238E27FC236}">
+                <a16:creationId xmlns:a16="http://schemas.microsoft.com/office/drawing/2014/main" id="{3E11197F-7F8D-4D42-A111-AD38F9A58FD3}"/>
+              </a:ext>
+            </a:extLst>
+          </p:cNvPr>
+          <p:cNvSpPr/>
+          <p:nvPr/>
+        </p:nvSpPr>
+        <p:spPr>
+          <a:xfrm>
+            <a:off x="2861524" y="2320462"/>
+            <a:ext cx="1102792" cy="703031"/>
+          </a:xfrm>
+          <a:prstGeom prst="rect">
+            <a:avLst/>
+          </a:prstGeom>
+        </p:spPr>
+        <p:style>
+          <a:lnRef idx="2">
+            <a:schemeClr val="accent1">
+              <a:shade val="50000"/>
+            </a:schemeClr>
+          </a:lnRef>
+          <a:fillRef idx="1">
+            <a:schemeClr val="accent1"/>
+          </a:fillRef>
+          <a:effectRef idx="0">
+            <a:schemeClr val="accent1"/>
+          </a:effectRef>
+          <a:fontRef idx="minor">
+            <a:schemeClr val="lt1"/>
+          </a:fontRef>
+        </p:style>
+        <p:txBody>
+          <a:bodyPr rtlCol="0" anchor="ctr"/>
+          <a:lstStyle/>
+          <a:p>
+            <a:pPr algn="ctr"/>
+            <a:r>
+              <a:rPr lang="fr-FR" dirty="0" err="1"/>
+              <a:t>Layout</a:t>
+            </a:r>
+            <a:endParaRPr lang="fr-FR" dirty="0"/>
+          </a:p>
+        </p:txBody>
+      </p:sp>
+      <p:cxnSp>
+        <p:nvCxnSpPr>
+          <p:cNvPr id="8" name="Connector: Elbow 7">
+            <a:extLst>
+              <a:ext uri="{FF2B5EF4-FFF2-40B4-BE49-F238E27FC236}">
+                <a16:creationId xmlns:a16="http://schemas.microsoft.com/office/drawing/2014/main" id="{C54BF45A-6A43-443A-9746-EEE1F2F66E49}"/>
+              </a:ext>
+            </a:extLst>
+          </p:cNvPr>
+          <p:cNvCxnSpPr>
+            <a:stCxn id="2" idx="6"/>
+            <a:endCxn id="3" idx="2"/>
+          </p:cNvCxnSpPr>
+          <p:nvPr/>
+        </p:nvCxnSpPr>
+        <p:spPr>
+          <a:xfrm flipV="1">
+            <a:off x="3175128" y="3023493"/>
+            <a:ext cx="237792" cy="636405"/>
+          </a:xfrm>
+          <a:prstGeom prst="bentConnector2">
+            <a:avLst/>
+          </a:prstGeom>
+          <a:ln w="76200">
+            <a:tailEnd type="triangle"/>
+          </a:ln>
+        </p:spPr>
+        <p:style>
+          <a:lnRef idx="1">
+            <a:schemeClr val="accent1"/>
+          </a:lnRef>
+          <a:fillRef idx="0">
+            <a:schemeClr val="accent1"/>
+          </a:fillRef>
+          <a:effectRef idx="0">
+            <a:schemeClr val="accent1"/>
+          </a:effectRef>
+          <a:fontRef idx="minor">
+            <a:schemeClr val="tx1"/>
+          </a:fontRef>
+        </p:style>
+      </p:cxnSp>
+      <p:cxnSp>
+        <p:nvCxnSpPr>
+          <p:cNvPr id="17" name="Connector: Elbow 16">
+            <a:extLst>
+              <a:ext uri="{FF2B5EF4-FFF2-40B4-BE49-F238E27FC236}">
+                <a16:creationId xmlns:a16="http://schemas.microsoft.com/office/drawing/2014/main" id="{2AE9061C-435B-4AA7-A897-AB7AB788D7B7}"/>
+              </a:ext>
+            </a:extLst>
+          </p:cNvPr>
+          <p:cNvCxnSpPr>
+            <a:stCxn id="11" idx="6"/>
+            <a:endCxn id="3" idx="2"/>
+          </p:cNvCxnSpPr>
+          <p:nvPr/>
+        </p:nvCxnSpPr>
+        <p:spPr>
+          <a:xfrm flipV="1">
+            <a:off x="3175127" y="3023493"/>
+            <a:ext cx="237793" cy="1471159"/>
+          </a:xfrm>
+          <a:prstGeom prst="bentConnector2">
+            <a:avLst/>
+          </a:prstGeom>
+          <a:ln w="76200">
+            <a:tailEnd type="triangle"/>
+          </a:ln>
+        </p:spPr>
+        <p:style>
+          <a:lnRef idx="1">
+            <a:schemeClr val="accent1"/>
+          </a:lnRef>
+          <a:fillRef idx="0">
+            <a:schemeClr val="accent1"/>
+          </a:fillRef>
+          <a:effectRef idx="0">
+            <a:schemeClr val="accent1"/>
+          </a:effectRef>
+          <a:fontRef idx="minor">
+            <a:schemeClr val="tx1"/>
+          </a:fontRef>
+        </p:style>
+      </p:cxnSp>
+      <p:cxnSp>
+        <p:nvCxnSpPr>
+          <p:cNvPr id="19" name="Connector: Elbow 18">
+            <a:extLst>
+              <a:ext uri="{FF2B5EF4-FFF2-40B4-BE49-F238E27FC236}">
+                <a16:creationId xmlns:a16="http://schemas.microsoft.com/office/drawing/2014/main" id="{B0600DFD-3DEA-410A-8811-D2B17132FD06}"/>
+              </a:ext>
+            </a:extLst>
+          </p:cNvPr>
+          <p:cNvCxnSpPr>
+            <a:stCxn id="14" idx="6"/>
+            <a:endCxn id="3" idx="2"/>
+          </p:cNvCxnSpPr>
+          <p:nvPr/>
+        </p:nvCxnSpPr>
+        <p:spPr>
+          <a:xfrm flipV="1">
+            <a:off x="3175127" y="3023493"/>
+            <a:ext cx="237793" cy="2305913"/>
+          </a:xfrm>
+          <a:prstGeom prst="bentConnector2">
+            <a:avLst/>
+          </a:prstGeom>
+          <a:ln w="76200">
+            <a:tailEnd type="triangle"/>
+          </a:ln>
+        </p:spPr>
+        <p:style>
+          <a:lnRef idx="1">
+            <a:schemeClr val="accent1"/>
+          </a:lnRef>
+          <a:fillRef idx="0">
+            <a:schemeClr val="accent1"/>
+          </a:fillRef>
+          <a:effectRef idx="0">
+            <a:schemeClr val="accent1"/>
+          </a:effectRef>
+          <a:fontRef idx="minor">
+            <a:schemeClr val="tx1"/>
+          </a:fontRef>
+        </p:style>
+      </p:cxnSp>
+      <p:cxnSp>
+        <p:nvCxnSpPr>
+          <p:cNvPr id="20" name="Straight Arrow Connector 19">
+            <a:extLst>
+              <a:ext uri="{FF2B5EF4-FFF2-40B4-BE49-F238E27FC236}">
+                <a16:creationId xmlns:a16="http://schemas.microsoft.com/office/drawing/2014/main" id="{8D281EF7-B98B-448E-9BEA-A3870A695C4E}"/>
+              </a:ext>
+            </a:extLst>
+          </p:cNvPr>
+          <p:cNvCxnSpPr>
+            <a:cxnSpLocks/>
+            <a:stCxn id="3" idx="0"/>
+            <a:endCxn id="4" idx="1"/>
+          </p:cNvCxnSpPr>
+          <p:nvPr/>
+        </p:nvCxnSpPr>
+        <p:spPr>
+          <a:xfrm flipV="1">
+            <a:off x="3412920" y="1488772"/>
+            <a:ext cx="823647" cy="831690"/>
+          </a:xfrm>
+          <a:prstGeom prst="straightConnector1">
+            <a:avLst/>
+          </a:prstGeom>
+          <a:ln w="76200">
+            <a:prstDash val="sysDash"/>
+            <a:tailEnd type="triangle"/>
+          </a:ln>
+        </p:spPr>
+        <p:style>
+          <a:lnRef idx="1">
+            <a:schemeClr val="accent1"/>
+          </a:lnRef>
+          <a:fillRef idx="0">
+            <a:schemeClr val="accent1"/>
+          </a:fillRef>
+          <a:effectRef idx="0">
+            <a:schemeClr val="accent1"/>
+          </a:effectRef>
+          <a:fontRef idx="minor">
+            <a:schemeClr val="tx1"/>
+          </a:fontRef>
+        </p:style>
+      </p:cxnSp>
+      <p:sp>
+        <p:nvSpPr>
+          <p:cNvPr id="18" name="Oval 17">
+            <a:extLst>
+              <a:ext uri="{FF2B5EF4-FFF2-40B4-BE49-F238E27FC236}">
+                <a16:creationId xmlns:a16="http://schemas.microsoft.com/office/drawing/2014/main" id="{DCBB99AE-AD21-4334-88B8-8976DC54C452}"/>
+              </a:ext>
+            </a:extLst>
+          </p:cNvPr>
+          <p:cNvSpPr/>
+          <p:nvPr/>
+        </p:nvSpPr>
+        <p:spPr>
+          <a:xfrm>
+            <a:off x="6603743" y="3810000"/>
+            <a:ext cx="1406063" cy="703031"/>
+          </a:xfrm>
+          <a:prstGeom prst="ellipse">
+            <a:avLst/>
+          </a:prstGeom>
+        </p:spPr>
+        <p:style>
+          <a:lnRef idx="2">
+            <a:schemeClr val="accent6">
+              <a:shade val="50000"/>
+            </a:schemeClr>
+          </a:lnRef>
+          <a:fillRef idx="1">
+            <a:schemeClr val="accent6"/>
+          </a:fillRef>
+          <a:effectRef idx="0">
+            <a:schemeClr val="accent6"/>
+          </a:effectRef>
+          <a:fontRef idx="minor">
+            <a:schemeClr val="lt1"/>
+          </a:fontRef>
+        </p:style>
+        <p:txBody>
+          <a:bodyPr rtlCol="0" anchor="ctr"/>
+          <a:lstStyle/>
+          <a:p>
+            <a:pPr algn="ctr"/>
+            <a:r>
+              <a:rPr lang="fr-FR" dirty="0"/>
+              <a:t>Home</a:t>
+            </a:r>
+          </a:p>
+        </p:txBody>
+      </p:sp>
+      <p:sp>
+        <p:nvSpPr>
+          <p:cNvPr id="21" name="Oval 20">
+            <a:extLst>
+              <a:ext uri="{FF2B5EF4-FFF2-40B4-BE49-F238E27FC236}">
+                <a16:creationId xmlns:a16="http://schemas.microsoft.com/office/drawing/2014/main" id="{E770452D-73D8-4185-9F48-2D6851046E73}"/>
+              </a:ext>
+            </a:extLst>
+          </p:cNvPr>
+          <p:cNvSpPr/>
+          <p:nvPr/>
+        </p:nvSpPr>
+        <p:spPr>
+          <a:xfrm>
+            <a:off x="6603743" y="4626374"/>
+            <a:ext cx="1406063" cy="703031"/>
+          </a:xfrm>
+          <a:prstGeom prst="ellipse">
+            <a:avLst/>
+          </a:prstGeom>
+        </p:spPr>
+        <p:style>
+          <a:lnRef idx="2">
+            <a:schemeClr val="accent6">
+              <a:shade val="50000"/>
+            </a:schemeClr>
+          </a:lnRef>
+          <a:fillRef idx="1">
+            <a:schemeClr val="accent6"/>
+          </a:fillRef>
+          <a:effectRef idx="0">
+            <a:schemeClr val="accent6"/>
+          </a:effectRef>
+          <a:fontRef idx="minor">
+            <a:schemeClr val="lt1"/>
+          </a:fontRef>
+        </p:style>
+        <p:txBody>
+          <a:bodyPr rtlCol="0" anchor="ctr"/>
+          <a:lstStyle/>
+          <a:p>
+            <a:pPr algn="ctr"/>
+            <a:r>
+              <a:rPr lang="fr-FR" dirty="0"/>
+              <a:t>Legal</a:t>
+            </a:r>
+          </a:p>
+        </p:txBody>
+      </p:sp>
+      <p:sp>
+        <p:nvSpPr>
+          <p:cNvPr id="6" name="TextBox 5">
+            <a:extLst>
+              <a:ext uri="{FF2B5EF4-FFF2-40B4-BE49-F238E27FC236}">
+                <a16:creationId xmlns:a16="http://schemas.microsoft.com/office/drawing/2014/main" id="{0E452A2C-EA0E-400D-AEBF-1684F4677B0C}"/>
+              </a:ext>
+            </a:extLst>
+          </p:cNvPr>
+          <p:cNvSpPr txBox="1"/>
+          <p:nvPr/>
+        </p:nvSpPr>
+        <p:spPr>
+          <a:xfrm>
+            <a:off x="6267545" y="3466143"/>
+            <a:ext cx="874150" cy="369332"/>
+          </a:xfrm>
+          <a:prstGeom prst="rect">
+            <a:avLst/>
+          </a:prstGeom>
+          <a:noFill/>
+        </p:spPr>
+        <p:txBody>
+          <a:bodyPr wrap="none" rtlCol="0">
+            <a:spAutoFit/>
+          </a:bodyPr>
+          <a:lstStyle/>
+          <a:p>
+            <a:r>
+              <a:rPr lang="fr-FR" dirty="0"/>
+              <a:t>routes/</a:t>
+            </a:r>
+          </a:p>
+        </p:txBody>
+      </p:sp>
+      <p:cxnSp>
+        <p:nvCxnSpPr>
+          <p:cNvPr id="16" name="Straight Arrow Connector 15">
+            <a:extLst>
+              <a:ext uri="{FF2B5EF4-FFF2-40B4-BE49-F238E27FC236}">
+                <a16:creationId xmlns:a16="http://schemas.microsoft.com/office/drawing/2014/main" id="{7B8D15ED-8E3E-4B1A-B2D7-38FEF77FC9FA}"/>
+              </a:ext>
+            </a:extLst>
+          </p:cNvPr>
+          <p:cNvCxnSpPr>
+            <a:stCxn id="18" idx="0"/>
+            <a:endCxn id="4" idx="2"/>
+          </p:cNvCxnSpPr>
+          <p:nvPr/>
+        </p:nvCxnSpPr>
+        <p:spPr>
+          <a:xfrm flipH="1" flipV="1">
+            <a:off x="4794857" y="1860965"/>
+            <a:ext cx="2511918" cy="1949035"/>
+          </a:xfrm>
+          <a:prstGeom prst="straightConnector1">
+            <a:avLst/>
+          </a:prstGeom>
+          <a:ln w="76200">
+            <a:tailEnd type="triangle"/>
+          </a:ln>
+        </p:spPr>
+        <p:style>
+          <a:lnRef idx="1">
+            <a:schemeClr val="accent1"/>
+          </a:lnRef>
+          <a:fillRef idx="0">
+            <a:schemeClr val="accent1"/>
+          </a:fillRef>
+          <a:effectRef idx="0">
+            <a:schemeClr val="accent1"/>
+          </a:effectRef>
+          <a:fontRef idx="minor">
+            <a:schemeClr val="tx1"/>
+          </a:fontRef>
+        </p:style>
+      </p:cxnSp>
+      <p:cxnSp>
+        <p:nvCxnSpPr>
+          <p:cNvPr id="24" name="Straight Arrow Connector 23">
+            <a:extLst>
+              <a:ext uri="{FF2B5EF4-FFF2-40B4-BE49-F238E27FC236}">
+                <a16:creationId xmlns:a16="http://schemas.microsoft.com/office/drawing/2014/main" id="{DA4EFC9E-FB1A-41C7-A5A5-A866772AEEF7}"/>
+              </a:ext>
+            </a:extLst>
+          </p:cNvPr>
+          <p:cNvCxnSpPr>
+            <a:stCxn id="21" idx="2"/>
+            <a:endCxn id="4" idx="2"/>
+          </p:cNvCxnSpPr>
+          <p:nvPr/>
+        </p:nvCxnSpPr>
+        <p:spPr>
+          <a:xfrm flipH="1" flipV="1">
+            <a:off x="4794857" y="1860965"/>
+            <a:ext cx="1808886" cy="3116925"/>
+          </a:xfrm>
+          <a:prstGeom prst="straightConnector1">
+            <a:avLst/>
+          </a:prstGeom>
+          <a:ln w="76200">
+            <a:tailEnd type="triangle"/>
+          </a:ln>
+        </p:spPr>
+        <p:style>
+          <a:lnRef idx="1">
+            <a:schemeClr val="accent1"/>
+          </a:lnRef>
+          <a:fillRef idx="0">
+            <a:schemeClr val="accent1"/>
+          </a:fillRef>
+          <a:effectRef idx="0">
+            <a:schemeClr val="accent1"/>
+          </a:effectRef>
+          <a:fontRef idx="minor">
+            <a:schemeClr val="tx1"/>
+          </a:fontRef>
+        </p:style>
+      </p:cxnSp>
+      <p:sp>
+        <p:nvSpPr>
+          <p:cNvPr id="25" name="Rectangle 24">
+            <a:extLst>
+              <a:ext uri="{FF2B5EF4-FFF2-40B4-BE49-F238E27FC236}">
+                <a16:creationId xmlns:a16="http://schemas.microsoft.com/office/drawing/2014/main" id="{11D893B0-43D5-45B9-A276-D53FB2641987}"/>
+              </a:ext>
+            </a:extLst>
+          </p:cNvPr>
+          <p:cNvSpPr/>
+          <p:nvPr/>
+        </p:nvSpPr>
+        <p:spPr>
+          <a:xfrm>
+            <a:off x="7595492" y="4268732"/>
+            <a:ext cx="1516343" cy="703031"/>
+          </a:xfrm>
+          <a:prstGeom prst="rect">
+            <a:avLst/>
+          </a:prstGeom>
+        </p:spPr>
+        <p:style>
+          <a:lnRef idx="2">
+            <a:schemeClr val="accent3">
+              <a:shade val="50000"/>
+            </a:schemeClr>
+          </a:lnRef>
+          <a:fillRef idx="1">
+            <a:schemeClr val="accent3"/>
+          </a:fillRef>
+          <a:effectRef idx="0">
+            <a:schemeClr val="accent3"/>
+          </a:effectRef>
+          <a:fontRef idx="minor">
+            <a:schemeClr val="lt1"/>
+          </a:fontRef>
+        </p:style>
+        <p:txBody>
+          <a:bodyPr rtlCol="0" anchor="ctr"/>
+          <a:lstStyle/>
+          <a:p>
+            <a:pPr algn="ctr"/>
+            <a:r>
+              <a:rPr lang="fr-FR" dirty="0"/>
+              <a:t>Step1</a:t>
+            </a:r>
+          </a:p>
+        </p:txBody>
+      </p:sp>
+      <p:sp>
+        <p:nvSpPr>
+          <p:cNvPr id="26" name="Rectangle 25">
+            <a:extLst>
+              <a:ext uri="{FF2B5EF4-FFF2-40B4-BE49-F238E27FC236}">
+                <a16:creationId xmlns:a16="http://schemas.microsoft.com/office/drawing/2014/main" id="{47D1A9E3-1974-4D96-83DC-7E851EB5C520}"/>
+              </a:ext>
+            </a:extLst>
+          </p:cNvPr>
+          <p:cNvSpPr/>
+          <p:nvPr/>
+        </p:nvSpPr>
+        <p:spPr>
+          <a:xfrm>
+            <a:off x="8605616" y="1952481"/>
+            <a:ext cx="1516343" cy="703031"/>
+          </a:xfrm>
+          <a:prstGeom prst="rect">
+            <a:avLst/>
+          </a:prstGeom>
+        </p:spPr>
+        <p:style>
+          <a:lnRef idx="2">
+            <a:schemeClr val="accent3">
+              <a:shade val="50000"/>
+            </a:schemeClr>
+          </a:lnRef>
+          <a:fillRef idx="1">
+            <a:schemeClr val="accent3"/>
+          </a:fillRef>
+          <a:effectRef idx="0">
+            <a:schemeClr val="accent3"/>
+          </a:effectRef>
+          <a:fontRef idx="minor">
+            <a:schemeClr val="lt1"/>
+          </a:fontRef>
+        </p:style>
+        <p:txBody>
+          <a:bodyPr rtlCol="0" anchor="ctr"/>
+          <a:lstStyle/>
+          <a:p>
+            <a:pPr algn="ctr"/>
+            <a:r>
+              <a:rPr lang="fr-FR" dirty="0"/>
+              <a:t>Step2</a:t>
+            </a:r>
+          </a:p>
+        </p:txBody>
+      </p:sp>
+      <p:sp>
+        <p:nvSpPr>
+          <p:cNvPr id="27" name="Rectangle 26">
+            <a:extLst>
+              <a:ext uri="{FF2B5EF4-FFF2-40B4-BE49-F238E27FC236}">
+                <a16:creationId xmlns:a16="http://schemas.microsoft.com/office/drawing/2014/main" id="{B52D69B5-74F4-4E7B-9513-05962F72D0CA}"/>
+              </a:ext>
+            </a:extLst>
+          </p:cNvPr>
+          <p:cNvSpPr/>
+          <p:nvPr/>
+        </p:nvSpPr>
+        <p:spPr>
+          <a:xfrm>
+            <a:off x="515018" y="4143135"/>
+            <a:ext cx="1516343" cy="703031"/>
+          </a:xfrm>
+          <a:prstGeom prst="rect">
+            <a:avLst/>
+          </a:prstGeom>
+        </p:spPr>
+        <p:style>
+          <a:lnRef idx="2">
+            <a:schemeClr val="accent3">
+              <a:shade val="50000"/>
+            </a:schemeClr>
+          </a:lnRef>
+          <a:fillRef idx="1">
+            <a:schemeClr val="accent3"/>
+          </a:fillRef>
+          <a:effectRef idx="0">
+            <a:schemeClr val="accent3"/>
+          </a:effectRef>
+          <a:fontRef idx="minor">
+            <a:schemeClr val="lt1"/>
+          </a:fontRef>
+        </p:style>
+        <p:txBody>
+          <a:bodyPr rtlCol="0" anchor="ctr"/>
+          <a:lstStyle/>
+          <a:p>
+            <a:pPr algn="ctr"/>
+            <a:r>
+              <a:rPr lang="fr-FR" dirty="0"/>
+              <a:t>Step3</a:t>
+            </a:r>
+          </a:p>
+        </p:txBody>
+      </p:sp>
+      <p:sp>
+        <p:nvSpPr>
+          <p:cNvPr id="28" name="Rectangle 27">
+            <a:extLst>
+              <a:ext uri="{FF2B5EF4-FFF2-40B4-BE49-F238E27FC236}">
+                <a16:creationId xmlns:a16="http://schemas.microsoft.com/office/drawing/2014/main" id="{924F4DE2-E352-4C12-9C0F-4585DF06E081}"/>
+              </a:ext>
+            </a:extLst>
+          </p:cNvPr>
+          <p:cNvSpPr/>
+          <p:nvPr/>
+        </p:nvSpPr>
+        <p:spPr>
+          <a:xfrm>
+            <a:off x="339645" y="1945972"/>
+            <a:ext cx="1516343" cy="703031"/>
+          </a:xfrm>
+          <a:prstGeom prst="rect">
+            <a:avLst/>
+          </a:prstGeom>
+        </p:spPr>
+        <p:style>
+          <a:lnRef idx="2">
+            <a:schemeClr val="accent3">
+              <a:shade val="50000"/>
+            </a:schemeClr>
+          </a:lnRef>
+          <a:fillRef idx="1">
+            <a:schemeClr val="accent3"/>
+          </a:fillRef>
+          <a:effectRef idx="0">
+            <a:schemeClr val="accent3"/>
+          </a:effectRef>
+          <a:fontRef idx="minor">
+            <a:schemeClr val="lt1"/>
+          </a:fontRef>
+        </p:style>
+        <p:txBody>
+          <a:bodyPr rtlCol="0" anchor="ctr"/>
+          <a:lstStyle/>
+          <a:p>
+            <a:pPr algn="ctr"/>
+            <a:r>
+              <a:rPr lang="fr-FR" dirty="0"/>
+              <a:t>Step4</a:t>
+            </a:r>
+          </a:p>
+        </p:txBody>
+      </p:sp>
+      <p:cxnSp>
+        <p:nvCxnSpPr>
+          <p:cNvPr id="30" name="Straight Arrow Connector 29">
+            <a:extLst>
+              <a:ext uri="{FF2B5EF4-FFF2-40B4-BE49-F238E27FC236}">
+                <a16:creationId xmlns:a16="http://schemas.microsoft.com/office/drawing/2014/main" id="{81FD738B-25F6-4A88-B0E5-828B539EFC3C}"/>
+              </a:ext>
+            </a:extLst>
+          </p:cNvPr>
+          <p:cNvCxnSpPr>
+            <a:stCxn id="28" idx="2"/>
+          </p:cNvCxnSpPr>
+          <p:nvPr/>
+        </p:nvCxnSpPr>
+        <p:spPr>
+          <a:xfrm>
+            <a:off x="1097817" y="2649003"/>
+            <a:ext cx="1089391" cy="692692"/>
+          </a:xfrm>
+          <a:prstGeom prst="straightConnector1">
+            <a:avLst/>
+          </a:prstGeom>
+          <a:ln w="76200">
+            <a:tailEnd type="triangle"/>
+          </a:ln>
+        </p:spPr>
+        <p:style>
+          <a:lnRef idx="1">
+            <a:schemeClr val="accent1"/>
+          </a:lnRef>
+          <a:fillRef idx="0">
+            <a:schemeClr val="accent1"/>
+          </a:fillRef>
+          <a:effectRef idx="0">
+            <a:schemeClr val="accent1"/>
+          </a:effectRef>
+          <a:fontRef idx="minor">
+            <a:schemeClr val="tx1"/>
+          </a:fontRef>
+        </p:style>
+      </p:cxnSp>
+      <p:cxnSp>
+        <p:nvCxnSpPr>
+          <p:cNvPr id="32" name="Straight Arrow Connector 31">
+            <a:extLst>
+              <a:ext uri="{FF2B5EF4-FFF2-40B4-BE49-F238E27FC236}">
+                <a16:creationId xmlns:a16="http://schemas.microsoft.com/office/drawing/2014/main" id="{AAF4C283-45AC-4B01-A45A-59EAF29F5A49}"/>
+              </a:ext>
+            </a:extLst>
+          </p:cNvPr>
+          <p:cNvCxnSpPr/>
+          <p:nvPr/>
+        </p:nvCxnSpPr>
+        <p:spPr>
+          <a:xfrm>
+            <a:off x="886830" y="2671977"/>
+            <a:ext cx="969158" cy="2465205"/>
+          </a:xfrm>
+          <a:prstGeom prst="straightConnector1">
+            <a:avLst/>
+          </a:prstGeom>
+          <a:ln w="76200">
+            <a:tailEnd type="triangle"/>
+          </a:ln>
+        </p:spPr>
+        <p:style>
+          <a:lnRef idx="1">
+            <a:schemeClr val="accent1"/>
+          </a:lnRef>
+          <a:fillRef idx="0">
+            <a:schemeClr val="accent1"/>
+          </a:fillRef>
+          <a:effectRef idx="0">
+            <a:schemeClr val="accent1"/>
+          </a:effectRef>
+          <a:fontRef idx="minor">
+            <a:schemeClr val="tx1"/>
+          </a:fontRef>
+        </p:style>
+      </p:cxnSp>
+      <p:sp>
+        <p:nvSpPr>
+          <p:cNvPr id="33" name="Rectangle 32">
+            <a:extLst>
+              <a:ext uri="{FF2B5EF4-FFF2-40B4-BE49-F238E27FC236}">
+                <a16:creationId xmlns:a16="http://schemas.microsoft.com/office/drawing/2014/main" id="{A70DF9C6-00F3-4E9D-A11B-C4D48D9967A5}"/>
+              </a:ext>
+            </a:extLst>
+          </p:cNvPr>
+          <p:cNvSpPr/>
+          <p:nvPr/>
+        </p:nvSpPr>
+        <p:spPr>
+          <a:xfrm>
+            <a:off x="1769064" y="560587"/>
+            <a:ext cx="1172100" cy="629511"/>
+          </a:xfrm>
+          <a:prstGeom prst="rect">
+            <a:avLst/>
+          </a:prstGeom>
+        </p:spPr>
+        <p:style>
+          <a:lnRef idx="2">
+            <a:schemeClr val="accent1">
+              <a:shade val="50000"/>
+            </a:schemeClr>
+          </a:lnRef>
+          <a:fillRef idx="1">
+            <a:schemeClr val="accent1"/>
+          </a:fillRef>
+          <a:effectRef idx="0">
+            <a:schemeClr val="accent1"/>
+          </a:effectRef>
+          <a:fontRef idx="minor">
+            <a:schemeClr val="lt1"/>
+          </a:fontRef>
+        </p:style>
+        <p:txBody>
+          <a:bodyPr rtlCol="0" anchor="ctr"/>
+          <a:lstStyle/>
+          <a:p>
+            <a:pPr algn="ctr"/>
+            <a:r>
+              <a:rPr lang="fr-FR" dirty="0"/>
+              <a:t>Router</a:t>
+            </a:r>
+          </a:p>
+        </p:txBody>
+      </p:sp>
+      <p:cxnSp>
+        <p:nvCxnSpPr>
+          <p:cNvPr id="35" name="Straight Arrow Connector 34">
+            <a:extLst>
+              <a:ext uri="{FF2B5EF4-FFF2-40B4-BE49-F238E27FC236}">
+                <a16:creationId xmlns:a16="http://schemas.microsoft.com/office/drawing/2014/main" id="{02163999-0091-4608-9374-11B56B00A4A5}"/>
+              </a:ext>
+            </a:extLst>
+          </p:cNvPr>
+          <p:cNvCxnSpPr>
+            <a:stCxn id="33" idx="2"/>
+            <a:endCxn id="3" idx="0"/>
+          </p:cNvCxnSpPr>
+          <p:nvPr/>
+        </p:nvCxnSpPr>
+        <p:spPr>
+          <a:xfrm>
+            <a:off x="2355114" y="1190098"/>
+            <a:ext cx="1057806" cy="1130364"/>
+          </a:xfrm>
+          <a:prstGeom prst="straightConnector1">
+            <a:avLst/>
+          </a:prstGeom>
+          <a:ln w="76200">
+            <a:prstDash val="sysDash"/>
+            <a:tailEnd type="triangle"/>
+          </a:ln>
+        </p:spPr>
+        <p:style>
+          <a:lnRef idx="1">
+            <a:schemeClr val="accent1"/>
+          </a:lnRef>
+          <a:fillRef idx="0">
+            <a:schemeClr val="accent1"/>
+          </a:fillRef>
+          <a:effectRef idx="0">
+            <a:schemeClr val="accent1"/>
+          </a:effectRef>
+          <a:fontRef idx="minor">
+            <a:schemeClr val="tx1"/>
+          </a:fontRef>
+        </p:style>
+      </p:cxnSp>
+    </p:spTree>
+    <p:extLst>
+      <p:ext uri="{BB962C8B-B14F-4D97-AF65-F5344CB8AC3E}">
+        <p14:creationId xmlns:p14="http://schemas.microsoft.com/office/powerpoint/2010/main" val="3065116087"/>
+      </p:ext>
+    </p:extLst>
+  </p:cSld>
+  <p:clrMapOvr>
+    <a:masterClrMapping/>
+  </p:clrMapOvr>
+</p:sld>
+</file>
+
+<file path=ppt/slides/slide22.xml><?xml version="1.0" encoding="utf-8"?>
+<p:sld xmlns:a="http://schemas.openxmlformats.org/drawingml/2006/main" xmlns:r="http://schemas.openxmlformats.org/officeDocument/2006/relationships" xmlns:p="http://schemas.openxmlformats.org/presentationml/2006/main">
+  <p:cSld>
+    <p:spTree>
+      <p:nvGrpSpPr>
+        <p:cNvPr id="1" name=""/>
+        <p:cNvGrpSpPr/>
+        <p:nvPr/>
+      </p:nvGrpSpPr>
+      <p:grpSpPr>
+        <a:xfrm>
+          <a:off x="0" y="0"/>
+          <a:ext cx="0" cy="0"/>
+          <a:chOff x="0" y="0"/>
+          <a:chExt cx="0" cy="0"/>
+        </a:xfrm>
+      </p:grpSpPr>
+      <p:sp>
+        <p:nvSpPr>
+          <p:cNvPr id="52" name="Rectangle 51">
+            <a:extLst>
+              <a:ext uri="{FF2B5EF4-FFF2-40B4-BE49-F238E27FC236}">
+                <a16:creationId xmlns:a16="http://schemas.microsoft.com/office/drawing/2014/main" id="{6B3DF7A8-F794-4380-BF60-62753A007426}"/>
+              </a:ext>
+            </a:extLst>
+          </p:cNvPr>
+          <p:cNvSpPr/>
+          <p:nvPr/>
+        </p:nvSpPr>
+        <p:spPr>
+          <a:xfrm>
+            <a:off x="4268732" y="4328466"/>
+            <a:ext cx="5109612" cy="2421552"/>
+          </a:xfrm>
+          <a:prstGeom prst="rect">
+            <a:avLst/>
+          </a:prstGeom>
+        </p:spPr>
+        <p:style>
+          <a:lnRef idx="2">
+            <a:schemeClr val="accent1"/>
+          </a:lnRef>
+          <a:fillRef idx="1">
+            <a:schemeClr val="lt1"/>
+          </a:fillRef>
+          <a:effectRef idx="0">
+            <a:schemeClr val="accent1"/>
+          </a:effectRef>
+          <a:fontRef idx="minor">
+            <a:schemeClr val="dk1"/>
+          </a:fontRef>
+        </p:style>
+        <p:txBody>
+          <a:bodyPr rtlCol="0" anchor="ctr"/>
+          <a:lstStyle/>
+          <a:p>
+            <a:pPr algn="ctr"/>
+            <a:endParaRPr lang="fr-FR"/>
+          </a:p>
+        </p:txBody>
+      </p:sp>
+      <p:sp>
+        <p:nvSpPr>
+          <p:cNvPr id="4" name="Rectangle 3">
+            <a:extLst>
+              <a:ext uri="{FF2B5EF4-FFF2-40B4-BE49-F238E27FC236}">
+                <a16:creationId xmlns:a16="http://schemas.microsoft.com/office/drawing/2014/main" id="{90BA5115-B598-478A-9A4F-D2AA08F90B00}"/>
+              </a:ext>
+            </a:extLst>
+          </p:cNvPr>
+          <p:cNvSpPr/>
+          <p:nvPr/>
+        </p:nvSpPr>
+        <p:spPr>
+          <a:xfrm>
+            <a:off x="4236567" y="1116579"/>
+            <a:ext cx="1116579" cy="744386"/>
+          </a:xfrm>
+          <a:prstGeom prst="rect">
+            <a:avLst/>
+          </a:prstGeom>
+        </p:spPr>
+        <p:style>
+          <a:lnRef idx="2">
+            <a:schemeClr val="accent1">
+              <a:shade val="50000"/>
+            </a:schemeClr>
+          </a:lnRef>
+          <a:fillRef idx="1">
+            <a:schemeClr val="accent1"/>
+          </a:fillRef>
+          <a:effectRef idx="0">
+            <a:schemeClr val="accent1"/>
+          </a:effectRef>
+          <a:fontRef idx="minor">
+            <a:schemeClr val="lt1"/>
+          </a:fontRef>
+        </p:style>
+        <p:txBody>
+          <a:bodyPr rtlCol="0" anchor="ctr"/>
+          <a:lstStyle/>
+          <a:p>
+            <a:pPr algn="ctr"/>
+            <a:r>
+              <a:rPr lang="fr-FR" dirty="0"/>
+              <a:t>App</a:t>
+            </a:r>
+          </a:p>
+        </p:txBody>
+      </p:sp>
+      <p:sp>
+        <p:nvSpPr>
+          <p:cNvPr id="5" name="Oval 4">
+            <a:extLst>
+              <a:ext uri="{FF2B5EF4-FFF2-40B4-BE49-F238E27FC236}">
+                <a16:creationId xmlns:a16="http://schemas.microsoft.com/office/drawing/2014/main" id="{082EC38B-50AB-4E80-A58D-AFAEEE8F74B5}"/>
+              </a:ext>
+            </a:extLst>
+          </p:cNvPr>
+          <p:cNvSpPr/>
+          <p:nvPr/>
+        </p:nvSpPr>
+        <p:spPr>
+          <a:xfrm>
+            <a:off x="4036685" y="2536427"/>
+            <a:ext cx="1516342" cy="744386"/>
+          </a:xfrm>
+          <a:prstGeom prst="ellipse">
+            <a:avLst/>
+          </a:prstGeom>
+        </p:spPr>
+        <p:style>
+          <a:lnRef idx="2">
+            <a:schemeClr val="accent6">
+              <a:shade val="50000"/>
+            </a:schemeClr>
+          </a:lnRef>
+          <a:fillRef idx="1">
+            <a:schemeClr val="accent6"/>
+          </a:fillRef>
+          <a:effectRef idx="0">
+            <a:schemeClr val="accent6"/>
+          </a:effectRef>
+          <a:fontRef idx="minor">
+            <a:schemeClr val="lt1"/>
+          </a:fontRef>
+        </p:style>
+        <p:txBody>
+          <a:bodyPr rtlCol="0" anchor="ctr"/>
+          <a:lstStyle/>
+          <a:p>
+            <a:pPr algn="ctr"/>
+            <a:r>
+              <a:rPr lang="fr-FR" dirty="0"/>
+              <a:t>App</a:t>
+            </a:r>
+          </a:p>
+        </p:txBody>
+      </p:sp>
+      <p:cxnSp>
+        <p:nvCxnSpPr>
+          <p:cNvPr id="7" name="Straight Arrow Connector 6">
+            <a:extLst>
+              <a:ext uri="{FF2B5EF4-FFF2-40B4-BE49-F238E27FC236}">
+                <a16:creationId xmlns:a16="http://schemas.microsoft.com/office/drawing/2014/main" id="{A1174456-A355-45FF-B42C-348E4C86096A}"/>
+              </a:ext>
+            </a:extLst>
+          </p:cNvPr>
+          <p:cNvCxnSpPr>
+            <a:stCxn id="5" idx="0"/>
+            <a:endCxn id="4" idx="2"/>
+          </p:cNvCxnSpPr>
+          <p:nvPr/>
+        </p:nvCxnSpPr>
+        <p:spPr>
+          <a:xfrm flipV="1">
+            <a:off x="4794856" y="1860965"/>
+            <a:ext cx="1" cy="675462"/>
+          </a:xfrm>
+          <a:prstGeom prst="straightConnector1">
+            <a:avLst/>
+          </a:prstGeom>
+          <a:ln w="76200">
+            <a:tailEnd type="triangle"/>
+          </a:ln>
+        </p:spPr>
+        <p:style>
+          <a:lnRef idx="1">
+            <a:schemeClr val="accent1"/>
+          </a:lnRef>
+          <a:fillRef idx="0">
+            <a:schemeClr val="accent1"/>
+          </a:fillRef>
+          <a:effectRef idx="0">
+            <a:schemeClr val="accent1"/>
+          </a:effectRef>
+          <a:fontRef idx="minor">
+            <a:schemeClr val="tx1"/>
+          </a:fontRef>
+        </p:style>
+      </p:cxnSp>
+      <p:sp>
+        <p:nvSpPr>
+          <p:cNvPr id="9" name="Rectangle 8">
+            <a:extLst>
+              <a:ext uri="{FF2B5EF4-FFF2-40B4-BE49-F238E27FC236}">
+                <a16:creationId xmlns:a16="http://schemas.microsoft.com/office/drawing/2014/main" id="{F969D6EF-4E23-451B-A8BF-46AAF17631F7}"/>
+              </a:ext>
+            </a:extLst>
+          </p:cNvPr>
+          <p:cNvSpPr/>
+          <p:nvPr/>
+        </p:nvSpPr>
+        <p:spPr>
+          <a:xfrm>
+            <a:off x="7595493" y="583562"/>
+            <a:ext cx="1479578" cy="629511"/>
+          </a:xfrm>
+          <a:prstGeom prst="rect">
+            <a:avLst/>
+          </a:prstGeom>
+        </p:spPr>
+        <p:style>
+          <a:lnRef idx="2">
+            <a:schemeClr val="accent1">
+              <a:shade val="50000"/>
+            </a:schemeClr>
+          </a:lnRef>
+          <a:fillRef idx="1">
+            <a:schemeClr val="accent1"/>
+          </a:fillRef>
+          <a:effectRef idx="0">
+            <a:schemeClr val="accent1"/>
+          </a:effectRef>
+          <a:fontRef idx="minor">
+            <a:schemeClr val="lt1"/>
+          </a:fontRef>
+        </p:style>
+        <p:txBody>
+          <a:bodyPr rtlCol="0" anchor="ctr"/>
+          <a:lstStyle/>
+          <a:p>
+            <a:pPr algn="ctr"/>
+            <a:r>
+              <a:rPr lang="fr-FR" dirty="0"/>
+              <a:t>Browser</a:t>
+            </a:r>
+          </a:p>
+        </p:txBody>
+      </p:sp>
+      <p:sp>
+        <p:nvSpPr>
+          <p:cNvPr id="10" name="Rectangle 9">
+            <a:extLst>
+              <a:ext uri="{FF2B5EF4-FFF2-40B4-BE49-F238E27FC236}">
+                <a16:creationId xmlns:a16="http://schemas.microsoft.com/office/drawing/2014/main" id="{578F8CDF-72B1-43E4-A330-4D3E8C447C9A}"/>
+              </a:ext>
+            </a:extLst>
+          </p:cNvPr>
+          <p:cNvSpPr/>
+          <p:nvPr/>
+        </p:nvSpPr>
+        <p:spPr>
+          <a:xfrm>
+            <a:off x="7595492" y="1517873"/>
+            <a:ext cx="1479579" cy="629511"/>
+          </a:xfrm>
+          <a:prstGeom prst="rect">
+            <a:avLst/>
+          </a:prstGeom>
+        </p:spPr>
+        <p:style>
+          <a:lnRef idx="2">
+            <a:schemeClr val="accent1">
+              <a:shade val="50000"/>
+            </a:schemeClr>
+          </a:lnRef>
+          <a:fillRef idx="1">
+            <a:schemeClr val="accent1"/>
+          </a:fillRef>
+          <a:effectRef idx="0">
+            <a:schemeClr val="accent1"/>
+          </a:effectRef>
+          <a:fontRef idx="minor">
+            <a:schemeClr val="lt1"/>
+          </a:fontRef>
+        </p:style>
+        <p:txBody>
+          <a:bodyPr rtlCol="0" anchor="ctr"/>
+          <a:lstStyle/>
+          <a:p>
+            <a:pPr algn="ctr"/>
+            <a:r>
+              <a:rPr lang="fr-FR" dirty="0" err="1"/>
+              <a:t>AppRouting</a:t>
+            </a:r>
+            <a:endParaRPr lang="fr-FR" dirty="0"/>
+          </a:p>
+        </p:txBody>
+      </p:sp>
+      <p:cxnSp>
+        <p:nvCxnSpPr>
+          <p:cNvPr id="12" name="Straight Arrow Connector 11">
+            <a:extLst>
+              <a:ext uri="{FF2B5EF4-FFF2-40B4-BE49-F238E27FC236}">
+                <a16:creationId xmlns:a16="http://schemas.microsoft.com/office/drawing/2014/main" id="{C3B5D011-CF58-4919-8C29-2D3E569F76EA}"/>
+              </a:ext>
+            </a:extLst>
+          </p:cNvPr>
+          <p:cNvCxnSpPr>
+            <a:stCxn id="9" idx="1"/>
+            <a:endCxn id="4" idx="3"/>
+          </p:cNvCxnSpPr>
+          <p:nvPr/>
+        </p:nvCxnSpPr>
+        <p:spPr>
+          <a:xfrm flipH="1">
+            <a:off x="5353146" y="898318"/>
+            <a:ext cx="2242347" cy="590454"/>
+          </a:xfrm>
+          <a:prstGeom prst="straightConnector1">
+            <a:avLst/>
+          </a:prstGeom>
+          <a:ln w="76200">
+            <a:prstDash val="sysDash"/>
+            <a:tailEnd type="triangle"/>
+          </a:ln>
+        </p:spPr>
+        <p:style>
+          <a:lnRef idx="1">
+            <a:schemeClr val="accent1"/>
+          </a:lnRef>
+          <a:fillRef idx="0">
+            <a:schemeClr val="accent1"/>
+          </a:fillRef>
+          <a:effectRef idx="0">
+            <a:schemeClr val="accent1"/>
+          </a:effectRef>
+          <a:fontRef idx="minor">
+            <a:schemeClr val="tx1"/>
+          </a:fontRef>
+        </p:style>
+      </p:cxnSp>
+      <p:cxnSp>
+        <p:nvCxnSpPr>
+          <p:cNvPr id="13" name="Straight Arrow Connector 12">
+            <a:extLst>
+              <a:ext uri="{FF2B5EF4-FFF2-40B4-BE49-F238E27FC236}">
+                <a16:creationId xmlns:a16="http://schemas.microsoft.com/office/drawing/2014/main" id="{899E3502-9130-43FD-BF3A-D377BC12DE27}"/>
+              </a:ext>
+            </a:extLst>
+          </p:cNvPr>
+          <p:cNvCxnSpPr>
+            <a:cxnSpLocks/>
+            <a:stCxn id="10" idx="1"/>
+            <a:endCxn id="4" idx="3"/>
+          </p:cNvCxnSpPr>
+          <p:nvPr/>
+        </p:nvCxnSpPr>
+        <p:spPr>
+          <a:xfrm flipH="1" flipV="1">
+            <a:off x="5353146" y="1488772"/>
+            <a:ext cx="2242346" cy="343857"/>
+          </a:xfrm>
+          <a:prstGeom prst="straightConnector1">
+            <a:avLst/>
+          </a:prstGeom>
+          <a:ln w="76200">
+            <a:prstDash val="sysDash"/>
+            <a:tailEnd type="triangle"/>
+          </a:ln>
+        </p:spPr>
+        <p:style>
+          <a:lnRef idx="1">
+            <a:schemeClr val="accent1"/>
+          </a:lnRef>
+          <a:fillRef idx="0">
+            <a:schemeClr val="accent1"/>
+          </a:fillRef>
+          <a:effectRef idx="0">
+            <a:schemeClr val="accent1"/>
+          </a:effectRef>
+          <a:fontRef idx="minor">
+            <a:schemeClr val="tx1"/>
+          </a:fontRef>
+        </p:style>
+      </p:cxnSp>
+      <p:sp>
+        <p:nvSpPr>
+          <p:cNvPr id="2" name="Oval 1">
+            <a:extLst>
+              <a:ext uri="{FF2B5EF4-FFF2-40B4-BE49-F238E27FC236}">
+                <a16:creationId xmlns:a16="http://schemas.microsoft.com/office/drawing/2014/main" id="{A2B1E4AB-04D9-402B-A2FB-6C9D1534CD55}"/>
+              </a:ext>
+            </a:extLst>
+          </p:cNvPr>
+          <p:cNvSpPr/>
+          <p:nvPr/>
+        </p:nvSpPr>
+        <p:spPr>
+          <a:xfrm>
+            <a:off x="1769065" y="3308382"/>
+            <a:ext cx="1406063" cy="703031"/>
+          </a:xfrm>
+          <a:prstGeom prst="ellipse">
+            <a:avLst/>
+          </a:prstGeom>
+        </p:spPr>
+        <p:style>
+          <a:lnRef idx="2">
+            <a:schemeClr val="accent6">
+              <a:shade val="50000"/>
+            </a:schemeClr>
+          </a:lnRef>
+          <a:fillRef idx="1">
+            <a:schemeClr val="accent6"/>
+          </a:fillRef>
+          <a:effectRef idx="0">
+            <a:schemeClr val="accent6"/>
+          </a:effectRef>
+          <a:fontRef idx="minor">
+            <a:schemeClr val="lt1"/>
+          </a:fontRef>
+        </p:style>
+        <p:txBody>
+          <a:bodyPr rtlCol="0" anchor="ctr"/>
+          <a:lstStyle/>
+          <a:p>
+            <a:pPr algn="ctr"/>
+            <a:r>
+              <a:rPr lang="fr-FR" dirty="0"/>
+              <a:t>Header</a:t>
+            </a:r>
+          </a:p>
+        </p:txBody>
+      </p:sp>
+      <p:sp>
+        <p:nvSpPr>
+          <p:cNvPr id="11" name="Oval 10">
+            <a:extLst>
+              <a:ext uri="{FF2B5EF4-FFF2-40B4-BE49-F238E27FC236}">
+                <a16:creationId xmlns:a16="http://schemas.microsoft.com/office/drawing/2014/main" id="{2115249B-2C71-495A-ABD0-49464E45596E}"/>
+              </a:ext>
+            </a:extLst>
+          </p:cNvPr>
+          <p:cNvSpPr/>
+          <p:nvPr/>
+        </p:nvSpPr>
+        <p:spPr>
+          <a:xfrm>
+            <a:off x="1769064" y="4143136"/>
+            <a:ext cx="1406063" cy="703031"/>
+          </a:xfrm>
+          <a:prstGeom prst="ellipse">
+            <a:avLst/>
+          </a:prstGeom>
+        </p:spPr>
+        <p:style>
+          <a:lnRef idx="2">
+            <a:schemeClr val="accent6">
+              <a:shade val="50000"/>
+            </a:schemeClr>
+          </a:lnRef>
+          <a:fillRef idx="1">
+            <a:schemeClr val="accent6"/>
+          </a:fillRef>
+          <a:effectRef idx="0">
+            <a:schemeClr val="accent6"/>
+          </a:effectRef>
+          <a:fontRef idx="minor">
+            <a:schemeClr val="lt1"/>
+          </a:fontRef>
+        </p:style>
+        <p:txBody>
+          <a:bodyPr rtlCol="0" anchor="ctr"/>
+          <a:lstStyle/>
+          <a:p>
+            <a:pPr algn="ctr"/>
+            <a:r>
+              <a:rPr lang="fr-FR" dirty="0"/>
+              <a:t>Main</a:t>
+            </a:r>
+          </a:p>
+        </p:txBody>
+      </p:sp>
+      <p:sp>
+        <p:nvSpPr>
+          <p:cNvPr id="14" name="Oval 13">
+            <a:extLst>
+              <a:ext uri="{FF2B5EF4-FFF2-40B4-BE49-F238E27FC236}">
+                <a16:creationId xmlns:a16="http://schemas.microsoft.com/office/drawing/2014/main" id="{C9930EDE-AA70-49F2-8583-DAD580D83C89}"/>
+              </a:ext>
+            </a:extLst>
+          </p:cNvPr>
+          <p:cNvSpPr/>
+          <p:nvPr/>
+        </p:nvSpPr>
+        <p:spPr>
+          <a:xfrm>
+            <a:off x="1769064" y="4977890"/>
+            <a:ext cx="1406063" cy="703031"/>
+          </a:xfrm>
+          <a:prstGeom prst="ellipse">
+            <a:avLst/>
+          </a:prstGeom>
+        </p:spPr>
+        <p:style>
+          <a:lnRef idx="2">
+            <a:schemeClr val="accent6">
+              <a:shade val="50000"/>
+            </a:schemeClr>
+          </a:lnRef>
+          <a:fillRef idx="1">
+            <a:schemeClr val="accent6"/>
+          </a:fillRef>
+          <a:effectRef idx="0">
+            <a:schemeClr val="accent6"/>
+          </a:effectRef>
+          <a:fontRef idx="minor">
+            <a:schemeClr val="lt1"/>
+          </a:fontRef>
+        </p:style>
+        <p:txBody>
+          <a:bodyPr rtlCol="0" anchor="ctr"/>
+          <a:lstStyle/>
+          <a:p>
+            <a:pPr algn="ctr"/>
+            <a:r>
+              <a:rPr lang="fr-FR" dirty="0" err="1"/>
+              <a:t>Footer</a:t>
+            </a:r>
+            <a:endParaRPr lang="fr-FR" dirty="0"/>
+          </a:p>
+        </p:txBody>
+      </p:sp>
+      <p:sp>
+        <p:nvSpPr>
+          <p:cNvPr id="3" name="Rectangle 2">
+            <a:extLst>
+              <a:ext uri="{FF2B5EF4-FFF2-40B4-BE49-F238E27FC236}">
+                <a16:creationId xmlns:a16="http://schemas.microsoft.com/office/drawing/2014/main" id="{3E11197F-7F8D-4D42-A111-AD38F9A58FD3}"/>
+              </a:ext>
+            </a:extLst>
+          </p:cNvPr>
+          <p:cNvSpPr/>
+          <p:nvPr/>
+        </p:nvSpPr>
+        <p:spPr>
+          <a:xfrm>
+            <a:off x="2861524" y="2320462"/>
+            <a:ext cx="1102792" cy="703031"/>
+          </a:xfrm>
+          <a:prstGeom prst="rect">
+            <a:avLst/>
+          </a:prstGeom>
+        </p:spPr>
+        <p:style>
+          <a:lnRef idx="2">
+            <a:schemeClr val="accent1">
+              <a:shade val="50000"/>
+            </a:schemeClr>
+          </a:lnRef>
+          <a:fillRef idx="1">
+            <a:schemeClr val="accent1"/>
+          </a:fillRef>
+          <a:effectRef idx="0">
+            <a:schemeClr val="accent1"/>
+          </a:effectRef>
+          <a:fontRef idx="minor">
+            <a:schemeClr val="lt1"/>
+          </a:fontRef>
+        </p:style>
+        <p:txBody>
+          <a:bodyPr rtlCol="0" anchor="ctr"/>
+          <a:lstStyle/>
+          <a:p>
+            <a:pPr algn="ctr"/>
+            <a:r>
+              <a:rPr lang="fr-FR" dirty="0" err="1"/>
+              <a:t>Layout</a:t>
+            </a:r>
+            <a:endParaRPr lang="fr-FR" dirty="0"/>
+          </a:p>
+        </p:txBody>
+      </p:sp>
+      <p:cxnSp>
+        <p:nvCxnSpPr>
+          <p:cNvPr id="8" name="Connector: Elbow 7">
+            <a:extLst>
+              <a:ext uri="{FF2B5EF4-FFF2-40B4-BE49-F238E27FC236}">
+                <a16:creationId xmlns:a16="http://schemas.microsoft.com/office/drawing/2014/main" id="{C54BF45A-6A43-443A-9746-EEE1F2F66E49}"/>
+              </a:ext>
+            </a:extLst>
+          </p:cNvPr>
+          <p:cNvCxnSpPr>
+            <a:stCxn id="2" idx="6"/>
+            <a:endCxn id="3" idx="2"/>
+          </p:cNvCxnSpPr>
+          <p:nvPr/>
+        </p:nvCxnSpPr>
+        <p:spPr>
+          <a:xfrm flipV="1">
+            <a:off x="3175128" y="3023493"/>
+            <a:ext cx="237792" cy="636405"/>
+          </a:xfrm>
+          <a:prstGeom prst="bentConnector2">
+            <a:avLst/>
+          </a:prstGeom>
+          <a:ln w="76200">
+            <a:tailEnd type="triangle"/>
+          </a:ln>
+        </p:spPr>
+        <p:style>
+          <a:lnRef idx="1">
+            <a:schemeClr val="accent1"/>
+          </a:lnRef>
+          <a:fillRef idx="0">
+            <a:schemeClr val="accent1"/>
+          </a:fillRef>
+          <a:effectRef idx="0">
+            <a:schemeClr val="accent1"/>
+          </a:effectRef>
+          <a:fontRef idx="minor">
+            <a:schemeClr val="tx1"/>
+          </a:fontRef>
+        </p:style>
+      </p:cxnSp>
+      <p:cxnSp>
+        <p:nvCxnSpPr>
+          <p:cNvPr id="17" name="Connector: Elbow 16">
+            <a:extLst>
+              <a:ext uri="{FF2B5EF4-FFF2-40B4-BE49-F238E27FC236}">
+                <a16:creationId xmlns:a16="http://schemas.microsoft.com/office/drawing/2014/main" id="{2AE9061C-435B-4AA7-A897-AB7AB788D7B7}"/>
+              </a:ext>
+            </a:extLst>
+          </p:cNvPr>
+          <p:cNvCxnSpPr>
+            <a:stCxn id="11" idx="6"/>
+            <a:endCxn id="3" idx="2"/>
+          </p:cNvCxnSpPr>
+          <p:nvPr/>
+        </p:nvCxnSpPr>
+        <p:spPr>
+          <a:xfrm flipV="1">
+            <a:off x="3175127" y="3023493"/>
+            <a:ext cx="237793" cy="1471159"/>
+          </a:xfrm>
+          <a:prstGeom prst="bentConnector2">
+            <a:avLst/>
+          </a:prstGeom>
+          <a:ln w="76200">
+            <a:tailEnd type="triangle"/>
+          </a:ln>
+        </p:spPr>
+        <p:style>
+          <a:lnRef idx="1">
+            <a:schemeClr val="accent1"/>
+          </a:lnRef>
+          <a:fillRef idx="0">
+            <a:schemeClr val="accent1"/>
+          </a:fillRef>
+          <a:effectRef idx="0">
+            <a:schemeClr val="accent1"/>
+          </a:effectRef>
+          <a:fontRef idx="minor">
+            <a:schemeClr val="tx1"/>
+          </a:fontRef>
+        </p:style>
+      </p:cxnSp>
+      <p:cxnSp>
+        <p:nvCxnSpPr>
+          <p:cNvPr id="19" name="Connector: Elbow 18">
+            <a:extLst>
+              <a:ext uri="{FF2B5EF4-FFF2-40B4-BE49-F238E27FC236}">
+                <a16:creationId xmlns:a16="http://schemas.microsoft.com/office/drawing/2014/main" id="{B0600DFD-3DEA-410A-8811-D2B17132FD06}"/>
+              </a:ext>
+            </a:extLst>
+          </p:cNvPr>
+          <p:cNvCxnSpPr>
+            <a:stCxn id="14" idx="6"/>
+            <a:endCxn id="3" idx="2"/>
+          </p:cNvCxnSpPr>
+          <p:nvPr/>
+        </p:nvCxnSpPr>
+        <p:spPr>
+          <a:xfrm flipV="1">
+            <a:off x="3175127" y="3023493"/>
+            <a:ext cx="237793" cy="2305913"/>
+          </a:xfrm>
+          <a:prstGeom prst="bentConnector2">
+            <a:avLst/>
+          </a:prstGeom>
+          <a:ln w="76200">
+            <a:tailEnd type="triangle"/>
+          </a:ln>
+        </p:spPr>
+        <p:style>
+          <a:lnRef idx="1">
+            <a:schemeClr val="accent1"/>
+          </a:lnRef>
+          <a:fillRef idx="0">
+            <a:schemeClr val="accent1"/>
+          </a:fillRef>
+          <a:effectRef idx="0">
+            <a:schemeClr val="accent1"/>
+          </a:effectRef>
+          <a:fontRef idx="minor">
+            <a:schemeClr val="tx1"/>
+          </a:fontRef>
+        </p:style>
+      </p:cxnSp>
+      <p:cxnSp>
+        <p:nvCxnSpPr>
+          <p:cNvPr id="20" name="Straight Arrow Connector 19">
+            <a:extLst>
+              <a:ext uri="{FF2B5EF4-FFF2-40B4-BE49-F238E27FC236}">
+                <a16:creationId xmlns:a16="http://schemas.microsoft.com/office/drawing/2014/main" id="{8D281EF7-B98B-448E-9BEA-A3870A695C4E}"/>
+              </a:ext>
+            </a:extLst>
+          </p:cNvPr>
+          <p:cNvCxnSpPr>
+            <a:cxnSpLocks/>
+            <a:stCxn id="3" idx="0"/>
+            <a:endCxn id="4" idx="1"/>
+          </p:cNvCxnSpPr>
+          <p:nvPr/>
+        </p:nvCxnSpPr>
+        <p:spPr>
+          <a:xfrm flipV="1">
+            <a:off x="3412920" y="1488772"/>
+            <a:ext cx="823647" cy="831690"/>
+          </a:xfrm>
+          <a:prstGeom prst="straightConnector1">
+            <a:avLst/>
+          </a:prstGeom>
+          <a:ln w="76200">
+            <a:prstDash val="sysDash"/>
+            <a:tailEnd type="triangle"/>
+          </a:ln>
+        </p:spPr>
+        <p:style>
+          <a:lnRef idx="1">
+            <a:schemeClr val="accent1"/>
+          </a:lnRef>
+          <a:fillRef idx="0">
+            <a:schemeClr val="accent1"/>
+          </a:fillRef>
+          <a:effectRef idx="0">
+            <a:schemeClr val="accent1"/>
+          </a:effectRef>
+          <a:fontRef idx="minor">
+            <a:schemeClr val="tx1"/>
+          </a:fontRef>
+        </p:style>
+      </p:cxnSp>
+      <p:sp>
+        <p:nvSpPr>
+          <p:cNvPr id="18" name="Oval 17">
+            <a:extLst>
+              <a:ext uri="{FF2B5EF4-FFF2-40B4-BE49-F238E27FC236}">
+                <a16:creationId xmlns:a16="http://schemas.microsoft.com/office/drawing/2014/main" id="{DCBB99AE-AD21-4334-88B8-8976DC54C452}"/>
+              </a:ext>
+            </a:extLst>
+          </p:cNvPr>
+          <p:cNvSpPr/>
+          <p:nvPr/>
+        </p:nvSpPr>
+        <p:spPr>
+          <a:xfrm>
+            <a:off x="8176756" y="2608315"/>
+            <a:ext cx="1406063" cy="703031"/>
+          </a:xfrm>
+          <a:prstGeom prst="ellipse">
+            <a:avLst/>
+          </a:prstGeom>
+        </p:spPr>
+        <p:style>
+          <a:lnRef idx="2">
+            <a:schemeClr val="accent6">
+              <a:shade val="50000"/>
+            </a:schemeClr>
+          </a:lnRef>
+          <a:fillRef idx="1">
+            <a:schemeClr val="accent6"/>
+          </a:fillRef>
+          <a:effectRef idx="0">
+            <a:schemeClr val="accent6"/>
+          </a:effectRef>
+          <a:fontRef idx="minor">
+            <a:schemeClr val="lt1"/>
+          </a:fontRef>
+        </p:style>
+        <p:txBody>
+          <a:bodyPr rtlCol="0" anchor="ctr"/>
+          <a:lstStyle/>
+          <a:p>
+            <a:pPr algn="ctr"/>
+            <a:r>
+              <a:rPr lang="fr-FR" dirty="0"/>
+              <a:t>Home</a:t>
+            </a:r>
+          </a:p>
+        </p:txBody>
+      </p:sp>
+      <p:sp>
+        <p:nvSpPr>
+          <p:cNvPr id="21" name="Oval 20">
+            <a:extLst>
+              <a:ext uri="{FF2B5EF4-FFF2-40B4-BE49-F238E27FC236}">
+                <a16:creationId xmlns:a16="http://schemas.microsoft.com/office/drawing/2014/main" id="{E770452D-73D8-4185-9F48-2D6851046E73}"/>
+              </a:ext>
+            </a:extLst>
+          </p:cNvPr>
+          <p:cNvSpPr/>
+          <p:nvPr/>
+        </p:nvSpPr>
+        <p:spPr>
+          <a:xfrm>
+            <a:off x="8118727" y="3355148"/>
+            <a:ext cx="1406063" cy="703031"/>
+          </a:xfrm>
+          <a:prstGeom prst="ellipse">
+            <a:avLst/>
+          </a:prstGeom>
+        </p:spPr>
+        <p:style>
+          <a:lnRef idx="2">
+            <a:schemeClr val="accent6">
+              <a:shade val="50000"/>
+            </a:schemeClr>
+          </a:lnRef>
+          <a:fillRef idx="1">
+            <a:schemeClr val="accent6"/>
+          </a:fillRef>
+          <a:effectRef idx="0">
+            <a:schemeClr val="accent6"/>
+          </a:effectRef>
+          <a:fontRef idx="minor">
+            <a:schemeClr val="lt1"/>
+          </a:fontRef>
+        </p:style>
+        <p:txBody>
+          <a:bodyPr rtlCol="0" anchor="ctr"/>
+          <a:lstStyle/>
+          <a:p>
+            <a:pPr algn="ctr"/>
+            <a:r>
+              <a:rPr lang="fr-FR" dirty="0"/>
+              <a:t>Legal</a:t>
+            </a:r>
+          </a:p>
+        </p:txBody>
+      </p:sp>
+      <p:sp>
+        <p:nvSpPr>
+          <p:cNvPr id="6" name="TextBox 5">
+            <a:extLst>
+              <a:ext uri="{FF2B5EF4-FFF2-40B4-BE49-F238E27FC236}">
+                <a16:creationId xmlns:a16="http://schemas.microsoft.com/office/drawing/2014/main" id="{0E452A2C-EA0E-400D-AEBF-1684F4677B0C}"/>
+              </a:ext>
+            </a:extLst>
+          </p:cNvPr>
+          <p:cNvSpPr txBox="1"/>
+          <p:nvPr/>
+        </p:nvSpPr>
+        <p:spPr>
+          <a:xfrm>
+            <a:off x="7273592" y="2891770"/>
+            <a:ext cx="874150" cy="369332"/>
+          </a:xfrm>
+          <a:prstGeom prst="rect">
+            <a:avLst/>
+          </a:prstGeom>
+          <a:noFill/>
+        </p:spPr>
+        <p:txBody>
+          <a:bodyPr wrap="none" rtlCol="0">
+            <a:spAutoFit/>
+          </a:bodyPr>
+          <a:lstStyle/>
+          <a:p>
+            <a:r>
+              <a:rPr lang="fr-FR" dirty="0"/>
+              <a:t>routes/</a:t>
+            </a:r>
+          </a:p>
+        </p:txBody>
+      </p:sp>
+      <p:cxnSp>
+        <p:nvCxnSpPr>
+          <p:cNvPr id="16" name="Straight Arrow Connector 15">
+            <a:extLst>
+              <a:ext uri="{FF2B5EF4-FFF2-40B4-BE49-F238E27FC236}">
+                <a16:creationId xmlns:a16="http://schemas.microsoft.com/office/drawing/2014/main" id="{7B8D15ED-8E3E-4B1A-B2D7-38FEF77FC9FA}"/>
+              </a:ext>
+            </a:extLst>
+          </p:cNvPr>
+          <p:cNvCxnSpPr>
+            <a:cxnSpLocks/>
+          </p:cNvCxnSpPr>
+          <p:nvPr/>
+        </p:nvCxnSpPr>
+        <p:spPr>
+          <a:xfrm flipH="1" flipV="1">
+            <a:off x="5207643" y="1713009"/>
+            <a:ext cx="3281574" cy="1086813"/>
+          </a:xfrm>
+          <a:prstGeom prst="straightConnector1">
+            <a:avLst/>
+          </a:prstGeom>
+          <a:ln w="76200">
+            <a:tailEnd type="triangle"/>
+          </a:ln>
+        </p:spPr>
+        <p:style>
+          <a:lnRef idx="1">
+            <a:schemeClr val="accent1"/>
+          </a:lnRef>
+          <a:fillRef idx="0">
+            <a:schemeClr val="accent1"/>
+          </a:fillRef>
+          <a:effectRef idx="0">
+            <a:schemeClr val="accent1"/>
+          </a:effectRef>
+          <a:fontRef idx="minor">
+            <a:schemeClr val="tx1"/>
+          </a:fontRef>
+        </p:style>
+      </p:cxnSp>
+      <p:cxnSp>
+        <p:nvCxnSpPr>
+          <p:cNvPr id="24" name="Straight Arrow Connector 23">
+            <a:extLst>
+              <a:ext uri="{FF2B5EF4-FFF2-40B4-BE49-F238E27FC236}">
+                <a16:creationId xmlns:a16="http://schemas.microsoft.com/office/drawing/2014/main" id="{DA4EFC9E-FB1A-41C7-A5A5-A866772AEEF7}"/>
+              </a:ext>
+            </a:extLst>
+          </p:cNvPr>
+          <p:cNvCxnSpPr>
+            <a:stCxn id="21" idx="2"/>
+            <a:endCxn id="4" idx="2"/>
+          </p:cNvCxnSpPr>
+          <p:nvPr/>
+        </p:nvCxnSpPr>
+        <p:spPr>
+          <a:xfrm flipH="1" flipV="1">
+            <a:off x="4794857" y="1860965"/>
+            <a:ext cx="3323870" cy="1845699"/>
+          </a:xfrm>
+          <a:prstGeom prst="straightConnector1">
+            <a:avLst/>
+          </a:prstGeom>
+          <a:ln w="76200">
+            <a:tailEnd type="triangle"/>
+          </a:ln>
+        </p:spPr>
+        <p:style>
+          <a:lnRef idx="1">
+            <a:schemeClr val="accent1"/>
+          </a:lnRef>
+          <a:fillRef idx="0">
+            <a:schemeClr val="accent1"/>
+          </a:fillRef>
+          <a:effectRef idx="0">
+            <a:schemeClr val="accent1"/>
+          </a:effectRef>
+          <a:fontRef idx="minor">
+            <a:schemeClr val="tx1"/>
+          </a:fontRef>
+        </p:style>
+      </p:cxnSp>
+      <p:sp>
+        <p:nvSpPr>
+          <p:cNvPr id="33" name="Rectangle 32">
+            <a:extLst>
+              <a:ext uri="{FF2B5EF4-FFF2-40B4-BE49-F238E27FC236}">
+                <a16:creationId xmlns:a16="http://schemas.microsoft.com/office/drawing/2014/main" id="{A70DF9C6-00F3-4E9D-A11B-C4D48D9967A5}"/>
+              </a:ext>
+            </a:extLst>
+          </p:cNvPr>
+          <p:cNvSpPr/>
+          <p:nvPr/>
+        </p:nvSpPr>
+        <p:spPr>
+          <a:xfrm>
+            <a:off x="1769064" y="560587"/>
+            <a:ext cx="1172100" cy="629511"/>
+          </a:xfrm>
+          <a:prstGeom prst="rect">
+            <a:avLst/>
+          </a:prstGeom>
+        </p:spPr>
+        <p:style>
+          <a:lnRef idx="2">
+            <a:schemeClr val="accent1">
+              <a:shade val="50000"/>
+            </a:schemeClr>
+          </a:lnRef>
+          <a:fillRef idx="1">
+            <a:schemeClr val="accent1"/>
+          </a:fillRef>
+          <a:effectRef idx="0">
+            <a:schemeClr val="accent1"/>
+          </a:effectRef>
+          <a:fontRef idx="minor">
+            <a:schemeClr val="lt1"/>
+          </a:fontRef>
+        </p:style>
+        <p:txBody>
+          <a:bodyPr rtlCol="0" anchor="ctr"/>
+          <a:lstStyle/>
+          <a:p>
+            <a:pPr algn="ctr"/>
+            <a:r>
+              <a:rPr lang="fr-FR" dirty="0"/>
+              <a:t>Router</a:t>
+            </a:r>
+          </a:p>
+        </p:txBody>
+      </p:sp>
+      <p:cxnSp>
+        <p:nvCxnSpPr>
+          <p:cNvPr id="35" name="Straight Arrow Connector 34">
+            <a:extLst>
+              <a:ext uri="{FF2B5EF4-FFF2-40B4-BE49-F238E27FC236}">
+                <a16:creationId xmlns:a16="http://schemas.microsoft.com/office/drawing/2014/main" id="{02163999-0091-4608-9374-11B56B00A4A5}"/>
+              </a:ext>
+            </a:extLst>
+          </p:cNvPr>
+          <p:cNvCxnSpPr>
+            <a:stCxn id="33" idx="2"/>
+            <a:endCxn id="3" idx="0"/>
+          </p:cNvCxnSpPr>
+          <p:nvPr/>
+        </p:nvCxnSpPr>
+        <p:spPr>
+          <a:xfrm>
+            <a:off x="2355114" y="1190098"/>
+            <a:ext cx="1057806" cy="1130364"/>
+          </a:xfrm>
+          <a:prstGeom prst="straightConnector1">
+            <a:avLst/>
+          </a:prstGeom>
+          <a:ln w="76200">
+            <a:prstDash val="sysDash"/>
+            <a:tailEnd type="triangle"/>
+          </a:ln>
+        </p:spPr>
+        <p:style>
+          <a:lnRef idx="1">
+            <a:schemeClr val="accent1"/>
+          </a:lnRef>
+          <a:fillRef idx="0">
+            <a:schemeClr val="accent1"/>
+          </a:fillRef>
+          <a:effectRef idx="0">
+            <a:schemeClr val="accent1"/>
+          </a:effectRef>
+          <a:fontRef idx="minor">
+            <a:schemeClr val="tx1"/>
+          </a:fontRef>
+        </p:style>
+      </p:cxnSp>
+      <p:sp>
+        <p:nvSpPr>
+          <p:cNvPr id="15" name="Rectangle 14">
+            <a:extLst>
+              <a:ext uri="{FF2B5EF4-FFF2-40B4-BE49-F238E27FC236}">
+                <a16:creationId xmlns:a16="http://schemas.microsoft.com/office/drawing/2014/main" id="{7AD573FD-727F-4024-B3D6-5B3286B3B801}"/>
+              </a:ext>
+            </a:extLst>
+          </p:cNvPr>
+          <p:cNvSpPr/>
+          <p:nvPr/>
+        </p:nvSpPr>
+        <p:spPr>
+          <a:xfrm>
+            <a:off x="4818983" y="4561327"/>
+            <a:ext cx="1162528" cy="647892"/>
+          </a:xfrm>
+          <a:prstGeom prst="rect">
+            <a:avLst/>
+          </a:prstGeom>
+        </p:spPr>
+        <p:style>
+          <a:lnRef idx="2">
+            <a:schemeClr val="accent1">
+              <a:shade val="50000"/>
+            </a:schemeClr>
+          </a:lnRef>
+          <a:fillRef idx="1">
+            <a:schemeClr val="accent1"/>
+          </a:fillRef>
+          <a:effectRef idx="0">
+            <a:schemeClr val="accent1"/>
+          </a:effectRef>
+          <a:fontRef idx="minor">
+            <a:schemeClr val="lt1"/>
+          </a:fontRef>
+        </p:style>
+        <p:txBody>
+          <a:bodyPr rtlCol="0" anchor="ctr"/>
+          <a:lstStyle/>
+          <a:p>
+            <a:pPr algn="ctr"/>
+            <a:r>
+              <a:rPr lang="fr-FR" dirty="0"/>
+              <a:t>Stock</a:t>
+            </a:r>
+          </a:p>
+        </p:txBody>
+      </p:sp>
+      <p:sp>
+        <p:nvSpPr>
+          <p:cNvPr id="31" name="Rectangle 30">
+            <a:extLst>
+              <a:ext uri="{FF2B5EF4-FFF2-40B4-BE49-F238E27FC236}">
+                <a16:creationId xmlns:a16="http://schemas.microsoft.com/office/drawing/2014/main" id="{F2CC8F60-9798-4352-9E23-14EE0EE70357}"/>
+              </a:ext>
+            </a:extLst>
+          </p:cNvPr>
+          <p:cNvSpPr/>
+          <p:nvPr/>
+        </p:nvSpPr>
+        <p:spPr>
+          <a:xfrm>
+            <a:off x="7392721" y="5045282"/>
+            <a:ext cx="1452013" cy="647892"/>
+          </a:xfrm>
+          <a:prstGeom prst="rect">
+            <a:avLst/>
+          </a:prstGeom>
+        </p:spPr>
+        <p:style>
+          <a:lnRef idx="2">
+            <a:schemeClr val="accent1">
+              <a:shade val="50000"/>
+            </a:schemeClr>
+          </a:lnRef>
+          <a:fillRef idx="1">
+            <a:schemeClr val="accent1"/>
+          </a:fillRef>
+          <a:effectRef idx="0">
+            <a:schemeClr val="accent1"/>
+          </a:effectRef>
+          <a:fontRef idx="minor">
+            <a:schemeClr val="lt1"/>
+          </a:fontRef>
+        </p:style>
+        <p:txBody>
+          <a:bodyPr rtlCol="0" anchor="ctr"/>
+          <a:lstStyle/>
+          <a:p>
+            <a:pPr algn="ctr"/>
+            <a:r>
+              <a:rPr lang="fr-FR" dirty="0" err="1"/>
+              <a:t>StockRouting</a:t>
+            </a:r>
+            <a:endParaRPr lang="fr-FR" dirty="0"/>
+          </a:p>
+        </p:txBody>
+      </p:sp>
+      <p:cxnSp>
+        <p:nvCxnSpPr>
+          <p:cNvPr id="23" name="Straight Arrow Connector 22">
+            <a:extLst>
+              <a:ext uri="{FF2B5EF4-FFF2-40B4-BE49-F238E27FC236}">
+                <a16:creationId xmlns:a16="http://schemas.microsoft.com/office/drawing/2014/main" id="{1A660913-C1A8-41DD-8675-B985039E9857}"/>
+              </a:ext>
+            </a:extLst>
+          </p:cNvPr>
+          <p:cNvCxnSpPr>
+            <a:stCxn id="31" idx="1"/>
+            <a:endCxn id="15" idx="3"/>
+          </p:cNvCxnSpPr>
+          <p:nvPr/>
+        </p:nvCxnSpPr>
+        <p:spPr>
+          <a:xfrm flipH="1" flipV="1">
+            <a:off x="5981511" y="4885273"/>
+            <a:ext cx="1411210" cy="483955"/>
+          </a:xfrm>
+          <a:prstGeom prst="straightConnector1">
+            <a:avLst/>
+          </a:prstGeom>
+          <a:ln w="76200">
+            <a:prstDash val="sysDash"/>
+            <a:tailEnd type="triangle"/>
+          </a:ln>
+        </p:spPr>
+        <p:style>
+          <a:lnRef idx="1">
+            <a:schemeClr val="accent1"/>
+          </a:lnRef>
+          <a:fillRef idx="0">
+            <a:schemeClr val="accent1"/>
+          </a:fillRef>
+          <a:effectRef idx="0">
+            <a:schemeClr val="accent1"/>
+          </a:effectRef>
+          <a:fontRef idx="minor">
+            <a:schemeClr val="tx1"/>
+          </a:fontRef>
+        </p:style>
+      </p:cxnSp>
+      <p:sp>
+        <p:nvSpPr>
+          <p:cNvPr id="36" name="Oval 35">
+            <a:extLst>
+              <a:ext uri="{FF2B5EF4-FFF2-40B4-BE49-F238E27FC236}">
+                <a16:creationId xmlns:a16="http://schemas.microsoft.com/office/drawing/2014/main" id="{A1C93CFB-0D78-4A64-AF87-7622C94EA16B}"/>
+              </a:ext>
+            </a:extLst>
+          </p:cNvPr>
+          <p:cNvSpPr/>
+          <p:nvPr/>
+        </p:nvSpPr>
+        <p:spPr>
+          <a:xfrm>
+            <a:off x="4642076" y="5875442"/>
+            <a:ext cx="1516342" cy="744386"/>
+          </a:xfrm>
+          <a:prstGeom prst="ellipse">
+            <a:avLst/>
+          </a:prstGeom>
+        </p:spPr>
+        <p:style>
+          <a:lnRef idx="2">
+            <a:schemeClr val="accent6">
+              <a:shade val="50000"/>
+            </a:schemeClr>
+          </a:lnRef>
+          <a:fillRef idx="1">
+            <a:schemeClr val="accent6"/>
+          </a:fillRef>
+          <a:effectRef idx="0">
+            <a:schemeClr val="accent6"/>
+          </a:effectRef>
+          <a:fontRef idx="minor">
+            <a:schemeClr val="lt1"/>
+          </a:fontRef>
+        </p:style>
+        <p:txBody>
+          <a:bodyPr rtlCol="0" anchor="ctr"/>
+          <a:lstStyle/>
+          <a:p>
+            <a:pPr algn="ctr"/>
+            <a:r>
+              <a:rPr lang="fr-FR" dirty="0"/>
+              <a:t>Stock</a:t>
+            </a:r>
+          </a:p>
+        </p:txBody>
+      </p:sp>
+      <p:cxnSp>
+        <p:nvCxnSpPr>
+          <p:cNvPr id="37" name="Straight Arrow Connector 36">
+            <a:extLst>
+              <a:ext uri="{FF2B5EF4-FFF2-40B4-BE49-F238E27FC236}">
+                <a16:creationId xmlns:a16="http://schemas.microsoft.com/office/drawing/2014/main" id="{08C2908B-E49A-441A-8547-F178D2E91F72}"/>
+              </a:ext>
+            </a:extLst>
+          </p:cNvPr>
+          <p:cNvCxnSpPr>
+            <a:stCxn id="36" idx="0"/>
+            <a:endCxn id="15" idx="2"/>
+          </p:cNvCxnSpPr>
+          <p:nvPr/>
+        </p:nvCxnSpPr>
+        <p:spPr>
+          <a:xfrm flipV="1">
+            <a:off x="5400247" y="5209219"/>
+            <a:ext cx="0" cy="666223"/>
+          </a:xfrm>
+          <a:prstGeom prst="straightConnector1">
+            <a:avLst/>
+          </a:prstGeom>
+          <a:ln w="76200">
+            <a:tailEnd type="triangle"/>
+          </a:ln>
+        </p:spPr>
+        <p:style>
+          <a:lnRef idx="1">
+            <a:schemeClr val="accent1"/>
+          </a:lnRef>
+          <a:fillRef idx="0">
+            <a:schemeClr val="accent1"/>
+          </a:fillRef>
+          <a:effectRef idx="0">
+            <a:schemeClr val="accent1"/>
+          </a:effectRef>
+          <a:fontRef idx="minor">
+            <a:schemeClr val="tx1"/>
+          </a:fontRef>
+        </p:style>
+      </p:cxnSp>
+      <p:cxnSp>
+        <p:nvCxnSpPr>
+          <p:cNvPr id="44" name="Straight Arrow Connector 43">
+            <a:extLst>
+              <a:ext uri="{FF2B5EF4-FFF2-40B4-BE49-F238E27FC236}">
+                <a16:creationId xmlns:a16="http://schemas.microsoft.com/office/drawing/2014/main" id="{09F5456B-7439-4885-B52E-BE09577D0C02}"/>
+              </a:ext>
+            </a:extLst>
+          </p:cNvPr>
+          <p:cNvCxnSpPr>
+            <a:cxnSpLocks/>
+            <a:stCxn id="15" idx="0"/>
+            <a:endCxn id="10" idx="1"/>
+          </p:cNvCxnSpPr>
+          <p:nvPr/>
+        </p:nvCxnSpPr>
+        <p:spPr>
+          <a:xfrm flipV="1">
+            <a:off x="5400247" y="1832629"/>
+            <a:ext cx="2195245" cy="2728698"/>
+          </a:xfrm>
+          <a:prstGeom prst="straightConnector1">
+            <a:avLst/>
+          </a:prstGeom>
+          <a:ln w="76200">
+            <a:prstDash val="sysDot"/>
+            <a:tailEnd type="triangle"/>
+          </a:ln>
+        </p:spPr>
+        <p:style>
+          <a:lnRef idx="1">
+            <a:schemeClr val="accent1"/>
+          </a:lnRef>
+          <a:fillRef idx="0">
+            <a:schemeClr val="accent1"/>
+          </a:fillRef>
+          <a:effectRef idx="0">
+            <a:schemeClr val="accent1"/>
+          </a:effectRef>
+          <a:fontRef idx="minor">
+            <a:schemeClr val="tx1"/>
+          </a:fontRef>
+        </p:style>
+      </p:cxnSp>
+      <p:sp>
+        <p:nvSpPr>
+          <p:cNvPr id="54" name="Oval 53">
+            <a:extLst>
+              <a:ext uri="{FF2B5EF4-FFF2-40B4-BE49-F238E27FC236}">
+                <a16:creationId xmlns:a16="http://schemas.microsoft.com/office/drawing/2014/main" id="{A46C4C28-5A25-4BC7-AEF8-4672989DBDEA}"/>
+              </a:ext>
+            </a:extLst>
+          </p:cNvPr>
+          <p:cNvSpPr/>
+          <p:nvPr/>
+        </p:nvSpPr>
+        <p:spPr>
+          <a:xfrm>
+            <a:off x="6262191" y="5849403"/>
+            <a:ext cx="1516342" cy="744386"/>
+          </a:xfrm>
+          <a:prstGeom prst="ellipse">
+            <a:avLst/>
+          </a:prstGeom>
+        </p:spPr>
+        <p:style>
+          <a:lnRef idx="2">
+            <a:schemeClr val="accent6">
+              <a:shade val="50000"/>
+            </a:schemeClr>
+          </a:lnRef>
+          <a:fillRef idx="1">
+            <a:schemeClr val="accent6"/>
+          </a:fillRef>
+          <a:effectRef idx="0">
+            <a:schemeClr val="accent6"/>
+          </a:effectRef>
+          <a:fontRef idx="minor">
+            <a:schemeClr val="lt1"/>
+          </a:fontRef>
+        </p:style>
+        <p:txBody>
+          <a:bodyPr rtlCol="0" anchor="ctr"/>
+          <a:lstStyle/>
+          <a:p>
+            <a:pPr algn="ctr"/>
+            <a:r>
+              <a:rPr lang="fr-FR" dirty="0" err="1"/>
+              <a:t>Add</a:t>
+            </a:r>
+            <a:endParaRPr lang="fr-FR" dirty="0"/>
+          </a:p>
+        </p:txBody>
+      </p:sp>
+      <p:cxnSp>
+        <p:nvCxnSpPr>
+          <p:cNvPr id="56" name="Straight Arrow Connector 55">
+            <a:extLst>
+              <a:ext uri="{FF2B5EF4-FFF2-40B4-BE49-F238E27FC236}">
+                <a16:creationId xmlns:a16="http://schemas.microsoft.com/office/drawing/2014/main" id="{ADB4E6EC-1F1F-4EC9-8BF8-9DA460D82898}"/>
+              </a:ext>
+            </a:extLst>
+          </p:cNvPr>
+          <p:cNvCxnSpPr>
+            <a:stCxn id="54" idx="0"/>
+          </p:cNvCxnSpPr>
+          <p:nvPr/>
+        </p:nvCxnSpPr>
+        <p:spPr>
+          <a:xfrm flipH="1" flipV="1">
+            <a:off x="5400247" y="5209219"/>
+            <a:ext cx="1620115" cy="640184"/>
+          </a:xfrm>
+          <a:prstGeom prst="straightConnector1">
+            <a:avLst/>
+          </a:prstGeom>
+          <a:ln w="76200">
+            <a:tailEnd type="triangle"/>
+          </a:ln>
+        </p:spPr>
+        <p:style>
+          <a:lnRef idx="1">
+            <a:schemeClr val="accent1"/>
+          </a:lnRef>
+          <a:fillRef idx="0">
+            <a:schemeClr val="accent1"/>
+          </a:fillRef>
+          <a:effectRef idx="0">
+            <a:schemeClr val="accent1"/>
+          </a:effectRef>
+          <a:fontRef idx="minor">
+            <a:schemeClr val="tx1"/>
+          </a:fontRef>
+        </p:style>
+      </p:cxnSp>
+      <p:cxnSp>
+        <p:nvCxnSpPr>
+          <p:cNvPr id="58" name="Straight Arrow Connector 57">
+            <a:extLst>
+              <a:ext uri="{FF2B5EF4-FFF2-40B4-BE49-F238E27FC236}">
+                <a16:creationId xmlns:a16="http://schemas.microsoft.com/office/drawing/2014/main" id="{28E3ACFF-CD2C-4F51-8611-5EC52C829833}"/>
+              </a:ext>
+            </a:extLst>
+          </p:cNvPr>
+          <p:cNvCxnSpPr>
+            <a:cxnSpLocks/>
+            <a:stCxn id="59" idx="3"/>
+            <a:endCxn id="15" idx="1"/>
+          </p:cNvCxnSpPr>
+          <p:nvPr/>
+        </p:nvCxnSpPr>
+        <p:spPr>
+          <a:xfrm flipV="1">
+            <a:off x="2063731" y="4885273"/>
+            <a:ext cx="2755252" cy="1403669"/>
+          </a:xfrm>
+          <a:prstGeom prst="straightConnector1">
+            <a:avLst/>
+          </a:prstGeom>
+          <a:ln w="76200">
+            <a:prstDash val="sysDash"/>
+            <a:tailEnd type="triangle"/>
+          </a:ln>
+        </p:spPr>
+        <p:style>
+          <a:lnRef idx="1">
+            <a:schemeClr val="accent1"/>
+          </a:lnRef>
+          <a:fillRef idx="0">
+            <a:schemeClr val="accent1"/>
+          </a:fillRef>
+          <a:effectRef idx="0">
+            <a:schemeClr val="accent1"/>
+          </a:effectRef>
+          <a:fontRef idx="minor">
+            <a:schemeClr val="tx1"/>
+          </a:fontRef>
+        </p:style>
+      </p:cxnSp>
+      <p:sp>
+        <p:nvSpPr>
+          <p:cNvPr id="59" name="Rectangle 58">
+            <a:extLst>
+              <a:ext uri="{FF2B5EF4-FFF2-40B4-BE49-F238E27FC236}">
+                <a16:creationId xmlns:a16="http://schemas.microsoft.com/office/drawing/2014/main" id="{3E9DCF26-FCD1-42F4-986B-36AB150DA2D0}"/>
+              </a:ext>
+            </a:extLst>
+          </p:cNvPr>
+          <p:cNvSpPr/>
+          <p:nvPr/>
+        </p:nvSpPr>
+        <p:spPr>
+          <a:xfrm>
+            <a:off x="216159" y="5974186"/>
+            <a:ext cx="1847572" cy="629511"/>
+          </a:xfrm>
+          <a:prstGeom prst="rect">
+            <a:avLst/>
+          </a:prstGeom>
+        </p:spPr>
+        <p:style>
+          <a:lnRef idx="2">
+            <a:schemeClr val="accent1">
+              <a:shade val="50000"/>
+            </a:schemeClr>
+          </a:lnRef>
+          <a:fillRef idx="1">
+            <a:schemeClr val="accent1"/>
+          </a:fillRef>
+          <a:effectRef idx="0">
+            <a:schemeClr val="accent1"/>
+          </a:effectRef>
+          <a:fontRef idx="minor">
+            <a:schemeClr val="lt1"/>
+          </a:fontRef>
+        </p:style>
+        <p:txBody>
+          <a:bodyPr rtlCol="0" anchor="ctr"/>
+          <a:lstStyle/>
+          <a:p>
+            <a:pPr algn="ctr"/>
+            <a:r>
+              <a:rPr lang="fr-FR" dirty="0" err="1"/>
+              <a:t>FontAwesome</a:t>
+            </a:r>
+            <a:endParaRPr lang="fr-FR" dirty="0"/>
+          </a:p>
+        </p:txBody>
+      </p:sp>
+    </p:spTree>
+    <p:extLst>
+      <p:ext uri="{BB962C8B-B14F-4D97-AF65-F5344CB8AC3E}">
+        <p14:creationId xmlns:p14="http://schemas.microsoft.com/office/powerpoint/2010/main" val="2945108001"/>
+      </p:ext>
+    </p:extLst>
+  </p:cSld>
+  <p:clrMapOvr>
+    <a:masterClrMapping/>
+  </p:clrMapOvr>
+</p:sld>
+</file>
+
+<file path=ppt/slides/slide23.xml><?xml version="1.0" encoding="utf-8"?>
+<p:sld xmlns:a="http://schemas.openxmlformats.org/drawingml/2006/main" xmlns:r="http://schemas.openxmlformats.org/officeDocument/2006/relationships" xmlns:p="http://schemas.openxmlformats.org/presentationml/2006/main">
+  <p:cSld>
+    <p:spTree>
+      <p:nvGrpSpPr>
+        <p:cNvPr id="1" name=""/>
+        <p:cNvGrpSpPr/>
+        <p:nvPr/>
+      </p:nvGrpSpPr>
+      <p:grpSpPr>
+        <a:xfrm>
+          <a:off x="0" y="0"/>
+          <a:ext cx="0" cy="0"/>
+          <a:chOff x="0" y="0"/>
+          <a:chExt cx="0" cy="0"/>
+        </a:xfrm>
+      </p:grpSpPr>
+      <p:sp>
+        <p:nvSpPr>
+          <p:cNvPr id="2" name="Title 1">
+            <a:extLst>
+              <a:ext uri="{FF2B5EF4-FFF2-40B4-BE49-F238E27FC236}">
+                <a16:creationId xmlns:a16="http://schemas.microsoft.com/office/drawing/2014/main" id="{4D52200B-2BD9-4068-B2BF-1869996FEB33}"/>
+              </a:ext>
+            </a:extLst>
+          </p:cNvPr>
+          <p:cNvSpPr>
+            <a:spLocks noGrp="1"/>
+          </p:cNvSpPr>
+          <p:nvPr>
+            <p:ph type="title"/>
+          </p:nvPr>
+        </p:nvSpPr>
+        <p:spPr/>
+        <p:txBody>
+          <a:bodyPr/>
+          <a:lstStyle/>
+          <a:p>
+            <a:r>
+              <a:rPr lang="fr-FR" dirty="0"/>
+              <a:t>Directive</a:t>
+            </a:r>
+          </a:p>
+        </p:txBody>
+      </p:sp>
+      <p:sp>
+        <p:nvSpPr>
+          <p:cNvPr id="3" name="Content Placeholder 2">
+            <a:extLst>
+              <a:ext uri="{FF2B5EF4-FFF2-40B4-BE49-F238E27FC236}">
+                <a16:creationId xmlns:a16="http://schemas.microsoft.com/office/drawing/2014/main" id="{0143B452-8BFE-4D66-BA81-09141C8FD282}"/>
+              </a:ext>
+            </a:extLst>
+          </p:cNvPr>
+          <p:cNvSpPr>
+            <a:spLocks noGrp="1"/>
+          </p:cNvSpPr>
+          <p:nvPr>
+            <p:ph idx="1"/>
+          </p:nvPr>
+        </p:nvSpPr>
+        <p:spPr/>
+        <p:txBody>
+          <a:bodyPr/>
+          <a:lstStyle/>
+          <a:p>
+            <a:r>
+              <a:rPr lang="fr-FR" dirty="0"/>
+              <a:t>&lt;router-</a:t>
+            </a:r>
+            <a:r>
+              <a:rPr lang="fr-FR" dirty="0" err="1"/>
+              <a:t>outlet</a:t>
+            </a:r>
+            <a:r>
+              <a:rPr lang="fr-FR" dirty="0"/>
+              <a:t>&gt;&lt;/router-</a:t>
+            </a:r>
+            <a:r>
+              <a:rPr lang="fr-FR" dirty="0" err="1"/>
+              <a:t>outlet</a:t>
+            </a:r>
+            <a:r>
+              <a:rPr lang="fr-FR" dirty="0"/>
+              <a:t>&gt; : directive </a:t>
+            </a:r>
+            <a:r>
+              <a:rPr lang="fr-FR" dirty="0" err="1"/>
+              <a:t>element</a:t>
+            </a:r>
+            <a:endParaRPr lang="fr-FR" dirty="0"/>
+          </a:p>
+          <a:p>
+            <a:r>
+              <a:rPr lang="fr-FR" dirty="0" err="1"/>
+              <a:t>routerLink</a:t>
+            </a:r>
+            <a:r>
+              <a:rPr lang="fr-FR" dirty="0"/>
+              <a:t> : directive attribut</a:t>
+            </a:r>
+          </a:p>
+          <a:p>
+            <a:r>
+              <a:rPr lang="fr-FR" dirty="0"/>
+              <a:t>*</a:t>
+            </a:r>
+            <a:r>
+              <a:rPr lang="fr-FR" dirty="0" err="1"/>
+              <a:t>ngFor</a:t>
+            </a:r>
+            <a:r>
+              <a:rPr lang="fr-FR" dirty="0"/>
+              <a:t> : directive structurelle (=qui manipule un </a:t>
+            </a:r>
+            <a:r>
+              <a:rPr lang="fr-FR" dirty="0" err="1"/>
+              <a:t>template</a:t>
+            </a:r>
+            <a:r>
+              <a:rPr lang="fr-FR" dirty="0"/>
+              <a:t>)</a:t>
+            </a:r>
+          </a:p>
+        </p:txBody>
+      </p:sp>
+    </p:spTree>
+    <p:extLst>
+      <p:ext uri="{BB962C8B-B14F-4D97-AF65-F5344CB8AC3E}">
+        <p14:creationId xmlns:p14="http://schemas.microsoft.com/office/powerpoint/2010/main" val="2262462852"/>
       </p:ext>
     </p:extLst>
   </p:cSld>
@@ -4533,6 +10501,84 @@
               </a:rPr>
               <a:t>https://semver.org/</a:t>
             </a:r>
+            <a:endParaRPr lang="fr-FR" dirty="0"/>
+          </a:p>
+          <a:p>
+            <a:r>
+              <a:rPr lang="fr-FR" dirty="0"/>
+              <a:t>CSS Flex : </a:t>
+            </a:r>
+            <a:r>
+              <a:rPr lang="fr-FR" dirty="0">
+                <a:hlinkClick r:id="rId3"/>
+              </a:rPr>
+              <a:t>https://css-tricks.com/snippets/css/a-guide-to-flexbox/</a:t>
+            </a:r>
+            <a:endParaRPr lang="fr-FR" dirty="0"/>
+          </a:p>
+          <a:p>
+            <a:r>
+              <a:rPr lang="fr-FR" dirty="0"/>
+              <a:t>CSS Flex </a:t>
+            </a:r>
+            <a:r>
+              <a:rPr lang="fr-FR" dirty="0" err="1"/>
+              <a:t>game</a:t>
+            </a:r>
+            <a:endParaRPr lang="fr-FR" dirty="0"/>
+          </a:p>
+          <a:p>
+            <a:r>
+              <a:rPr lang="fr-FR" dirty="0"/>
+              <a:t>CSS </a:t>
+            </a:r>
+            <a:r>
+              <a:rPr lang="fr-FR" dirty="0" err="1"/>
+              <a:t>Grid</a:t>
+            </a:r>
+            <a:r>
+              <a:rPr lang="fr-FR" dirty="0"/>
+              <a:t> : </a:t>
+            </a:r>
+            <a:r>
+              <a:rPr lang="fr-FR" dirty="0">
+                <a:hlinkClick r:id="rId4"/>
+              </a:rPr>
+              <a:t>https://css-tricks.com/snippets/css/complete-guide-grid/</a:t>
+            </a:r>
+            <a:endParaRPr lang="fr-FR" dirty="0"/>
+          </a:p>
+          <a:p>
+            <a:r>
+              <a:rPr lang="fr-FR" dirty="0"/>
+              <a:t>CSS </a:t>
+            </a:r>
+            <a:r>
+              <a:rPr lang="fr-FR" dirty="0" err="1"/>
+              <a:t>Grid</a:t>
+            </a:r>
+            <a:r>
+              <a:rPr lang="fr-FR" dirty="0"/>
+              <a:t> </a:t>
+            </a:r>
+            <a:r>
+              <a:rPr lang="fr-FR" dirty="0" err="1"/>
+              <a:t>game</a:t>
+            </a:r>
+            <a:endParaRPr lang="fr-FR" dirty="0"/>
+          </a:p>
+          <a:p>
+            <a:r>
+              <a:rPr lang="fr-FR" dirty="0"/>
+              <a:t>CSS diner </a:t>
+            </a:r>
+            <a:r>
+              <a:rPr lang="fr-FR" dirty="0" err="1"/>
+              <a:t>game</a:t>
+            </a:r>
+            <a:endParaRPr lang="fr-FR" dirty="0"/>
+          </a:p>
+          <a:p>
             <a:endParaRPr lang="fr-FR" dirty="0"/>
           </a:p>
           <a:p>
@@ -6674,6 +12720,37 @@
             <a:r>
               <a:rPr lang="fr-FR" dirty="0" err="1"/>
               <a:t>snippet</a:t>
+            </a:r>
+            <a:endParaRPr lang="fr-FR" dirty="0"/>
+          </a:p>
+          <a:p>
+            <a:r>
+              <a:rPr lang="fr-FR" dirty="0" err="1"/>
+              <a:t>Angular</a:t>
+            </a:r>
+            <a:r>
+              <a:rPr lang="fr-FR" dirty="0"/>
+              <a:t> </a:t>
+            </a:r>
+            <a:r>
+              <a:rPr lang="fr-FR" dirty="0" err="1"/>
+              <a:t>Language</a:t>
+            </a:r>
+            <a:r>
+              <a:rPr lang="fr-FR" dirty="0"/>
+              <a:t> Service</a:t>
+            </a:r>
+          </a:p>
+          <a:p>
+            <a:r>
+              <a:rPr lang="fr-FR" dirty="0"/>
+              <a:t>Auto Rename Tag</a:t>
+            </a:r>
+          </a:p>
+          <a:p>
+            <a:r>
+              <a:rPr lang="fr-FR" dirty="0" err="1"/>
+              <a:t>SonarLint</a:t>
             </a:r>
             <a:endParaRPr lang="fr-FR" dirty="0"/>
           </a:p>

--- a/notes.pptx
+++ b/notes.pptx
@@ -28,6 +28,13 @@
     <p:sldId id="275" r:id="rId22"/>
     <p:sldId id="277" r:id="rId23"/>
     <p:sldId id="278" r:id="rId24"/>
+    <p:sldId id="279" r:id="rId25"/>
+    <p:sldId id="280" r:id="rId26"/>
+    <p:sldId id="281" r:id="rId27"/>
+    <p:sldId id="282" r:id="rId28"/>
+    <p:sldId id="283" r:id="rId29"/>
+    <p:sldId id="284" r:id="rId30"/>
+    <p:sldId id="285" r:id="rId31"/>
   </p:sldIdLst>
   <p:sldSz cx="12192000" cy="6858000"/>
   <p:notesSz cx="6858000" cy="9144000"/>
@@ -4068,6 +4075,21 @@
               <a:t>Talend API Tester</a:t>
             </a:r>
           </a:p>
+          <a:p>
+            <a:r>
+              <a:rPr lang="fr-FR" dirty="0" err="1"/>
+              <a:t>Angular</a:t>
+            </a:r>
+            <a:r>
+              <a:rPr lang="fr-FR" dirty="0"/>
+              <a:t> </a:t>
+            </a:r>
+            <a:r>
+              <a:rPr lang="fr-FR" dirty="0" err="1"/>
+              <a:t>Devtools</a:t>
+            </a:r>
+            <a:endParaRPr lang="fr-FR" dirty="0"/>
+          </a:p>
         </p:txBody>
       </p:sp>
     </p:spTree>
@@ -10406,12 +10428,5909 @@
               <a:t>)</a:t>
             </a:r>
           </a:p>
+          <a:p>
+            <a:r>
+              <a:rPr lang="fr-FR" dirty="0"/>
+              <a:t>*</a:t>
+            </a:r>
+            <a:r>
+              <a:rPr lang="fr-FR" dirty="0" err="1"/>
+              <a:t>ngIf</a:t>
+            </a:r>
+            <a:endParaRPr lang="fr-FR" dirty="0"/>
+          </a:p>
+          <a:p>
+            <a:r>
+              <a:rPr lang="fr-FR" dirty="0" err="1"/>
+              <a:t>form</a:t>
+            </a:r>
+            <a:endParaRPr lang="fr-FR" dirty="0"/>
+          </a:p>
         </p:txBody>
       </p:sp>
     </p:spTree>
     <p:extLst>
       <p:ext uri="{BB962C8B-B14F-4D97-AF65-F5344CB8AC3E}">
         <p14:creationId xmlns:p14="http://schemas.microsoft.com/office/powerpoint/2010/main" val="2262462852"/>
+      </p:ext>
+    </p:extLst>
+  </p:cSld>
+  <p:clrMapOvr>
+    <a:masterClrMapping/>
+  </p:clrMapOvr>
+</p:sld>
+</file>
+
+<file path=ppt/slides/slide24.xml><?xml version="1.0" encoding="utf-8"?>
+<p:sld xmlns:a="http://schemas.openxmlformats.org/drawingml/2006/main" xmlns:r="http://schemas.openxmlformats.org/officeDocument/2006/relationships" xmlns:p="http://schemas.openxmlformats.org/presentationml/2006/main">
+  <p:cSld>
+    <p:spTree>
+      <p:nvGrpSpPr>
+        <p:cNvPr id="1" name=""/>
+        <p:cNvGrpSpPr/>
+        <p:nvPr/>
+      </p:nvGrpSpPr>
+      <p:grpSpPr>
+        <a:xfrm>
+          <a:off x="0" y="0"/>
+          <a:ext cx="0" cy="0"/>
+          <a:chOff x="0" y="0"/>
+          <a:chExt cx="0" cy="0"/>
+        </a:xfrm>
+      </p:grpSpPr>
+      <p:cxnSp>
+        <p:nvCxnSpPr>
+          <p:cNvPr id="5" name="Straight Arrow Connector 4">
+            <a:extLst>
+              <a:ext uri="{FF2B5EF4-FFF2-40B4-BE49-F238E27FC236}">
+                <a16:creationId xmlns:a16="http://schemas.microsoft.com/office/drawing/2014/main" id="{257FE7E3-A98C-4456-9839-C95EB80B557B}"/>
+              </a:ext>
+            </a:extLst>
+          </p:cNvPr>
+          <p:cNvCxnSpPr>
+            <a:cxnSpLocks/>
+          </p:cNvCxnSpPr>
+          <p:nvPr/>
+        </p:nvCxnSpPr>
+        <p:spPr>
+          <a:xfrm flipV="1">
+            <a:off x="349218" y="1631216"/>
+            <a:ext cx="11565552" cy="64330"/>
+          </a:xfrm>
+          <a:prstGeom prst="straightConnector1">
+            <a:avLst/>
+          </a:prstGeom>
+          <a:ln w="76200">
+            <a:tailEnd type="triangle"/>
+          </a:ln>
+        </p:spPr>
+        <p:style>
+          <a:lnRef idx="1">
+            <a:schemeClr val="accent1"/>
+          </a:lnRef>
+          <a:fillRef idx="0">
+            <a:schemeClr val="accent1"/>
+          </a:fillRef>
+          <a:effectRef idx="0">
+            <a:schemeClr val="accent1"/>
+          </a:effectRef>
+          <a:fontRef idx="minor">
+            <a:schemeClr val="tx1"/>
+          </a:fontRef>
+        </p:style>
+      </p:cxnSp>
+      <p:cxnSp>
+        <p:nvCxnSpPr>
+          <p:cNvPr id="8" name="Straight Connector 7">
+            <a:extLst>
+              <a:ext uri="{FF2B5EF4-FFF2-40B4-BE49-F238E27FC236}">
+                <a16:creationId xmlns:a16="http://schemas.microsoft.com/office/drawing/2014/main" id="{207097DF-E12C-4839-8289-53B0486B9231}"/>
+              </a:ext>
+            </a:extLst>
+          </p:cNvPr>
+          <p:cNvCxnSpPr/>
+          <p:nvPr/>
+        </p:nvCxnSpPr>
+        <p:spPr>
+          <a:xfrm>
+            <a:off x="698436" y="1373897"/>
+            <a:ext cx="0" cy="753576"/>
+          </a:xfrm>
+          <a:prstGeom prst="line">
+            <a:avLst/>
+          </a:prstGeom>
+          <a:ln w="76200"/>
+        </p:spPr>
+        <p:style>
+          <a:lnRef idx="1">
+            <a:schemeClr val="accent1"/>
+          </a:lnRef>
+          <a:fillRef idx="0">
+            <a:schemeClr val="accent1"/>
+          </a:fillRef>
+          <a:effectRef idx="0">
+            <a:schemeClr val="accent1"/>
+          </a:effectRef>
+          <a:fontRef idx="minor">
+            <a:schemeClr val="tx1"/>
+          </a:fontRef>
+        </p:style>
+      </p:cxnSp>
+      <p:cxnSp>
+        <p:nvCxnSpPr>
+          <p:cNvPr id="10" name="Straight Arrow Connector 9">
+            <a:extLst>
+              <a:ext uri="{FF2B5EF4-FFF2-40B4-BE49-F238E27FC236}">
+                <a16:creationId xmlns:a16="http://schemas.microsoft.com/office/drawing/2014/main" id="{8EBA109B-B934-4053-9A88-A0D01D56D4DC}"/>
+              </a:ext>
+            </a:extLst>
+          </p:cNvPr>
+          <p:cNvCxnSpPr>
+            <a:cxnSpLocks/>
+          </p:cNvCxnSpPr>
+          <p:nvPr/>
+        </p:nvCxnSpPr>
+        <p:spPr>
+          <a:xfrm>
+            <a:off x="799526" y="1125769"/>
+            <a:ext cx="2343437" cy="0"/>
+          </a:xfrm>
+          <a:prstGeom prst="straightConnector1">
+            <a:avLst/>
+          </a:prstGeom>
+          <a:ln w="76200">
+            <a:headEnd type="triangle"/>
+            <a:tailEnd type="triangle"/>
+          </a:ln>
+        </p:spPr>
+        <p:style>
+          <a:lnRef idx="1">
+            <a:schemeClr val="accent1"/>
+          </a:lnRef>
+          <a:fillRef idx="0">
+            <a:schemeClr val="accent1"/>
+          </a:fillRef>
+          <a:effectRef idx="0">
+            <a:schemeClr val="accent1"/>
+          </a:effectRef>
+          <a:fontRef idx="minor">
+            <a:schemeClr val="tx1"/>
+          </a:fontRef>
+        </p:style>
+      </p:cxnSp>
+      <p:sp>
+        <p:nvSpPr>
+          <p:cNvPr id="11" name="TextBox 10">
+            <a:extLst>
+              <a:ext uri="{FF2B5EF4-FFF2-40B4-BE49-F238E27FC236}">
+                <a16:creationId xmlns:a16="http://schemas.microsoft.com/office/drawing/2014/main" id="{180E8F82-2487-47D2-9E33-820229FCD7A8}"/>
+              </a:ext>
+            </a:extLst>
+          </p:cNvPr>
+          <p:cNvSpPr txBox="1"/>
+          <p:nvPr/>
+        </p:nvSpPr>
+        <p:spPr>
+          <a:xfrm>
+            <a:off x="1778255" y="675461"/>
+            <a:ext cx="750526" cy="369332"/>
+          </a:xfrm>
+          <a:prstGeom prst="rect">
+            <a:avLst/>
+          </a:prstGeom>
+          <a:noFill/>
+        </p:spPr>
+        <p:txBody>
+          <a:bodyPr wrap="none" rtlCol="0">
+            <a:spAutoFit/>
+          </a:bodyPr>
+          <a:lstStyle/>
+          <a:p>
+            <a:r>
+              <a:rPr lang="fr-FR" dirty="0"/>
+              <a:t>Home</a:t>
+            </a:r>
+          </a:p>
+        </p:txBody>
+      </p:sp>
+      <p:cxnSp>
+        <p:nvCxnSpPr>
+          <p:cNvPr id="14" name="Straight Connector 13">
+            <a:extLst>
+              <a:ext uri="{FF2B5EF4-FFF2-40B4-BE49-F238E27FC236}">
+                <a16:creationId xmlns:a16="http://schemas.microsoft.com/office/drawing/2014/main" id="{0C3C4475-BA71-4FA4-936C-9D5DF2B05B17}"/>
+              </a:ext>
+            </a:extLst>
+          </p:cNvPr>
+          <p:cNvCxnSpPr/>
+          <p:nvPr/>
+        </p:nvCxnSpPr>
+        <p:spPr>
+          <a:xfrm>
+            <a:off x="3239457" y="1373897"/>
+            <a:ext cx="0" cy="647892"/>
+          </a:xfrm>
+          <a:prstGeom prst="line">
+            <a:avLst/>
+          </a:prstGeom>
+          <a:ln w="76200"/>
+        </p:spPr>
+        <p:style>
+          <a:lnRef idx="1">
+            <a:schemeClr val="accent1"/>
+          </a:lnRef>
+          <a:fillRef idx="0">
+            <a:schemeClr val="accent1"/>
+          </a:fillRef>
+          <a:effectRef idx="0">
+            <a:schemeClr val="accent1"/>
+          </a:effectRef>
+          <a:fontRef idx="minor">
+            <a:schemeClr val="tx1"/>
+          </a:fontRef>
+        </p:style>
+      </p:cxnSp>
+      <p:cxnSp>
+        <p:nvCxnSpPr>
+          <p:cNvPr id="15" name="Straight Arrow Connector 14">
+            <a:extLst>
+              <a:ext uri="{FF2B5EF4-FFF2-40B4-BE49-F238E27FC236}">
+                <a16:creationId xmlns:a16="http://schemas.microsoft.com/office/drawing/2014/main" id="{683CAD38-9064-4A3C-BA36-3F48067AC19F}"/>
+              </a:ext>
+            </a:extLst>
+          </p:cNvPr>
+          <p:cNvCxnSpPr>
+            <a:cxnSpLocks/>
+          </p:cNvCxnSpPr>
+          <p:nvPr/>
+        </p:nvCxnSpPr>
+        <p:spPr>
+          <a:xfrm>
+            <a:off x="3387263" y="1125769"/>
+            <a:ext cx="2343437" cy="0"/>
+          </a:xfrm>
+          <a:prstGeom prst="straightConnector1">
+            <a:avLst/>
+          </a:prstGeom>
+          <a:ln w="76200">
+            <a:headEnd type="triangle"/>
+            <a:tailEnd type="triangle"/>
+          </a:ln>
+        </p:spPr>
+        <p:style>
+          <a:lnRef idx="1">
+            <a:schemeClr val="accent1"/>
+          </a:lnRef>
+          <a:fillRef idx="0">
+            <a:schemeClr val="accent1"/>
+          </a:fillRef>
+          <a:effectRef idx="0">
+            <a:schemeClr val="accent1"/>
+          </a:effectRef>
+          <a:fontRef idx="minor">
+            <a:schemeClr val="tx1"/>
+          </a:fontRef>
+        </p:style>
+      </p:cxnSp>
+      <p:sp>
+        <p:nvSpPr>
+          <p:cNvPr id="16" name="TextBox 15">
+            <a:extLst>
+              <a:ext uri="{FF2B5EF4-FFF2-40B4-BE49-F238E27FC236}">
+                <a16:creationId xmlns:a16="http://schemas.microsoft.com/office/drawing/2014/main" id="{C1F9C34B-2892-42BC-9635-D98F5486DB11}"/>
+              </a:ext>
+            </a:extLst>
+          </p:cNvPr>
+          <p:cNvSpPr txBox="1"/>
+          <p:nvPr/>
+        </p:nvSpPr>
+        <p:spPr>
+          <a:xfrm>
+            <a:off x="3905729" y="716816"/>
+            <a:ext cx="688971" cy="369332"/>
+          </a:xfrm>
+          <a:prstGeom prst="rect">
+            <a:avLst/>
+          </a:prstGeom>
+          <a:noFill/>
+        </p:spPr>
+        <p:txBody>
+          <a:bodyPr wrap="none" rtlCol="0">
+            <a:spAutoFit/>
+          </a:bodyPr>
+          <a:lstStyle/>
+          <a:p>
+            <a:r>
+              <a:rPr lang="fr-FR" dirty="0"/>
+              <a:t>Stock</a:t>
+            </a:r>
+          </a:p>
+        </p:txBody>
+      </p:sp>
+      <p:sp>
+        <p:nvSpPr>
+          <p:cNvPr id="17" name="TextBox 16">
+            <a:extLst>
+              <a:ext uri="{FF2B5EF4-FFF2-40B4-BE49-F238E27FC236}">
+                <a16:creationId xmlns:a16="http://schemas.microsoft.com/office/drawing/2014/main" id="{6621C0F5-8757-4EC2-8E79-3E3544EE2B00}"/>
+              </a:ext>
+            </a:extLst>
+          </p:cNvPr>
+          <p:cNvSpPr txBox="1"/>
+          <p:nvPr/>
+        </p:nvSpPr>
+        <p:spPr>
+          <a:xfrm>
+            <a:off x="2683465" y="2090714"/>
+            <a:ext cx="1816972" cy="646331"/>
+          </a:xfrm>
+          <a:prstGeom prst="rect">
+            <a:avLst/>
+          </a:prstGeom>
+          <a:noFill/>
+        </p:spPr>
+        <p:txBody>
+          <a:bodyPr wrap="none" rtlCol="0">
+            <a:spAutoFit/>
+          </a:bodyPr>
+          <a:lstStyle/>
+          <a:p>
+            <a:r>
+              <a:rPr lang="fr-FR" dirty="0"/>
+              <a:t>click sur</a:t>
+            </a:r>
+          </a:p>
+          <a:p>
+            <a:r>
+              <a:rPr lang="fr-FR" dirty="0"/>
+              <a:t>voir stock bouton</a:t>
+            </a:r>
+          </a:p>
+        </p:txBody>
+      </p:sp>
+      <p:cxnSp>
+        <p:nvCxnSpPr>
+          <p:cNvPr id="18" name="Straight Connector 17">
+            <a:extLst>
+              <a:ext uri="{FF2B5EF4-FFF2-40B4-BE49-F238E27FC236}">
+                <a16:creationId xmlns:a16="http://schemas.microsoft.com/office/drawing/2014/main" id="{F9D7D6C0-6108-4D20-9183-DF82CFFDD6BC}"/>
+              </a:ext>
+            </a:extLst>
+          </p:cNvPr>
+          <p:cNvCxnSpPr/>
+          <p:nvPr/>
+        </p:nvCxnSpPr>
+        <p:spPr>
+          <a:xfrm>
+            <a:off x="5882334" y="1371600"/>
+            <a:ext cx="0" cy="647892"/>
+          </a:xfrm>
+          <a:prstGeom prst="line">
+            <a:avLst/>
+          </a:prstGeom>
+          <a:ln w="76200"/>
+        </p:spPr>
+        <p:style>
+          <a:lnRef idx="1">
+            <a:schemeClr val="accent1"/>
+          </a:lnRef>
+          <a:fillRef idx="0">
+            <a:schemeClr val="accent1"/>
+          </a:fillRef>
+          <a:effectRef idx="0">
+            <a:schemeClr val="accent1"/>
+          </a:effectRef>
+          <a:fontRef idx="minor">
+            <a:schemeClr val="tx1"/>
+          </a:fontRef>
+        </p:style>
+      </p:cxnSp>
+      <p:cxnSp>
+        <p:nvCxnSpPr>
+          <p:cNvPr id="19" name="Straight Arrow Connector 18">
+            <a:extLst>
+              <a:ext uri="{FF2B5EF4-FFF2-40B4-BE49-F238E27FC236}">
+                <a16:creationId xmlns:a16="http://schemas.microsoft.com/office/drawing/2014/main" id="{CE186BE8-CCFF-44F8-9C65-E95D3B2A777E}"/>
+              </a:ext>
+            </a:extLst>
+          </p:cNvPr>
+          <p:cNvCxnSpPr>
+            <a:cxnSpLocks/>
+          </p:cNvCxnSpPr>
+          <p:nvPr/>
+        </p:nvCxnSpPr>
+        <p:spPr>
+          <a:xfrm>
+            <a:off x="5979595" y="1125769"/>
+            <a:ext cx="2343437" cy="0"/>
+          </a:xfrm>
+          <a:prstGeom prst="straightConnector1">
+            <a:avLst/>
+          </a:prstGeom>
+          <a:ln w="76200">
+            <a:headEnd type="triangle"/>
+            <a:tailEnd type="triangle"/>
+          </a:ln>
+        </p:spPr>
+        <p:style>
+          <a:lnRef idx="1">
+            <a:schemeClr val="accent1"/>
+          </a:lnRef>
+          <a:fillRef idx="0">
+            <a:schemeClr val="accent1"/>
+          </a:fillRef>
+          <a:effectRef idx="0">
+            <a:schemeClr val="accent1"/>
+          </a:effectRef>
+          <a:fontRef idx="minor">
+            <a:schemeClr val="tx1"/>
+          </a:fontRef>
+        </p:style>
+      </p:cxnSp>
+      <p:sp>
+        <p:nvSpPr>
+          <p:cNvPr id="20" name="TextBox 19">
+            <a:extLst>
+              <a:ext uri="{FF2B5EF4-FFF2-40B4-BE49-F238E27FC236}">
+                <a16:creationId xmlns:a16="http://schemas.microsoft.com/office/drawing/2014/main" id="{B3971B0B-28CB-481C-BFCE-DBBA3E1A50C7}"/>
+              </a:ext>
+            </a:extLst>
+          </p:cNvPr>
+          <p:cNvSpPr txBox="1"/>
+          <p:nvPr/>
+        </p:nvSpPr>
+        <p:spPr>
+          <a:xfrm>
+            <a:off x="6593789" y="767361"/>
+            <a:ext cx="561372" cy="369332"/>
+          </a:xfrm>
+          <a:prstGeom prst="rect">
+            <a:avLst/>
+          </a:prstGeom>
+          <a:noFill/>
+        </p:spPr>
+        <p:txBody>
+          <a:bodyPr wrap="none" rtlCol="0">
+            <a:spAutoFit/>
+          </a:bodyPr>
+          <a:lstStyle/>
+          <a:p>
+            <a:r>
+              <a:rPr lang="fr-FR" dirty="0" err="1"/>
+              <a:t>Add</a:t>
+            </a:r>
+            <a:endParaRPr lang="fr-FR" dirty="0"/>
+          </a:p>
+        </p:txBody>
+      </p:sp>
+      <p:cxnSp>
+        <p:nvCxnSpPr>
+          <p:cNvPr id="21" name="Straight Connector 20">
+            <a:extLst>
+              <a:ext uri="{FF2B5EF4-FFF2-40B4-BE49-F238E27FC236}">
+                <a16:creationId xmlns:a16="http://schemas.microsoft.com/office/drawing/2014/main" id="{11C6BB4A-9F97-46FC-889F-A14FC6FE2C10}"/>
+              </a:ext>
+            </a:extLst>
+          </p:cNvPr>
+          <p:cNvCxnSpPr/>
+          <p:nvPr/>
+        </p:nvCxnSpPr>
+        <p:spPr>
+          <a:xfrm>
+            <a:off x="8364386" y="1358580"/>
+            <a:ext cx="0" cy="647892"/>
+          </a:xfrm>
+          <a:prstGeom prst="line">
+            <a:avLst/>
+          </a:prstGeom>
+          <a:ln w="76200"/>
+        </p:spPr>
+        <p:style>
+          <a:lnRef idx="1">
+            <a:schemeClr val="accent1"/>
+          </a:lnRef>
+          <a:fillRef idx="0">
+            <a:schemeClr val="accent1"/>
+          </a:fillRef>
+          <a:effectRef idx="0">
+            <a:schemeClr val="accent1"/>
+          </a:effectRef>
+          <a:fontRef idx="minor">
+            <a:schemeClr val="tx1"/>
+          </a:fontRef>
+        </p:style>
+      </p:cxnSp>
+      <p:cxnSp>
+        <p:nvCxnSpPr>
+          <p:cNvPr id="22" name="Straight Arrow Connector 21">
+            <a:extLst>
+              <a:ext uri="{FF2B5EF4-FFF2-40B4-BE49-F238E27FC236}">
+                <a16:creationId xmlns:a16="http://schemas.microsoft.com/office/drawing/2014/main" id="{550B44A8-D5F6-4B55-B92B-29DD3DC5B9A0}"/>
+              </a:ext>
+            </a:extLst>
+          </p:cNvPr>
+          <p:cNvCxnSpPr>
+            <a:cxnSpLocks/>
+          </p:cNvCxnSpPr>
+          <p:nvPr/>
+        </p:nvCxnSpPr>
+        <p:spPr>
+          <a:xfrm>
+            <a:off x="8465476" y="1125769"/>
+            <a:ext cx="2343437" cy="0"/>
+          </a:xfrm>
+          <a:prstGeom prst="straightConnector1">
+            <a:avLst/>
+          </a:prstGeom>
+          <a:ln w="76200">
+            <a:headEnd type="triangle"/>
+            <a:tailEnd type="triangle"/>
+          </a:ln>
+        </p:spPr>
+        <p:style>
+          <a:lnRef idx="1">
+            <a:schemeClr val="accent1"/>
+          </a:lnRef>
+          <a:fillRef idx="0">
+            <a:schemeClr val="accent1"/>
+          </a:fillRef>
+          <a:effectRef idx="0">
+            <a:schemeClr val="accent1"/>
+          </a:effectRef>
+          <a:fontRef idx="minor">
+            <a:schemeClr val="tx1"/>
+          </a:fontRef>
+        </p:style>
+      </p:cxnSp>
+      <p:sp>
+        <p:nvSpPr>
+          <p:cNvPr id="23" name="TextBox 22">
+            <a:extLst>
+              <a:ext uri="{FF2B5EF4-FFF2-40B4-BE49-F238E27FC236}">
+                <a16:creationId xmlns:a16="http://schemas.microsoft.com/office/drawing/2014/main" id="{642E2EC6-04FB-4AE5-8B6C-E00036DB45A6}"/>
+              </a:ext>
+            </a:extLst>
+          </p:cNvPr>
+          <p:cNvSpPr txBox="1"/>
+          <p:nvPr/>
+        </p:nvSpPr>
+        <p:spPr>
+          <a:xfrm>
+            <a:off x="8983942" y="716816"/>
+            <a:ext cx="688971" cy="369332"/>
+          </a:xfrm>
+          <a:prstGeom prst="rect">
+            <a:avLst/>
+          </a:prstGeom>
+          <a:noFill/>
+        </p:spPr>
+        <p:txBody>
+          <a:bodyPr wrap="none" rtlCol="0">
+            <a:spAutoFit/>
+          </a:bodyPr>
+          <a:lstStyle/>
+          <a:p>
+            <a:r>
+              <a:rPr lang="fr-FR" dirty="0"/>
+              <a:t>Stock</a:t>
+            </a:r>
+          </a:p>
+        </p:txBody>
+      </p:sp>
+      <p:sp>
+        <p:nvSpPr>
+          <p:cNvPr id="24" name="TextBox 23">
+            <a:extLst>
+              <a:ext uri="{FF2B5EF4-FFF2-40B4-BE49-F238E27FC236}">
+                <a16:creationId xmlns:a16="http://schemas.microsoft.com/office/drawing/2014/main" id="{E16F6916-A16F-44AD-859E-FDD3AA378C1C}"/>
+              </a:ext>
+            </a:extLst>
+          </p:cNvPr>
+          <p:cNvSpPr txBox="1"/>
+          <p:nvPr/>
+        </p:nvSpPr>
+        <p:spPr>
+          <a:xfrm>
+            <a:off x="5610464" y="2251538"/>
+            <a:ext cx="1212191" cy="369332"/>
+          </a:xfrm>
+          <a:prstGeom prst="rect">
+            <a:avLst/>
+          </a:prstGeom>
+          <a:noFill/>
+        </p:spPr>
+        <p:txBody>
+          <a:bodyPr wrap="none" rtlCol="0">
+            <a:spAutoFit/>
+          </a:bodyPr>
+          <a:lstStyle/>
+          <a:p>
+            <a:r>
+              <a:rPr lang="fr-FR" dirty="0"/>
+              <a:t>click sur ‘+’</a:t>
+            </a:r>
+          </a:p>
+        </p:txBody>
+      </p:sp>
+      <p:sp>
+        <p:nvSpPr>
+          <p:cNvPr id="25" name="TextBox 24">
+            <a:extLst>
+              <a:ext uri="{FF2B5EF4-FFF2-40B4-BE49-F238E27FC236}">
+                <a16:creationId xmlns:a16="http://schemas.microsoft.com/office/drawing/2014/main" id="{4D8736C2-2010-49EF-9A8A-181F276118CE}"/>
+              </a:ext>
+            </a:extLst>
+          </p:cNvPr>
+          <p:cNvSpPr txBox="1"/>
+          <p:nvPr/>
+        </p:nvSpPr>
+        <p:spPr>
+          <a:xfrm>
+            <a:off x="7674717" y="2200992"/>
+            <a:ext cx="1778628" cy="369332"/>
+          </a:xfrm>
+          <a:prstGeom prst="rect">
+            <a:avLst/>
+          </a:prstGeom>
+          <a:noFill/>
+        </p:spPr>
+        <p:txBody>
+          <a:bodyPr wrap="none" rtlCol="0">
+            <a:spAutoFit/>
+          </a:bodyPr>
+          <a:lstStyle/>
+          <a:p>
+            <a:r>
+              <a:rPr lang="fr-FR" dirty="0"/>
+              <a:t>click sur ‘Ajouter’</a:t>
+            </a:r>
+          </a:p>
+        </p:txBody>
+      </p:sp>
+      <p:cxnSp>
+        <p:nvCxnSpPr>
+          <p:cNvPr id="27" name="Straight Arrow Connector 26">
+            <a:extLst>
+              <a:ext uri="{FF2B5EF4-FFF2-40B4-BE49-F238E27FC236}">
+                <a16:creationId xmlns:a16="http://schemas.microsoft.com/office/drawing/2014/main" id="{425CF400-0F0E-4816-8C75-F8DA37FBD833}"/>
+              </a:ext>
+            </a:extLst>
+          </p:cNvPr>
+          <p:cNvCxnSpPr/>
+          <p:nvPr/>
+        </p:nvCxnSpPr>
+        <p:spPr>
+          <a:xfrm>
+            <a:off x="698436" y="3207293"/>
+            <a:ext cx="10986585" cy="0"/>
+          </a:xfrm>
+          <a:prstGeom prst="straightConnector1">
+            <a:avLst/>
+          </a:prstGeom>
+          <a:ln w="76200">
+            <a:headEnd type="triangle" w="med" len="med"/>
+            <a:tailEnd type="none" w="med" len="med"/>
+          </a:ln>
+        </p:spPr>
+        <p:style>
+          <a:lnRef idx="1">
+            <a:schemeClr val="accent1"/>
+          </a:lnRef>
+          <a:fillRef idx="0">
+            <a:schemeClr val="accent1"/>
+          </a:fillRef>
+          <a:effectRef idx="0">
+            <a:schemeClr val="accent1"/>
+          </a:effectRef>
+          <a:fontRef idx="minor">
+            <a:schemeClr val="tx1"/>
+          </a:fontRef>
+        </p:style>
+      </p:cxnSp>
+      <p:sp>
+        <p:nvSpPr>
+          <p:cNvPr id="28" name="TextBox 27">
+            <a:extLst>
+              <a:ext uri="{FF2B5EF4-FFF2-40B4-BE49-F238E27FC236}">
+                <a16:creationId xmlns:a16="http://schemas.microsoft.com/office/drawing/2014/main" id="{ECD51B0F-0276-4888-87E0-A63B995176C4}"/>
+              </a:ext>
+            </a:extLst>
+          </p:cNvPr>
+          <p:cNvSpPr txBox="1"/>
+          <p:nvPr/>
+        </p:nvSpPr>
+        <p:spPr>
+          <a:xfrm>
+            <a:off x="5500185" y="3469206"/>
+            <a:ext cx="1467581" cy="369332"/>
+          </a:xfrm>
+          <a:prstGeom prst="rect">
+            <a:avLst/>
+          </a:prstGeom>
+          <a:noFill/>
+        </p:spPr>
+        <p:txBody>
+          <a:bodyPr wrap="none" rtlCol="0">
+            <a:spAutoFit/>
+          </a:bodyPr>
+          <a:lstStyle/>
+          <a:p>
+            <a:r>
+              <a:rPr lang="fr-FR" dirty="0" err="1"/>
+              <a:t>ArticleService</a:t>
+            </a:r>
+            <a:endParaRPr lang="fr-FR" dirty="0"/>
+          </a:p>
+        </p:txBody>
+      </p:sp>
+    </p:spTree>
+    <p:extLst>
+      <p:ext uri="{BB962C8B-B14F-4D97-AF65-F5344CB8AC3E}">
+        <p14:creationId xmlns:p14="http://schemas.microsoft.com/office/powerpoint/2010/main" val="508729279"/>
+      </p:ext>
+    </p:extLst>
+  </p:cSld>
+  <p:clrMapOvr>
+    <a:masterClrMapping/>
+  </p:clrMapOvr>
+</p:sld>
+</file>
+
+<file path=ppt/slides/slide25.xml><?xml version="1.0" encoding="utf-8"?>
+<p:sld xmlns:a="http://schemas.openxmlformats.org/drawingml/2006/main" xmlns:r="http://schemas.openxmlformats.org/officeDocument/2006/relationships" xmlns:p="http://schemas.openxmlformats.org/presentationml/2006/main">
+  <p:cSld>
+    <p:spTree>
+      <p:nvGrpSpPr>
+        <p:cNvPr id="1" name=""/>
+        <p:cNvGrpSpPr/>
+        <p:nvPr/>
+      </p:nvGrpSpPr>
+      <p:grpSpPr>
+        <a:xfrm>
+          <a:off x="0" y="0"/>
+          <a:ext cx="0" cy="0"/>
+          <a:chOff x="0" y="0"/>
+          <a:chExt cx="0" cy="0"/>
+        </a:xfrm>
+      </p:grpSpPr>
+      <p:sp>
+        <p:nvSpPr>
+          <p:cNvPr id="2" name="Title 1">
+            <a:extLst>
+              <a:ext uri="{FF2B5EF4-FFF2-40B4-BE49-F238E27FC236}">
+                <a16:creationId xmlns:a16="http://schemas.microsoft.com/office/drawing/2014/main" id="{AFC8AC87-E283-4985-A4BF-AD06D1ECFD43}"/>
+              </a:ext>
+            </a:extLst>
+          </p:cNvPr>
+          <p:cNvSpPr>
+            <a:spLocks noGrp="1"/>
+          </p:cNvSpPr>
+          <p:nvPr>
+            <p:ph type="title"/>
+          </p:nvPr>
+        </p:nvSpPr>
+        <p:spPr/>
+        <p:txBody>
+          <a:bodyPr/>
+          <a:lstStyle/>
+          <a:p>
+            <a:r>
+              <a:rPr lang="fr-FR" dirty="0"/>
+              <a:t>Asynchrone</a:t>
+            </a:r>
+          </a:p>
+        </p:txBody>
+      </p:sp>
+      <p:cxnSp>
+        <p:nvCxnSpPr>
+          <p:cNvPr id="5" name="Straight Arrow Connector 4">
+            <a:extLst>
+              <a:ext uri="{FF2B5EF4-FFF2-40B4-BE49-F238E27FC236}">
+                <a16:creationId xmlns:a16="http://schemas.microsoft.com/office/drawing/2014/main" id="{933573D4-C0AE-4F89-90DD-2BD6A45F7245}"/>
+              </a:ext>
+            </a:extLst>
+          </p:cNvPr>
+          <p:cNvCxnSpPr/>
+          <p:nvPr/>
+        </p:nvCxnSpPr>
+        <p:spPr>
+          <a:xfrm>
+            <a:off x="317053" y="2219373"/>
+            <a:ext cx="11625287" cy="0"/>
+          </a:xfrm>
+          <a:prstGeom prst="straightConnector1">
+            <a:avLst/>
+          </a:prstGeom>
+          <a:ln w="76200">
+            <a:tailEnd type="triangle"/>
+          </a:ln>
+        </p:spPr>
+        <p:style>
+          <a:lnRef idx="1">
+            <a:schemeClr val="accent1"/>
+          </a:lnRef>
+          <a:fillRef idx="0">
+            <a:schemeClr val="accent1"/>
+          </a:fillRef>
+          <a:effectRef idx="0">
+            <a:schemeClr val="accent1"/>
+          </a:effectRef>
+          <a:fontRef idx="minor">
+            <a:schemeClr val="tx1"/>
+          </a:fontRef>
+        </p:style>
+      </p:cxnSp>
+      <p:cxnSp>
+        <p:nvCxnSpPr>
+          <p:cNvPr id="7" name="Straight Connector 6">
+            <a:extLst>
+              <a:ext uri="{FF2B5EF4-FFF2-40B4-BE49-F238E27FC236}">
+                <a16:creationId xmlns:a16="http://schemas.microsoft.com/office/drawing/2014/main" id="{F61A4FA4-A2D4-4A69-AE90-E8A39D4839AF}"/>
+              </a:ext>
+            </a:extLst>
+          </p:cNvPr>
+          <p:cNvCxnSpPr>
+            <a:cxnSpLocks/>
+          </p:cNvCxnSpPr>
+          <p:nvPr/>
+        </p:nvCxnSpPr>
+        <p:spPr>
+          <a:xfrm>
+            <a:off x="624917" y="1849477"/>
+            <a:ext cx="0" cy="739791"/>
+          </a:xfrm>
+          <a:prstGeom prst="line">
+            <a:avLst/>
+          </a:prstGeom>
+          <a:ln w="76200"/>
+        </p:spPr>
+        <p:style>
+          <a:lnRef idx="1">
+            <a:schemeClr val="accent1"/>
+          </a:lnRef>
+          <a:fillRef idx="0">
+            <a:schemeClr val="accent1"/>
+          </a:fillRef>
+          <a:effectRef idx="0">
+            <a:schemeClr val="accent1"/>
+          </a:effectRef>
+          <a:fontRef idx="minor">
+            <a:schemeClr val="tx1"/>
+          </a:fontRef>
+        </p:style>
+      </p:cxnSp>
+      <p:sp>
+        <p:nvSpPr>
+          <p:cNvPr id="9" name="Rectangle 8">
+            <a:extLst>
+              <a:ext uri="{FF2B5EF4-FFF2-40B4-BE49-F238E27FC236}">
+                <a16:creationId xmlns:a16="http://schemas.microsoft.com/office/drawing/2014/main" id="{F60F5BE1-0D82-4B4E-9849-387A7246B9C1}"/>
+              </a:ext>
+            </a:extLst>
+          </p:cNvPr>
+          <p:cNvSpPr/>
+          <p:nvPr/>
+        </p:nvSpPr>
+        <p:spPr>
+          <a:xfrm>
+            <a:off x="670866" y="2053954"/>
+            <a:ext cx="103006" cy="340027"/>
+          </a:xfrm>
+          <a:prstGeom prst="rect">
+            <a:avLst/>
+          </a:prstGeom>
+        </p:spPr>
+        <p:style>
+          <a:lnRef idx="2">
+            <a:schemeClr val="accent6">
+              <a:shade val="50000"/>
+            </a:schemeClr>
+          </a:lnRef>
+          <a:fillRef idx="1">
+            <a:schemeClr val="accent6"/>
+          </a:fillRef>
+          <a:effectRef idx="0">
+            <a:schemeClr val="accent6"/>
+          </a:effectRef>
+          <a:fontRef idx="minor">
+            <a:schemeClr val="lt1"/>
+          </a:fontRef>
+        </p:style>
+        <p:txBody>
+          <a:bodyPr rtlCol="0" anchor="ctr"/>
+          <a:lstStyle/>
+          <a:p>
+            <a:pPr algn="ctr"/>
+            <a:endParaRPr lang="fr-FR"/>
+          </a:p>
+        </p:txBody>
+      </p:sp>
+      <p:sp>
+        <p:nvSpPr>
+          <p:cNvPr id="10" name="TextBox 9">
+            <a:extLst>
+              <a:ext uri="{FF2B5EF4-FFF2-40B4-BE49-F238E27FC236}">
+                <a16:creationId xmlns:a16="http://schemas.microsoft.com/office/drawing/2014/main" id="{B1CE003F-FE07-40A8-ABA8-DF46D9678688}"/>
+              </a:ext>
+            </a:extLst>
+          </p:cNvPr>
+          <p:cNvSpPr txBox="1"/>
+          <p:nvPr/>
+        </p:nvSpPr>
+        <p:spPr>
+          <a:xfrm>
+            <a:off x="317053" y="1557696"/>
+            <a:ext cx="590226" cy="369332"/>
+          </a:xfrm>
+          <a:prstGeom prst="rect">
+            <a:avLst/>
+          </a:prstGeom>
+          <a:noFill/>
+        </p:spPr>
+        <p:txBody>
+          <a:bodyPr wrap="none" rtlCol="0">
+            <a:spAutoFit/>
+          </a:bodyPr>
+          <a:lstStyle/>
+          <a:p>
+            <a:r>
+              <a:rPr lang="fr-FR" dirty="0"/>
+              <a:t>click</a:t>
+            </a:r>
+          </a:p>
+        </p:txBody>
+      </p:sp>
+      <p:cxnSp>
+        <p:nvCxnSpPr>
+          <p:cNvPr id="11" name="Straight Connector 10">
+            <a:extLst>
+              <a:ext uri="{FF2B5EF4-FFF2-40B4-BE49-F238E27FC236}">
+                <a16:creationId xmlns:a16="http://schemas.microsoft.com/office/drawing/2014/main" id="{5332DE01-DF14-4F64-8294-46959C3EE3DA}"/>
+              </a:ext>
+            </a:extLst>
+          </p:cNvPr>
+          <p:cNvCxnSpPr>
+            <a:cxnSpLocks/>
+          </p:cNvCxnSpPr>
+          <p:nvPr/>
+        </p:nvCxnSpPr>
+        <p:spPr>
+          <a:xfrm>
+            <a:off x="3635551" y="1859865"/>
+            <a:ext cx="0" cy="739791"/>
+          </a:xfrm>
+          <a:prstGeom prst="line">
+            <a:avLst/>
+          </a:prstGeom>
+          <a:ln w="76200"/>
+        </p:spPr>
+        <p:style>
+          <a:lnRef idx="1">
+            <a:schemeClr val="accent1"/>
+          </a:lnRef>
+          <a:fillRef idx="0">
+            <a:schemeClr val="accent1"/>
+          </a:fillRef>
+          <a:effectRef idx="0">
+            <a:schemeClr val="accent1"/>
+          </a:effectRef>
+          <a:fontRef idx="minor">
+            <a:schemeClr val="tx1"/>
+          </a:fontRef>
+        </p:style>
+      </p:cxnSp>
+      <p:sp>
+        <p:nvSpPr>
+          <p:cNvPr id="12" name="Rectangle 11">
+            <a:extLst>
+              <a:ext uri="{FF2B5EF4-FFF2-40B4-BE49-F238E27FC236}">
+                <a16:creationId xmlns:a16="http://schemas.microsoft.com/office/drawing/2014/main" id="{3A828F64-BEDF-4029-959F-19B81C949F14}"/>
+              </a:ext>
+            </a:extLst>
+          </p:cNvPr>
+          <p:cNvSpPr/>
+          <p:nvPr/>
+        </p:nvSpPr>
+        <p:spPr>
+          <a:xfrm>
+            <a:off x="3681501" y="2049358"/>
+            <a:ext cx="155304" cy="340027"/>
+          </a:xfrm>
+          <a:prstGeom prst="rect">
+            <a:avLst/>
+          </a:prstGeom>
+        </p:spPr>
+        <p:style>
+          <a:lnRef idx="2">
+            <a:schemeClr val="accent6">
+              <a:shade val="50000"/>
+            </a:schemeClr>
+          </a:lnRef>
+          <a:fillRef idx="1">
+            <a:schemeClr val="accent6"/>
+          </a:fillRef>
+          <a:effectRef idx="0">
+            <a:schemeClr val="accent6"/>
+          </a:effectRef>
+          <a:fontRef idx="minor">
+            <a:schemeClr val="lt1"/>
+          </a:fontRef>
+        </p:style>
+        <p:txBody>
+          <a:bodyPr rtlCol="0" anchor="ctr"/>
+          <a:lstStyle/>
+          <a:p>
+            <a:pPr algn="ctr"/>
+            <a:endParaRPr lang="fr-FR"/>
+          </a:p>
+        </p:txBody>
+      </p:sp>
+      <p:sp>
+        <p:nvSpPr>
+          <p:cNvPr id="13" name="TextBox 12">
+            <a:extLst>
+              <a:ext uri="{FF2B5EF4-FFF2-40B4-BE49-F238E27FC236}">
+                <a16:creationId xmlns:a16="http://schemas.microsoft.com/office/drawing/2014/main" id="{C52B5802-8846-4B93-B354-6EA802B06C9A}"/>
+              </a:ext>
+            </a:extLst>
+          </p:cNvPr>
+          <p:cNvSpPr txBox="1"/>
+          <p:nvPr/>
+        </p:nvSpPr>
+        <p:spPr>
+          <a:xfrm>
+            <a:off x="3327687" y="1568084"/>
+            <a:ext cx="724814" cy="369332"/>
+          </a:xfrm>
+          <a:prstGeom prst="rect">
+            <a:avLst/>
+          </a:prstGeom>
+          <a:noFill/>
+        </p:spPr>
+        <p:txBody>
+          <a:bodyPr wrap="none" rtlCol="0">
+            <a:spAutoFit/>
+          </a:bodyPr>
+          <a:lstStyle/>
+          <a:p>
+            <a:r>
+              <a:rPr lang="fr-FR" dirty="0" err="1"/>
+              <a:t>hover</a:t>
+            </a:r>
+            <a:endParaRPr lang="fr-FR" dirty="0"/>
+          </a:p>
+        </p:txBody>
+      </p:sp>
+      <p:cxnSp>
+        <p:nvCxnSpPr>
+          <p:cNvPr id="14" name="Straight Connector 13">
+            <a:extLst>
+              <a:ext uri="{FF2B5EF4-FFF2-40B4-BE49-F238E27FC236}">
+                <a16:creationId xmlns:a16="http://schemas.microsoft.com/office/drawing/2014/main" id="{14239EE2-61D9-429E-8285-60CB36D7E890}"/>
+              </a:ext>
+            </a:extLst>
+          </p:cNvPr>
+          <p:cNvCxnSpPr>
+            <a:cxnSpLocks/>
+          </p:cNvCxnSpPr>
+          <p:nvPr/>
+        </p:nvCxnSpPr>
+        <p:spPr>
+          <a:xfrm>
+            <a:off x="5582411" y="1859865"/>
+            <a:ext cx="0" cy="739791"/>
+          </a:xfrm>
+          <a:prstGeom prst="line">
+            <a:avLst/>
+          </a:prstGeom>
+          <a:ln w="76200"/>
+        </p:spPr>
+        <p:style>
+          <a:lnRef idx="1">
+            <a:schemeClr val="accent1"/>
+          </a:lnRef>
+          <a:fillRef idx="0">
+            <a:schemeClr val="accent1"/>
+          </a:fillRef>
+          <a:effectRef idx="0">
+            <a:schemeClr val="accent1"/>
+          </a:effectRef>
+          <a:fontRef idx="minor">
+            <a:schemeClr val="tx1"/>
+          </a:fontRef>
+        </p:style>
+      </p:cxnSp>
+      <p:sp>
+        <p:nvSpPr>
+          <p:cNvPr id="15" name="Rectangle 14">
+            <a:extLst>
+              <a:ext uri="{FF2B5EF4-FFF2-40B4-BE49-F238E27FC236}">
+                <a16:creationId xmlns:a16="http://schemas.microsoft.com/office/drawing/2014/main" id="{D3369070-4E31-422A-BAD1-C592B2068D0D}"/>
+              </a:ext>
+            </a:extLst>
+          </p:cNvPr>
+          <p:cNvSpPr/>
+          <p:nvPr/>
+        </p:nvSpPr>
+        <p:spPr>
+          <a:xfrm>
+            <a:off x="5628361" y="2064342"/>
+            <a:ext cx="115356" cy="340027"/>
+          </a:xfrm>
+          <a:prstGeom prst="rect">
+            <a:avLst/>
+          </a:prstGeom>
+        </p:spPr>
+        <p:style>
+          <a:lnRef idx="2">
+            <a:schemeClr val="accent6">
+              <a:shade val="50000"/>
+            </a:schemeClr>
+          </a:lnRef>
+          <a:fillRef idx="1">
+            <a:schemeClr val="accent6"/>
+          </a:fillRef>
+          <a:effectRef idx="0">
+            <a:schemeClr val="accent6"/>
+          </a:effectRef>
+          <a:fontRef idx="minor">
+            <a:schemeClr val="lt1"/>
+          </a:fontRef>
+        </p:style>
+        <p:txBody>
+          <a:bodyPr rtlCol="0" anchor="ctr"/>
+          <a:lstStyle/>
+          <a:p>
+            <a:pPr algn="ctr"/>
+            <a:endParaRPr lang="fr-FR"/>
+          </a:p>
+        </p:txBody>
+      </p:sp>
+      <p:sp>
+        <p:nvSpPr>
+          <p:cNvPr id="16" name="TextBox 15">
+            <a:extLst>
+              <a:ext uri="{FF2B5EF4-FFF2-40B4-BE49-F238E27FC236}">
+                <a16:creationId xmlns:a16="http://schemas.microsoft.com/office/drawing/2014/main" id="{B37C0FA4-661F-42C4-B23E-5A5FFD418396}"/>
+              </a:ext>
+            </a:extLst>
+          </p:cNvPr>
+          <p:cNvSpPr txBox="1"/>
+          <p:nvPr/>
+        </p:nvSpPr>
+        <p:spPr>
+          <a:xfrm>
+            <a:off x="5274547" y="1568084"/>
+            <a:ext cx="591829" cy="369332"/>
+          </a:xfrm>
+          <a:prstGeom prst="rect">
+            <a:avLst/>
+          </a:prstGeom>
+          <a:noFill/>
+        </p:spPr>
+        <p:txBody>
+          <a:bodyPr wrap="none" rtlCol="0">
+            <a:spAutoFit/>
+          </a:bodyPr>
+          <a:lstStyle/>
+          <a:p>
+            <a:r>
+              <a:rPr lang="fr-FR" dirty="0" err="1"/>
+              <a:t>load</a:t>
+            </a:r>
+            <a:endParaRPr lang="fr-FR" dirty="0"/>
+          </a:p>
+        </p:txBody>
+      </p:sp>
+      <p:sp>
+        <p:nvSpPr>
+          <p:cNvPr id="17" name="Rectangle 16">
+            <a:extLst>
+              <a:ext uri="{FF2B5EF4-FFF2-40B4-BE49-F238E27FC236}">
+                <a16:creationId xmlns:a16="http://schemas.microsoft.com/office/drawing/2014/main" id="{89A0F694-3A8A-4FB7-AB91-F66BDEBE9598}"/>
+              </a:ext>
+            </a:extLst>
+          </p:cNvPr>
+          <p:cNvSpPr/>
+          <p:nvPr/>
+        </p:nvSpPr>
+        <p:spPr>
+          <a:xfrm>
+            <a:off x="2481286" y="5071754"/>
+            <a:ext cx="3868964" cy="1502557"/>
+          </a:xfrm>
+          <a:prstGeom prst="rect">
+            <a:avLst/>
+          </a:prstGeom>
+        </p:spPr>
+        <p:style>
+          <a:lnRef idx="2">
+            <a:schemeClr val="dk1"/>
+          </a:lnRef>
+          <a:fillRef idx="1">
+            <a:schemeClr val="lt1"/>
+          </a:fillRef>
+          <a:effectRef idx="0">
+            <a:schemeClr val="dk1"/>
+          </a:effectRef>
+          <a:fontRef idx="minor">
+            <a:schemeClr val="dk1"/>
+          </a:fontRef>
+        </p:style>
+        <p:txBody>
+          <a:bodyPr rtlCol="0" anchor="ctr"/>
+          <a:lstStyle/>
+          <a:p>
+            <a:pPr algn="ctr"/>
+            <a:endParaRPr lang="fr-FR"/>
+          </a:p>
+        </p:txBody>
+      </p:sp>
+      <p:sp>
+        <p:nvSpPr>
+          <p:cNvPr id="18" name="Rectangle 17">
+            <a:extLst>
+              <a:ext uri="{FF2B5EF4-FFF2-40B4-BE49-F238E27FC236}">
+                <a16:creationId xmlns:a16="http://schemas.microsoft.com/office/drawing/2014/main" id="{6D827369-2DA8-432E-BA80-501200F5B216}"/>
+              </a:ext>
+            </a:extLst>
+          </p:cNvPr>
+          <p:cNvSpPr/>
+          <p:nvPr/>
+        </p:nvSpPr>
+        <p:spPr>
+          <a:xfrm>
+            <a:off x="3262432" y="5605869"/>
+            <a:ext cx="634107" cy="533017"/>
+          </a:xfrm>
+          <a:prstGeom prst="rect">
+            <a:avLst/>
+          </a:prstGeom>
+        </p:spPr>
+        <p:style>
+          <a:lnRef idx="2">
+            <a:schemeClr val="accent1">
+              <a:shade val="50000"/>
+            </a:schemeClr>
+          </a:lnRef>
+          <a:fillRef idx="1">
+            <a:schemeClr val="accent1"/>
+          </a:fillRef>
+          <a:effectRef idx="0">
+            <a:schemeClr val="accent1"/>
+          </a:effectRef>
+          <a:fontRef idx="minor">
+            <a:schemeClr val="lt1"/>
+          </a:fontRef>
+        </p:style>
+        <p:txBody>
+          <a:bodyPr rtlCol="0" anchor="ctr"/>
+          <a:lstStyle/>
+          <a:p>
+            <a:pPr algn="ctr"/>
+            <a:r>
+              <a:rPr lang="fr-FR" dirty="0"/>
+              <a:t>CPU</a:t>
+            </a:r>
+          </a:p>
+        </p:txBody>
+      </p:sp>
+      <p:sp>
+        <p:nvSpPr>
+          <p:cNvPr id="19" name="Rectangle 18">
+            <a:extLst>
+              <a:ext uri="{FF2B5EF4-FFF2-40B4-BE49-F238E27FC236}">
+                <a16:creationId xmlns:a16="http://schemas.microsoft.com/office/drawing/2014/main" id="{2C524B25-0950-4739-B6E1-DB6EAAED004D}"/>
+              </a:ext>
+            </a:extLst>
+          </p:cNvPr>
+          <p:cNvSpPr/>
+          <p:nvPr/>
+        </p:nvSpPr>
+        <p:spPr>
+          <a:xfrm>
+            <a:off x="4700659" y="5605869"/>
+            <a:ext cx="1268213" cy="533017"/>
+          </a:xfrm>
+          <a:prstGeom prst="rect">
+            <a:avLst/>
+          </a:prstGeom>
+        </p:spPr>
+        <p:style>
+          <a:lnRef idx="2">
+            <a:schemeClr val="accent1">
+              <a:shade val="50000"/>
+            </a:schemeClr>
+          </a:lnRef>
+          <a:fillRef idx="1">
+            <a:schemeClr val="accent1"/>
+          </a:fillRef>
+          <a:effectRef idx="0">
+            <a:schemeClr val="accent1"/>
+          </a:effectRef>
+          <a:fontRef idx="minor">
+            <a:schemeClr val="lt1"/>
+          </a:fontRef>
+        </p:style>
+        <p:txBody>
+          <a:bodyPr rtlCol="0" anchor="ctr"/>
+          <a:lstStyle/>
+          <a:p>
+            <a:pPr algn="ctr"/>
+            <a:r>
+              <a:rPr lang="fr-FR" dirty="0"/>
+              <a:t>RAM</a:t>
+            </a:r>
+          </a:p>
+        </p:txBody>
+      </p:sp>
+      <p:cxnSp>
+        <p:nvCxnSpPr>
+          <p:cNvPr id="21" name="Straight Arrow Connector 20">
+            <a:extLst>
+              <a:ext uri="{FF2B5EF4-FFF2-40B4-BE49-F238E27FC236}">
+                <a16:creationId xmlns:a16="http://schemas.microsoft.com/office/drawing/2014/main" id="{D8569FF7-B695-4D70-BED2-9F6F3CB785BB}"/>
+              </a:ext>
+            </a:extLst>
+          </p:cNvPr>
+          <p:cNvCxnSpPr>
+            <a:stCxn id="18" idx="3"/>
+            <a:endCxn id="19" idx="1"/>
+          </p:cNvCxnSpPr>
+          <p:nvPr/>
+        </p:nvCxnSpPr>
+        <p:spPr>
+          <a:xfrm>
+            <a:off x="3896539" y="5872378"/>
+            <a:ext cx="804120" cy="0"/>
+          </a:xfrm>
+          <a:prstGeom prst="straightConnector1">
+            <a:avLst/>
+          </a:prstGeom>
+          <a:ln w="76200">
+            <a:headEnd type="triangle"/>
+            <a:tailEnd type="triangle"/>
+          </a:ln>
+        </p:spPr>
+        <p:style>
+          <a:lnRef idx="1">
+            <a:schemeClr val="accent1"/>
+          </a:lnRef>
+          <a:fillRef idx="0">
+            <a:schemeClr val="accent1"/>
+          </a:fillRef>
+          <a:effectRef idx="0">
+            <a:schemeClr val="accent1"/>
+          </a:effectRef>
+          <a:fontRef idx="minor">
+            <a:schemeClr val="tx1"/>
+          </a:fontRef>
+        </p:style>
+      </p:cxnSp>
+      <p:cxnSp>
+        <p:nvCxnSpPr>
+          <p:cNvPr id="23" name="Straight Arrow Connector 22">
+            <a:extLst>
+              <a:ext uri="{FF2B5EF4-FFF2-40B4-BE49-F238E27FC236}">
+                <a16:creationId xmlns:a16="http://schemas.microsoft.com/office/drawing/2014/main" id="{A5F76B30-2EDB-4C4F-8792-4266CC666E6F}"/>
+              </a:ext>
+            </a:extLst>
+          </p:cNvPr>
+          <p:cNvCxnSpPr/>
+          <p:nvPr/>
+        </p:nvCxnSpPr>
+        <p:spPr>
+          <a:xfrm flipV="1">
+            <a:off x="4287112" y="4585785"/>
+            <a:ext cx="0" cy="1226858"/>
+          </a:xfrm>
+          <a:prstGeom prst="straightConnector1">
+            <a:avLst/>
+          </a:prstGeom>
+          <a:ln w="76200">
+            <a:headEnd type="triangle"/>
+            <a:tailEnd type="triangle"/>
+          </a:ln>
+        </p:spPr>
+        <p:style>
+          <a:lnRef idx="1">
+            <a:schemeClr val="accent1"/>
+          </a:lnRef>
+          <a:fillRef idx="0">
+            <a:schemeClr val="accent1"/>
+          </a:fillRef>
+          <a:effectRef idx="0">
+            <a:schemeClr val="accent1"/>
+          </a:effectRef>
+          <a:fontRef idx="minor">
+            <a:schemeClr val="tx1"/>
+          </a:fontRef>
+        </p:style>
+      </p:cxnSp>
+      <p:sp>
+        <p:nvSpPr>
+          <p:cNvPr id="24" name="Rectangle 23">
+            <a:extLst>
+              <a:ext uri="{FF2B5EF4-FFF2-40B4-BE49-F238E27FC236}">
+                <a16:creationId xmlns:a16="http://schemas.microsoft.com/office/drawing/2014/main" id="{6095C795-9502-40AB-9466-5CB937775711}"/>
+              </a:ext>
+            </a:extLst>
+          </p:cNvPr>
+          <p:cNvSpPr/>
+          <p:nvPr/>
+        </p:nvSpPr>
+        <p:spPr>
+          <a:xfrm>
+            <a:off x="3790854" y="4094123"/>
+            <a:ext cx="997110" cy="510678"/>
+          </a:xfrm>
+          <a:prstGeom prst="rect">
+            <a:avLst/>
+          </a:prstGeom>
+        </p:spPr>
+        <p:style>
+          <a:lnRef idx="2">
+            <a:schemeClr val="accent1">
+              <a:shade val="50000"/>
+            </a:schemeClr>
+          </a:lnRef>
+          <a:fillRef idx="1">
+            <a:schemeClr val="accent1"/>
+          </a:fillRef>
+          <a:effectRef idx="0">
+            <a:schemeClr val="accent1"/>
+          </a:effectRef>
+          <a:fontRef idx="minor">
+            <a:schemeClr val="lt1"/>
+          </a:fontRef>
+        </p:style>
+        <p:txBody>
+          <a:bodyPr rtlCol="0" anchor="ctr"/>
+          <a:lstStyle/>
+          <a:p>
+            <a:pPr algn="ctr"/>
+            <a:r>
+              <a:rPr lang="fr-FR" dirty="0" err="1"/>
+              <a:t>ctrlDD</a:t>
+            </a:r>
+            <a:endParaRPr lang="fr-FR" dirty="0"/>
+          </a:p>
+        </p:txBody>
+      </p:sp>
+      <p:cxnSp>
+        <p:nvCxnSpPr>
+          <p:cNvPr id="26" name="Straight Arrow Connector 25">
+            <a:extLst>
+              <a:ext uri="{FF2B5EF4-FFF2-40B4-BE49-F238E27FC236}">
+                <a16:creationId xmlns:a16="http://schemas.microsoft.com/office/drawing/2014/main" id="{13FCB225-424C-44C9-BBFB-B614DFB2DF44}"/>
+              </a:ext>
+            </a:extLst>
+          </p:cNvPr>
+          <p:cNvCxnSpPr>
+            <a:stCxn id="24" idx="3"/>
+          </p:cNvCxnSpPr>
+          <p:nvPr/>
+        </p:nvCxnSpPr>
+        <p:spPr>
+          <a:xfrm flipV="1">
+            <a:off x="4787964" y="4346846"/>
+            <a:ext cx="1308036" cy="2616"/>
+          </a:xfrm>
+          <a:prstGeom prst="straightConnector1">
+            <a:avLst/>
+          </a:prstGeom>
+          <a:ln w="76200">
+            <a:headEnd type="triangle"/>
+            <a:tailEnd type="triangle"/>
+          </a:ln>
+        </p:spPr>
+        <p:style>
+          <a:lnRef idx="1">
+            <a:schemeClr val="accent1"/>
+          </a:lnRef>
+          <a:fillRef idx="0">
+            <a:schemeClr val="accent1"/>
+          </a:fillRef>
+          <a:effectRef idx="0">
+            <a:schemeClr val="accent1"/>
+          </a:effectRef>
+          <a:fontRef idx="minor">
+            <a:schemeClr val="tx1"/>
+          </a:fontRef>
+        </p:style>
+      </p:cxnSp>
+      <p:sp>
+        <p:nvSpPr>
+          <p:cNvPr id="27" name="Oval 26">
+            <a:extLst>
+              <a:ext uri="{FF2B5EF4-FFF2-40B4-BE49-F238E27FC236}">
+                <a16:creationId xmlns:a16="http://schemas.microsoft.com/office/drawing/2014/main" id="{E7470A57-2B8E-423B-BB74-32DA47EDABDB}"/>
+              </a:ext>
+            </a:extLst>
+          </p:cNvPr>
+          <p:cNvSpPr/>
+          <p:nvPr/>
+        </p:nvSpPr>
+        <p:spPr>
+          <a:xfrm>
+            <a:off x="6034735" y="4008858"/>
+            <a:ext cx="2265323" cy="307856"/>
+          </a:xfrm>
+          <a:prstGeom prst="ellipse">
+            <a:avLst/>
+          </a:prstGeom>
+        </p:spPr>
+        <p:style>
+          <a:lnRef idx="2">
+            <a:schemeClr val="accent1">
+              <a:shade val="50000"/>
+            </a:schemeClr>
+          </a:lnRef>
+          <a:fillRef idx="1">
+            <a:schemeClr val="accent1"/>
+          </a:fillRef>
+          <a:effectRef idx="0">
+            <a:schemeClr val="accent1"/>
+          </a:effectRef>
+          <a:fontRef idx="minor">
+            <a:schemeClr val="lt1"/>
+          </a:fontRef>
+        </p:style>
+        <p:txBody>
+          <a:bodyPr rtlCol="0" anchor="ctr"/>
+          <a:lstStyle/>
+          <a:p>
+            <a:pPr algn="ctr"/>
+            <a:endParaRPr lang="fr-FR"/>
+          </a:p>
+        </p:txBody>
+      </p:sp>
+      <p:sp>
+        <p:nvSpPr>
+          <p:cNvPr id="28" name="Oval 27">
+            <a:extLst>
+              <a:ext uri="{FF2B5EF4-FFF2-40B4-BE49-F238E27FC236}">
+                <a16:creationId xmlns:a16="http://schemas.microsoft.com/office/drawing/2014/main" id="{366B4EDE-FC44-42D3-A124-48C9DC994305}"/>
+              </a:ext>
+            </a:extLst>
+          </p:cNvPr>
+          <p:cNvSpPr/>
+          <p:nvPr/>
+        </p:nvSpPr>
+        <p:spPr>
+          <a:xfrm>
+            <a:off x="6034735" y="4158853"/>
+            <a:ext cx="2265323" cy="307856"/>
+          </a:xfrm>
+          <a:prstGeom prst="ellipse">
+            <a:avLst/>
+          </a:prstGeom>
+        </p:spPr>
+        <p:style>
+          <a:lnRef idx="2">
+            <a:schemeClr val="accent1">
+              <a:shade val="50000"/>
+            </a:schemeClr>
+          </a:lnRef>
+          <a:fillRef idx="1">
+            <a:schemeClr val="accent1"/>
+          </a:fillRef>
+          <a:effectRef idx="0">
+            <a:schemeClr val="accent1"/>
+          </a:effectRef>
+          <a:fontRef idx="minor">
+            <a:schemeClr val="lt1"/>
+          </a:fontRef>
+        </p:style>
+        <p:txBody>
+          <a:bodyPr rtlCol="0" anchor="ctr"/>
+          <a:lstStyle/>
+          <a:p>
+            <a:pPr algn="ctr"/>
+            <a:endParaRPr lang="fr-FR"/>
+          </a:p>
+        </p:txBody>
+      </p:sp>
+      <p:sp>
+        <p:nvSpPr>
+          <p:cNvPr id="29" name="Oval 28">
+            <a:extLst>
+              <a:ext uri="{FF2B5EF4-FFF2-40B4-BE49-F238E27FC236}">
+                <a16:creationId xmlns:a16="http://schemas.microsoft.com/office/drawing/2014/main" id="{48900EB6-6743-4E02-BC07-A60530B9EFBA}"/>
+              </a:ext>
+            </a:extLst>
+          </p:cNvPr>
+          <p:cNvSpPr/>
+          <p:nvPr/>
+        </p:nvSpPr>
+        <p:spPr>
+          <a:xfrm>
+            <a:off x="6034735" y="4313658"/>
+            <a:ext cx="2265323" cy="307856"/>
+          </a:xfrm>
+          <a:prstGeom prst="ellipse">
+            <a:avLst/>
+          </a:prstGeom>
+        </p:spPr>
+        <p:style>
+          <a:lnRef idx="2">
+            <a:schemeClr val="accent1">
+              <a:shade val="50000"/>
+            </a:schemeClr>
+          </a:lnRef>
+          <a:fillRef idx="1">
+            <a:schemeClr val="accent1"/>
+          </a:fillRef>
+          <a:effectRef idx="0">
+            <a:schemeClr val="accent1"/>
+          </a:effectRef>
+          <a:fontRef idx="minor">
+            <a:schemeClr val="lt1"/>
+          </a:fontRef>
+        </p:style>
+        <p:txBody>
+          <a:bodyPr rtlCol="0" anchor="ctr"/>
+          <a:lstStyle/>
+          <a:p>
+            <a:pPr algn="ctr"/>
+            <a:endParaRPr lang="fr-FR"/>
+          </a:p>
+        </p:txBody>
+      </p:sp>
+      <p:sp>
+        <p:nvSpPr>
+          <p:cNvPr id="31" name="Rectangle 30">
+            <a:extLst>
+              <a:ext uri="{FF2B5EF4-FFF2-40B4-BE49-F238E27FC236}">
+                <a16:creationId xmlns:a16="http://schemas.microsoft.com/office/drawing/2014/main" id="{83F3F34A-33B8-499E-A546-92F00F75FC45}"/>
+              </a:ext>
+            </a:extLst>
+          </p:cNvPr>
+          <p:cNvSpPr/>
+          <p:nvPr/>
+        </p:nvSpPr>
+        <p:spPr>
+          <a:xfrm>
+            <a:off x="2265322" y="4109317"/>
+            <a:ext cx="997110" cy="510678"/>
+          </a:xfrm>
+          <a:prstGeom prst="rect">
+            <a:avLst/>
+          </a:prstGeom>
+        </p:spPr>
+        <p:style>
+          <a:lnRef idx="2">
+            <a:schemeClr val="accent1">
+              <a:shade val="50000"/>
+            </a:schemeClr>
+          </a:lnRef>
+          <a:fillRef idx="1">
+            <a:schemeClr val="accent1"/>
+          </a:fillRef>
+          <a:effectRef idx="0">
+            <a:schemeClr val="accent1"/>
+          </a:effectRef>
+          <a:fontRef idx="minor">
+            <a:schemeClr val="lt1"/>
+          </a:fontRef>
+        </p:style>
+        <p:txBody>
+          <a:bodyPr rtlCol="0" anchor="ctr"/>
+          <a:lstStyle/>
+          <a:p>
+            <a:pPr algn="ctr"/>
+            <a:r>
+              <a:rPr lang="fr-FR" dirty="0"/>
+              <a:t>network</a:t>
+            </a:r>
+          </a:p>
+        </p:txBody>
+      </p:sp>
+      <p:cxnSp>
+        <p:nvCxnSpPr>
+          <p:cNvPr id="33" name="Straight Arrow Connector 32">
+            <a:extLst>
+              <a:ext uri="{FF2B5EF4-FFF2-40B4-BE49-F238E27FC236}">
+                <a16:creationId xmlns:a16="http://schemas.microsoft.com/office/drawing/2014/main" id="{5E77BC86-9FAA-4399-9055-BD1A58174E3F}"/>
+              </a:ext>
+            </a:extLst>
+          </p:cNvPr>
+          <p:cNvCxnSpPr/>
+          <p:nvPr/>
+        </p:nvCxnSpPr>
+        <p:spPr>
+          <a:xfrm flipH="1" flipV="1">
+            <a:off x="2972949" y="4654710"/>
+            <a:ext cx="1277403" cy="698436"/>
+          </a:xfrm>
+          <a:prstGeom prst="straightConnector1">
+            <a:avLst/>
+          </a:prstGeom>
+          <a:ln w="76200">
+            <a:headEnd type="triangle"/>
+            <a:tailEnd type="triangle"/>
+          </a:ln>
+        </p:spPr>
+        <p:style>
+          <a:lnRef idx="1">
+            <a:schemeClr val="accent1"/>
+          </a:lnRef>
+          <a:fillRef idx="0">
+            <a:schemeClr val="accent1"/>
+          </a:fillRef>
+          <a:effectRef idx="0">
+            <a:schemeClr val="accent1"/>
+          </a:effectRef>
+          <a:fontRef idx="minor">
+            <a:schemeClr val="tx1"/>
+          </a:fontRef>
+        </p:style>
+      </p:cxnSp>
+      <p:cxnSp>
+        <p:nvCxnSpPr>
+          <p:cNvPr id="35" name="Straight Arrow Connector 34">
+            <a:extLst>
+              <a:ext uri="{FF2B5EF4-FFF2-40B4-BE49-F238E27FC236}">
+                <a16:creationId xmlns:a16="http://schemas.microsoft.com/office/drawing/2014/main" id="{5D29748B-F54D-474D-97E3-57E48BDDC5C9}"/>
+              </a:ext>
+            </a:extLst>
+          </p:cNvPr>
+          <p:cNvCxnSpPr>
+            <a:cxnSpLocks/>
+          </p:cNvCxnSpPr>
+          <p:nvPr/>
+        </p:nvCxnSpPr>
+        <p:spPr>
+          <a:xfrm flipV="1">
+            <a:off x="317053" y="3225591"/>
+            <a:ext cx="11652855" cy="4165"/>
+          </a:xfrm>
+          <a:prstGeom prst="straightConnector1">
+            <a:avLst/>
+          </a:prstGeom>
+          <a:ln w="76200">
+            <a:tailEnd type="triangle"/>
+          </a:ln>
+        </p:spPr>
+        <p:style>
+          <a:lnRef idx="1">
+            <a:schemeClr val="accent1"/>
+          </a:lnRef>
+          <a:fillRef idx="0">
+            <a:schemeClr val="accent1"/>
+          </a:fillRef>
+          <a:effectRef idx="0">
+            <a:schemeClr val="accent1"/>
+          </a:effectRef>
+          <a:fontRef idx="minor">
+            <a:schemeClr val="tx1"/>
+          </a:fontRef>
+        </p:style>
+      </p:cxnSp>
+      <p:sp>
+        <p:nvSpPr>
+          <p:cNvPr id="37" name="TextBox 36">
+            <a:extLst>
+              <a:ext uri="{FF2B5EF4-FFF2-40B4-BE49-F238E27FC236}">
+                <a16:creationId xmlns:a16="http://schemas.microsoft.com/office/drawing/2014/main" id="{AB5AE58C-3CF4-4C9B-9DB7-7C810E1D65A8}"/>
+              </a:ext>
+            </a:extLst>
+          </p:cNvPr>
+          <p:cNvSpPr txBox="1"/>
+          <p:nvPr/>
+        </p:nvSpPr>
+        <p:spPr>
+          <a:xfrm>
+            <a:off x="11027940" y="1796635"/>
+            <a:ext cx="574196" cy="369332"/>
+          </a:xfrm>
+          <a:prstGeom prst="rect">
+            <a:avLst/>
+          </a:prstGeom>
+          <a:noFill/>
+        </p:spPr>
+        <p:txBody>
+          <a:bodyPr wrap="none" rtlCol="0">
+            <a:spAutoFit/>
+          </a:bodyPr>
+          <a:lstStyle/>
+          <a:p>
+            <a:r>
+              <a:rPr lang="fr-FR" dirty="0"/>
+              <a:t>CPU</a:t>
+            </a:r>
+          </a:p>
+        </p:txBody>
+      </p:sp>
+      <p:sp>
+        <p:nvSpPr>
+          <p:cNvPr id="38" name="TextBox 37">
+            <a:extLst>
+              <a:ext uri="{FF2B5EF4-FFF2-40B4-BE49-F238E27FC236}">
+                <a16:creationId xmlns:a16="http://schemas.microsoft.com/office/drawing/2014/main" id="{4519D82B-0E6C-4334-989C-81C99F7D45BE}"/>
+              </a:ext>
+            </a:extLst>
+          </p:cNvPr>
+          <p:cNvSpPr txBox="1"/>
+          <p:nvPr/>
+        </p:nvSpPr>
+        <p:spPr>
+          <a:xfrm>
+            <a:off x="10995775" y="2852379"/>
+            <a:ext cx="803425" cy="369332"/>
+          </a:xfrm>
+          <a:prstGeom prst="rect">
+            <a:avLst/>
+          </a:prstGeom>
+          <a:noFill/>
+        </p:spPr>
+        <p:txBody>
+          <a:bodyPr wrap="none" rtlCol="0">
+            <a:spAutoFit/>
+          </a:bodyPr>
+          <a:lstStyle/>
+          <a:p>
+            <a:r>
+              <a:rPr lang="fr-FR" dirty="0" err="1"/>
+              <a:t>CtrlDD</a:t>
+            </a:r>
+            <a:endParaRPr lang="fr-FR" dirty="0"/>
+          </a:p>
+        </p:txBody>
+      </p:sp>
+      <p:cxnSp>
+        <p:nvCxnSpPr>
+          <p:cNvPr id="40" name="Straight Arrow Connector 39">
+            <a:extLst>
+              <a:ext uri="{FF2B5EF4-FFF2-40B4-BE49-F238E27FC236}">
+                <a16:creationId xmlns:a16="http://schemas.microsoft.com/office/drawing/2014/main" id="{BA568D60-C804-4A35-9F90-2400F66CEA79}"/>
+              </a:ext>
+            </a:extLst>
+          </p:cNvPr>
+          <p:cNvCxnSpPr/>
+          <p:nvPr/>
+        </p:nvCxnSpPr>
+        <p:spPr>
+          <a:xfrm>
+            <a:off x="735195" y="2508856"/>
+            <a:ext cx="103005" cy="661677"/>
+          </a:xfrm>
+          <a:prstGeom prst="straightConnector1">
+            <a:avLst/>
+          </a:prstGeom>
+          <a:ln w="76200">
+            <a:tailEnd type="triangle"/>
+          </a:ln>
+        </p:spPr>
+        <p:style>
+          <a:lnRef idx="1">
+            <a:schemeClr val="accent1"/>
+          </a:lnRef>
+          <a:fillRef idx="0">
+            <a:schemeClr val="accent1"/>
+          </a:fillRef>
+          <a:effectRef idx="0">
+            <a:schemeClr val="accent1"/>
+          </a:effectRef>
+          <a:fontRef idx="minor">
+            <a:schemeClr val="tx1"/>
+          </a:fontRef>
+        </p:style>
+      </p:cxnSp>
+      <p:sp>
+        <p:nvSpPr>
+          <p:cNvPr id="41" name="Rectangle 40">
+            <a:extLst>
+              <a:ext uri="{FF2B5EF4-FFF2-40B4-BE49-F238E27FC236}">
+                <a16:creationId xmlns:a16="http://schemas.microsoft.com/office/drawing/2014/main" id="{7B6002B5-1CC9-4B9E-89AF-F7E1AF01A1C1}"/>
+              </a:ext>
+            </a:extLst>
+          </p:cNvPr>
+          <p:cNvSpPr/>
+          <p:nvPr/>
+        </p:nvSpPr>
+        <p:spPr>
+          <a:xfrm>
+            <a:off x="907279" y="3037045"/>
+            <a:ext cx="6587118" cy="396500"/>
+          </a:xfrm>
+          <a:prstGeom prst="rect">
+            <a:avLst/>
+          </a:prstGeom>
+        </p:spPr>
+        <p:style>
+          <a:lnRef idx="2">
+            <a:schemeClr val="accent1">
+              <a:shade val="50000"/>
+            </a:schemeClr>
+          </a:lnRef>
+          <a:fillRef idx="1">
+            <a:schemeClr val="accent1"/>
+          </a:fillRef>
+          <a:effectRef idx="0">
+            <a:schemeClr val="accent1"/>
+          </a:effectRef>
+          <a:fontRef idx="minor">
+            <a:schemeClr val="lt1"/>
+          </a:fontRef>
+        </p:style>
+        <p:txBody>
+          <a:bodyPr rtlCol="0" anchor="ctr"/>
+          <a:lstStyle/>
+          <a:p>
+            <a:pPr algn="ctr"/>
+            <a:endParaRPr lang="fr-FR"/>
+          </a:p>
+        </p:txBody>
+      </p:sp>
+      <p:cxnSp>
+        <p:nvCxnSpPr>
+          <p:cNvPr id="43" name="Straight Arrow Connector 42">
+            <a:extLst>
+              <a:ext uri="{FF2B5EF4-FFF2-40B4-BE49-F238E27FC236}">
+                <a16:creationId xmlns:a16="http://schemas.microsoft.com/office/drawing/2014/main" id="{D278B570-2A69-4AA3-A90B-3BDCFE7BC8F1}"/>
+              </a:ext>
+            </a:extLst>
+          </p:cNvPr>
+          <p:cNvCxnSpPr/>
+          <p:nvPr/>
+        </p:nvCxnSpPr>
+        <p:spPr>
+          <a:xfrm flipV="1">
+            <a:off x="7443859" y="2269918"/>
+            <a:ext cx="271104" cy="698436"/>
+          </a:xfrm>
+          <a:prstGeom prst="straightConnector1">
+            <a:avLst/>
+          </a:prstGeom>
+          <a:ln w="76200">
+            <a:tailEnd type="triangle"/>
+          </a:ln>
+        </p:spPr>
+        <p:style>
+          <a:lnRef idx="1">
+            <a:schemeClr val="accent1"/>
+          </a:lnRef>
+          <a:fillRef idx="0">
+            <a:schemeClr val="accent1"/>
+          </a:fillRef>
+          <a:effectRef idx="0">
+            <a:schemeClr val="accent1"/>
+          </a:effectRef>
+          <a:fontRef idx="minor">
+            <a:schemeClr val="tx1"/>
+          </a:fontRef>
+        </p:style>
+      </p:cxnSp>
+      <p:cxnSp>
+        <p:nvCxnSpPr>
+          <p:cNvPr id="45" name="Straight Connector 44">
+            <a:extLst>
+              <a:ext uri="{FF2B5EF4-FFF2-40B4-BE49-F238E27FC236}">
+                <a16:creationId xmlns:a16="http://schemas.microsoft.com/office/drawing/2014/main" id="{B8DFB470-65C2-4877-9C7D-2E1575FDF480}"/>
+              </a:ext>
+            </a:extLst>
+          </p:cNvPr>
+          <p:cNvCxnSpPr/>
+          <p:nvPr/>
+        </p:nvCxnSpPr>
+        <p:spPr>
+          <a:xfrm>
+            <a:off x="7747128" y="1690688"/>
+            <a:ext cx="0" cy="1116842"/>
+          </a:xfrm>
+          <a:prstGeom prst="line">
+            <a:avLst/>
+          </a:prstGeom>
+          <a:ln w="76200"/>
+        </p:spPr>
+        <p:style>
+          <a:lnRef idx="1">
+            <a:schemeClr val="accent1"/>
+          </a:lnRef>
+          <a:fillRef idx="0">
+            <a:schemeClr val="accent1"/>
+          </a:fillRef>
+          <a:effectRef idx="0">
+            <a:schemeClr val="accent1"/>
+          </a:effectRef>
+          <a:fontRef idx="minor">
+            <a:schemeClr val="tx1"/>
+          </a:fontRef>
+        </p:style>
+      </p:cxnSp>
+      <p:sp>
+        <p:nvSpPr>
+          <p:cNvPr id="46" name="TextBox 45">
+            <a:extLst>
+              <a:ext uri="{FF2B5EF4-FFF2-40B4-BE49-F238E27FC236}">
+                <a16:creationId xmlns:a16="http://schemas.microsoft.com/office/drawing/2014/main" id="{9C088529-C6CC-4C00-9D50-8F3D8CAF07F6}"/>
+              </a:ext>
+            </a:extLst>
+          </p:cNvPr>
+          <p:cNvSpPr txBox="1"/>
+          <p:nvPr/>
+        </p:nvSpPr>
+        <p:spPr>
+          <a:xfrm>
+            <a:off x="7494397" y="1392277"/>
+            <a:ext cx="837280" cy="369332"/>
+          </a:xfrm>
+          <a:prstGeom prst="rect">
+            <a:avLst/>
+          </a:prstGeom>
+          <a:noFill/>
+        </p:spPr>
+        <p:txBody>
+          <a:bodyPr wrap="none" rtlCol="0">
+            <a:spAutoFit/>
+          </a:bodyPr>
+          <a:lstStyle/>
+          <a:p>
+            <a:r>
+              <a:rPr lang="fr-FR" dirty="0"/>
+              <a:t>reprise</a:t>
+            </a:r>
+          </a:p>
+        </p:txBody>
+      </p:sp>
+      <p:sp>
+        <p:nvSpPr>
+          <p:cNvPr id="47" name="Rectangle 46">
+            <a:extLst>
+              <a:ext uri="{FF2B5EF4-FFF2-40B4-BE49-F238E27FC236}">
+                <a16:creationId xmlns:a16="http://schemas.microsoft.com/office/drawing/2014/main" id="{C8DD37C8-7EBD-41D4-A7C2-3E45E7853BB1}"/>
+              </a:ext>
+            </a:extLst>
+          </p:cNvPr>
+          <p:cNvSpPr/>
+          <p:nvPr/>
+        </p:nvSpPr>
+        <p:spPr>
+          <a:xfrm>
+            <a:off x="7779775" y="2038960"/>
+            <a:ext cx="128658" cy="340027"/>
+          </a:xfrm>
+          <a:prstGeom prst="rect">
+            <a:avLst/>
+          </a:prstGeom>
+        </p:spPr>
+        <p:style>
+          <a:lnRef idx="2">
+            <a:schemeClr val="accent6">
+              <a:shade val="50000"/>
+            </a:schemeClr>
+          </a:lnRef>
+          <a:fillRef idx="1">
+            <a:schemeClr val="accent6"/>
+          </a:fillRef>
+          <a:effectRef idx="0">
+            <a:schemeClr val="accent6"/>
+          </a:effectRef>
+          <a:fontRef idx="minor">
+            <a:schemeClr val="lt1"/>
+          </a:fontRef>
+        </p:style>
+        <p:txBody>
+          <a:bodyPr rtlCol="0" anchor="ctr"/>
+          <a:lstStyle/>
+          <a:p>
+            <a:pPr algn="ctr"/>
+            <a:endParaRPr lang="fr-FR"/>
+          </a:p>
+        </p:txBody>
+      </p:sp>
+    </p:spTree>
+    <p:extLst>
+      <p:ext uri="{BB962C8B-B14F-4D97-AF65-F5344CB8AC3E}">
+        <p14:creationId xmlns:p14="http://schemas.microsoft.com/office/powerpoint/2010/main" val="3919290498"/>
+      </p:ext>
+    </p:extLst>
+  </p:cSld>
+  <p:clrMapOvr>
+    <a:masterClrMapping/>
+  </p:clrMapOvr>
+</p:sld>
+</file>
+
+<file path=ppt/slides/slide26.xml><?xml version="1.0" encoding="utf-8"?>
+<p:sld xmlns:a="http://schemas.openxmlformats.org/drawingml/2006/main" xmlns:r="http://schemas.openxmlformats.org/officeDocument/2006/relationships" xmlns:p="http://schemas.openxmlformats.org/presentationml/2006/main">
+  <p:cSld>
+    <p:spTree>
+      <p:nvGrpSpPr>
+        <p:cNvPr id="1" name=""/>
+        <p:cNvGrpSpPr/>
+        <p:nvPr/>
+      </p:nvGrpSpPr>
+      <p:grpSpPr>
+        <a:xfrm>
+          <a:off x="0" y="0"/>
+          <a:ext cx="0" cy="0"/>
+          <a:chOff x="0" y="0"/>
+          <a:chExt cx="0" cy="0"/>
+        </a:xfrm>
+      </p:grpSpPr>
+      <p:sp>
+        <p:nvSpPr>
+          <p:cNvPr id="2" name="Title 1">
+            <a:extLst>
+              <a:ext uri="{FF2B5EF4-FFF2-40B4-BE49-F238E27FC236}">
+                <a16:creationId xmlns:a16="http://schemas.microsoft.com/office/drawing/2014/main" id="{EBCA31BE-C0B7-4B18-9CFE-2D94E5F627C6}"/>
+              </a:ext>
+            </a:extLst>
+          </p:cNvPr>
+          <p:cNvSpPr>
+            <a:spLocks noGrp="1"/>
+          </p:cNvSpPr>
+          <p:nvPr>
+            <p:ph type="title"/>
+          </p:nvPr>
+        </p:nvSpPr>
+        <p:spPr/>
+        <p:txBody>
+          <a:bodyPr/>
+          <a:lstStyle/>
+          <a:p>
+            <a:r>
+              <a:rPr lang="fr-FR" dirty="0"/>
+              <a:t>lire </a:t>
+            </a:r>
+            <a:r>
+              <a:rPr lang="fr-FR" dirty="0" err="1"/>
+              <a:t>repertoire</a:t>
+            </a:r>
+            <a:r>
+              <a:rPr lang="fr-FR" dirty="0"/>
+              <a:t> + lire contenu 1</a:t>
+            </a:r>
+            <a:r>
+              <a:rPr lang="fr-FR" baseline="30000" dirty="0"/>
+              <a:t>er</a:t>
+            </a:r>
+            <a:r>
+              <a:rPr lang="fr-FR" dirty="0"/>
+              <a:t> fichier</a:t>
+            </a:r>
+          </a:p>
+        </p:txBody>
+      </p:sp>
+      <p:cxnSp>
+        <p:nvCxnSpPr>
+          <p:cNvPr id="5" name="Straight Arrow Connector 4">
+            <a:extLst>
+              <a:ext uri="{FF2B5EF4-FFF2-40B4-BE49-F238E27FC236}">
+                <a16:creationId xmlns:a16="http://schemas.microsoft.com/office/drawing/2014/main" id="{5B56C53D-CF80-4F1D-8A4E-3071C8ED105E}"/>
+              </a:ext>
+            </a:extLst>
+          </p:cNvPr>
+          <p:cNvCxnSpPr>
+            <a:cxnSpLocks/>
+          </p:cNvCxnSpPr>
+          <p:nvPr/>
+        </p:nvCxnSpPr>
+        <p:spPr>
+          <a:xfrm flipV="1">
+            <a:off x="431928" y="1833391"/>
+            <a:ext cx="11372562" cy="32166"/>
+          </a:xfrm>
+          <a:prstGeom prst="straightConnector1">
+            <a:avLst/>
+          </a:prstGeom>
+          <a:ln w="76200">
+            <a:tailEnd type="triangle"/>
+          </a:ln>
+        </p:spPr>
+        <p:style>
+          <a:lnRef idx="1">
+            <a:schemeClr val="accent1"/>
+          </a:lnRef>
+          <a:fillRef idx="0">
+            <a:schemeClr val="accent1"/>
+          </a:fillRef>
+          <a:effectRef idx="0">
+            <a:schemeClr val="accent1"/>
+          </a:effectRef>
+          <a:fontRef idx="minor">
+            <a:schemeClr val="tx1"/>
+          </a:fontRef>
+        </p:style>
+      </p:cxnSp>
+      <p:cxnSp>
+        <p:nvCxnSpPr>
+          <p:cNvPr id="7" name="Straight Arrow Connector 6">
+            <a:extLst>
+              <a:ext uri="{FF2B5EF4-FFF2-40B4-BE49-F238E27FC236}">
+                <a16:creationId xmlns:a16="http://schemas.microsoft.com/office/drawing/2014/main" id="{3C7A18A3-75CA-453A-86E4-9EEADA7BD418}"/>
+              </a:ext>
+            </a:extLst>
+          </p:cNvPr>
+          <p:cNvCxnSpPr>
+            <a:cxnSpLocks/>
+          </p:cNvCxnSpPr>
+          <p:nvPr/>
+        </p:nvCxnSpPr>
+        <p:spPr>
+          <a:xfrm flipV="1">
+            <a:off x="431928" y="3056420"/>
+            <a:ext cx="11372562" cy="32166"/>
+          </a:xfrm>
+          <a:prstGeom prst="straightConnector1">
+            <a:avLst/>
+          </a:prstGeom>
+          <a:ln w="76200">
+            <a:tailEnd type="triangle"/>
+          </a:ln>
+        </p:spPr>
+        <p:style>
+          <a:lnRef idx="1">
+            <a:schemeClr val="accent1"/>
+          </a:lnRef>
+          <a:fillRef idx="0">
+            <a:schemeClr val="accent1"/>
+          </a:fillRef>
+          <a:effectRef idx="0">
+            <a:schemeClr val="accent1"/>
+          </a:effectRef>
+          <a:fontRef idx="minor">
+            <a:schemeClr val="tx1"/>
+          </a:fontRef>
+        </p:style>
+      </p:cxnSp>
+      <p:sp>
+        <p:nvSpPr>
+          <p:cNvPr id="8" name="TextBox 7">
+            <a:extLst>
+              <a:ext uri="{FF2B5EF4-FFF2-40B4-BE49-F238E27FC236}">
+                <a16:creationId xmlns:a16="http://schemas.microsoft.com/office/drawing/2014/main" id="{8AAC943F-7AAE-4C59-9D32-A86679AB11A8}"/>
+              </a:ext>
+            </a:extLst>
+          </p:cNvPr>
+          <p:cNvSpPr txBox="1"/>
+          <p:nvPr/>
+        </p:nvSpPr>
+        <p:spPr>
+          <a:xfrm>
+            <a:off x="10857926" y="1465793"/>
+            <a:ext cx="574196" cy="369332"/>
+          </a:xfrm>
+          <a:prstGeom prst="rect">
+            <a:avLst/>
+          </a:prstGeom>
+          <a:noFill/>
+        </p:spPr>
+        <p:txBody>
+          <a:bodyPr wrap="none" rtlCol="0">
+            <a:spAutoFit/>
+          </a:bodyPr>
+          <a:lstStyle/>
+          <a:p>
+            <a:r>
+              <a:rPr lang="fr-FR" dirty="0"/>
+              <a:t>CPU</a:t>
+            </a:r>
+          </a:p>
+        </p:txBody>
+      </p:sp>
+      <p:sp>
+        <p:nvSpPr>
+          <p:cNvPr id="9" name="TextBox 8">
+            <a:extLst>
+              <a:ext uri="{FF2B5EF4-FFF2-40B4-BE49-F238E27FC236}">
+                <a16:creationId xmlns:a16="http://schemas.microsoft.com/office/drawing/2014/main" id="{09709EB1-D252-4806-96C0-25BD0DE66CCC}"/>
+              </a:ext>
+            </a:extLst>
+          </p:cNvPr>
+          <p:cNvSpPr txBox="1"/>
+          <p:nvPr/>
+        </p:nvSpPr>
+        <p:spPr>
+          <a:xfrm>
+            <a:off x="10766026" y="2679130"/>
+            <a:ext cx="803425" cy="369332"/>
+          </a:xfrm>
+          <a:prstGeom prst="rect">
+            <a:avLst/>
+          </a:prstGeom>
+          <a:noFill/>
+        </p:spPr>
+        <p:txBody>
+          <a:bodyPr wrap="none" rtlCol="0">
+            <a:spAutoFit/>
+          </a:bodyPr>
+          <a:lstStyle/>
+          <a:p>
+            <a:r>
+              <a:rPr lang="fr-FR" dirty="0" err="1"/>
+              <a:t>CtrlDD</a:t>
+            </a:r>
+            <a:endParaRPr lang="fr-FR" dirty="0"/>
+          </a:p>
+        </p:txBody>
+      </p:sp>
+      <p:cxnSp>
+        <p:nvCxnSpPr>
+          <p:cNvPr id="11" name="Straight Connector 10">
+            <a:extLst>
+              <a:ext uri="{FF2B5EF4-FFF2-40B4-BE49-F238E27FC236}">
+                <a16:creationId xmlns:a16="http://schemas.microsoft.com/office/drawing/2014/main" id="{61CF0E10-45AE-4904-8FB5-634AAF81B6CE}"/>
+              </a:ext>
+            </a:extLst>
+          </p:cNvPr>
+          <p:cNvCxnSpPr/>
+          <p:nvPr/>
+        </p:nvCxnSpPr>
+        <p:spPr>
+          <a:xfrm>
+            <a:off x="767361" y="1650459"/>
+            <a:ext cx="0" cy="486201"/>
+          </a:xfrm>
+          <a:prstGeom prst="line">
+            <a:avLst/>
+          </a:prstGeom>
+          <a:ln w="76200"/>
+        </p:spPr>
+        <p:style>
+          <a:lnRef idx="1">
+            <a:schemeClr val="accent1"/>
+          </a:lnRef>
+          <a:fillRef idx="0">
+            <a:schemeClr val="accent1"/>
+          </a:fillRef>
+          <a:effectRef idx="0">
+            <a:schemeClr val="accent1"/>
+          </a:effectRef>
+          <a:fontRef idx="minor">
+            <a:schemeClr val="tx1"/>
+          </a:fontRef>
+        </p:style>
+      </p:cxnSp>
+      <p:sp>
+        <p:nvSpPr>
+          <p:cNvPr id="12" name="Rectangle 11">
+            <a:extLst>
+              <a:ext uri="{FF2B5EF4-FFF2-40B4-BE49-F238E27FC236}">
+                <a16:creationId xmlns:a16="http://schemas.microsoft.com/office/drawing/2014/main" id="{C267B8C6-A8C4-44FA-81A3-8F76D65A64E0}"/>
+              </a:ext>
+            </a:extLst>
+          </p:cNvPr>
+          <p:cNvSpPr/>
+          <p:nvPr/>
+        </p:nvSpPr>
+        <p:spPr>
+          <a:xfrm>
+            <a:off x="838201" y="1650459"/>
+            <a:ext cx="9160464" cy="369332"/>
+          </a:xfrm>
+          <a:prstGeom prst="rect">
+            <a:avLst/>
+          </a:prstGeom>
+        </p:spPr>
+        <p:style>
+          <a:lnRef idx="2">
+            <a:schemeClr val="accent6">
+              <a:shade val="50000"/>
+            </a:schemeClr>
+          </a:lnRef>
+          <a:fillRef idx="1">
+            <a:schemeClr val="accent6"/>
+          </a:fillRef>
+          <a:effectRef idx="0">
+            <a:schemeClr val="accent6"/>
+          </a:effectRef>
+          <a:fontRef idx="minor">
+            <a:schemeClr val="lt1"/>
+          </a:fontRef>
+        </p:style>
+        <p:txBody>
+          <a:bodyPr rtlCol="0" anchor="ctr"/>
+          <a:lstStyle/>
+          <a:p>
+            <a:pPr algn="ctr"/>
+            <a:endParaRPr lang="fr-FR"/>
+          </a:p>
+        </p:txBody>
+      </p:sp>
+      <p:cxnSp>
+        <p:nvCxnSpPr>
+          <p:cNvPr id="14" name="Straight Arrow Connector 13">
+            <a:extLst>
+              <a:ext uri="{FF2B5EF4-FFF2-40B4-BE49-F238E27FC236}">
+                <a16:creationId xmlns:a16="http://schemas.microsoft.com/office/drawing/2014/main" id="{8BD11A64-B05A-403A-87E1-DFD47A55187F}"/>
+              </a:ext>
+            </a:extLst>
+          </p:cNvPr>
+          <p:cNvCxnSpPr/>
+          <p:nvPr/>
+        </p:nvCxnSpPr>
+        <p:spPr>
+          <a:xfrm>
+            <a:off x="918995" y="2136660"/>
+            <a:ext cx="128659" cy="873045"/>
+          </a:xfrm>
+          <a:prstGeom prst="straightConnector1">
+            <a:avLst/>
+          </a:prstGeom>
+          <a:ln w="76200">
+            <a:tailEnd type="triangle"/>
+          </a:ln>
+        </p:spPr>
+        <p:style>
+          <a:lnRef idx="1">
+            <a:schemeClr val="accent1"/>
+          </a:lnRef>
+          <a:fillRef idx="0">
+            <a:schemeClr val="accent1"/>
+          </a:fillRef>
+          <a:effectRef idx="0">
+            <a:schemeClr val="accent1"/>
+          </a:effectRef>
+          <a:fontRef idx="minor">
+            <a:schemeClr val="tx1"/>
+          </a:fontRef>
+        </p:style>
+      </p:cxnSp>
+      <p:sp>
+        <p:nvSpPr>
+          <p:cNvPr id="15" name="Rectangle 14">
+            <a:extLst>
+              <a:ext uri="{FF2B5EF4-FFF2-40B4-BE49-F238E27FC236}">
+                <a16:creationId xmlns:a16="http://schemas.microsoft.com/office/drawing/2014/main" id="{C68DF267-9F38-4DD5-BC32-999CF5BC8828}"/>
+              </a:ext>
+            </a:extLst>
+          </p:cNvPr>
+          <p:cNvSpPr/>
+          <p:nvPr/>
+        </p:nvSpPr>
+        <p:spPr>
+          <a:xfrm>
+            <a:off x="1144149" y="2904020"/>
+            <a:ext cx="3914918" cy="418143"/>
+          </a:xfrm>
+          <a:prstGeom prst="rect">
+            <a:avLst/>
+          </a:prstGeom>
+        </p:spPr>
+        <p:style>
+          <a:lnRef idx="2">
+            <a:schemeClr val="accent1">
+              <a:shade val="50000"/>
+            </a:schemeClr>
+          </a:lnRef>
+          <a:fillRef idx="1">
+            <a:schemeClr val="accent1"/>
+          </a:fillRef>
+          <a:effectRef idx="0">
+            <a:schemeClr val="accent1"/>
+          </a:effectRef>
+          <a:fontRef idx="minor">
+            <a:schemeClr val="lt1"/>
+          </a:fontRef>
+        </p:style>
+        <p:txBody>
+          <a:bodyPr rtlCol="0" anchor="ctr"/>
+          <a:lstStyle/>
+          <a:p>
+            <a:pPr algn="ctr"/>
+            <a:endParaRPr lang="fr-FR"/>
+          </a:p>
+        </p:txBody>
+      </p:sp>
+      <p:cxnSp>
+        <p:nvCxnSpPr>
+          <p:cNvPr id="17" name="Straight Arrow Connector 16">
+            <a:extLst>
+              <a:ext uri="{FF2B5EF4-FFF2-40B4-BE49-F238E27FC236}">
+                <a16:creationId xmlns:a16="http://schemas.microsoft.com/office/drawing/2014/main" id="{ABC5F5B7-3A3D-4D3A-A7C6-A9C37470359F}"/>
+              </a:ext>
+            </a:extLst>
+          </p:cNvPr>
+          <p:cNvCxnSpPr/>
+          <p:nvPr/>
+        </p:nvCxnSpPr>
+        <p:spPr>
+          <a:xfrm flipV="1">
+            <a:off x="5017713" y="2086115"/>
+            <a:ext cx="211368" cy="672015"/>
+          </a:xfrm>
+          <a:prstGeom prst="straightConnector1">
+            <a:avLst/>
+          </a:prstGeom>
+          <a:ln w="76200">
+            <a:tailEnd type="triangle"/>
+          </a:ln>
+        </p:spPr>
+        <p:style>
+          <a:lnRef idx="1">
+            <a:schemeClr val="accent1"/>
+          </a:lnRef>
+          <a:fillRef idx="0">
+            <a:schemeClr val="accent1"/>
+          </a:fillRef>
+          <a:effectRef idx="0">
+            <a:schemeClr val="accent1"/>
+          </a:effectRef>
+          <a:fontRef idx="minor">
+            <a:schemeClr val="tx1"/>
+          </a:fontRef>
+        </p:style>
+      </p:cxnSp>
+      <p:cxnSp>
+        <p:nvCxnSpPr>
+          <p:cNvPr id="19" name="Straight Arrow Connector 18">
+            <a:extLst>
+              <a:ext uri="{FF2B5EF4-FFF2-40B4-BE49-F238E27FC236}">
+                <a16:creationId xmlns:a16="http://schemas.microsoft.com/office/drawing/2014/main" id="{E7421A93-28BA-4AC8-814D-5436737CAB2C}"/>
+              </a:ext>
+            </a:extLst>
+          </p:cNvPr>
+          <p:cNvCxnSpPr/>
+          <p:nvPr/>
+        </p:nvCxnSpPr>
+        <p:spPr>
+          <a:xfrm>
+            <a:off x="5380716" y="2136660"/>
+            <a:ext cx="206773" cy="693841"/>
+          </a:xfrm>
+          <a:prstGeom prst="straightConnector1">
+            <a:avLst/>
+          </a:prstGeom>
+          <a:ln w="76200">
+            <a:tailEnd type="triangle"/>
+          </a:ln>
+        </p:spPr>
+        <p:style>
+          <a:lnRef idx="1">
+            <a:schemeClr val="accent1"/>
+          </a:lnRef>
+          <a:fillRef idx="0">
+            <a:schemeClr val="accent1"/>
+          </a:fillRef>
+          <a:effectRef idx="0">
+            <a:schemeClr val="accent1"/>
+          </a:effectRef>
+          <a:fontRef idx="minor">
+            <a:schemeClr val="tx1"/>
+          </a:fontRef>
+        </p:style>
+      </p:cxnSp>
+      <p:sp>
+        <p:nvSpPr>
+          <p:cNvPr id="20" name="Rectangle 19">
+            <a:extLst>
+              <a:ext uri="{FF2B5EF4-FFF2-40B4-BE49-F238E27FC236}">
+                <a16:creationId xmlns:a16="http://schemas.microsoft.com/office/drawing/2014/main" id="{F4CE0EED-28DB-403B-9146-9A63872106BB}"/>
+              </a:ext>
+            </a:extLst>
+          </p:cNvPr>
+          <p:cNvSpPr/>
+          <p:nvPr/>
+        </p:nvSpPr>
+        <p:spPr>
+          <a:xfrm>
+            <a:off x="5647990" y="2904020"/>
+            <a:ext cx="3914918" cy="418143"/>
+          </a:xfrm>
+          <a:prstGeom prst="rect">
+            <a:avLst/>
+          </a:prstGeom>
+        </p:spPr>
+        <p:style>
+          <a:lnRef idx="2">
+            <a:schemeClr val="accent1">
+              <a:shade val="50000"/>
+            </a:schemeClr>
+          </a:lnRef>
+          <a:fillRef idx="1">
+            <a:schemeClr val="accent1"/>
+          </a:fillRef>
+          <a:effectRef idx="0">
+            <a:schemeClr val="accent1"/>
+          </a:effectRef>
+          <a:fontRef idx="minor">
+            <a:schemeClr val="lt1"/>
+          </a:fontRef>
+        </p:style>
+        <p:txBody>
+          <a:bodyPr rtlCol="0" anchor="ctr"/>
+          <a:lstStyle/>
+          <a:p>
+            <a:pPr algn="ctr"/>
+            <a:endParaRPr lang="fr-FR"/>
+          </a:p>
+        </p:txBody>
+      </p:sp>
+      <p:cxnSp>
+        <p:nvCxnSpPr>
+          <p:cNvPr id="22" name="Straight Arrow Connector 21">
+            <a:extLst>
+              <a:ext uri="{FF2B5EF4-FFF2-40B4-BE49-F238E27FC236}">
+                <a16:creationId xmlns:a16="http://schemas.microsoft.com/office/drawing/2014/main" id="{45F11B86-FE13-4EDA-BC64-CAA6F92B244F}"/>
+              </a:ext>
+            </a:extLst>
+          </p:cNvPr>
+          <p:cNvCxnSpPr/>
+          <p:nvPr/>
+        </p:nvCxnSpPr>
+        <p:spPr>
+          <a:xfrm flipV="1">
+            <a:off x="9562908" y="2086115"/>
+            <a:ext cx="210604" cy="672015"/>
+          </a:xfrm>
+          <a:prstGeom prst="straightConnector1">
+            <a:avLst/>
+          </a:prstGeom>
+          <a:ln w="76200">
+            <a:tailEnd type="triangle"/>
+          </a:ln>
+        </p:spPr>
+        <p:style>
+          <a:lnRef idx="1">
+            <a:schemeClr val="accent1"/>
+          </a:lnRef>
+          <a:fillRef idx="0">
+            <a:schemeClr val="accent1"/>
+          </a:fillRef>
+          <a:effectRef idx="0">
+            <a:schemeClr val="accent1"/>
+          </a:effectRef>
+          <a:fontRef idx="minor">
+            <a:schemeClr val="tx1"/>
+          </a:fontRef>
+        </p:style>
+      </p:cxnSp>
+      <p:sp>
+        <p:nvSpPr>
+          <p:cNvPr id="23" name="TextBox 22">
+            <a:extLst>
+              <a:ext uri="{FF2B5EF4-FFF2-40B4-BE49-F238E27FC236}">
+                <a16:creationId xmlns:a16="http://schemas.microsoft.com/office/drawing/2014/main" id="{9CD7B8B0-BEFE-4FD9-8312-71049B879B5A}"/>
+              </a:ext>
+            </a:extLst>
+          </p:cNvPr>
+          <p:cNvSpPr txBox="1"/>
+          <p:nvPr/>
+        </p:nvSpPr>
+        <p:spPr>
+          <a:xfrm>
+            <a:off x="1566886" y="2371007"/>
+            <a:ext cx="2237023" cy="369332"/>
+          </a:xfrm>
+          <a:prstGeom prst="rect">
+            <a:avLst/>
+          </a:prstGeom>
+          <a:noFill/>
+        </p:spPr>
+        <p:txBody>
+          <a:bodyPr wrap="none" rtlCol="0">
+            <a:spAutoFit/>
+          </a:bodyPr>
+          <a:lstStyle/>
+          <a:p>
+            <a:r>
+              <a:rPr lang="fr-FR" dirty="0"/>
+              <a:t>VERSION SYNCHRONE</a:t>
+            </a:r>
+          </a:p>
+        </p:txBody>
+      </p:sp>
+      <p:cxnSp>
+        <p:nvCxnSpPr>
+          <p:cNvPr id="24" name="Straight Arrow Connector 23">
+            <a:extLst>
+              <a:ext uri="{FF2B5EF4-FFF2-40B4-BE49-F238E27FC236}">
+                <a16:creationId xmlns:a16="http://schemas.microsoft.com/office/drawing/2014/main" id="{FF755BC0-49A7-4B35-B4EF-99344ADA2692}"/>
+              </a:ext>
+            </a:extLst>
+          </p:cNvPr>
+          <p:cNvCxnSpPr>
+            <a:cxnSpLocks/>
+          </p:cNvCxnSpPr>
+          <p:nvPr/>
+        </p:nvCxnSpPr>
+        <p:spPr>
+          <a:xfrm flipV="1">
+            <a:off x="431928" y="4375944"/>
+            <a:ext cx="11372562" cy="32166"/>
+          </a:xfrm>
+          <a:prstGeom prst="straightConnector1">
+            <a:avLst/>
+          </a:prstGeom>
+          <a:ln w="76200">
+            <a:tailEnd type="triangle"/>
+          </a:ln>
+        </p:spPr>
+        <p:style>
+          <a:lnRef idx="1">
+            <a:schemeClr val="accent1"/>
+          </a:lnRef>
+          <a:fillRef idx="0">
+            <a:schemeClr val="accent1"/>
+          </a:fillRef>
+          <a:effectRef idx="0">
+            <a:schemeClr val="accent1"/>
+          </a:effectRef>
+          <a:fontRef idx="minor">
+            <a:schemeClr val="tx1"/>
+          </a:fontRef>
+        </p:style>
+      </p:cxnSp>
+      <p:cxnSp>
+        <p:nvCxnSpPr>
+          <p:cNvPr id="25" name="Straight Arrow Connector 24">
+            <a:extLst>
+              <a:ext uri="{FF2B5EF4-FFF2-40B4-BE49-F238E27FC236}">
+                <a16:creationId xmlns:a16="http://schemas.microsoft.com/office/drawing/2014/main" id="{70257658-4BA8-4F1F-83EB-CC59BC3E64C1}"/>
+              </a:ext>
+            </a:extLst>
+          </p:cNvPr>
+          <p:cNvCxnSpPr>
+            <a:cxnSpLocks/>
+          </p:cNvCxnSpPr>
+          <p:nvPr/>
+        </p:nvCxnSpPr>
+        <p:spPr>
+          <a:xfrm flipV="1">
+            <a:off x="431928" y="5598973"/>
+            <a:ext cx="11372562" cy="32166"/>
+          </a:xfrm>
+          <a:prstGeom prst="straightConnector1">
+            <a:avLst/>
+          </a:prstGeom>
+          <a:ln w="76200">
+            <a:tailEnd type="triangle"/>
+          </a:ln>
+        </p:spPr>
+        <p:style>
+          <a:lnRef idx="1">
+            <a:schemeClr val="accent1"/>
+          </a:lnRef>
+          <a:fillRef idx="0">
+            <a:schemeClr val="accent1"/>
+          </a:fillRef>
+          <a:effectRef idx="0">
+            <a:schemeClr val="accent1"/>
+          </a:effectRef>
+          <a:fontRef idx="minor">
+            <a:schemeClr val="tx1"/>
+          </a:fontRef>
+        </p:style>
+      </p:cxnSp>
+      <p:sp>
+        <p:nvSpPr>
+          <p:cNvPr id="26" name="TextBox 25">
+            <a:extLst>
+              <a:ext uri="{FF2B5EF4-FFF2-40B4-BE49-F238E27FC236}">
+                <a16:creationId xmlns:a16="http://schemas.microsoft.com/office/drawing/2014/main" id="{DCAC5D5F-6BE9-4F84-BF3A-269793F2B626}"/>
+              </a:ext>
+            </a:extLst>
+          </p:cNvPr>
+          <p:cNvSpPr txBox="1"/>
+          <p:nvPr/>
+        </p:nvSpPr>
+        <p:spPr>
+          <a:xfrm>
+            <a:off x="10857926" y="4008346"/>
+            <a:ext cx="574196" cy="369332"/>
+          </a:xfrm>
+          <a:prstGeom prst="rect">
+            <a:avLst/>
+          </a:prstGeom>
+          <a:noFill/>
+        </p:spPr>
+        <p:txBody>
+          <a:bodyPr wrap="none" rtlCol="0">
+            <a:spAutoFit/>
+          </a:bodyPr>
+          <a:lstStyle/>
+          <a:p>
+            <a:r>
+              <a:rPr lang="fr-FR" dirty="0"/>
+              <a:t>CPU</a:t>
+            </a:r>
+          </a:p>
+        </p:txBody>
+      </p:sp>
+      <p:sp>
+        <p:nvSpPr>
+          <p:cNvPr id="27" name="TextBox 26">
+            <a:extLst>
+              <a:ext uri="{FF2B5EF4-FFF2-40B4-BE49-F238E27FC236}">
+                <a16:creationId xmlns:a16="http://schemas.microsoft.com/office/drawing/2014/main" id="{D8CD1AB3-1462-4CA2-8EC3-A32A8C6B8059}"/>
+              </a:ext>
+            </a:extLst>
+          </p:cNvPr>
+          <p:cNvSpPr txBox="1"/>
+          <p:nvPr/>
+        </p:nvSpPr>
+        <p:spPr>
+          <a:xfrm>
+            <a:off x="10766026" y="5221683"/>
+            <a:ext cx="803425" cy="369332"/>
+          </a:xfrm>
+          <a:prstGeom prst="rect">
+            <a:avLst/>
+          </a:prstGeom>
+          <a:noFill/>
+        </p:spPr>
+        <p:txBody>
+          <a:bodyPr wrap="none" rtlCol="0">
+            <a:spAutoFit/>
+          </a:bodyPr>
+          <a:lstStyle/>
+          <a:p>
+            <a:r>
+              <a:rPr lang="fr-FR" dirty="0" err="1"/>
+              <a:t>CtrlDD</a:t>
+            </a:r>
+            <a:endParaRPr lang="fr-FR" dirty="0"/>
+          </a:p>
+        </p:txBody>
+      </p:sp>
+      <p:cxnSp>
+        <p:nvCxnSpPr>
+          <p:cNvPr id="28" name="Straight Connector 27">
+            <a:extLst>
+              <a:ext uri="{FF2B5EF4-FFF2-40B4-BE49-F238E27FC236}">
+                <a16:creationId xmlns:a16="http://schemas.microsoft.com/office/drawing/2014/main" id="{EF17A291-4A95-4C77-A472-CBABD7341F69}"/>
+              </a:ext>
+            </a:extLst>
+          </p:cNvPr>
+          <p:cNvCxnSpPr/>
+          <p:nvPr/>
+        </p:nvCxnSpPr>
+        <p:spPr>
+          <a:xfrm>
+            <a:off x="767361" y="4193012"/>
+            <a:ext cx="0" cy="486201"/>
+          </a:xfrm>
+          <a:prstGeom prst="line">
+            <a:avLst/>
+          </a:prstGeom>
+          <a:ln w="76200"/>
+        </p:spPr>
+        <p:style>
+          <a:lnRef idx="1">
+            <a:schemeClr val="accent1"/>
+          </a:lnRef>
+          <a:fillRef idx="0">
+            <a:schemeClr val="accent1"/>
+          </a:fillRef>
+          <a:effectRef idx="0">
+            <a:schemeClr val="accent1"/>
+          </a:effectRef>
+          <a:fontRef idx="minor">
+            <a:schemeClr val="tx1"/>
+          </a:fontRef>
+        </p:style>
+      </p:cxnSp>
+      <p:sp>
+        <p:nvSpPr>
+          <p:cNvPr id="29" name="Rectangle 28">
+            <a:extLst>
+              <a:ext uri="{FF2B5EF4-FFF2-40B4-BE49-F238E27FC236}">
+                <a16:creationId xmlns:a16="http://schemas.microsoft.com/office/drawing/2014/main" id="{37618DA3-9C3F-4166-8155-BBC2BB0382F1}"/>
+              </a:ext>
+            </a:extLst>
+          </p:cNvPr>
+          <p:cNvSpPr/>
+          <p:nvPr/>
+        </p:nvSpPr>
+        <p:spPr>
+          <a:xfrm>
+            <a:off x="838201" y="4193012"/>
+            <a:ext cx="209450" cy="369332"/>
+          </a:xfrm>
+          <a:prstGeom prst="rect">
+            <a:avLst/>
+          </a:prstGeom>
+        </p:spPr>
+        <p:style>
+          <a:lnRef idx="2">
+            <a:schemeClr val="accent6">
+              <a:shade val="50000"/>
+            </a:schemeClr>
+          </a:lnRef>
+          <a:fillRef idx="1">
+            <a:schemeClr val="accent6"/>
+          </a:fillRef>
+          <a:effectRef idx="0">
+            <a:schemeClr val="accent6"/>
+          </a:effectRef>
+          <a:fontRef idx="minor">
+            <a:schemeClr val="lt1"/>
+          </a:fontRef>
+        </p:style>
+        <p:txBody>
+          <a:bodyPr rtlCol="0" anchor="ctr"/>
+          <a:lstStyle/>
+          <a:p>
+            <a:pPr algn="ctr"/>
+            <a:endParaRPr lang="fr-FR"/>
+          </a:p>
+        </p:txBody>
+      </p:sp>
+      <p:cxnSp>
+        <p:nvCxnSpPr>
+          <p:cNvPr id="30" name="Straight Arrow Connector 29">
+            <a:extLst>
+              <a:ext uri="{FF2B5EF4-FFF2-40B4-BE49-F238E27FC236}">
+                <a16:creationId xmlns:a16="http://schemas.microsoft.com/office/drawing/2014/main" id="{9A00D6D0-0154-4733-9B13-D599395019F1}"/>
+              </a:ext>
+            </a:extLst>
+          </p:cNvPr>
+          <p:cNvCxnSpPr/>
+          <p:nvPr/>
+        </p:nvCxnSpPr>
+        <p:spPr>
+          <a:xfrm>
+            <a:off x="918995" y="4679213"/>
+            <a:ext cx="128659" cy="873045"/>
+          </a:xfrm>
+          <a:prstGeom prst="straightConnector1">
+            <a:avLst/>
+          </a:prstGeom>
+          <a:ln w="76200">
+            <a:tailEnd type="triangle"/>
+          </a:ln>
+        </p:spPr>
+        <p:style>
+          <a:lnRef idx="1">
+            <a:schemeClr val="accent1"/>
+          </a:lnRef>
+          <a:fillRef idx="0">
+            <a:schemeClr val="accent1"/>
+          </a:fillRef>
+          <a:effectRef idx="0">
+            <a:schemeClr val="accent1"/>
+          </a:effectRef>
+          <a:fontRef idx="minor">
+            <a:schemeClr val="tx1"/>
+          </a:fontRef>
+        </p:style>
+      </p:cxnSp>
+      <p:sp>
+        <p:nvSpPr>
+          <p:cNvPr id="31" name="Rectangle 30">
+            <a:extLst>
+              <a:ext uri="{FF2B5EF4-FFF2-40B4-BE49-F238E27FC236}">
+                <a16:creationId xmlns:a16="http://schemas.microsoft.com/office/drawing/2014/main" id="{A5CFC3B1-EAC4-4BBD-828B-B30D4C5976EA}"/>
+              </a:ext>
+            </a:extLst>
+          </p:cNvPr>
+          <p:cNvSpPr/>
+          <p:nvPr/>
+        </p:nvSpPr>
+        <p:spPr>
+          <a:xfrm>
+            <a:off x="1144149" y="5446573"/>
+            <a:ext cx="3914918" cy="418143"/>
+          </a:xfrm>
+          <a:prstGeom prst="rect">
+            <a:avLst/>
+          </a:prstGeom>
+        </p:spPr>
+        <p:style>
+          <a:lnRef idx="2">
+            <a:schemeClr val="accent1">
+              <a:shade val="50000"/>
+            </a:schemeClr>
+          </a:lnRef>
+          <a:fillRef idx="1">
+            <a:schemeClr val="accent1"/>
+          </a:fillRef>
+          <a:effectRef idx="0">
+            <a:schemeClr val="accent1"/>
+          </a:effectRef>
+          <a:fontRef idx="minor">
+            <a:schemeClr val="lt1"/>
+          </a:fontRef>
+        </p:style>
+        <p:txBody>
+          <a:bodyPr rtlCol="0" anchor="ctr"/>
+          <a:lstStyle/>
+          <a:p>
+            <a:pPr algn="ctr"/>
+            <a:endParaRPr lang="fr-FR"/>
+          </a:p>
+        </p:txBody>
+      </p:sp>
+      <p:cxnSp>
+        <p:nvCxnSpPr>
+          <p:cNvPr id="32" name="Straight Arrow Connector 31">
+            <a:extLst>
+              <a:ext uri="{FF2B5EF4-FFF2-40B4-BE49-F238E27FC236}">
+                <a16:creationId xmlns:a16="http://schemas.microsoft.com/office/drawing/2014/main" id="{E0BDA5E8-DBB5-491C-ADB4-692D09B9F459}"/>
+              </a:ext>
+            </a:extLst>
+          </p:cNvPr>
+          <p:cNvCxnSpPr/>
+          <p:nvPr/>
+        </p:nvCxnSpPr>
+        <p:spPr>
+          <a:xfrm flipV="1">
+            <a:off x="5017713" y="4628668"/>
+            <a:ext cx="211368" cy="672015"/>
+          </a:xfrm>
+          <a:prstGeom prst="straightConnector1">
+            <a:avLst/>
+          </a:prstGeom>
+          <a:ln w="76200">
+            <a:tailEnd type="triangle"/>
+          </a:ln>
+        </p:spPr>
+        <p:style>
+          <a:lnRef idx="1">
+            <a:schemeClr val="accent1"/>
+          </a:lnRef>
+          <a:fillRef idx="0">
+            <a:schemeClr val="accent1"/>
+          </a:fillRef>
+          <a:effectRef idx="0">
+            <a:schemeClr val="accent1"/>
+          </a:effectRef>
+          <a:fontRef idx="minor">
+            <a:schemeClr val="tx1"/>
+          </a:fontRef>
+        </p:style>
+      </p:cxnSp>
+      <p:cxnSp>
+        <p:nvCxnSpPr>
+          <p:cNvPr id="33" name="Straight Arrow Connector 32">
+            <a:extLst>
+              <a:ext uri="{FF2B5EF4-FFF2-40B4-BE49-F238E27FC236}">
+                <a16:creationId xmlns:a16="http://schemas.microsoft.com/office/drawing/2014/main" id="{CA1E3B4A-70C9-47C8-99A3-832451C623D3}"/>
+              </a:ext>
+            </a:extLst>
+          </p:cNvPr>
+          <p:cNvCxnSpPr/>
+          <p:nvPr/>
+        </p:nvCxnSpPr>
+        <p:spPr>
+          <a:xfrm>
+            <a:off x="5380716" y="4679213"/>
+            <a:ext cx="206773" cy="693841"/>
+          </a:xfrm>
+          <a:prstGeom prst="straightConnector1">
+            <a:avLst/>
+          </a:prstGeom>
+          <a:ln w="76200">
+            <a:tailEnd type="triangle"/>
+          </a:ln>
+        </p:spPr>
+        <p:style>
+          <a:lnRef idx="1">
+            <a:schemeClr val="accent1"/>
+          </a:lnRef>
+          <a:fillRef idx="0">
+            <a:schemeClr val="accent1"/>
+          </a:fillRef>
+          <a:effectRef idx="0">
+            <a:schemeClr val="accent1"/>
+          </a:effectRef>
+          <a:fontRef idx="minor">
+            <a:schemeClr val="tx1"/>
+          </a:fontRef>
+        </p:style>
+      </p:cxnSp>
+      <p:sp>
+        <p:nvSpPr>
+          <p:cNvPr id="34" name="Rectangle 33">
+            <a:extLst>
+              <a:ext uri="{FF2B5EF4-FFF2-40B4-BE49-F238E27FC236}">
+                <a16:creationId xmlns:a16="http://schemas.microsoft.com/office/drawing/2014/main" id="{C7A85527-7457-4810-827C-63FCC4B005FD}"/>
+              </a:ext>
+            </a:extLst>
+          </p:cNvPr>
+          <p:cNvSpPr/>
+          <p:nvPr/>
+        </p:nvSpPr>
+        <p:spPr>
+          <a:xfrm>
+            <a:off x="5647990" y="5446573"/>
+            <a:ext cx="3914918" cy="418143"/>
+          </a:xfrm>
+          <a:prstGeom prst="rect">
+            <a:avLst/>
+          </a:prstGeom>
+        </p:spPr>
+        <p:style>
+          <a:lnRef idx="2">
+            <a:schemeClr val="accent1">
+              <a:shade val="50000"/>
+            </a:schemeClr>
+          </a:lnRef>
+          <a:fillRef idx="1">
+            <a:schemeClr val="accent1"/>
+          </a:fillRef>
+          <a:effectRef idx="0">
+            <a:schemeClr val="accent1"/>
+          </a:effectRef>
+          <a:fontRef idx="minor">
+            <a:schemeClr val="lt1"/>
+          </a:fontRef>
+        </p:style>
+        <p:txBody>
+          <a:bodyPr rtlCol="0" anchor="ctr"/>
+          <a:lstStyle/>
+          <a:p>
+            <a:pPr algn="ctr"/>
+            <a:endParaRPr lang="fr-FR"/>
+          </a:p>
+        </p:txBody>
+      </p:sp>
+      <p:cxnSp>
+        <p:nvCxnSpPr>
+          <p:cNvPr id="35" name="Straight Arrow Connector 34">
+            <a:extLst>
+              <a:ext uri="{FF2B5EF4-FFF2-40B4-BE49-F238E27FC236}">
+                <a16:creationId xmlns:a16="http://schemas.microsoft.com/office/drawing/2014/main" id="{8F5DB512-FDE3-4EAB-A50F-DC2475BB7B59}"/>
+              </a:ext>
+            </a:extLst>
+          </p:cNvPr>
+          <p:cNvCxnSpPr/>
+          <p:nvPr/>
+        </p:nvCxnSpPr>
+        <p:spPr>
+          <a:xfrm flipV="1">
+            <a:off x="9562908" y="4628668"/>
+            <a:ext cx="210604" cy="672015"/>
+          </a:xfrm>
+          <a:prstGeom prst="straightConnector1">
+            <a:avLst/>
+          </a:prstGeom>
+          <a:ln w="76200">
+            <a:tailEnd type="triangle"/>
+          </a:ln>
+        </p:spPr>
+        <p:style>
+          <a:lnRef idx="1">
+            <a:schemeClr val="accent1"/>
+          </a:lnRef>
+          <a:fillRef idx="0">
+            <a:schemeClr val="accent1"/>
+          </a:fillRef>
+          <a:effectRef idx="0">
+            <a:schemeClr val="accent1"/>
+          </a:effectRef>
+          <a:fontRef idx="minor">
+            <a:schemeClr val="tx1"/>
+          </a:fontRef>
+        </p:style>
+      </p:cxnSp>
+      <p:sp>
+        <p:nvSpPr>
+          <p:cNvPr id="36" name="TextBox 35">
+            <a:extLst>
+              <a:ext uri="{FF2B5EF4-FFF2-40B4-BE49-F238E27FC236}">
+                <a16:creationId xmlns:a16="http://schemas.microsoft.com/office/drawing/2014/main" id="{6BCB15DE-BE87-461E-89A1-F1EF48DD297F}"/>
+              </a:ext>
+            </a:extLst>
+          </p:cNvPr>
+          <p:cNvSpPr txBox="1"/>
+          <p:nvPr/>
+        </p:nvSpPr>
+        <p:spPr>
+          <a:xfrm>
+            <a:off x="1566886" y="4913560"/>
+            <a:ext cx="2370072" cy="369332"/>
+          </a:xfrm>
+          <a:prstGeom prst="rect">
+            <a:avLst/>
+          </a:prstGeom>
+          <a:noFill/>
+        </p:spPr>
+        <p:txBody>
+          <a:bodyPr wrap="none" rtlCol="0">
+            <a:spAutoFit/>
+          </a:bodyPr>
+          <a:lstStyle/>
+          <a:p>
+            <a:r>
+              <a:rPr lang="fr-FR" dirty="0"/>
+              <a:t>VERSION ASYNCHRONE</a:t>
+            </a:r>
+          </a:p>
+        </p:txBody>
+      </p:sp>
+      <p:sp>
+        <p:nvSpPr>
+          <p:cNvPr id="37" name="Rectangle 36">
+            <a:extLst>
+              <a:ext uri="{FF2B5EF4-FFF2-40B4-BE49-F238E27FC236}">
+                <a16:creationId xmlns:a16="http://schemas.microsoft.com/office/drawing/2014/main" id="{3D16736A-DC88-44D4-A854-CA811505574A}"/>
+              </a:ext>
+            </a:extLst>
+          </p:cNvPr>
+          <p:cNvSpPr/>
+          <p:nvPr/>
+        </p:nvSpPr>
+        <p:spPr>
+          <a:xfrm>
+            <a:off x="5171266" y="4207361"/>
+            <a:ext cx="209450" cy="369332"/>
+          </a:xfrm>
+          <a:prstGeom prst="rect">
+            <a:avLst/>
+          </a:prstGeom>
+        </p:spPr>
+        <p:style>
+          <a:lnRef idx="2">
+            <a:schemeClr val="accent6">
+              <a:shade val="50000"/>
+            </a:schemeClr>
+          </a:lnRef>
+          <a:fillRef idx="1">
+            <a:schemeClr val="accent6"/>
+          </a:fillRef>
+          <a:effectRef idx="0">
+            <a:schemeClr val="accent6"/>
+          </a:effectRef>
+          <a:fontRef idx="minor">
+            <a:schemeClr val="lt1"/>
+          </a:fontRef>
+        </p:style>
+        <p:txBody>
+          <a:bodyPr rtlCol="0" anchor="ctr"/>
+          <a:lstStyle/>
+          <a:p>
+            <a:pPr algn="ctr"/>
+            <a:endParaRPr lang="fr-FR"/>
+          </a:p>
+        </p:txBody>
+      </p:sp>
+      <p:sp>
+        <p:nvSpPr>
+          <p:cNvPr id="38" name="Rectangle 37">
+            <a:extLst>
+              <a:ext uri="{FF2B5EF4-FFF2-40B4-BE49-F238E27FC236}">
+                <a16:creationId xmlns:a16="http://schemas.microsoft.com/office/drawing/2014/main" id="{D2EEEE62-C297-4187-92C8-13FE564C21F4}"/>
+              </a:ext>
+            </a:extLst>
+          </p:cNvPr>
+          <p:cNvSpPr/>
+          <p:nvPr/>
+        </p:nvSpPr>
+        <p:spPr>
+          <a:xfrm>
+            <a:off x="9789215" y="4210926"/>
+            <a:ext cx="209450" cy="369332"/>
+          </a:xfrm>
+          <a:prstGeom prst="rect">
+            <a:avLst/>
+          </a:prstGeom>
+        </p:spPr>
+        <p:style>
+          <a:lnRef idx="2">
+            <a:schemeClr val="accent6">
+              <a:shade val="50000"/>
+            </a:schemeClr>
+          </a:lnRef>
+          <a:fillRef idx="1">
+            <a:schemeClr val="accent6"/>
+          </a:fillRef>
+          <a:effectRef idx="0">
+            <a:schemeClr val="accent6"/>
+          </a:effectRef>
+          <a:fontRef idx="minor">
+            <a:schemeClr val="lt1"/>
+          </a:fontRef>
+        </p:style>
+        <p:txBody>
+          <a:bodyPr rtlCol="0" anchor="ctr"/>
+          <a:lstStyle/>
+          <a:p>
+            <a:pPr algn="ctr"/>
+            <a:endParaRPr lang="fr-FR"/>
+          </a:p>
+        </p:txBody>
+      </p:sp>
+    </p:spTree>
+    <p:extLst>
+      <p:ext uri="{BB962C8B-B14F-4D97-AF65-F5344CB8AC3E}">
+        <p14:creationId xmlns:p14="http://schemas.microsoft.com/office/powerpoint/2010/main" val="1564754524"/>
+      </p:ext>
+    </p:extLst>
+  </p:cSld>
+  <p:clrMapOvr>
+    <a:masterClrMapping/>
+  </p:clrMapOvr>
+</p:sld>
+</file>
+
+<file path=ppt/slides/slide27.xml><?xml version="1.0" encoding="utf-8"?>
+<p:sld xmlns:a="http://schemas.openxmlformats.org/drawingml/2006/main" xmlns:r="http://schemas.openxmlformats.org/officeDocument/2006/relationships" xmlns:p="http://schemas.openxmlformats.org/presentationml/2006/main">
+  <p:cSld>
+    <p:spTree>
+      <p:nvGrpSpPr>
+        <p:cNvPr id="1" name=""/>
+        <p:cNvGrpSpPr/>
+        <p:nvPr/>
+      </p:nvGrpSpPr>
+      <p:grpSpPr>
+        <a:xfrm>
+          <a:off x="0" y="0"/>
+          <a:ext cx="0" cy="0"/>
+          <a:chOff x="0" y="0"/>
+          <a:chExt cx="0" cy="0"/>
+        </a:xfrm>
+      </p:grpSpPr>
+      <p:sp>
+        <p:nvSpPr>
+          <p:cNvPr id="8" name="Oval 7">
+            <a:extLst>
+              <a:ext uri="{FF2B5EF4-FFF2-40B4-BE49-F238E27FC236}">
+                <a16:creationId xmlns:a16="http://schemas.microsoft.com/office/drawing/2014/main" id="{E920EBD7-F69C-4808-BBE2-A85B40278B4E}"/>
+              </a:ext>
+            </a:extLst>
+          </p:cNvPr>
+          <p:cNvSpPr/>
+          <p:nvPr/>
+        </p:nvSpPr>
+        <p:spPr>
+          <a:xfrm>
+            <a:off x="8436374" y="817906"/>
+            <a:ext cx="960350" cy="574371"/>
+          </a:xfrm>
+          <a:prstGeom prst="ellipse">
+            <a:avLst/>
+          </a:prstGeom>
+        </p:spPr>
+        <p:style>
+          <a:lnRef idx="2">
+            <a:schemeClr val="accent6">
+              <a:shade val="50000"/>
+            </a:schemeClr>
+          </a:lnRef>
+          <a:fillRef idx="1">
+            <a:schemeClr val="accent6"/>
+          </a:fillRef>
+          <a:effectRef idx="0">
+            <a:schemeClr val="accent6"/>
+          </a:effectRef>
+          <a:fontRef idx="minor">
+            <a:schemeClr val="lt1"/>
+          </a:fontRef>
+        </p:style>
+        <p:txBody>
+          <a:bodyPr rtlCol="0" anchor="ctr"/>
+          <a:lstStyle/>
+          <a:p>
+            <a:pPr algn="ctr"/>
+            <a:endParaRPr lang="fr-FR"/>
+          </a:p>
+        </p:txBody>
+      </p:sp>
+      <p:sp>
+        <p:nvSpPr>
+          <p:cNvPr id="9" name="Oval 8">
+            <a:extLst>
+              <a:ext uri="{FF2B5EF4-FFF2-40B4-BE49-F238E27FC236}">
+                <a16:creationId xmlns:a16="http://schemas.microsoft.com/office/drawing/2014/main" id="{2A6CFFE9-B7EC-4B3D-B229-D7D18C4244A9}"/>
+              </a:ext>
+            </a:extLst>
+          </p:cNvPr>
+          <p:cNvSpPr/>
+          <p:nvPr/>
+        </p:nvSpPr>
+        <p:spPr>
+          <a:xfrm>
+            <a:off x="7973813" y="1544677"/>
+            <a:ext cx="960350" cy="574371"/>
+          </a:xfrm>
+          <a:prstGeom prst="ellipse">
+            <a:avLst/>
+          </a:prstGeom>
+        </p:spPr>
+        <p:style>
+          <a:lnRef idx="2">
+            <a:schemeClr val="accent6">
+              <a:shade val="50000"/>
+            </a:schemeClr>
+          </a:lnRef>
+          <a:fillRef idx="1">
+            <a:schemeClr val="accent6"/>
+          </a:fillRef>
+          <a:effectRef idx="0">
+            <a:schemeClr val="accent6"/>
+          </a:effectRef>
+          <a:fontRef idx="minor">
+            <a:schemeClr val="lt1"/>
+          </a:fontRef>
+        </p:style>
+        <p:txBody>
+          <a:bodyPr rtlCol="0" anchor="ctr"/>
+          <a:lstStyle/>
+          <a:p>
+            <a:pPr algn="ctr"/>
+            <a:endParaRPr lang="fr-FR"/>
+          </a:p>
+        </p:txBody>
+      </p:sp>
+      <p:sp>
+        <p:nvSpPr>
+          <p:cNvPr id="10" name="Oval 9">
+            <a:extLst>
+              <a:ext uri="{FF2B5EF4-FFF2-40B4-BE49-F238E27FC236}">
+                <a16:creationId xmlns:a16="http://schemas.microsoft.com/office/drawing/2014/main" id="{B653AD01-BF15-4B33-B5A7-3D7127A1CEDC}"/>
+              </a:ext>
+            </a:extLst>
+          </p:cNvPr>
+          <p:cNvSpPr/>
+          <p:nvPr/>
+        </p:nvSpPr>
+        <p:spPr>
+          <a:xfrm>
+            <a:off x="9236665" y="1489538"/>
+            <a:ext cx="960350" cy="574371"/>
+          </a:xfrm>
+          <a:prstGeom prst="ellipse">
+            <a:avLst/>
+          </a:prstGeom>
+        </p:spPr>
+        <p:style>
+          <a:lnRef idx="2">
+            <a:schemeClr val="accent6">
+              <a:shade val="50000"/>
+            </a:schemeClr>
+          </a:lnRef>
+          <a:fillRef idx="1">
+            <a:schemeClr val="accent6"/>
+          </a:fillRef>
+          <a:effectRef idx="0">
+            <a:schemeClr val="accent6"/>
+          </a:effectRef>
+          <a:fontRef idx="minor">
+            <a:schemeClr val="lt1"/>
+          </a:fontRef>
+        </p:style>
+        <p:txBody>
+          <a:bodyPr rtlCol="0" anchor="ctr"/>
+          <a:lstStyle/>
+          <a:p>
+            <a:pPr algn="ctr"/>
+            <a:endParaRPr lang="fr-FR"/>
+          </a:p>
+        </p:txBody>
+      </p:sp>
+      <p:sp>
+        <p:nvSpPr>
+          <p:cNvPr id="11" name="Oval 10">
+            <a:extLst>
+              <a:ext uri="{FF2B5EF4-FFF2-40B4-BE49-F238E27FC236}">
+                <a16:creationId xmlns:a16="http://schemas.microsoft.com/office/drawing/2014/main" id="{D3A2C594-92E2-491F-B007-2E847E729068}"/>
+              </a:ext>
+            </a:extLst>
+          </p:cNvPr>
+          <p:cNvSpPr/>
+          <p:nvPr/>
+        </p:nvSpPr>
+        <p:spPr>
+          <a:xfrm>
+            <a:off x="6879443" y="1489921"/>
+            <a:ext cx="960350" cy="574371"/>
+          </a:xfrm>
+          <a:prstGeom prst="ellipse">
+            <a:avLst/>
+          </a:prstGeom>
+        </p:spPr>
+        <p:style>
+          <a:lnRef idx="2">
+            <a:schemeClr val="accent6">
+              <a:shade val="50000"/>
+            </a:schemeClr>
+          </a:lnRef>
+          <a:fillRef idx="1">
+            <a:schemeClr val="accent6"/>
+          </a:fillRef>
+          <a:effectRef idx="0">
+            <a:schemeClr val="accent6"/>
+          </a:effectRef>
+          <a:fontRef idx="minor">
+            <a:schemeClr val="lt1"/>
+          </a:fontRef>
+        </p:style>
+        <p:txBody>
+          <a:bodyPr rtlCol="0" anchor="ctr"/>
+          <a:lstStyle/>
+          <a:p>
+            <a:pPr algn="ctr"/>
+            <a:endParaRPr lang="fr-FR"/>
+          </a:p>
+        </p:txBody>
+      </p:sp>
+      <p:sp>
+        <p:nvSpPr>
+          <p:cNvPr id="12" name="Oval 11">
+            <a:extLst>
+              <a:ext uri="{FF2B5EF4-FFF2-40B4-BE49-F238E27FC236}">
+                <a16:creationId xmlns:a16="http://schemas.microsoft.com/office/drawing/2014/main" id="{DA671396-6BC9-46CB-A578-50D72303C4AC}"/>
+              </a:ext>
+            </a:extLst>
+          </p:cNvPr>
+          <p:cNvSpPr/>
+          <p:nvPr/>
+        </p:nvSpPr>
+        <p:spPr>
+          <a:xfrm>
+            <a:off x="6544776" y="2768090"/>
+            <a:ext cx="960350" cy="574371"/>
+          </a:xfrm>
+          <a:prstGeom prst="ellipse">
+            <a:avLst/>
+          </a:prstGeom>
+        </p:spPr>
+        <p:style>
+          <a:lnRef idx="2">
+            <a:schemeClr val="accent6">
+              <a:shade val="50000"/>
+            </a:schemeClr>
+          </a:lnRef>
+          <a:fillRef idx="1">
+            <a:schemeClr val="accent6"/>
+          </a:fillRef>
+          <a:effectRef idx="0">
+            <a:schemeClr val="accent6"/>
+          </a:effectRef>
+          <a:fontRef idx="minor">
+            <a:schemeClr val="lt1"/>
+          </a:fontRef>
+        </p:style>
+        <p:txBody>
+          <a:bodyPr rtlCol="0" anchor="ctr"/>
+          <a:lstStyle/>
+          <a:p>
+            <a:pPr algn="ctr"/>
+            <a:endParaRPr lang="fr-FR"/>
+          </a:p>
+        </p:txBody>
+      </p:sp>
+      <p:sp>
+        <p:nvSpPr>
+          <p:cNvPr id="13" name="Oval 12">
+            <a:extLst>
+              <a:ext uri="{FF2B5EF4-FFF2-40B4-BE49-F238E27FC236}">
+                <a16:creationId xmlns:a16="http://schemas.microsoft.com/office/drawing/2014/main" id="{208EF22B-332C-4DF9-A6BE-80DCD34C54F3}"/>
+              </a:ext>
+            </a:extLst>
+          </p:cNvPr>
+          <p:cNvSpPr/>
+          <p:nvPr/>
+        </p:nvSpPr>
+        <p:spPr>
+          <a:xfrm>
+            <a:off x="8026519" y="2630241"/>
+            <a:ext cx="960350" cy="574371"/>
+          </a:xfrm>
+          <a:prstGeom prst="ellipse">
+            <a:avLst/>
+          </a:prstGeom>
+        </p:spPr>
+        <p:style>
+          <a:lnRef idx="2">
+            <a:schemeClr val="accent6">
+              <a:shade val="50000"/>
+            </a:schemeClr>
+          </a:lnRef>
+          <a:fillRef idx="1">
+            <a:schemeClr val="accent6"/>
+          </a:fillRef>
+          <a:effectRef idx="0">
+            <a:schemeClr val="accent6"/>
+          </a:effectRef>
+          <a:fontRef idx="minor">
+            <a:schemeClr val="lt1"/>
+          </a:fontRef>
+        </p:style>
+        <p:txBody>
+          <a:bodyPr rtlCol="0" anchor="ctr"/>
+          <a:lstStyle/>
+          <a:p>
+            <a:pPr algn="ctr"/>
+            <a:endParaRPr lang="fr-FR"/>
+          </a:p>
+        </p:txBody>
+      </p:sp>
+      <p:cxnSp>
+        <p:nvCxnSpPr>
+          <p:cNvPr id="15" name="Straight Arrow Connector 14">
+            <a:extLst>
+              <a:ext uri="{FF2B5EF4-FFF2-40B4-BE49-F238E27FC236}">
+                <a16:creationId xmlns:a16="http://schemas.microsoft.com/office/drawing/2014/main" id="{274964AB-1AA1-4EED-B5FF-777C82F467FD}"/>
+              </a:ext>
+            </a:extLst>
+          </p:cNvPr>
+          <p:cNvCxnSpPr>
+            <a:stCxn id="9" idx="0"/>
+            <a:endCxn id="8" idx="3"/>
+          </p:cNvCxnSpPr>
+          <p:nvPr/>
+        </p:nvCxnSpPr>
+        <p:spPr>
+          <a:xfrm flipV="1">
+            <a:off x="8453988" y="1308162"/>
+            <a:ext cx="123026" cy="236515"/>
+          </a:xfrm>
+          <a:prstGeom prst="straightConnector1">
+            <a:avLst/>
+          </a:prstGeom>
+          <a:ln w="76200">
+            <a:tailEnd type="triangle"/>
+          </a:ln>
+        </p:spPr>
+        <p:style>
+          <a:lnRef idx="1">
+            <a:schemeClr val="accent1"/>
+          </a:lnRef>
+          <a:fillRef idx="0">
+            <a:schemeClr val="accent1"/>
+          </a:fillRef>
+          <a:effectRef idx="0">
+            <a:schemeClr val="accent1"/>
+          </a:effectRef>
+          <a:fontRef idx="minor">
+            <a:schemeClr val="tx1"/>
+          </a:fontRef>
+        </p:style>
+      </p:cxnSp>
+      <p:cxnSp>
+        <p:nvCxnSpPr>
+          <p:cNvPr id="17" name="Straight Arrow Connector 16">
+            <a:extLst>
+              <a:ext uri="{FF2B5EF4-FFF2-40B4-BE49-F238E27FC236}">
+                <a16:creationId xmlns:a16="http://schemas.microsoft.com/office/drawing/2014/main" id="{DD2FF250-F47B-4E8D-B6A8-0AC81AFD7867}"/>
+              </a:ext>
+            </a:extLst>
+          </p:cNvPr>
+          <p:cNvCxnSpPr>
+            <a:stCxn id="11" idx="0"/>
+            <a:endCxn id="8" idx="2"/>
+          </p:cNvCxnSpPr>
+          <p:nvPr/>
+        </p:nvCxnSpPr>
+        <p:spPr>
+          <a:xfrm flipV="1">
+            <a:off x="7359618" y="1105092"/>
+            <a:ext cx="1076756" cy="384829"/>
+          </a:xfrm>
+          <a:prstGeom prst="straightConnector1">
+            <a:avLst/>
+          </a:prstGeom>
+          <a:ln w="76200">
+            <a:tailEnd type="triangle"/>
+          </a:ln>
+        </p:spPr>
+        <p:style>
+          <a:lnRef idx="1">
+            <a:schemeClr val="accent1"/>
+          </a:lnRef>
+          <a:fillRef idx="0">
+            <a:schemeClr val="accent1"/>
+          </a:fillRef>
+          <a:effectRef idx="0">
+            <a:schemeClr val="accent1"/>
+          </a:effectRef>
+          <a:fontRef idx="minor">
+            <a:schemeClr val="tx1"/>
+          </a:fontRef>
+        </p:style>
+      </p:cxnSp>
+      <p:cxnSp>
+        <p:nvCxnSpPr>
+          <p:cNvPr id="19" name="Straight Arrow Connector 18">
+            <a:extLst>
+              <a:ext uri="{FF2B5EF4-FFF2-40B4-BE49-F238E27FC236}">
+                <a16:creationId xmlns:a16="http://schemas.microsoft.com/office/drawing/2014/main" id="{29F444A1-55FD-44A6-9D07-A2D9B00E9D7F}"/>
+              </a:ext>
+            </a:extLst>
+          </p:cNvPr>
+          <p:cNvCxnSpPr>
+            <a:cxnSpLocks/>
+            <a:stCxn id="10" idx="0"/>
+            <a:endCxn id="8" idx="5"/>
+          </p:cNvCxnSpPr>
+          <p:nvPr/>
+        </p:nvCxnSpPr>
+        <p:spPr>
+          <a:xfrm flipH="1" flipV="1">
+            <a:off x="9256084" y="1308162"/>
+            <a:ext cx="460756" cy="181376"/>
+          </a:xfrm>
+          <a:prstGeom prst="straightConnector1">
+            <a:avLst/>
+          </a:prstGeom>
+          <a:ln w="76200">
+            <a:tailEnd type="triangle"/>
+          </a:ln>
+        </p:spPr>
+        <p:style>
+          <a:lnRef idx="1">
+            <a:schemeClr val="accent1"/>
+          </a:lnRef>
+          <a:fillRef idx="0">
+            <a:schemeClr val="accent1"/>
+          </a:fillRef>
+          <a:effectRef idx="0">
+            <a:schemeClr val="accent1"/>
+          </a:effectRef>
+          <a:fontRef idx="minor">
+            <a:schemeClr val="tx1"/>
+          </a:fontRef>
+        </p:style>
+      </p:cxnSp>
+      <p:cxnSp>
+        <p:nvCxnSpPr>
+          <p:cNvPr id="22" name="Straight Arrow Connector 21">
+            <a:extLst>
+              <a:ext uri="{FF2B5EF4-FFF2-40B4-BE49-F238E27FC236}">
+                <a16:creationId xmlns:a16="http://schemas.microsoft.com/office/drawing/2014/main" id="{FECAFFE6-E07A-413C-94F4-842FAC454834}"/>
+              </a:ext>
+            </a:extLst>
+          </p:cNvPr>
+          <p:cNvCxnSpPr>
+            <a:stCxn id="13" idx="0"/>
+            <a:endCxn id="9" idx="4"/>
+          </p:cNvCxnSpPr>
+          <p:nvPr/>
+        </p:nvCxnSpPr>
+        <p:spPr>
+          <a:xfrm flipH="1" flipV="1">
+            <a:off x="8453988" y="2119048"/>
+            <a:ext cx="52706" cy="511193"/>
+          </a:xfrm>
+          <a:prstGeom prst="straightConnector1">
+            <a:avLst/>
+          </a:prstGeom>
+          <a:ln w="76200">
+            <a:tailEnd type="triangle"/>
+          </a:ln>
+        </p:spPr>
+        <p:style>
+          <a:lnRef idx="1">
+            <a:schemeClr val="accent1"/>
+          </a:lnRef>
+          <a:fillRef idx="0">
+            <a:schemeClr val="accent1"/>
+          </a:fillRef>
+          <a:effectRef idx="0">
+            <a:schemeClr val="accent1"/>
+          </a:effectRef>
+          <a:fontRef idx="minor">
+            <a:schemeClr val="tx1"/>
+          </a:fontRef>
+        </p:style>
+      </p:cxnSp>
+      <p:cxnSp>
+        <p:nvCxnSpPr>
+          <p:cNvPr id="24" name="Straight Arrow Connector 23">
+            <a:extLst>
+              <a:ext uri="{FF2B5EF4-FFF2-40B4-BE49-F238E27FC236}">
+                <a16:creationId xmlns:a16="http://schemas.microsoft.com/office/drawing/2014/main" id="{FE4808B6-A212-401E-9C3F-F7977724EAF1}"/>
+              </a:ext>
+            </a:extLst>
+          </p:cNvPr>
+          <p:cNvCxnSpPr>
+            <a:stCxn id="12" idx="0"/>
+            <a:endCxn id="9" idx="4"/>
+          </p:cNvCxnSpPr>
+          <p:nvPr/>
+        </p:nvCxnSpPr>
+        <p:spPr>
+          <a:xfrm flipV="1">
+            <a:off x="7024951" y="2119048"/>
+            <a:ext cx="1429037" cy="649042"/>
+          </a:xfrm>
+          <a:prstGeom prst="straightConnector1">
+            <a:avLst/>
+          </a:prstGeom>
+          <a:ln w="76200">
+            <a:tailEnd type="triangle"/>
+          </a:ln>
+        </p:spPr>
+        <p:style>
+          <a:lnRef idx="1">
+            <a:schemeClr val="accent1"/>
+          </a:lnRef>
+          <a:fillRef idx="0">
+            <a:schemeClr val="accent1"/>
+          </a:fillRef>
+          <a:effectRef idx="0">
+            <a:schemeClr val="accent1"/>
+          </a:effectRef>
+          <a:fontRef idx="minor">
+            <a:schemeClr val="tx1"/>
+          </a:fontRef>
+        </p:style>
+      </p:cxnSp>
+      <p:sp>
+        <p:nvSpPr>
+          <p:cNvPr id="25" name="Rectangle 24">
+            <a:extLst>
+              <a:ext uri="{FF2B5EF4-FFF2-40B4-BE49-F238E27FC236}">
+                <a16:creationId xmlns:a16="http://schemas.microsoft.com/office/drawing/2014/main" id="{309C02ED-70EA-4CBB-BF60-5D5B19D0B75B}"/>
+              </a:ext>
+            </a:extLst>
+          </p:cNvPr>
+          <p:cNvSpPr/>
+          <p:nvPr/>
+        </p:nvSpPr>
+        <p:spPr>
+          <a:xfrm>
+            <a:off x="791375" y="974135"/>
+            <a:ext cx="3855184" cy="2676190"/>
+          </a:xfrm>
+          <a:prstGeom prst="rect">
+            <a:avLst/>
+          </a:prstGeom>
+        </p:spPr>
+        <p:style>
+          <a:lnRef idx="2">
+            <a:schemeClr val="accent5"/>
+          </a:lnRef>
+          <a:fillRef idx="1">
+            <a:schemeClr val="lt1"/>
+          </a:fillRef>
+          <a:effectRef idx="0">
+            <a:schemeClr val="accent5"/>
+          </a:effectRef>
+          <a:fontRef idx="minor">
+            <a:schemeClr val="dk1"/>
+          </a:fontRef>
+        </p:style>
+        <p:txBody>
+          <a:bodyPr rtlCol="0" anchor="ctr"/>
+          <a:lstStyle/>
+          <a:p>
+            <a:pPr algn="ctr"/>
+            <a:endParaRPr lang="fr-FR"/>
+          </a:p>
+        </p:txBody>
+      </p:sp>
+      <p:sp>
+        <p:nvSpPr>
+          <p:cNvPr id="26" name="TextBox 25">
+            <a:extLst>
+              <a:ext uri="{FF2B5EF4-FFF2-40B4-BE49-F238E27FC236}">
+                <a16:creationId xmlns:a16="http://schemas.microsoft.com/office/drawing/2014/main" id="{79758F6D-5076-4550-92BC-BABAF6FBCC2E}"/>
+              </a:ext>
+            </a:extLst>
+          </p:cNvPr>
+          <p:cNvSpPr txBox="1"/>
+          <p:nvPr/>
+        </p:nvSpPr>
+        <p:spPr>
+          <a:xfrm>
+            <a:off x="1015489" y="505447"/>
+            <a:ext cx="679545" cy="369332"/>
+          </a:xfrm>
+          <a:prstGeom prst="rect">
+            <a:avLst/>
+          </a:prstGeom>
+          <a:noFill/>
+        </p:spPr>
+        <p:txBody>
+          <a:bodyPr wrap="none" rtlCol="0">
+            <a:spAutoFit/>
+          </a:bodyPr>
+          <a:lstStyle/>
+          <a:p>
+            <a:r>
+              <a:rPr lang="en-US" dirty="0"/>
+              <a:t>Store</a:t>
+            </a:r>
+            <a:endParaRPr lang="fr-FR" dirty="0"/>
+          </a:p>
+        </p:txBody>
+      </p:sp>
+      <p:sp>
+        <p:nvSpPr>
+          <p:cNvPr id="27" name="Rectangle 26">
+            <a:extLst>
+              <a:ext uri="{FF2B5EF4-FFF2-40B4-BE49-F238E27FC236}">
+                <a16:creationId xmlns:a16="http://schemas.microsoft.com/office/drawing/2014/main" id="{78E394F7-DDBE-4526-8421-293B7367A03E}"/>
+              </a:ext>
+            </a:extLst>
+          </p:cNvPr>
+          <p:cNvSpPr/>
+          <p:nvPr/>
+        </p:nvSpPr>
+        <p:spPr>
+          <a:xfrm>
+            <a:off x="1199288" y="1167124"/>
+            <a:ext cx="863856" cy="1098199"/>
+          </a:xfrm>
+          <a:prstGeom prst="rect">
+            <a:avLst/>
+          </a:prstGeom>
+        </p:spPr>
+        <p:style>
+          <a:lnRef idx="2">
+            <a:schemeClr val="accent1">
+              <a:shade val="50000"/>
+            </a:schemeClr>
+          </a:lnRef>
+          <a:fillRef idx="1">
+            <a:schemeClr val="accent1"/>
+          </a:fillRef>
+          <a:effectRef idx="0">
+            <a:schemeClr val="accent1"/>
+          </a:effectRef>
+          <a:fontRef idx="minor">
+            <a:schemeClr val="lt1"/>
+          </a:fontRef>
+        </p:style>
+        <p:txBody>
+          <a:bodyPr rtlCol="0" anchor="ctr"/>
+          <a:lstStyle/>
+          <a:p>
+            <a:pPr algn="ctr"/>
+            <a:r>
+              <a:rPr lang="en-US" dirty="0"/>
+              <a:t>articles</a:t>
+            </a:r>
+            <a:endParaRPr lang="fr-FR" dirty="0"/>
+          </a:p>
+        </p:txBody>
+      </p:sp>
+      <p:cxnSp>
+        <p:nvCxnSpPr>
+          <p:cNvPr id="32" name="Straight Arrow Connector 31">
+            <a:extLst>
+              <a:ext uri="{FF2B5EF4-FFF2-40B4-BE49-F238E27FC236}">
+                <a16:creationId xmlns:a16="http://schemas.microsoft.com/office/drawing/2014/main" id="{F44F07CC-3FA4-43BB-B10F-8E03F0FEC984}"/>
+              </a:ext>
+            </a:extLst>
+          </p:cNvPr>
+          <p:cNvCxnSpPr/>
+          <p:nvPr/>
+        </p:nvCxnSpPr>
+        <p:spPr>
+          <a:xfrm flipV="1">
+            <a:off x="4705254" y="874779"/>
+            <a:ext cx="3775087" cy="292345"/>
+          </a:xfrm>
+          <a:prstGeom prst="straightConnector1">
+            <a:avLst/>
+          </a:prstGeom>
+          <a:ln w="76200">
+            <a:tailEnd type="triangle"/>
+          </a:ln>
+        </p:spPr>
+        <p:style>
+          <a:lnRef idx="1">
+            <a:schemeClr val="accent1"/>
+          </a:lnRef>
+          <a:fillRef idx="0">
+            <a:schemeClr val="accent1"/>
+          </a:fillRef>
+          <a:effectRef idx="0">
+            <a:schemeClr val="accent1"/>
+          </a:effectRef>
+          <a:fontRef idx="minor">
+            <a:schemeClr val="tx1"/>
+          </a:fontRef>
+        </p:style>
+      </p:cxnSp>
+      <p:cxnSp>
+        <p:nvCxnSpPr>
+          <p:cNvPr id="34" name="Straight Arrow Connector 33">
+            <a:extLst>
+              <a:ext uri="{FF2B5EF4-FFF2-40B4-BE49-F238E27FC236}">
+                <a16:creationId xmlns:a16="http://schemas.microsoft.com/office/drawing/2014/main" id="{0E8241D9-63D3-48C6-AAEE-7660241E37C1}"/>
+              </a:ext>
+            </a:extLst>
+          </p:cNvPr>
+          <p:cNvCxnSpPr/>
+          <p:nvPr/>
+        </p:nvCxnSpPr>
+        <p:spPr>
+          <a:xfrm>
+            <a:off x="4728229" y="1435165"/>
+            <a:ext cx="1902320" cy="1347476"/>
+          </a:xfrm>
+          <a:prstGeom prst="straightConnector1">
+            <a:avLst/>
+          </a:prstGeom>
+          <a:ln w="76200">
+            <a:tailEnd type="triangle"/>
+          </a:ln>
+        </p:spPr>
+        <p:style>
+          <a:lnRef idx="1">
+            <a:schemeClr val="accent1"/>
+          </a:lnRef>
+          <a:fillRef idx="0">
+            <a:schemeClr val="accent1"/>
+          </a:fillRef>
+          <a:effectRef idx="0">
+            <a:schemeClr val="accent1"/>
+          </a:effectRef>
+          <a:fontRef idx="minor">
+            <a:schemeClr val="tx1"/>
+          </a:fontRef>
+        </p:style>
+      </p:cxnSp>
+      <p:sp>
+        <p:nvSpPr>
+          <p:cNvPr id="35" name="Rectangle 34">
+            <a:extLst>
+              <a:ext uri="{FF2B5EF4-FFF2-40B4-BE49-F238E27FC236}">
+                <a16:creationId xmlns:a16="http://schemas.microsoft.com/office/drawing/2014/main" id="{2DFA344E-0F2B-463A-B7F3-87A3D406D9FB}"/>
+              </a:ext>
+            </a:extLst>
+          </p:cNvPr>
+          <p:cNvSpPr/>
+          <p:nvPr/>
+        </p:nvSpPr>
+        <p:spPr>
+          <a:xfrm>
+            <a:off x="3367652" y="1257210"/>
+            <a:ext cx="897278" cy="1024680"/>
+          </a:xfrm>
+          <a:prstGeom prst="rect">
+            <a:avLst/>
+          </a:prstGeom>
+        </p:spPr>
+        <p:style>
+          <a:lnRef idx="2">
+            <a:schemeClr val="accent1">
+              <a:shade val="50000"/>
+            </a:schemeClr>
+          </a:lnRef>
+          <a:fillRef idx="1">
+            <a:schemeClr val="accent1"/>
+          </a:fillRef>
+          <a:effectRef idx="0">
+            <a:schemeClr val="accent1"/>
+          </a:effectRef>
+          <a:fontRef idx="minor">
+            <a:schemeClr val="lt1"/>
+          </a:fontRef>
+        </p:style>
+        <p:txBody>
+          <a:bodyPr rtlCol="0" anchor="ctr"/>
+          <a:lstStyle/>
+          <a:p>
+            <a:pPr algn="ctr"/>
+            <a:r>
+              <a:rPr lang="en-US" dirty="0" err="1"/>
+              <a:t>url</a:t>
+            </a:r>
+            <a:endParaRPr lang="fr-FR" dirty="0"/>
+          </a:p>
+        </p:txBody>
+      </p:sp>
+      <p:sp>
+        <p:nvSpPr>
+          <p:cNvPr id="36" name="Rectangle 35">
+            <a:extLst>
+              <a:ext uri="{FF2B5EF4-FFF2-40B4-BE49-F238E27FC236}">
+                <a16:creationId xmlns:a16="http://schemas.microsoft.com/office/drawing/2014/main" id="{E935528D-1AA3-47A1-8C8F-88CBDF32AD06}"/>
+              </a:ext>
+            </a:extLst>
+          </p:cNvPr>
+          <p:cNvSpPr/>
+          <p:nvPr/>
+        </p:nvSpPr>
+        <p:spPr>
+          <a:xfrm>
+            <a:off x="3154246" y="2668342"/>
+            <a:ext cx="835027" cy="712220"/>
+          </a:xfrm>
+          <a:prstGeom prst="rect">
+            <a:avLst/>
+          </a:prstGeom>
+        </p:spPr>
+        <p:style>
+          <a:lnRef idx="2">
+            <a:schemeClr val="accent1">
+              <a:shade val="50000"/>
+            </a:schemeClr>
+          </a:lnRef>
+          <a:fillRef idx="1">
+            <a:schemeClr val="accent1"/>
+          </a:fillRef>
+          <a:effectRef idx="0">
+            <a:schemeClr val="accent1"/>
+          </a:effectRef>
+          <a:fontRef idx="minor">
+            <a:schemeClr val="lt1"/>
+          </a:fontRef>
+        </p:style>
+        <p:txBody>
+          <a:bodyPr rtlCol="0" anchor="ctr"/>
+          <a:lstStyle/>
+          <a:p>
+            <a:pPr algn="ctr"/>
+            <a:r>
+              <a:rPr lang="en-US" dirty="0" err="1"/>
+              <a:t>connexion</a:t>
+            </a:r>
+            <a:endParaRPr lang="fr-FR" dirty="0"/>
+          </a:p>
+        </p:txBody>
+      </p:sp>
+      <p:cxnSp>
+        <p:nvCxnSpPr>
+          <p:cNvPr id="38" name="Straight Arrow Connector 37">
+            <a:extLst>
+              <a:ext uri="{FF2B5EF4-FFF2-40B4-BE49-F238E27FC236}">
+                <a16:creationId xmlns:a16="http://schemas.microsoft.com/office/drawing/2014/main" id="{4EF08677-C42B-4CF2-B395-95D062A7CCA6}"/>
+              </a:ext>
+            </a:extLst>
+          </p:cNvPr>
+          <p:cNvCxnSpPr>
+            <a:cxnSpLocks/>
+          </p:cNvCxnSpPr>
+          <p:nvPr/>
+        </p:nvCxnSpPr>
+        <p:spPr>
+          <a:xfrm flipH="1">
+            <a:off x="5095198" y="3204612"/>
+            <a:ext cx="3033313" cy="2477638"/>
+          </a:xfrm>
+          <a:prstGeom prst="straightConnector1">
+            <a:avLst/>
+          </a:prstGeom>
+          <a:ln w="76200">
+            <a:tailEnd type="triangle"/>
+          </a:ln>
+        </p:spPr>
+        <p:style>
+          <a:lnRef idx="1">
+            <a:schemeClr val="accent1"/>
+          </a:lnRef>
+          <a:fillRef idx="0">
+            <a:schemeClr val="accent1"/>
+          </a:fillRef>
+          <a:effectRef idx="0">
+            <a:schemeClr val="accent1"/>
+          </a:effectRef>
+          <a:fontRef idx="minor">
+            <a:schemeClr val="tx1"/>
+          </a:fontRef>
+        </p:style>
+      </p:cxnSp>
+      <p:cxnSp>
+        <p:nvCxnSpPr>
+          <p:cNvPr id="40" name="Straight Arrow Connector 39">
+            <a:extLst>
+              <a:ext uri="{FF2B5EF4-FFF2-40B4-BE49-F238E27FC236}">
+                <a16:creationId xmlns:a16="http://schemas.microsoft.com/office/drawing/2014/main" id="{963A09C1-083A-482B-A6F5-759739CAEB45}"/>
+              </a:ext>
+            </a:extLst>
+          </p:cNvPr>
+          <p:cNvCxnSpPr/>
+          <p:nvPr/>
+        </p:nvCxnSpPr>
+        <p:spPr>
+          <a:xfrm flipH="1">
+            <a:off x="5167952" y="1962054"/>
+            <a:ext cx="1711491" cy="2575483"/>
+          </a:xfrm>
+          <a:prstGeom prst="straightConnector1">
+            <a:avLst/>
+          </a:prstGeom>
+          <a:ln w="76200">
+            <a:tailEnd type="triangle"/>
+          </a:ln>
+        </p:spPr>
+        <p:style>
+          <a:lnRef idx="1">
+            <a:schemeClr val="accent1"/>
+          </a:lnRef>
+          <a:fillRef idx="0">
+            <a:schemeClr val="accent1"/>
+          </a:fillRef>
+          <a:effectRef idx="0">
+            <a:schemeClr val="accent1"/>
+          </a:effectRef>
+          <a:fontRef idx="minor">
+            <a:schemeClr val="tx1"/>
+          </a:fontRef>
+        </p:style>
+      </p:cxnSp>
+      <p:sp>
+        <p:nvSpPr>
+          <p:cNvPr id="41" name="Rectangle 40">
+            <a:extLst>
+              <a:ext uri="{FF2B5EF4-FFF2-40B4-BE49-F238E27FC236}">
+                <a16:creationId xmlns:a16="http://schemas.microsoft.com/office/drawing/2014/main" id="{7B810DB2-6DC2-42DB-9196-68EC408A7558}"/>
+              </a:ext>
+            </a:extLst>
+          </p:cNvPr>
+          <p:cNvSpPr/>
+          <p:nvPr/>
+        </p:nvSpPr>
+        <p:spPr>
+          <a:xfrm>
+            <a:off x="3850589" y="4268732"/>
+            <a:ext cx="1245238" cy="574372"/>
+          </a:xfrm>
+          <a:prstGeom prst="rect">
+            <a:avLst/>
+          </a:prstGeom>
+        </p:spPr>
+        <p:style>
+          <a:lnRef idx="2">
+            <a:schemeClr val="accent1">
+              <a:shade val="50000"/>
+            </a:schemeClr>
+          </a:lnRef>
+          <a:fillRef idx="1">
+            <a:schemeClr val="accent1"/>
+          </a:fillRef>
+          <a:effectRef idx="0">
+            <a:schemeClr val="accent1"/>
+          </a:effectRef>
+          <a:fontRef idx="minor">
+            <a:schemeClr val="lt1"/>
+          </a:fontRef>
+        </p:style>
+        <p:txBody>
+          <a:bodyPr rtlCol="0" anchor="ctr"/>
+          <a:lstStyle/>
+          <a:p>
+            <a:pPr algn="ctr"/>
+            <a:r>
+              <a:rPr lang="en-US" dirty="0"/>
+              <a:t>action</a:t>
+            </a:r>
+            <a:endParaRPr lang="fr-FR" dirty="0"/>
+          </a:p>
+        </p:txBody>
+      </p:sp>
+      <p:sp>
+        <p:nvSpPr>
+          <p:cNvPr id="42" name="Rectangle 41">
+            <a:extLst>
+              <a:ext uri="{FF2B5EF4-FFF2-40B4-BE49-F238E27FC236}">
+                <a16:creationId xmlns:a16="http://schemas.microsoft.com/office/drawing/2014/main" id="{49062146-3486-4184-B84B-4D31A40E6AF2}"/>
+              </a:ext>
+            </a:extLst>
+          </p:cNvPr>
+          <p:cNvSpPr/>
+          <p:nvPr/>
+        </p:nvSpPr>
+        <p:spPr>
+          <a:xfrm>
+            <a:off x="3777069" y="5395064"/>
+            <a:ext cx="1245238" cy="574372"/>
+          </a:xfrm>
+          <a:prstGeom prst="rect">
+            <a:avLst/>
+          </a:prstGeom>
+        </p:spPr>
+        <p:style>
+          <a:lnRef idx="2">
+            <a:schemeClr val="accent1">
+              <a:shade val="50000"/>
+            </a:schemeClr>
+          </a:lnRef>
+          <a:fillRef idx="1">
+            <a:schemeClr val="accent1"/>
+          </a:fillRef>
+          <a:effectRef idx="0">
+            <a:schemeClr val="accent1"/>
+          </a:effectRef>
+          <a:fontRef idx="minor">
+            <a:schemeClr val="lt1"/>
+          </a:fontRef>
+        </p:style>
+        <p:txBody>
+          <a:bodyPr rtlCol="0" anchor="ctr"/>
+          <a:lstStyle/>
+          <a:p>
+            <a:pPr algn="ctr"/>
+            <a:r>
+              <a:rPr lang="en-US" dirty="0"/>
+              <a:t>action</a:t>
+            </a:r>
+            <a:endParaRPr lang="fr-FR" dirty="0"/>
+          </a:p>
+        </p:txBody>
+      </p:sp>
+      <p:cxnSp>
+        <p:nvCxnSpPr>
+          <p:cNvPr id="44" name="Straight Arrow Connector 43">
+            <a:extLst>
+              <a:ext uri="{FF2B5EF4-FFF2-40B4-BE49-F238E27FC236}">
+                <a16:creationId xmlns:a16="http://schemas.microsoft.com/office/drawing/2014/main" id="{47C471B5-D7B5-40AB-8624-8B4E7D570355}"/>
+              </a:ext>
+            </a:extLst>
+          </p:cNvPr>
+          <p:cNvCxnSpPr/>
+          <p:nvPr/>
+        </p:nvCxnSpPr>
+        <p:spPr>
+          <a:xfrm flipH="1" flipV="1">
+            <a:off x="3167606" y="3519751"/>
+            <a:ext cx="563514" cy="946565"/>
+          </a:xfrm>
+          <a:prstGeom prst="straightConnector1">
+            <a:avLst/>
+          </a:prstGeom>
+          <a:ln w="76200">
+            <a:tailEnd type="triangle"/>
+          </a:ln>
+        </p:spPr>
+        <p:style>
+          <a:lnRef idx="1">
+            <a:schemeClr val="accent1"/>
+          </a:lnRef>
+          <a:fillRef idx="0">
+            <a:schemeClr val="accent1"/>
+          </a:fillRef>
+          <a:effectRef idx="0">
+            <a:schemeClr val="accent1"/>
+          </a:effectRef>
+          <a:fontRef idx="minor">
+            <a:schemeClr val="tx1"/>
+          </a:fontRef>
+        </p:style>
+      </p:cxnSp>
+      <p:cxnSp>
+        <p:nvCxnSpPr>
+          <p:cNvPr id="47" name="Straight Arrow Connector 46">
+            <a:extLst>
+              <a:ext uri="{FF2B5EF4-FFF2-40B4-BE49-F238E27FC236}">
+                <a16:creationId xmlns:a16="http://schemas.microsoft.com/office/drawing/2014/main" id="{C85096BD-D71F-4244-AA93-69BC82E57B5E}"/>
+              </a:ext>
+            </a:extLst>
+          </p:cNvPr>
+          <p:cNvCxnSpPr/>
+          <p:nvPr/>
+        </p:nvCxnSpPr>
+        <p:spPr>
+          <a:xfrm flipH="1" flipV="1">
+            <a:off x="1920727" y="3585904"/>
+            <a:ext cx="1784217" cy="2167004"/>
+          </a:xfrm>
+          <a:prstGeom prst="straightConnector1">
+            <a:avLst/>
+          </a:prstGeom>
+          <a:ln w="76200">
+            <a:tailEnd type="triangle"/>
+          </a:ln>
+        </p:spPr>
+        <p:style>
+          <a:lnRef idx="1">
+            <a:schemeClr val="accent1"/>
+          </a:lnRef>
+          <a:fillRef idx="0">
+            <a:schemeClr val="accent1"/>
+          </a:fillRef>
+          <a:effectRef idx="0">
+            <a:schemeClr val="accent1"/>
+          </a:effectRef>
+          <a:fontRef idx="minor">
+            <a:schemeClr val="tx1"/>
+          </a:fontRef>
+        </p:style>
+      </p:cxnSp>
+      <p:sp>
+        <p:nvSpPr>
+          <p:cNvPr id="48" name="Rectangle 47">
+            <a:extLst>
+              <a:ext uri="{FF2B5EF4-FFF2-40B4-BE49-F238E27FC236}">
+                <a16:creationId xmlns:a16="http://schemas.microsoft.com/office/drawing/2014/main" id="{B781FFB5-3B68-4AFD-98AD-22CF5A431D6A}"/>
+              </a:ext>
+            </a:extLst>
+          </p:cNvPr>
+          <p:cNvSpPr/>
+          <p:nvPr/>
+        </p:nvSpPr>
+        <p:spPr>
+          <a:xfrm>
+            <a:off x="840744" y="2413420"/>
+            <a:ext cx="1217668" cy="641855"/>
+          </a:xfrm>
+          <a:prstGeom prst="rect">
+            <a:avLst/>
+          </a:prstGeom>
+        </p:spPr>
+        <p:style>
+          <a:lnRef idx="2">
+            <a:schemeClr val="accent1">
+              <a:shade val="50000"/>
+            </a:schemeClr>
+          </a:lnRef>
+          <a:fillRef idx="1">
+            <a:schemeClr val="accent1"/>
+          </a:fillRef>
+          <a:effectRef idx="0">
+            <a:schemeClr val="accent1"/>
+          </a:effectRef>
+          <a:fontRef idx="minor">
+            <a:schemeClr val="lt1"/>
+          </a:fontRef>
+        </p:style>
+        <p:txBody>
+          <a:bodyPr rtlCol="0" anchor="ctr"/>
+          <a:lstStyle/>
+          <a:p>
+            <a:pPr algn="ctr"/>
+            <a:r>
+              <a:rPr lang="en-US" dirty="0" err="1"/>
+              <a:t>selectedArticles</a:t>
+            </a:r>
+            <a:endParaRPr lang="fr-FR" dirty="0"/>
+          </a:p>
+        </p:txBody>
+      </p:sp>
+    </p:spTree>
+    <p:extLst>
+      <p:ext uri="{BB962C8B-B14F-4D97-AF65-F5344CB8AC3E}">
+        <p14:creationId xmlns:p14="http://schemas.microsoft.com/office/powerpoint/2010/main" val="4179340735"/>
+      </p:ext>
+    </p:extLst>
+  </p:cSld>
+  <p:clrMapOvr>
+    <a:masterClrMapping/>
+  </p:clrMapOvr>
+</p:sld>
+</file>
+
+<file path=ppt/slides/slide28.xml><?xml version="1.0" encoding="utf-8"?>
+<p:sld xmlns:a="http://schemas.openxmlformats.org/drawingml/2006/main" xmlns:r="http://schemas.openxmlformats.org/officeDocument/2006/relationships" xmlns:p="http://schemas.openxmlformats.org/presentationml/2006/main">
+  <p:cSld>
+    <p:spTree>
+      <p:nvGrpSpPr>
+        <p:cNvPr id="1" name=""/>
+        <p:cNvGrpSpPr/>
+        <p:nvPr/>
+      </p:nvGrpSpPr>
+      <p:grpSpPr>
+        <a:xfrm>
+          <a:off x="0" y="0"/>
+          <a:ext cx="0" cy="0"/>
+          <a:chOff x="0" y="0"/>
+          <a:chExt cx="0" cy="0"/>
+        </a:xfrm>
+      </p:grpSpPr>
+      <p:sp>
+        <p:nvSpPr>
+          <p:cNvPr id="2" name="Title 1">
+            <a:extLst>
+              <a:ext uri="{FF2B5EF4-FFF2-40B4-BE49-F238E27FC236}">
+                <a16:creationId xmlns:a16="http://schemas.microsoft.com/office/drawing/2014/main" id="{C64DFBE0-8553-487C-BAE9-F03A1758E4E2}"/>
+              </a:ext>
+            </a:extLst>
+          </p:cNvPr>
+          <p:cNvSpPr>
+            <a:spLocks noGrp="1"/>
+          </p:cNvSpPr>
+          <p:nvPr>
+            <p:ph type="title"/>
+          </p:nvPr>
+        </p:nvSpPr>
+        <p:spPr/>
+        <p:txBody>
+          <a:bodyPr/>
+          <a:lstStyle/>
+          <a:p>
+            <a:r>
+              <a:rPr lang="fr-FR" dirty="0"/>
+              <a:t>Observable</a:t>
+            </a:r>
+          </a:p>
+        </p:txBody>
+      </p:sp>
+      <p:cxnSp>
+        <p:nvCxnSpPr>
+          <p:cNvPr id="5" name="Straight Arrow Connector 4">
+            <a:extLst>
+              <a:ext uri="{FF2B5EF4-FFF2-40B4-BE49-F238E27FC236}">
+                <a16:creationId xmlns:a16="http://schemas.microsoft.com/office/drawing/2014/main" id="{4A77AAB0-225D-4D39-A246-70099BA5DF32}"/>
+              </a:ext>
+            </a:extLst>
+          </p:cNvPr>
+          <p:cNvCxnSpPr/>
+          <p:nvPr/>
+        </p:nvCxnSpPr>
+        <p:spPr>
+          <a:xfrm flipV="1">
+            <a:off x="335433" y="2559401"/>
+            <a:ext cx="11694211" cy="36760"/>
+          </a:xfrm>
+          <a:prstGeom prst="straightConnector1">
+            <a:avLst/>
+          </a:prstGeom>
+          <a:ln w="76200">
+            <a:tailEnd type="triangle"/>
+          </a:ln>
+        </p:spPr>
+        <p:style>
+          <a:lnRef idx="1">
+            <a:schemeClr val="accent1"/>
+          </a:lnRef>
+          <a:fillRef idx="0">
+            <a:schemeClr val="accent1"/>
+          </a:fillRef>
+          <a:effectRef idx="0">
+            <a:schemeClr val="accent1"/>
+          </a:effectRef>
+          <a:fontRef idx="minor">
+            <a:schemeClr val="tx1"/>
+          </a:fontRef>
+        </p:style>
+      </p:cxnSp>
+      <p:cxnSp>
+        <p:nvCxnSpPr>
+          <p:cNvPr id="7" name="Straight Connector 6">
+            <a:extLst>
+              <a:ext uri="{FF2B5EF4-FFF2-40B4-BE49-F238E27FC236}">
+                <a16:creationId xmlns:a16="http://schemas.microsoft.com/office/drawing/2014/main" id="{1F251464-C945-4A57-831C-B21803B82BFF}"/>
+              </a:ext>
+            </a:extLst>
+          </p:cNvPr>
+          <p:cNvCxnSpPr/>
+          <p:nvPr/>
+        </p:nvCxnSpPr>
+        <p:spPr>
+          <a:xfrm>
+            <a:off x="730601" y="2306677"/>
+            <a:ext cx="0" cy="634107"/>
+          </a:xfrm>
+          <a:prstGeom prst="line">
+            <a:avLst/>
+          </a:prstGeom>
+          <a:ln w="76200"/>
+        </p:spPr>
+        <p:style>
+          <a:lnRef idx="1">
+            <a:schemeClr val="accent1"/>
+          </a:lnRef>
+          <a:fillRef idx="0">
+            <a:schemeClr val="accent1"/>
+          </a:fillRef>
+          <a:effectRef idx="0">
+            <a:schemeClr val="accent1"/>
+          </a:effectRef>
+          <a:fontRef idx="minor">
+            <a:schemeClr val="tx1"/>
+          </a:fontRef>
+        </p:style>
+      </p:cxnSp>
+      <p:sp>
+        <p:nvSpPr>
+          <p:cNvPr id="8" name="TextBox 7">
+            <a:extLst>
+              <a:ext uri="{FF2B5EF4-FFF2-40B4-BE49-F238E27FC236}">
+                <a16:creationId xmlns:a16="http://schemas.microsoft.com/office/drawing/2014/main" id="{D28149D8-90A7-427B-AF0A-B189C9B1E18A}"/>
+              </a:ext>
+            </a:extLst>
+          </p:cNvPr>
+          <p:cNvSpPr txBox="1"/>
+          <p:nvPr/>
+        </p:nvSpPr>
+        <p:spPr>
+          <a:xfrm>
+            <a:off x="436523" y="3188913"/>
+            <a:ext cx="1273554" cy="369332"/>
+          </a:xfrm>
+          <a:prstGeom prst="rect">
+            <a:avLst/>
+          </a:prstGeom>
+          <a:noFill/>
+        </p:spPr>
+        <p:txBody>
+          <a:bodyPr wrap="none" rtlCol="0">
+            <a:spAutoFit/>
+          </a:bodyPr>
+          <a:lstStyle/>
+          <a:p>
+            <a:r>
+              <a:rPr lang="fr-FR" dirty="0"/>
+              <a:t>.</a:t>
+            </a:r>
+            <a:r>
+              <a:rPr lang="fr-FR" dirty="0" err="1"/>
+              <a:t>subscribe</a:t>
+            </a:r>
+            <a:r>
+              <a:rPr lang="fr-FR" dirty="0"/>
+              <a:t>()</a:t>
+            </a:r>
+          </a:p>
+        </p:txBody>
+      </p:sp>
+      <p:sp>
+        <p:nvSpPr>
+          <p:cNvPr id="9" name="Oval 8">
+            <a:extLst>
+              <a:ext uri="{FF2B5EF4-FFF2-40B4-BE49-F238E27FC236}">
+                <a16:creationId xmlns:a16="http://schemas.microsoft.com/office/drawing/2014/main" id="{07E5F313-B853-42BE-9C19-8614171B5034}"/>
+              </a:ext>
+            </a:extLst>
+          </p:cNvPr>
+          <p:cNvSpPr/>
+          <p:nvPr/>
+        </p:nvSpPr>
+        <p:spPr>
+          <a:xfrm>
+            <a:off x="2168828" y="2279107"/>
+            <a:ext cx="748964" cy="634107"/>
+          </a:xfrm>
+          <a:prstGeom prst="ellipse">
+            <a:avLst/>
+          </a:prstGeom>
+        </p:spPr>
+        <p:style>
+          <a:lnRef idx="2">
+            <a:schemeClr val="accent1">
+              <a:shade val="50000"/>
+            </a:schemeClr>
+          </a:lnRef>
+          <a:fillRef idx="1">
+            <a:schemeClr val="accent1"/>
+          </a:fillRef>
+          <a:effectRef idx="0">
+            <a:schemeClr val="accent1"/>
+          </a:effectRef>
+          <a:fontRef idx="minor">
+            <a:schemeClr val="lt1"/>
+          </a:fontRef>
+        </p:style>
+        <p:txBody>
+          <a:bodyPr rtlCol="0" anchor="ctr"/>
+          <a:lstStyle/>
+          <a:p>
+            <a:pPr algn="ctr"/>
+            <a:r>
+              <a:rPr lang="fr-FR" dirty="0"/>
+              <a:t>x</a:t>
+            </a:r>
+          </a:p>
+        </p:txBody>
+      </p:sp>
+      <p:sp>
+        <p:nvSpPr>
+          <p:cNvPr id="10" name="Oval 9">
+            <a:extLst>
+              <a:ext uri="{FF2B5EF4-FFF2-40B4-BE49-F238E27FC236}">
+                <a16:creationId xmlns:a16="http://schemas.microsoft.com/office/drawing/2014/main" id="{0887A1C4-20FA-4BD6-A6AC-FEC622C01732}"/>
+              </a:ext>
+            </a:extLst>
+          </p:cNvPr>
+          <p:cNvSpPr/>
+          <p:nvPr/>
+        </p:nvSpPr>
+        <p:spPr>
+          <a:xfrm>
+            <a:off x="4537564" y="2279107"/>
+            <a:ext cx="748964" cy="634107"/>
+          </a:xfrm>
+          <a:prstGeom prst="ellipse">
+            <a:avLst/>
+          </a:prstGeom>
+        </p:spPr>
+        <p:style>
+          <a:lnRef idx="2">
+            <a:schemeClr val="accent1">
+              <a:shade val="50000"/>
+            </a:schemeClr>
+          </a:lnRef>
+          <a:fillRef idx="1">
+            <a:schemeClr val="accent1"/>
+          </a:fillRef>
+          <a:effectRef idx="0">
+            <a:schemeClr val="accent1"/>
+          </a:effectRef>
+          <a:fontRef idx="minor">
+            <a:schemeClr val="lt1"/>
+          </a:fontRef>
+        </p:style>
+        <p:txBody>
+          <a:bodyPr rtlCol="0" anchor="ctr"/>
+          <a:lstStyle/>
+          <a:p>
+            <a:pPr algn="ctr"/>
+            <a:r>
+              <a:rPr lang="fr-FR" dirty="0"/>
+              <a:t>x</a:t>
+            </a:r>
+          </a:p>
+        </p:txBody>
+      </p:sp>
+      <p:sp>
+        <p:nvSpPr>
+          <p:cNvPr id="11" name="Oval 10">
+            <a:extLst>
+              <a:ext uri="{FF2B5EF4-FFF2-40B4-BE49-F238E27FC236}">
+                <a16:creationId xmlns:a16="http://schemas.microsoft.com/office/drawing/2014/main" id="{7868CDB7-2DD4-45A5-B55A-121542E59841}"/>
+              </a:ext>
+            </a:extLst>
+          </p:cNvPr>
+          <p:cNvSpPr/>
+          <p:nvPr/>
+        </p:nvSpPr>
+        <p:spPr>
+          <a:xfrm>
+            <a:off x="5494084" y="2260727"/>
+            <a:ext cx="748964" cy="634107"/>
+          </a:xfrm>
+          <a:prstGeom prst="ellipse">
+            <a:avLst/>
+          </a:prstGeom>
+        </p:spPr>
+        <p:style>
+          <a:lnRef idx="2">
+            <a:schemeClr val="accent1">
+              <a:shade val="50000"/>
+            </a:schemeClr>
+          </a:lnRef>
+          <a:fillRef idx="1">
+            <a:schemeClr val="accent1"/>
+          </a:fillRef>
+          <a:effectRef idx="0">
+            <a:schemeClr val="accent1"/>
+          </a:effectRef>
+          <a:fontRef idx="minor">
+            <a:schemeClr val="lt1"/>
+          </a:fontRef>
+        </p:style>
+        <p:txBody>
+          <a:bodyPr rtlCol="0" anchor="ctr"/>
+          <a:lstStyle/>
+          <a:p>
+            <a:pPr algn="ctr"/>
+            <a:r>
+              <a:rPr lang="fr-FR" dirty="0"/>
+              <a:t>x</a:t>
+            </a:r>
+          </a:p>
+        </p:txBody>
+      </p:sp>
+      <p:cxnSp>
+        <p:nvCxnSpPr>
+          <p:cNvPr id="13" name="Straight Connector 12">
+            <a:extLst>
+              <a:ext uri="{FF2B5EF4-FFF2-40B4-BE49-F238E27FC236}">
+                <a16:creationId xmlns:a16="http://schemas.microsoft.com/office/drawing/2014/main" id="{334FF4AF-8BF9-4D95-9426-2F2183FA9FFC}"/>
+              </a:ext>
+            </a:extLst>
+          </p:cNvPr>
+          <p:cNvCxnSpPr/>
+          <p:nvPr/>
+        </p:nvCxnSpPr>
+        <p:spPr>
+          <a:xfrm>
+            <a:off x="7002742" y="2260727"/>
+            <a:ext cx="0" cy="680057"/>
+          </a:xfrm>
+          <a:prstGeom prst="line">
+            <a:avLst/>
+          </a:prstGeom>
+          <a:ln w="76200"/>
+        </p:spPr>
+        <p:style>
+          <a:lnRef idx="1">
+            <a:schemeClr val="accent1"/>
+          </a:lnRef>
+          <a:fillRef idx="0">
+            <a:schemeClr val="accent1"/>
+          </a:fillRef>
+          <a:effectRef idx="0">
+            <a:schemeClr val="accent1"/>
+          </a:effectRef>
+          <a:fontRef idx="minor">
+            <a:schemeClr val="tx1"/>
+          </a:fontRef>
+        </p:style>
+      </p:cxnSp>
+      <p:sp>
+        <p:nvSpPr>
+          <p:cNvPr id="14" name="TextBox 13">
+            <a:extLst>
+              <a:ext uri="{FF2B5EF4-FFF2-40B4-BE49-F238E27FC236}">
+                <a16:creationId xmlns:a16="http://schemas.microsoft.com/office/drawing/2014/main" id="{6B90361D-033B-4EA6-A86D-6D78C81367C6}"/>
+              </a:ext>
+            </a:extLst>
+          </p:cNvPr>
+          <p:cNvSpPr txBox="1"/>
+          <p:nvPr/>
+        </p:nvSpPr>
+        <p:spPr>
+          <a:xfrm>
+            <a:off x="6566219" y="3004248"/>
+            <a:ext cx="1065484" cy="369332"/>
+          </a:xfrm>
+          <a:prstGeom prst="rect">
+            <a:avLst/>
+          </a:prstGeom>
+          <a:noFill/>
+        </p:spPr>
+        <p:txBody>
+          <a:bodyPr wrap="none" rtlCol="0">
+            <a:spAutoFit/>
+          </a:bodyPr>
+          <a:lstStyle/>
+          <a:p>
+            <a:r>
+              <a:rPr lang="fr-FR" dirty="0" err="1"/>
+              <a:t>complete</a:t>
+            </a:r>
+            <a:endParaRPr lang="fr-FR" dirty="0"/>
+          </a:p>
+        </p:txBody>
+      </p:sp>
+      <p:sp>
+        <p:nvSpPr>
+          <p:cNvPr id="15" name="TextBox 14">
+            <a:extLst>
+              <a:ext uri="{FF2B5EF4-FFF2-40B4-BE49-F238E27FC236}">
+                <a16:creationId xmlns:a16="http://schemas.microsoft.com/office/drawing/2014/main" id="{90FFB54E-1C15-47F1-8F3F-BBC934EC61F7}"/>
+              </a:ext>
+            </a:extLst>
+          </p:cNvPr>
+          <p:cNvSpPr txBox="1"/>
+          <p:nvPr/>
+        </p:nvSpPr>
+        <p:spPr>
+          <a:xfrm>
+            <a:off x="2306677" y="3060253"/>
+            <a:ext cx="595484" cy="369332"/>
+          </a:xfrm>
+          <a:prstGeom prst="rect">
+            <a:avLst/>
+          </a:prstGeom>
+          <a:noFill/>
+        </p:spPr>
+        <p:txBody>
+          <a:bodyPr wrap="none" rtlCol="0">
+            <a:spAutoFit/>
+          </a:bodyPr>
+          <a:lstStyle/>
+          <a:p>
+            <a:r>
+              <a:rPr lang="fr-FR" dirty="0" err="1"/>
+              <a:t>next</a:t>
+            </a:r>
+            <a:endParaRPr lang="fr-FR" dirty="0"/>
+          </a:p>
+        </p:txBody>
+      </p:sp>
+      <p:sp>
+        <p:nvSpPr>
+          <p:cNvPr id="16" name="TextBox 15">
+            <a:extLst>
+              <a:ext uri="{FF2B5EF4-FFF2-40B4-BE49-F238E27FC236}">
+                <a16:creationId xmlns:a16="http://schemas.microsoft.com/office/drawing/2014/main" id="{78FDAF3D-F235-4385-AD1D-82ADD575E9CA}"/>
+              </a:ext>
+            </a:extLst>
+          </p:cNvPr>
+          <p:cNvSpPr txBox="1"/>
+          <p:nvPr/>
+        </p:nvSpPr>
+        <p:spPr>
+          <a:xfrm>
+            <a:off x="4537564" y="3027222"/>
+            <a:ext cx="595484" cy="369332"/>
+          </a:xfrm>
+          <a:prstGeom prst="rect">
+            <a:avLst/>
+          </a:prstGeom>
+          <a:noFill/>
+        </p:spPr>
+        <p:txBody>
+          <a:bodyPr wrap="none" rtlCol="0">
+            <a:spAutoFit/>
+          </a:bodyPr>
+          <a:lstStyle/>
+          <a:p>
+            <a:r>
+              <a:rPr lang="fr-FR" dirty="0" err="1"/>
+              <a:t>next</a:t>
+            </a:r>
+            <a:endParaRPr lang="fr-FR" dirty="0"/>
+          </a:p>
+        </p:txBody>
+      </p:sp>
+      <p:sp>
+        <p:nvSpPr>
+          <p:cNvPr id="17" name="TextBox 16">
+            <a:extLst>
+              <a:ext uri="{FF2B5EF4-FFF2-40B4-BE49-F238E27FC236}">
+                <a16:creationId xmlns:a16="http://schemas.microsoft.com/office/drawing/2014/main" id="{E0005036-4488-4FAC-9F41-AF0A09C7485D}"/>
+              </a:ext>
+            </a:extLst>
+          </p:cNvPr>
+          <p:cNvSpPr txBox="1"/>
+          <p:nvPr/>
+        </p:nvSpPr>
+        <p:spPr>
+          <a:xfrm>
+            <a:off x="5587054" y="3004247"/>
+            <a:ext cx="595484" cy="369332"/>
+          </a:xfrm>
+          <a:prstGeom prst="rect">
+            <a:avLst/>
+          </a:prstGeom>
+          <a:noFill/>
+        </p:spPr>
+        <p:txBody>
+          <a:bodyPr wrap="none" rtlCol="0">
+            <a:spAutoFit/>
+          </a:bodyPr>
+          <a:lstStyle/>
+          <a:p>
+            <a:r>
+              <a:rPr lang="fr-FR" dirty="0" err="1"/>
+              <a:t>next</a:t>
+            </a:r>
+            <a:endParaRPr lang="fr-FR" dirty="0"/>
+          </a:p>
+        </p:txBody>
+      </p:sp>
+      <p:cxnSp>
+        <p:nvCxnSpPr>
+          <p:cNvPr id="18" name="Straight Arrow Connector 17">
+            <a:extLst>
+              <a:ext uri="{FF2B5EF4-FFF2-40B4-BE49-F238E27FC236}">
+                <a16:creationId xmlns:a16="http://schemas.microsoft.com/office/drawing/2014/main" id="{0E0E54BC-FDBF-4770-9B9B-0F82E22A9CD0}"/>
+              </a:ext>
+            </a:extLst>
+          </p:cNvPr>
+          <p:cNvCxnSpPr/>
+          <p:nvPr/>
+        </p:nvCxnSpPr>
+        <p:spPr>
+          <a:xfrm flipV="1">
+            <a:off x="395942" y="4321011"/>
+            <a:ext cx="11694211" cy="36760"/>
+          </a:xfrm>
+          <a:prstGeom prst="straightConnector1">
+            <a:avLst/>
+          </a:prstGeom>
+          <a:ln w="76200">
+            <a:tailEnd type="triangle"/>
+          </a:ln>
+        </p:spPr>
+        <p:style>
+          <a:lnRef idx="1">
+            <a:schemeClr val="accent1"/>
+          </a:lnRef>
+          <a:fillRef idx="0">
+            <a:schemeClr val="accent1"/>
+          </a:fillRef>
+          <a:effectRef idx="0">
+            <a:schemeClr val="accent1"/>
+          </a:effectRef>
+          <a:fontRef idx="minor">
+            <a:schemeClr val="tx1"/>
+          </a:fontRef>
+        </p:style>
+      </p:cxnSp>
+      <p:cxnSp>
+        <p:nvCxnSpPr>
+          <p:cNvPr id="19" name="Straight Connector 18">
+            <a:extLst>
+              <a:ext uri="{FF2B5EF4-FFF2-40B4-BE49-F238E27FC236}">
+                <a16:creationId xmlns:a16="http://schemas.microsoft.com/office/drawing/2014/main" id="{F330AD99-22B8-4E74-8BD4-692A2FC135E8}"/>
+              </a:ext>
+            </a:extLst>
+          </p:cNvPr>
+          <p:cNvCxnSpPr/>
+          <p:nvPr/>
+        </p:nvCxnSpPr>
+        <p:spPr>
+          <a:xfrm>
+            <a:off x="791110" y="4068287"/>
+            <a:ext cx="0" cy="634107"/>
+          </a:xfrm>
+          <a:prstGeom prst="line">
+            <a:avLst/>
+          </a:prstGeom>
+          <a:ln w="76200"/>
+        </p:spPr>
+        <p:style>
+          <a:lnRef idx="1">
+            <a:schemeClr val="accent1"/>
+          </a:lnRef>
+          <a:fillRef idx="0">
+            <a:schemeClr val="accent1"/>
+          </a:fillRef>
+          <a:effectRef idx="0">
+            <a:schemeClr val="accent1"/>
+          </a:effectRef>
+          <a:fontRef idx="minor">
+            <a:schemeClr val="tx1"/>
+          </a:fontRef>
+        </p:style>
+      </p:cxnSp>
+      <p:sp>
+        <p:nvSpPr>
+          <p:cNvPr id="20" name="TextBox 19">
+            <a:extLst>
+              <a:ext uri="{FF2B5EF4-FFF2-40B4-BE49-F238E27FC236}">
+                <a16:creationId xmlns:a16="http://schemas.microsoft.com/office/drawing/2014/main" id="{67413697-36F7-4E24-9697-8CB6315D66A1}"/>
+              </a:ext>
+            </a:extLst>
+          </p:cNvPr>
+          <p:cNvSpPr txBox="1"/>
+          <p:nvPr/>
+        </p:nvSpPr>
+        <p:spPr>
+          <a:xfrm>
+            <a:off x="497032" y="4950523"/>
+            <a:ext cx="1273554" cy="369332"/>
+          </a:xfrm>
+          <a:prstGeom prst="rect">
+            <a:avLst/>
+          </a:prstGeom>
+          <a:noFill/>
+        </p:spPr>
+        <p:txBody>
+          <a:bodyPr wrap="none" rtlCol="0">
+            <a:spAutoFit/>
+          </a:bodyPr>
+          <a:lstStyle/>
+          <a:p>
+            <a:r>
+              <a:rPr lang="fr-FR" dirty="0"/>
+              <a:t>.</a:t>
+            </a:r>
+            <a:r>
+              <a:rPr lang="fr-FR" dirty="0" err="1"/>
+              <a:t>subscribe</a:t>
+            </a:r>
+            <a:r>
+              <a:rPr lang="fr-FR" dirty="0"/>
+              <a:t>()</a:t>
+            </a:r>
+          </a:p>
+        </p:txBody>
+      </p:sp>
+      <p:sp>
+        <p:nvSpPr>
+          <p:cNvPr id="21" name="Oval 20">
+            <a:extLst>
+              <a:ext uri="{FF2B5EF4-FFF2-40B4-BE49-F238E27FC236}">
+                <a16:creationId xmlns:a16="http://schemas.microsoft.com/office/drawing/2014/main" id="{4CF7163A-70D0-41DA-8BA3-D3181E9EAFF6}"/>
+              </a:ext>
+            </a:extLst>
+          </p:cNvPr>
+          <p:cNvSpPr/>
+          <p:nvPr/>
+        </p:nvSpPr>
+        <p:spPr>
+          <a:xfrm>
+            <a:off x="2229337" y="4040717"/>
+            <a:ext cx="748964" cy="634107"/>
+          </a:xfrm>
+          <a:prstGeom prst="ellipse">
+            <a:avLst/>
+          </a:prstGeom>
+        </p:spPr>
+        <p:style>
+          <a:lnRef idx="2">
+            <a:schemeClr val="accent1">
+              <a:shade val="50000"/>
+            </a:schemeClr>
+          </a:lnRef>
+          <a:fillRef idx="1">
+            <a:schemeClr val="accent1"/>
+          </a:fillRef>
+          <a:effectRef idx="0">
+            <a:schemeClr val="accent1"/>
+          </a:effectRef>
+          <a:fontRef idx="minor">
+            <a:schemeClr val="lt1"/>
+          </a:fontRef>
+        </p:style>
+        <p:txBody>
+          <a:bodyPr rtlCol="0" anchor="ctr"/>
+          <a:lstStyle/>
+          <a:p>
+            <a:pPr algn="ctr"/>
+            <a:r>
+              <a:rPr lang="fr-FR" dirty="0"/>
+              <a:t>x</a:t>
+            </a:r>
+          </a:p>
+        </p:txBody>
+      </p:sp>
+      <p:sp>
+        <p:nvSpPr>
+          <p:cNvPr id="22" name="Oval 21">
+            <a:extLst>
+              <a:ext uri="{FF2B5EF4-FFF2-40B4-BE49-F238E27FC236}">
+                <a16:creationId xmlns:a16="http://schemas.microsoft.com/office/drawing/2014/main" id="{9C70851D-DABE-472B-8B8A-662FA0ED8B06}"/>
+              </a:ext>
+            </a:extLst>
+          </p:cNvPr>
+          <p:cNvSpPr/>
+          <p:nvPr/>
+        </p:nvSpPr>
+        <p:spPr>
+          <a:xfrm>
+            <a:off x="4598073" y="4040717"/>
+            <a:ext cx="748964" cy="634107"/>
+          </a:xfrm>
+          <a:prstGeom prst="ellipse">
+            <a:avLst/>
+          </a:prstGeom>
+        </p:spPr>
+        <p:style>
+          <a:lnRef idx="2">
+            <a:schemeClr val="accent1">
+              <a:shade val="50000"/>
+            </a:schemeClr>
+          </a:lnRef>
+          <a:fillRef idx="1">
+            <a:schemeClr val="accent1"/>
+          </a:fillRef>
+          <a:effectRef idx="0">
+            <a:schemeClr val="accent1"/>
+          </a:effectRef>
+          <a:fontRef idx="minor">
+            <a:schemeClr val="lt1"/>
+          </a:fontRef>
+        </p:style>
+        <p:txBody>
+          <a:bodyPr rtlCol="0" anchor="ctr"/>
+          <a:lstStyle/>
+          <a:p>
+            <a:pPr algn="ctr"/>
+            <a:r>
+              <a:rPr lang="fr-FR" dirty="0"/>
+              <a:t>x</a:t>
+            </a:r>
+          </a:p>
+        </p:txBody>
+      </p:sp>
+      <p:sp>
+        <p:nvSpPr>
+          <p:cNvPr id="23" name="Oval 22">
+            <a:extLst>
+              <a:ext uri="{FF2B5EF4-FFF2-40B4-BE49-F238E27FC236}">
+                <a16:creationId xmlns:a16="http://schemas.microsoft.com/office/drawing/2014/main" id="{9BA5019E-5CEC-4D0B-90CA-6324A5947E11}"/>
+              </a:ext>
+            </a:extLst>
+          </p:cNvPr>
+          <p:cNvSpPr/>
+          <p:nvPr/>
+        </p:nvSpPr>
+        <p:spPr>
+          <a:xfrm>
+            <a:off x="5554593" y="4022337"/>
+            <a:ext cx="748964" cy="634107"/>
+          </a:xfrm>
+          <a:prstGeom prst="ellipse">
+            <a:avLst/>
+          </a:prstGeom>
+        </p:spPr>
+        <p:style>
+          <a:lnRef idx="2">
+            <a:schemeClr val="accent1">
+              <a:shade val="50000"/>
+            </a:schemeClr>
+          </a:lnRef>
+          <a:fillRef idx="1">
+            <a:schemeClr val="accent1"/>
+          </a:fillRef>
+          <a:effectRef idx="0">
+            <a:schemeClr val="accent1"/>
+          </a:effectRef>
+          <a:fontRef idx="minor">
+            <a:schemeClr val="lt1"/>
+          </a:fontRef>
+        </p:style>
+        <p:txBody>
+          <a:bodyPr rtlCol="0" anchor="ctr"/>
+          <a:lstStyle/>
+          <a:p>
+            <a:pPr algn="ctr"/>
+            <a:r>
+              <a:rPr lang="fr-FR" dirty="0"/>
+              <a:t>x</a:t>
+            </a:r>
+          </a:p>
+        </p:txBody>
+      </p:sp>
+      <p:sp>
+        <p:nvSpPr>
+          <p:cNvPr id="26" name="TextBox 25">
+            <a:extLst>
+              <a:ext uri="{FF2B5EF4-FFF2-40B4-BE49-F238E27FC236}">
+                <a16:creationId xmlns:a16="http://schemas.microsoft.com/office/drawing/2014/main" id="{C265ABAC-5565-415B-887C-6A1E9CE39C18}"/>
+              </a:ext>
+            </a:extLst>
+          </p:cNvPr>
+          <p:cNvSpPr txBox="1"/>
+          <p:nvPr/>
+        </p:nvSpPr>
+        <p:spPr>
+          <a:xfrm>
+            <a:off x="2367186" y="4821863"/>
+            <a:ext cx="595484" cy="369332"/>
+          </a:xfrm>
+          <a:prstGeom prst="rect">
+            <a:avLst/>
+          </a:prstGeom>
+          <a:noFill/>
+        </p:spPr>
+        <p:txBody>
+          <a:bodyPr wrap="none" rtlCol="0">
+            <a:spAutoFit/>
+          </a:bodyPr>
+          <a:lstStyle/>
+          <a:p>
+            <a:r>
+              <a:rPr lang="fr-FR" dirty="0" err="1"/>
+              <a:t>next</a:t>
+            </a:r>
+            <a:endParaRPr lang="fr-FR" dirty="0"/>
+          </a:p>
+        </p:txBody>
+      </p:sp>
+      <p:sp>
+        <p:nvSpPr>
+          <p:cNvPr id="27" name="TextBox 26">
+            <a:extLst>
+              <a:ext uri="{FF2B5EF4-FFF2-40B4-BE49-F238E27FC236}">
+                <a16:creationId xmlns:a16="http://schemas.microsoft.com/office/drawing/2014/main" id="{C85B09E0-3958-4897-B84E-E973983D8AA9}"/>
+              </a:ext>
+            </a:extLst>
+          </p:cNvPr>
+          <p:cNvSpPr txBox="1"/>
+          <p:nvPr/>
+        </p:nvSpPr>
+        <p:spPr>
+          <a:xfrm>
+            <a:off x="4598073" y="4788832"/>
+            <a:ext cx="595484" cy="369332"/>
+          </a:xfrm>
+          <a:prstGeom prst="rect">
+            <a:avLst/>
+          </a:prstGeom>
+          <a:noFill/>
+        </p:spPr>
+        <p:txBody>
+          <a:bodyPr wrap="none" rtlCol="0">
+            <a:spAutoFit/>
+          </a:bodyPr>
+          <a:lstStyle/>
+          <a:p>
+            <a:r>
+              <a:rPr lang="fr-FR" dirty="0" err="1"/>
+              <a:t>next</a:t>
+            </a:r>
+            <a:endParaRPr lang="fr-FR" dirty="0"/>
+          </a:p>
+        </p:txBody>
+      </p:sp>
+      <p:sp>
+        <p:nvSpPr>
+          <p:cNvPr id="28" name="TextBox 27">
+            <a:extLst>
+              <a:ext uri="{FF2B5EF4-FFF2-40B4-BE49-F238E27FC236}">
+                <a16:creationId xmlns:a16="http://schemas.microsoft.com/office/drawing/2014/main" id="{62ED72C2-01F6-4086-A504-DB90C0B9848D}"/>
+              </a:ext>
+            </a:extLst>
+          </p:cNvPr>
+          <p:cNvSpPr txBox="1"/>
+          <p:nvPr/>
+        </p:nvSpPr>
+        <p:spPr>
+          <a:xfrm>
+            <a:off x="5647563" y="4765857"/>
+            <a:ext cx="595484" cy="369332"/>
+          </a:xfrm>
+          <a:prstGeom prst="rect">
+            <a:avLst/>
+          </a:prstGeom>
+          <a:noFill/>
+        </p:spPr>
+        <p:txBody>
+          <a:bodyPr wrap="none" rtlCol="0">
+            <a:spAutoFit/>
+          </a:bodyPr>
+          <a:lstStyle/>
+          <a:p>
+            <a:r>
+              <a:rPr lang="fr-FR" dirty="0" err="1"/>
+              <a:t>next</a:t>
+            </a:r>
+            <a:endParaRPr lang="fr-FR" dirty="0"/>
+          </a:p>
+        </p:txBody>
+      </p:sp>
+      <p:cxnSp>
+        <p:nvCxnSpPr>
+          <p:cNvPr id="30" name="Straight Connector 29">
+            <a:extLst>
+              <a:ext uri="{FF2B5EF4-FFF2-40B4-BE49-F238E27FC236}">
+                <a16:creationId xmlns:a16="http://schemas.microsoft.com/office/drawing/2014/main" id="{D8C88013-DF1E-45F8-95EE-17E54D45E3AE}"/>
+              </a:ext>
+            </a:extLst>
+          </p:cNvPr>
+          <p:cNvCxnSpPr/>
+          <p:nvPr/>
+        </p:nvCxnSpPr>
+        <p:spPr>
+          <a:xfrm>
+            <a:off x="7039502" y="4040717"/>
+            <a:ext cx="491662" cy="661677"/>
+          </a:xfrm>
+          <a:prstGeom prst="line">
+            <a:avLst/>
+          </a:prstGeom>
+          <a:ln w="76200"/>
+        </p:spPr>
+        <p:style>
+          <a:lnRef idx="1">
+            <a:schemeClr val="accent1"/>
+          </a:lnRef>
+          <a:fillRef idx="0">
+            <a:schemeClr val="accent1"/>
+          </a:fillRef>
+          <a:effectRef idx="0">
+            <a:schemeClr val="accent1"/>
+          </a:effectRef>
+          <a:fontRef idx="minor">
+            <a:schemeClr val="tx1"/>
+          </a:fontRef>
+        </p:style>
+      </p:cxnSp>
+      <p:cxnSp>
+        <p:nvCxnSpPr>
+          <p:cNvPr id="32" name="Straight Connector 31">
+            <a:extLst>
+              <a:ext uri="{FF2B5EF4-FFF2-40B4-BE49-F238E27FC236}">
+                <a16:creationId xmlns:a16="http://schemas.microsoft.com/office/drawing/2014/main" id="{BCA2724F-92C1-4F16-8919-385D6EC8AB1D}"/>
+              </a:ext>
+            </a:extLst>
+          </p:cNvPr>
+          <p:cNvCxnSpPr/>
+          <p:nvPr/>
+        </p:nvCxnSpPr>
+        <p:spPr>
+          <a:xfrm flipH="1">
+            <a:off x="7067071" y="4022337"/>
+            <a:ext cx="487068" cy="680057"/>
+          </a:xfrm>
+          <a:prstGeom prst="line">
+            <a:avLst/>
+          </a:prstGeom>
+          <a:ln w="76200"/>
+        </p:spPr>
+        <p:style>
+          <a:lnRef idx="1">
+            <a:schemeClr val="accent1"/>
+          </a:lnRef>
+          <a:fillRef idx="0">
+            <a:schemeClr val="accent1"/>
+          </a:fillRef>
+          <a:effectRef idx="0">
+            <a:schemeClr val="accent1"/>
+          </a:effectRef>
+          <a:fontRef idx="minor">
+            <a:schemeClr val="tx1"/>
+          </a:fontRef>
+        </p:style>
+      </p:cxnSp>
+      <p:sp>
+        <p:nvSpPr>
+          <p:cNvPr id="33" name="TextBox 32">
+            <a:extLst>
+              <a:ext uri="{FF2B5EF4-FFF2-40B4-BE49-F238E27FC236}">
+                <a16:creationId xmlns:a16="http://schemas.microsoft.com/office/drawing/2014/main" id="{FB3E8734-66F2-4E10-A65F-DA75620E2125}"/>
+              </a:ext>
+            </a:extLst>
+          </p:cNvPr>
+          <p:cNvSpPr txBox="1"/>
+          <p:nvPr/>
+        </p:nvSpPr>
+        <p:spPr>
+          <a:xfrm>
+            <a:off x="7039502" y="4781377"/>
+            <a:ext cx="658642" cy="369332"/>
+          </a:xfrm>
+          <a:prstGeom prst="rect">
+            <a:avLst/>
+          </a:prstGeom>
+          <a:noFill/>
+        </p:spPr>
+        <p:txBody>
+          <a:bodyPr wrap="none" rtlCol="0">
+            <a:spAutoFit/>
+          </a:bodyPr>
+          <a:lstStyle/>
+          <a:p>
+            <a:r>
+              <a:rPr lang="fr-FR" dirty="0" err="1"/>
+              <a:t>error</a:t>
+            </a:r>
+            <a:endParaRPr lang="fr-FR" dirty="0"/>
+          </a:p>
+        </p:txBody>
+      </p:sp>
+    </p:spTree>
+    <p:extLst>
+      <p:ext uri="{BB962C8B-B14F-4D97-AF65-F5344CB8AC3E}">
+        <p14:creationId xmlns:p14="http://schemas.microsoft.com/office/powerpoint/2010/main" val="3138214529"/>
+      </p:ext>
+    </p:extLst>
+  </p:cSld>
+  <p:clrMapOvr>
+    <a:masterClrMapping/>
+  </p:clrMapOvr>
+</p:sld>
+</file>
+
+<file path=ppt/slides/slide29.xml><?xml version="1.0" encoding="utf-8"?>
+<p:sld xmlns:a="http://schemas.openxmlformats.org/drawingml/2006/main" xmlns:r="http://schemas.openxmlformats.org/officeDocument/2006/relationships" xmlns:p="http://schemas.openxmlformats.org/presentationml/2006/main">
+  <p:cSld>
+    <p:spTree>
+      <p:nvGrpSpPr>
+        <p:cNvPr id="1" name=""/>
+        <p:cNvGrpSpPr/>
+        <p:nvPr/>
+      </p:nvGrpSpPr>
+      <p:grpSpPr>
+        <a:xfrm>
+          <a:off x="0" y="0"/>
+          <a:ext cx="0" cy="0"/>
+          <a:chOff x="0" y="0"/>
+          <a:chExt cx="0" cy="0"/>
+        </a:xfrm>
+      </p:grpSpPr>
+      <p:sp>
+        <p:nvSpPr>
+          <p:cNvPr id="2" name="Title 1">
+            <a:extLst>
+              <a:ext uri="{FF2B5EF4-FFF2-40B4-BE49-F238E27FC236}">
+                <a16:creationId xmlns:a16="http://schemas.microsoft.com/office/drawing/2014/main" id="{E989AC86-3128-410B-A043-13E87038AD53}"/>
+              </a:ext>
+            </a:extLst>
+          </p:cNvPr>
+          <p:cNvSpPr>
+            <a:spLocks noGrp="1"/>
+          </p:cNvSpPr>
+          <p:nvPr>
+            <p:ph type="title"/>
+          </p:nvPr>
+        </p:nvSpPr>
+        <p:spPr/>
+        <p:txBody>
+          <a:bodyPr/>
+          <a:lstStyle/>
+          <a:p>
+            <a:r>
+              <a:rPr lang="fr-FR" dirty="0"/>
+              <a:t>CORS</a:t>
+            </a:r>
+          </a:p>
+        </p:txBody>
+      </p:sp>
+      <p:sp>
+        <p:nvSpPr>
+          <p:cNvPr id="4" name="Rectangle 3">
+            <a:extLst>
+              <a:ext uri="{FF2B5EF4-FFF2-40B4-BE49-F238E27FC236}">
+                <a16:creationId xmlns:a16="http://schemas.microsoft.com/office/drawing/2014/main" id="{FB88CF2A-F430-42A9-AAB3-408C17B771E4}"/>
+              </a:ext>
+            </a:extLst>
+          </p:cNvPr>
+          <p:cNvSpPr/>
+          <p:nvPr/>
+        </p:nvSpPr>
+        <p:spPr>
+          <a:xfrm>
+            <a:off x="601942" y="2756985"/>
+            <a:ext cx="1038464" cy="794931"/>
+          </a:xfrm>
+          <a:prstGeom prst="rect">
+            <a:avLst/>
+          </a:prstGeom>
+        </p:spPr>
+        <p:style>
+          <a:lnRef idx="2">
+            <a:schemeClr val="accent1">
+              <a:shade val="50000"/>
+            </a:schemeClr>
+          </a:lnRef>
+          <a:fillRef idx="1">
+            <a:schemeClr val="accent1"/>
+          </a:fillRef>
+          <a:effectRef idx="0">
+            <a:schemeClr val="accent1"/>
+          </a:effectRef>
+          <a:fontRef idx="minor">
+            <a:schemeClr val="lt1"/>
+          </a:fontRef>
+        </p:style>
+        <p:txBody>
+          <a:bodyPr rtlCol="0" anchor="ctr"/>
+          <a:lstStyle/>
+          <a:p>
+            <a:pPr algn="ctr"/>
+            <a:r>
+              <a:rPr lang="fr-FR" dirty="0"/>
+              <a:t>Client</a:t>
+            </a:r>
+          </a:p>
+        </p:txBody>
+      </p:sp>
+      <p:sp>
+        <p:nvSpPr>
+          <p:cNvPr id="5" name="Rectangle 4">
+            <a:extLst>
+              <a:ext uri="{FF2B5EF4-FFF2-40B4-BE49-F238E27FC236}">
+                <a16:creationId xmlns:a16="http://schemas.microsoft.com/office/drawing/2014/main" id="{9736C025-1364-4FA5-9914-A91E82CE040C}"/>
+              </a:ext>
+            </a:extLst>
+          </p:cNvPr>
+          <p:cNvSpPr/>
+          <p:nvPr/>
+        </p:nvSpPr>
+        <p:spPr>
+          <a:xfrm>
+            <a:off x="6226957" y="1293222"/>
+            <a:ext cx="1038464" cy="794931"/>
+          </a:xfrm>
+          <a:prstGeom prst="rect">
+            <a:avLst/>
+          </a:prstGeom>
+        </p:spPr>
+        <p:style>
+          <a:lnRef idx="2">
+            <a:schemeClr val="accent1">
+              <a:shade val="50000"/>
+            </a:schemeClr>
+          </a:lnRef>
+          <a:fillRef idx="1">
+            <a:schemeClr val="accent1"/>
+          </a:fillRef>
+          <a:effectRef idx="0">
+            <a:schemeClr val="accent1"/>
+          </a:effectRef>
+          <a:fontRef idx="minor">
+            <a:schemeClr val="lt1"/>
+          </a:fontRef>
+        </p:style>
+        <p:txBody>
+          <a:bodyPr rtlCol="0" anchor="ctr"/>
+          <a:lstStyle/>
+          <a:p>
+            <a:pPr algn="ctr"/>
+            <a:r>
+              <a:rPr lang="fr-FR" dirty="0"/>
+              <a:t>Server dev</a:t>
+            </a:r>
+          </a:p>
+        </p:txBody>
+      </p:sp>
+      <p:sp>
+        <p:nvSpPr>
+          <p:cNvPr id="6" name="TextBox 5">
+            <a:extLst>
+              <a:ext uri="{FF2B5EF4-FFF2-40B4-BE49-F238E27FC236}">
+                <a16:creationId xmlns:a16="http://schemas.microsoft.com/office/drawing/2014/main" id="{5285C014-19A8-42C3-9B70-F6E1FE03C268}"/>
+              </a:ext>
+            </a:extLst>
+          </p:cNvPr>
+          <p:cNvSpPr txBox="1"/>
+          <p:nvPr/>
+        </p:nvSpPr>
+        <p:spPr>
+          <a:xfrm>
+            <a:off x="5872378" y="813311"/>
+            <a:ext cx="1557158" cy="369332"/>
+          </a:xfrm>
+          <a:prstGeom prst="rect">
+            <a:avLst/>
+          </a:prstGeom>
+          <a:noFill/>
+        </p:spPr>
+        <p:txBody>
+          <a:bodyPr wrap="none" rtlCol="0">
+            <a:spAutoFit/>
+          </a:bodyPr>
+          <a:lstStyle/>
+          <a:p>
+            <a:r>
+              <a:rPr lang="fr-FR" dirty="0"/>
+              <a:t>localhost:4206</a:t>
+            </a:r>
+          </a:p>
+        </p:txBody>
+      </p:sp>
+      <p:sp>
+        <p:nvSpPr>
+          <p:cNvPr id="7" name="Rectangle 6">
+            <a:extLst>
+              <a:ext uri="{FF2B5EF4-FFF2-40B4-BE49-F238E27FC236}">
+                <a16:creationId xmlns:a16="http://schemas.microsoft.com/office/drawing/2014/main" id="{6219D5B2-E346-4E72-ABBA-29C114077CFF}"/>
+              </a:ext>
+            </a:extLst>
+          </p:cNvPr>
+          <p:cNvSpPr/>
+          <p:nvPr/>
+        </p:nvSpPr>
+        <p:spPr>
+          <a:xfrm>
+            <a:off x="6517206" y="4372382"/>
+            <a:ext cx="1298846" cy="794931"/>
+          </a:xfrm>
+          <a:prstGeom prst="rect">
+            <a:avLst/>
+          </a:prstGeom>
+        </p:spPr>
+        <p:style>
+          <a:lnRef idx="2">
+            <a:schemeClr val="accent1">
+              <a:shade val="50000"/>
+            </a:schemeClr>
+          </a:lnRef>
+          <a:fillRef idx="1">
+            <a:schemeClr val="accent1"/>
+          </a:fillRef>
+          <a:effectRef idx="0">
+            <a:schemeClr val="accent1"/>
+          </a:effectRef>
+          <a:fontRef idx="minor">
+            <a:schemeClr val="lt1"/>
+          </a:fontRef>
+        </p:style>
+        <p:txBody>
+          <a:bodyPr rtlCol="0" anchor="ctr"/>
+          <a:lstStyle/>
+          <a:p>
+            <a:pPr algn="ctr"/>
+            <a:r>
+              <a:rPr lang="fr-FR" dirty="0" err="1"/>
+              <a:t>Back-end</a:t>
+            </a:r>
+            <a:endParaRPr lang="fr-FR" dirty="0"/>
+          </a:p>
+        </p:txBody>
+      </p:sp>
+      <p:sp>
+        <p:nvSpPr>
+          <p:cNvPr id="8" name="TextBox 7">
+            <a:extLst>
+              <a:ext uri="{FF2B5EF4-FFF2-40B4-BE49-F238E27FC236}">
+                <a16:creationId xmlns:a16="http://schemas.microsoft.com/office/drawing/2014/main" id="{77D85EC1-5A34-4247-9421-219C5E29F07C}"/>
+              </a:ext>
+            </a:extLst>
+          </p:cNvPr>
+          <p:cNvSpPr txBox="1"/>
+          <p:nvPr/>
+        </p:nvSpPr>
+        <p:spPr>
+          <a:xfrm>
+            <a:off x="6446750" y="3942488"/>
+            <a:ext cx="1557158" cy="369332"/>
+          </a:xfrm>
+          <a:prstGeom prst="rect">
+            <a:avLst/>
+          </a:prstGeom>
+          <a:noFill/>
+        </p:spPr>
+        <p:txBody>
+          <a:bodyPr wrap="none" rtlCol="0">
+            <a:spAutoFit/>
+          </a:bodyPr>
+          <a:lstStyle/>
+          <a:p>
+            <a:r>
+              <a:rPr lang="fr-FR" dirty="0"/>
+              <a:t>localhost:3000</a:t>
+            </a:r>
+          </a:p>
+        </p:txBody>
+      </p:sp>
+      <p:cxnSp>
+        <p:nvCxnSpPr>
+          <p:cNvPr id="10" name="Straight Arrow Connector 9">
+            <a:extLst>
+              <a:ext uri="{FF2B5EF4-FFF2-40B4-BE49-F238E27FC236}">
+                <a16:creationId xmlns:a16="http://schemas.microsoft.com/office/drawing/2014/main" id="{7874A832-E799-417D-8534-BEA966A46697}"/>
+              </a:ext>
+            </a:extLst>
+          </p:cNvPr>
+          <p:cNvCxnSpPr/>
+          <p:nvPr/>
+        </p:nvCxnSpPr>
+        <p:spPr>
+          <a:xfrm flipV="1">
+            <a:off x="1640406" y="1520937"/>
+            <a:ext cx="4586551" cy="1323352"/>
+          </a:xfrm>
+          <a:prstGeom prst="straightConnector1">
+            <a:avLst/>
+          </a:prstGeom>
+          <a:ln w="76200">
+            <a:tailEnd type="triangle"/>
+          </a:ln>
+        </p:spPr>
+        <p:style>
+          <a:lnRef idx="1">
+            <a:schemeClr val="accent1"/>
+          </a:lnRef>
+          <a:fillRef idx="0">
+            <a:schemeClr val="accent1"/>
+          </a:fillRef>
+          <a:effectRef idx="0">
+            <a:schemeClr val="accent1"/>
+          </a:effectRef>
+          <a:fontRef idx="minor">
+            <a:schemeClr val="tx1"/>
+          </a:fontRef>
+        </p:style>
+      </p:cxnSp>
+      <p:cxnSp>
+        <p:nvCxnSpPr>
+          <p:cNvPr id="12" name="Straight Arrow Connector 11">
+            <a:extLst>
+              <a:ext uri="{FF2B5EF4-FFF2-40B4-BE49-F238E27FC236}">
+                <a16:creationId xmlns:a16="http://schemas.microsoft.com/office/drawing/2014/main" id="{C3F021EA-CE03-41A4-830E-C72A95C794DD}"/>
+              </a:ext>
+            </a:extLst>
+          </p:cNvPr>
+          <p:cNvCxnSpPr/>
+          <p:nvPr/>
+        </p:nvCxnSpPr>
+        <p:spPr>
+          <a:xfrm flipH="1">
+            <a:off x="1640406" y="1971244"/>
+            <a:ext cx="4586551" cy="1383088"/>
+          </a:xfrm>
+          <a:prstGeom prst="straightConnector1">
+            <a:avLst/>
+          </a:prstGeom>
+          <a:ln w="76200">
+            <a:tailEnd type="triangle"/>
+          </a:ln>
+        </p:spPr>
+        <p:style>
+          <a:lnRef idx="1">
+            <a:schemeClr val="accent1"/>
+          </a:lnRef>
+          <a:fillRef idx="0">
+            <a:schemeClr val="accent1"/>
+          </a:fillRef>
+          <a:effectRef idx="0">
+            <a:schemeClr val="accent1"/>
+          </a:effectRef>
+          <a:fontRef idx="minor">
+            <a:schemeClr val="tx1"/>
+          </a:fontRef>
+        </p:style>
+      </p:cxnSp>
+      <p:cxnSp>
+        <p:nvCxnSpPr>
+          <p:cNvPr id="14" name="Straight Arrow Connector 13">
+            <a:extLst>
+              <a:ext uri="{FF2B5EF4-FFF2-40B4-BE49-F238E27FC236}">
+                <a16:creationId xmlns:a16="http://schemas.microsoft.com/office/drawing/2014/main" id="{7C9B1132-0108-41F3-84EC-B560DF8D5870}"/>
+              </a:ext>
+            </a:extLst>
+          </p:cNvPr>
+          <p:cNvCxnSpPr/>
+          <p:nvPr/>
+        </p:nvCxnSpPr>
+        <p:spPr>
+          <a:xfrm>
+            <a:off x="1640406" y="3478396"/>
+            <a:ext cx="4876800" cy="1121174"/>
+          </a:xfrm>
+          <a:prstGeom prst="straightConnector1">
+            <a:avLst/>
+          </a:prstGeom>
+          <a:ln w="76200">
+            <a:tailEnd type="triangle"/>
+          </a:ln>
+        </p:spPr>
+        <p:style>
+          <a:lnRef idx="1">
+            <a:schemeClr val="accent1"/>
+          </a:lnRef>
+          <a:fillRef idx="0">
+            <a:schemeClr val="accent1"/>
+          </a:fillRef>
+          <a:effectRef idx="0">
+            <a:schemeClr val="accent1"/>
+          </a:effectRef>
+          <a:fontRef idx="minor">
+            <a:schemeClr val="tx1"/>
+          </a:fontRef>
+        </p:style>
+      </p:cxnSp>
+      <p:cxnSp>
+        <p:nvCxnSpPr>
+          <p:cNvPr id="16" name="Straight Arrow Connector 15">
+            <a:extLst>
+              <a:ext uri="{FF2B5EF4-FFF2-40B4-BE49-F238E27FC236}">
+                <a16:creationId xmlns:a16="http://schemas.microsoft.com/office/drawing/2014/main" id="{EA30DE1F-A494-4FEA-A6EA-A2FACA6F6839}"/>
+              </a:ext>
+            </a:extLst>
+          </p:cNvPr>
+          <p:cNvCxnSpPr/>
+          <p:nvPr/>
+        </p:nvCxnSpPr>
+        <p:spPr>
+          <a:xfrm flipH="1" flipV="1">
+            <a:off x="1327948" y="3607055"/>
+            <a:ext cx="5189258" cy="1318758"/>
+          </a:xfrm>
+          <a:prstGeom prst="straightConnector1">
+            <a:avLst/>
+          </a:prstGeom>
+          <a:ln w="76200">
+            <a:tailEnd type="triangle"/>
+          </a:ln>
+        </p:spPr>
+        <p:style>
+          <a:lnRef idx="1">
+            <a:schemeClr val="accent1"/>
+          </a:lnRef>
+          <a:fillRef idx="0">
+            <a:schemeClr val="accent1"/>
+          </a:fillRef>
+          <a:effectRef idx="0">
+            <a:schemeClr val="accent1"/>
+          </a:effectRef>
+          <a:fontRef idx="minor">
+            <a:schemeClr val="tx1"/>
+          </a:fontRef>
+        </p:style>
+      </p:cxnSp>
+      <p:sp>
+        <p:nvSpPr>
+          <p:cNvPr id="17" name="Rectangle 16">
+            <a:extLst>
+              <a:ext uri="{FF2B5EF4-FFF2-40B4-BE49-F238E27FC236}">
+                <a16:creationId xmlns:a16="http://schemas.microsoft.com/office/drawing/2014/main" id="{AB37186D-18FD-4E8D-9EB4-29055D5B9239}"/>
+              </a:ext>
+            </a:extLst>
+          </p:cNvPr>
+          <p:cNvSpPr/>
+          <p:nvPr/>
+        </p:nvSpPr>
+        <p:spPr>
+          <a:xfrm>
+            <a:off x="838200" y="3429000"/>
+            <a:ext cx="705712" cy="591603"/>
+          </a:xfrm>
+          <a:prstGeom prst="rect">
+            <a:avLst/>
+          </a:prstGeom>
+        </p:spPr>
+        <p:style>
+          <a:lnRef idx="2">
+            <a:schemeClr val="accent2">
+              <a:shade val="50000"/>
+            </a:schemeClr>
+          </a:lnRef>
+          <a:fillRef idx="1">
+            <a:schemeClr val="accent2"/>
+          </a:fillRef>
+          <a:effectRef idx="0">
+            <a:schemeClr val="accent2"/>
+          </a:effectRef>
+          <a:fontRef idx="minor">
+            <a:schemeClr val="lt1"/>
+          </a:fontRef>
+        </p:style>
+        <p:txBody>
+          <a:bodyPr rtlCol="0" anchor="ctr"/>
+          <a:lstStyle/>
+          <a:p>
+            <a:pPr algn="ctr"/>
+            <a:r>
+              <a:rPr lang="fr-FR" dirty="0"/>
+              <a:t>CORS</a:t>
+            </a:r>
+          </a:p>
+        </p:txBody>
+      </p:sp>
+    </p:spTree>
+    <p:extLst>
+      <p:ext uri="{BB962C8B-B14F-4D97-AF65-F5344CB8AC3E}">
+        <p14:creationId xmlns:p14="http://schemas.microsoft.com/office/powerpoint/2010/main" val="1955540294"/>
       </p:ext>
     </p:extLst>
   </p:cSld>
@@ -10590,6 +16509,1728 @@
     <p:extLst>
       <p:ext uri="{BB962C8B-B14F-4D97-AF65-F5344CB8AC3E}">
         <p14:creationId xmlns:p14="http://schemas.microsoft.com/office/powerpoint/2010/main" val="1171997351"/>
+      </p:ext>
+    </p:extLst>
+  </p:cSld>
+  <p:clrMapOvr>
+    <a:masterClrMapping/>
+  </p:clrMapOvr>
+</p:sld>
+</file>
+
+<file path=ppt/slides/slide30.xml><?xml version="1.0" encoding="utf-8"?>
+<p:sld xmlns:a="http://schemas.openxmlformats.org/drawingml/2006/main" xmlns:r="http://schemas.openxmlformats.org/officeDocument/2006/relationships" xmlns:p="http://schemas.openxmlformats.org/presentationml/2006/main">
+  <p:cSld>
+    <p:spTree>
+      <p:nvGrpSpPr>
+        <p:cNvPr id="1" name=""/>
+        <p:cNvGrpSpPr/>
+        <p:nvPr/>
+      </p:nvGrpSpPr>
+      <p:grpSpPr>
+        <a:xfrm>
+          <a:off x="0" y="0"/>
+          <a:ext cx="0" cy="0"/>
+          <a:chOff x="0" y="0"/>
+          <a:chExt cx="0" cy="0"/>
+        </a:xfrm>
+      </p:grpSpPr>
+      <p:sp>
+        <p:nvSpPr>
+          <p:cNvPr id="52" name="Rectangle 51">
+            <a:extLst>
+              <a:ext uri="{FF2B5EF4-FFF2-40B4-BE49-F238E27FC236}">
+                <a16:creationId xmlns:a16="http://schemas.microsoft.com/office/drawing/2014/main" id="{6B3DF7A8-F794-4380-BF60-62753A007426}"/>
+              </a:ext>
+            </a:extLst>
+          </p:cNvPr>
+          <p:cNvSpPr/>
+          <p:nvPr/>
+        </p:nvSpPr>
+        <p:spPr>
+          <a:xfrm>
+            <a:off x="4268732" y="4328466"/>
+            <a:ext cx="5109612" cy="2421552"/>
+          </a:xfrm>
+          <a:prstGeom prst="rect">
+            <a:avLst/>
+          </a:prstGeom>
+        </p:spPr>
+        <p:style>
+          <a:lnRef idx="2">
+            <a:schemeClr val="accent1"/>
+          </a:lnRef>
+          <a:fillRef idx="1">
+            <a:schemeClr val="lt1"/>
+          </a:fillRef>
+          <a:effectRef idx="0">
+            <a:schemeClr val="accent1"/>
+          </a:effectRef>
+          <a:fontRef idx="minor">
+            <a:schemeClr val="dk1"/>
+          </a:fontRef>
+        </p:style>
+        <p:txBody>
+          <a:bodyPr rtlCol="0" anchor="ctr"/>
+          <a:lstStyle/>
+          <a:p>
+            <a:pPr algn="ctr"/>
+            <a:endParaRPr lang="fr-FR"/>
+          </a:p>
+        </p:txBody>
+      </p:sp>
+      <p:sp>
+        <p:nvSpPr>
+          <p:cNvPr id="4" name="Rectangle 3">
+            <a:extLst>
+              <a:ext uri="{FF2B5EF4-FFF2-40B4-BE49-F238E27FC236}">
+                <a16:creationId xmlns:a16="http://schemas.microsoft.com/office/drawing/2014/main" id="{90BA5115-B598-478A-9A4F-D2AA08F90B00}"/>
+              </a:ext>
+            </a:extLst>
+          </p:cNvPr>
+          <p:cNvSpPr/>
+          <p:nvPr/>
+        </p:nvSpPr>
+        <p:spPr>
+          <a:xfrm>
+            <a:off x="4236567" y="1116579"/>
+            <a:ext cx="1116579" cy="744386"/>
+          </a:xfrm>
+          <a:prstGeom prst="rect">
+            <a:avLst/>
+          </a:prstGeom>
+        </p:spPr>
+        <p:style>
+          <a:lnRef idx="2">
+            <a:schemeClr val="accent1">
+              <a:shade val="50000"/>
+            </a:schemeClr>
+          </a:lnRef>
+          <a:fillRef idx="1">
+            <a:schemeClr val="accent1"/>
+          </a:fillRef>
+          <a:effectRef idx="0">
+            <a:schemeClr val="accent1"/>
+          </a:effectRef>
+          <a:fontRef idx="minor">
+            <a:schemeClr val="lt1"/>
+          </a:fontRef>
+        </p:style>
+        <p:txBody>
+          <a:bodyPr rtlCol="0" anchor="ctr"/>
+          <a:lstStyle/>
+          <a:p>
+            <a:pPr algn="ctr"/>
+            <a:r>
+              <a:rPr lang="fr-FR" dirty="0"/>
+              <a:t>App</a:t>
+            </a:r>
+          </a:p>
+        </p:txBody>
+      </p:sp>
+      <p:sp>
+        <p:nvSpPr>
+          <p:cNvPr id="5" name="Oval 4">
+            <a:extLst>
+              <a:ext uri="{FF2B5EF4-FFF2-40B4-BE49-F238E27FC236}">
+                <a16:creationId xmlns:a16="http://schemas.microsoft.com/office/drawing/2014/main" id="{082EC38B-50AB-4E80-A58D-AFAEEE8F74B5}"/>
+              </a:ext>
+            </a:extLst>
+          </p:cNvPr>
+          <p:cNvSpPr/>
+          <p:nvPr/>
+        </p:nvSpPr>
+        <p:spPr>
+          <a:xfrm>
+            <a:off x="4036685" y="2536427"/>
+            <a:ext cx="1516342" cy="744386"/>
+          </a:xfrm>
+          <a:prstGeom prst="ellipse">
+            <a:avLst/>
+          </a:prstGeom>
+        </p:spPr>
+        <p:style>
+          <a:lnRef idx="2">
+            <a:schemeClr val="accent6">
+              <a:shade val="50000"/>
+            </a:schemeClr>
+          </a:lnRef>
+          <a:fillRef idx="1">
+            <a:schemeClr val="accent6"/>
+          </a:fillRef>
+          <a:effectRef idx="0">
+            <a:schemeClr val="accent6"/>
+          </a:effectRef>
+          <a:fontRef idx="minor">
+            <a:schemeClr val="lt1"/>
+          </a:fontRef>
+        </p:style>
+        <p:txBody>
+          <a:bodyPr rtlCol="0" anchor="ctr"/>
+          <a:lstStyle/>
+          <a:p>
+            <a:pPr algn="ctr"/>
+            <a:r>
+              <a:rPr lang="fr-FR" dirty="0"/>
+              <a:t>App</a:t>
+            </a:r>
+          </a:p>
+        </p:txBody>
+      </p:sp>
+      <p:cxnSp>
+        <p:nvCxnSpPr>
+          <p:cNvPr id="7" name="Straight Arrow Connector 6">
+            <a:extLst>
+              <a:ext uri="{FF2B5EF4-FFF2-40B4-BE49-F238E27FC236}">
+                <a16:creationId xmlns:a16="http://schemas.microsoft.com/office/drawing/2014/main" id="{A1174456-A355-45FF-B42C-348E4C86096A}"/>
+              </a:ext>
+            </a:extLst>
+          </p:cNvPr>
+          <p:cNvCxnSpPr>
+            <a:stCxn id="5" idx="0"/>
+            <a:endCxn id="4" idx="2"/>
+          </p:cNvCxnSpPr>
+          <p:nvPr/>
+        </p:nvCxnSpPr>
+        <p:spPr>
+          <a:xfrm flipV="1">
+            <a:off x="4794856" y="1860965"/>
+            <a:ext cx="1" cy="675462"/>
+          </a:xfrm>
+          <a:prstGeom prst="straightConnector1">
+            <a:avLst/>
+          </a:prstGeom>
+          <a:ln w="76200">
+            <a:tailEnd type="triangle"/>
+          </a:ln>
+        </p:spPr>
+        <p:style>
+          <a:lnRef idx="1">
+            <a:schemeClr val="accent1"/>
+          </a:lnRef>
+          <a:fillRef idx="0">
+            <a:schemeClr val="accent1"/>
+          </a:fillRef>
+          <a:effectRef idx="0">
+            <a:schemeClr val="accent1"/>
+          </a:effectRef>
+          <a:fontRef idx="minor">
+            <a:schemeClr val="tx1"/>
+          </a:fontRef>
+        </p:style>
+      </p:cxnSp>
+      <p:sp>
+        <p:nvSpPr>
+          <p:cNvPr id="9" name="Rectangle 8">
+            <a:extLst>
+              <a:ext uri="{FF2B5EF4-FFF2-40B4-BE49-F238E27FC236}">
+                <a16:creationId xmlns:a16="http://schemas.microsoft.com/office/drawing/2014/main" id="{F969D6EF-4E23-451B-A8BF-46AAF17631F7}"/>
+              </a:ext>
+            </a:extLst>
+          </p:cNvPr>
+          <p:cNvSpPr/>
+          <p:nvPr/>
+        </p:nvSpPr>
+        <p:spPr>
+          <a:xfrm>
+            <a:off x="7595493" y="583562"/>
+            <a:ext cx="1479578" cy="629511"/>
+          </a:xfrm>
+          <a:prstGeom prst="rect">
+            <a:avLst/>
+          </a:prstGeom>
+        </p:spPr>
+        <p:style>
+          <a:lnRef idx="2">
+            <a:schemeClr val="accent1">
+              <a:shade val="50000"/>
+            </a:schemeClr>
+          </a:lnRef>
+          <a:fillRef idx="1">
+            <a:schemeClr val="accent1"/>
+          </a:fillRef>
+          <a:effectRef idx="0">
+            <a:schemeClr val="accent1"/>
+          </a:effectRef>
+          <a:fontRef idx="minor">
+            <a:schemeClr val="lt1"/>
+          </a:fontRef>
+        </p:style>
+        <p:txBody>
+          <a:bodyPr rtlCol="0" anchor="ctr"/>
+          <a:lstStyle/>
+          <a:p>
+            <a:pPr algn="ctr"/>
+            <a:r>
+              <a:rPr lang="fr-FR" dirty="0"/>
+              <a:t>Browser</a:t>
+            </a:r>
+          </a:p>
+        </p:txBody>
+      </p:sp>
+      <p:sp>
+        <p:nvSpPr>
+          <p:cNvPr id="10" name="Rectangle 9">
+            <a:extLst>
+              <a:ext uri="{FF2B5EF4-FFF2-40B4-BE49-F238E27FC236}">
+                <a16:creationId xmlns:a16="http://schemas.microsoft.com/office/drawing/2014/main" id="{578F8CDF-72B1-43E4-A330-4D3E8C447C9A}"/>
+              </a:ext>
+            </a:extLst>
+          </p:cNvPr>
+          <p:cNvSpPr/>
+          <p:nvPr/>
+        </p:nvSpPr>
+        <p:spPr>
+          <a:xfrm>
+            <a:off x="7595492" y="1517873"/>
+            <a:ext cx="1479579" cy="629511"/>
+          </a:xfrm>
+          <a:prstGeom prst="rect">
+            <a:avLst/>
+          </a:prstGeom>
+        </p:spPr>
+        <p:style>
+          <a:lnRef idx="2">
+            <a:schemeClr val="accent1">
+              <a:shade val="50000"/>
+            </a:schemeClr>
+          </a:lnRef>
+          <a:fillRef idx="1">
+            <a:schemeClr val="accent1"/>
+          </a:fillRef>
+          <a:effectRef idx="0">
+            <a:schemeClr val="accent1"/>
+          </a:effectRef>
+          <a:fontRef idx="minor">
+            <a:schemeClr val="lt1"/>
+          </a:fontRef>
+        </p:style>
+        <p:txBody>
+          <a:bodyPr rtlCol="0" anchor="ctr"/>
+          <a:lstStyle/>
+          <a:p>
+            <a:pPr algn="ctr"/>
+            <a:r>
+              <a:rPr lang="fr-FR" dirty="0" err="1"/>
+              <a:t>AppRouting</a:t>
+            </a:r>
+            <a:endParaRPr lang="fr-FR" dirty="0"/>
+          </a:p>
+        </p:txBody>
+      </p:sp>
+      <p:cxnSp>
+        <p:nvCxnSpPr>
+          <p:cNvPr id="12" name="Straight Arrow Connector 11">
+            <a:extLst>
+              <a:ext uri="{FF2B5EF4-FFF2-40B4-BE49-F238E27FC236}">
+                <a16:creationId xmlns:a16="http://schemas.microsoft.com/office/drawing/2014/main" id="{C3B5D011-CF58-4919-8C29-2D3E569F76EA}"/>
+              </a:ext>
+            </a:extLst>
+          </p:cNvPr>
+          <p:cNvCxnSpPr>
+            <a:stCxn id="9" idx="1"/>
+            <a:endCxn id="4" idx="3"/>
+          </p:cNvCxnSpPr>
+          <p:nvPr/>
+        </p:nvCxnSpPr>
+        <p:spPr>
+          <a:xfrm flipH="1">
+            <a:off x="5353146" y="898318"/>
+            <a:ext cx="2242347" cy="590454"/>
+          </a:xfrm>
+          <a:prstGeom prst="straightConnector1">
+            <a:avLst/>
+          </a:prstGeom>
+          <a:ln w="76200">
+            <a:prstDash val="sysDash"/>
+            <a:tailEnd type="triangle"/>
+          </a:ln>
+        </p:spPr>
+        <p:style>
+          <a:lnRef idx="1">
+            <a:schemeClr val="accent1"/>
+          </a:lnRef>
+          <a:fillRef idx="0">
+            <a:schemeClr val="accent1"/>
+          </a:fillRef>
+          <a:effectRef idx="0">
+            <a:schemeClr val="accent1"/>
+          </a:effectRef>
+          <a:fontRef idx="minor">
+            <a:schemeClr val="tx1"/>
+          </a:fontRef>
+        </p:style>
+      </p:cxnSp>
+      <p:cxnSp>
+        <p:nvCxnSpPr>
+          <p:cNvPr id="13" name="Straight Arrow Connector 12">
+            <a:extLst>
+              <a:ext uri="{FF2B5EF4-FFF2-40B4-BE49-F238E27FC236}">
+                <a16:creationId xmlns:a16="http://schemas.microsoft.com/office/drawing/2014/main" id="{899E3502-9130-43FD-BF3A-D377BC12DE27}"/>
+              </a:ext>
+            </a:extLst>
+          </p:cNvPr>
+          <p:cNvCxnSpPr>
+            <a:cxnSpLocks/>
+            <a:stCxn id="10" idx="1"/>
+            <a:endCxn id="4" idx="3"/>
+          </p:cNvCxnSpPr>
+          <p:nvPr/>
+        </p:nvCxnSpPr>
+        <p:spPr>
+          <a:xfrm flipH="1" flipV="1">
+            <a:off x="5353146" y="1488772"/>
+            <a:ext cx="2242346" cy="343857"/>
+          </a:xfrm>
+          <a:prstGeom prst="straightConnector1">
+            <a:avLst/>
+          </a:prstGeom>
+          <a:ln w="76200">
+            <a:prstDash val="sysDash"/>
+            <a:tailEnd type="triangle"/>
+          </a:ln>
+        </p:spPr>
+        <p:style>
+          <a:lnRef idx="1">
+            <a:schemeClr val="accent1"/>
+          </a:lnRef>
+          <a:fillRef idx="0">
+            <a:schemeClr val="accent1"/>
+          </a:fillRef>
+          <a:effectRef idx="0">
+            <a:schemeClr val="accent1"/>
+          </a:effectRef>
+          <a:fontRef idx="minor">
+            <a:schemeClr val="tx1"/>
+          </a:fontRef>
+        </p:style>
+      </p:cxnSp>
+      <p:sp>
+        <p:nvSpPr>
+          <p:cNvPr id="2" name="Oval 1">
+            <a:extLst>
+              <a:ext uri="{FF2B5EF4-FFF2-40B4-BE49-F238E27FC236}">
+                <a16:creationId xmlns:a16="http://schemas.microsoft.com/office/drawing/2014/main" id="{A2B1E4AB-04D9-402B-A2FB-6C9D1534CD55}"/>
+              </a:ext>
+            </a:extLst>
+          </p:cNvPr>
+          <p:cNvSpPr/>
+          <p:nvPr/>
+        </p:nvSpPr>
+        <p:spPr>
+          <a:xfrm>
+            <a:off x="1769065" y="3308382"/>
+            <a:ext cx="1406063" cy="703031"/>
+          </a:xfrm>
+          <a:prstGeom prst="ellipse">
+            <a:avLst/>
+          </a:prstGeom>
+        </p:spPr>
+        <p:style>
+          <a:lnRef idx="2">
+            <a:schemeClr val="accent6">
+              <a:shade val="50000"/>
+            </a:schemeClr>
+          </a:lnRef>
+          <a:fillRef idx="1">
+            <a:schemeClr val="accent6"/>
+          </a:fillRef>
+          <a:effectRef idx="0">
+            <a:schemeClr val="accent6"/>
+          </a:effectRef>
+          <a:fontRef idx="minor">
+            <a:schemeClr val="lt1"/>
+          </a:fontRef>
+        </p:style>
+        <p:txBody>
+          <a:bodyPr rtlCol="0" anchor="ctr"/>
+          <a:lstStyle/>
+          <a:p>
+            <a:pPr algn="ctr"/>
+            <a:r>
+              <a:rPr lang="fr-FR" dirty="0"/>
+              <a:t>Header</a:t>
+            </a:r>
+          </a:p>
+        </p:txBody>
+      </p:sp>
+      <p:sp>
+        <p:nvSpPr>
+          <p:cNvPr id="11" name="Oval 10">
+            <a:extLst>
+              <a:ext uri="{FF2B5EF4-FFF2-40B4-BE49-F238E27FC236}">
+                <a16:creationId xmlns:a16="http://schemas.microsoft.com/office/drawing/2014/main" id="{2115249B-2C71-495A-ABD0-49464E45596E}"/>
+              </a:ext>
+            </a:extLst>
+          </p:cNvPr>
+          <p:cNvSpPr/>
+          <p:nvPr/>
+        </p:nvSpPr>
+        <p:spPr>
+          <a:xfrm>
+            <a:off x="1769064" y="4143136"/>
+            <a:ext cx="1406063" cy="703031"/>
+          </a:xfrm>
+          <a:prstGeom prst="ellipse">
+            <a:avLst/>
+          </a:prstGeom>
+        </p:spPr>
+        <p:style>
+          <a:lnRef idx="2">
+            <a:schemeClr val="accent6">
+              <a:shade val="50000"/>
+            </a:schemeClr>
+          </a:lnRef>
+          <a:fillRef idx="1">
+            <a:schemeClr val="accent6"/>
+          </a:fillRef>
+          <a:effectRef idx="0">
+            <a:schemeClr val="accent6"/>
+          </a:effectRef>
+          <a:fontRef idx="minor">
+            <a:schemeClr val="lt1"/>
+          </a:fontRef>
+        </p:style>
+        <p:txBody>
+          <a:bodyPr rtlCol="0" anchor="ctr"/>
+          <a:lstStyle/>
+          <a:p>
+            <a:pPr algn="ctr"/>
+            <a:r>
+              <a:rPr lang="fr-FR" dirty="0"/>
+              <a:t>Main</a:t>
+            </a:r>
+          </a:p>
+        </p:txBody>
+      </p:sp>
+      <p:sp>
+        <p:nvSpPr>
+          <p:cNvPr id="14" name="Oval 13">
+            <a:extLst>
+              <a:ext uri="{FF2B5EF4-FFF2-40B4-BE49-F238E27FC236}">
+                <a16:creationId xmlns:a16="http://schemas.microsoft.com/office/drawing/2014/main" id="{C9930EDE-AA70-49F2-8583-DAD580D83C89}"/>
+              </a:ext>
+            </a:extLst>
+          </p:cNvPr>
+          <p:cNvSpPr/>
+          <p:nvPr/>
+        </p:nvSpPr>
+        <p:spPr>
+          <a:xfrm>
+            <a:off x="1769064" y="4977890"/>
+            <a:ext cx="1406063" cy="703031"/>
+          </a:xfrm>
+          <a:prstGeom prst="ellipse">
+            <a:avLst/>
+          </a:prstGeom>
+        </p:spPr>
+        <p:style>
+          <a:lnRef idx="2">
+            <a:schemeClr val="accent6">
+              <a:shade val="50000"/>
+            </a:schemeClr>
+          </a:lnRef>
+          <a:fillRef idx="1">
+            <a:schemeClr val="accent6"/>
+          </a:fillRef>
+          <a:effectRef idx="0">
+            <a:schemeClr val="accent6"/>
+          </a:effectRef>
+          <a:fontRef idx="minor">
+            <a:schemeClr val="lt1"/>
+          </a:fontRef>
+        </p:style>
+        <p:txBody>
+          <a:bodyPr rtlCol="0" anchor="ctr"/>
+          <a:lstStyle/>
+          <a:p>
+            <a:pPr algn="ctr"/>
+            <a:r>
+              <a:rPr lang="fr-FR" dirty="0" err="1"/>
+              <a:t>Footer</a:t>
+            </a:r>
+            <a:endParaRPr lang="fr-FR" dirty="0"/>
+          </a:p>
+        </p:txBody>
+      </p:sp>
+      <p:sp>
+        <p:nvSpPr>
+          <p:cNvPr id="3" name="Rectangle 2">
+            <a:extLst>
+              <a:ext uri="{FF2B5EF4-FFF2-40B4-BE49-F238E27FC236}">
+                <a16:creationId xmlns:a16="http://schemas.microsoft.com/office/drawing/2014/main" id="{3E11197F-7F8D-4D42-A111-AD38F9A58FD3}"/>
+              </a:ext>
+            </a:extLst>
+          </p:cNvPr>
+          <p:cNvSpPr/>
+          <p:nvPr/>
+        </p:nvSpPr>
+        <p:spPr>
+          <a:xfrm>
+            <a:off x="2861524" y="2320462"/>
+            <a:ext cx="1102792" cy="703031"/>
+          </a:xfrm>
+          <a:prstGeom prst="rect">
+            <a:avLst/>
+          </a:prstGeom>
+        </p:spPr>
+        <p:style>
+          <a:lnRef idx="2">
+            <a:schemeClr val="accent1">
+              <a:shade val="50000"/>
+            </a:schemeClr>
+          </a:lnRef>
+          <a:fillRef idx="1">
+            <a:schemeClr val="accent1"/>
+          </a:fillRef>
+          <a:effectRef idx="0">
+            <a:schemeClr val="accent1"/>
+          </a:effectRef>
+          <a:fontRef idx="minor">
+            <a:schemeClr val="lt1"/>
+          </a:fontRef>
+        </p:style>
+        <p:txBody>
+          <a:bodyPr rtlCol="0" anchor="ctr"/>
+          <a:lstStyle/>
+          <a:p>
+            <a:pPr algn="ctr"/>
+            <a:r>
+              <a:rPr lang="fr-FR" dirty="0" err="1"/>
+              <a:t>Layout</a:t>
+            </a:r>
+            <a:endParaRPr lang="fr-FR" dirty="0"/>
+          </a:p>
+        </p:txBody>
+      </p:sp>
+      <p:cxnSp>
+        <p:nvCxnSpPr>
+          <p:cNvPr id="8" name="Connector: Elbow 7">
+            <a:extLst>
+              <a:ext uri="{FF2B5EF4-FFF2-40B4-BE49-F238E27FC236}">
+                <a16:creationId xmlns:a16="http://schemas.microsoft.com/office/drawing/2014/main" id="{C54BF45A-6A43-443A-9746-EEE1F2F66E49}"/>
+              </a:ext>
+            </a:extLst>
+          </p:cNvPr>
+          <p:cNvCxnSpPr>
+            <a:stCxn id="2" idx="6"/>
+            <a:endCxn id="3" idx="2"/>
+          </p:cNvCxnSpPr>
+          <p:nvPr/>
+        </p:nvCxnSpPr>
+        <p:spPr>
+          <a:xfrm flipV="1">
+            <a:off x="3175128" y="3023493"/>
+            <a:ext cx="237792" cy="636405"/>
+          </a:xfrm>
+          <a:prstGeom prst="bentConnector2">
+            <a:avLst/>
+          </a:prstGeom>
+          <a:ln w="76200">
+            <a:tailEnd type="triangle"/>
+          </a:ln>
+        </p:spPr>
+        <p:style>
+          <a:lnRef idx="1">
+            <a:schemeClr val="accent1"/>
+          </a:lnRef>
+          <a:fillRef idx="0">
+            <a:schemeClr val="accent1"/>
+          </a:fillRef>
+          <a:effectRef idx="0">
+            <a:schemeClr val="accent1"/>
+          </a:effectRef>
+          <a:fontRef idx="minor">
+            <a:schemeClr val="tx1"/>
+          </a:fontRef>
+        </p:style>
+      </p:cxnSp>
+      <p:cxnSp>
+        <p:nvCxnSpPr>
+          <p:cNvPr id="17" name="Connector: Elbow 16">
+            <a:extLst>
+              <a:ext uri="{FF2B5EF4-FFF2-40B4-BE49-F238E27FC236}">
+                <a16:creationId xmlns:a16="http://schemas.microsoft.com/office/drawing/2014/main" id="{2AE9061C-435B-4AA7-A897-AB7AB788D7B7}"/>
+              </a:ext>
+            </a:extLst>
+          </p:cNvPr>
+          <p:cNvCxnSpPr>
+            <a:stCxn id="11" idx="6"/>
+            <a:endCxn id="3" idx="2"/>
+          </p:cNvCxnSpPr>
+          <p:nvPr/>
+        </p:nvCxnSpPr>
+        <p:spPr>
+          <a:xfrm flipV="1">
+            <a:off x="3175127" y="3023493"/>
+            <a:ext cx="237793" cy="1471159"/>
+          </a:xfrm>
+          <a:prstGeom prst="bentConnector2">
+            <a:avLst/>
+          </a:prstGeom>
+          <a:ln w="76200">
+            <a:tailEnd type="triangle"/>
+          </a:ln>
+        </p:spPr>
+        <p:style>
+          <a:lnRef idx="1">
+            <a:schemeClr val="accent1"/>
+          </a:lnRef>
+          <a:fillRef idx="0">
+            <a:schemeClr val="accent1"/>
+          </a:fillRef>
+          <a:effectRef idx="0">
+            <a:schemeClr val="accent1"/>
+          </a:effectRef>
+          <a:fontRef idx="minor">
+            <a:schemeClr val="tx1"/>
+          </a:fontRef>
+        </p:style>
+      </p:cxnSp>
+      <p:cxnSp>
+        <p:nvCxnSpPr>
+          <p:cNvPr id="19" name="Connector: Elbow 18">
+            <a:extLst>
+              <a:ext uri="{FF2B5EF4-FFF2-40B4-BE49-F238E27FC236}">
+                <a16:creationId xmlns:a16="http://schemas.microsoft.com/office/drawing/2014/main" id="{B0600DFD-3DEA-410A-8811-D2B17132FD06}"/>
+              </a:ext>
+            </a:extLst>
+          </p:cNvPr>
+          <p:cNvCxnSpPr>
+            <a:stCxn id="14" idx="6"/>
+            <a:endCxn id="3" idx="2"/>
+          </p:cNvCxnSpPr>
+          <p:nvPr/>
+        </p:nvCxnSpPr>
+        <p:spPr>
+          <a:xfrm flipV="1">
+            <a:off x="3175127" y="3023493"/>
+            <a:ext cx="237793" cy="2305913"/>
+          </a:xfrm>
+          <a:prstGeom prst="bentConnector2">
+            <a:avLst/>
+          </a:prstGeom>
+          <a:ln w="76200">
+            <a:tailEnd type="triangle"/>
+          </a:ln>
+        </p:spPr>
+        <p:style>
+          <a:lnRef idx="1">
+            <a:schemeClr val="accent1"/>
+          </a:lnRef>
+          <a:fillRef idx="0">
+            <a:schemeClr val="accent1"/>
+          </a:fillRef>
+          <a:effectRef idx="0">
+            <a:schemeClr val="accent1"/>
+          </a:effectRef>
+          <a:fontRef idx="minor">
+            <a:schemeClr val="tx1"/>
+          </a:fontRef>
+        </p:style>
+      </p:cxnSp>
+      <p:cxnSp>
+        <p:nvCxnSpPr>
+          <p:cNvPr id="20" name="Straight Arrow Connector 19">
+            <a:extLst>
+              <a:ext uri="{FF2B5EF4-FFF2-40B4-BE49-F238E27FC236}">
+                <a16:creationId xmlns:a16="http://schemas.microsoft.com/office/drawing/2014/main" id="{8D281EF7-B98B-448E-9BEA-A3870A695C4E}"/>
+              </a:ext>
+            </a:extLst>
+          </p:cNvPr>
+          <p:cNvCxnSpPr>
+            <a:cxnSpLocks/>
+            <a:stCxn id="3" idx="0"/>
+            <a:endCxn id="4" idx="1"/>
+          </p:cNvCxnSpPr>
+          <p:nvPr/>
+        </p:nvCxnSpPr>
+        <p:spPr>
+          <a:xfrm flipV="1">
+            <a:off x="3412920" y="1488772"/>
+            <a:ext cx="823647" cy="831690"/>
+          </a:xfrm>
+          <a:prstGeom prst="straightConnector1">
+            <a:avLst/>
+          </a:prstGeom>
+          <a:ln w="76200">
+            <a:prstDash val="sysDash"/>
+            <a:tailEnd type="triangle"/>
+          </a:ln>
+        </p:spPr>
+        <p:style>
+          <a:lnRef idx="1">
+            <a:schemeClr val="accent1"/>
+          </a:lnRef>
+          <a:fillRef idx="0">
+            <a:schemeClr val="accent1"/>
+          </a:fillRef>
+          <a:effectRef idx="0">
+            <a:schemeClr val="accent1"/>
+          </a:effectRef>
+          <a:fontRef idx="minor">
+            <a:schemeClr val="tx1"/>
+          </a:fontRef>
+        </p:style>
+      </p:cxnSp>
+      <p:sp>
+        <p:nvSpPr>
+          <p:cNvPr id="18" name="Oval 17">
+            <a:extLst>
+              <a:ext uri="{FF2B5EF4-FFF2-40B4-BE49-F238E27FC236}">
+                <a16:creationId xmlns:a16="http://schemas.microsoft.com/office/drawing/2014/main" id="{DCBB99AE-AD21-4334-88B8-8976DC54C452}"/>
+              </a:ext>
+            </a:extLst>
+          </p:cNvPr>
+          <p:cNvSpPr/>
+          <p:nvPr/>
+        </p:nvSpPr>
+        <p:spPr>
+          <a:xfrm>
+            <a:off x="8176756" y="2608315"/>
+            <a:ext cx="1406063" cy="703031"/>
+          </a:xfrm>
+          <a:prstGeom prst="ellipse">
+            <a:avLst/>
+          </a:prstGeom>
+        </p:spPr>
+        <p:style>
+          <a:lnRef idx="2">
+            <a:schemeClr val="accent6">
+              <a:shade val="50000"/>
+            </a:schemeClr>
+          </a:lnRef>
+          <a:fillRef idx="1">
+            <a:schemeClr val="accent6"/>
+          </a:fillRef>
+          <a:effectRef idx="0">
+            <a:schemeClr val="accent6"/>
+          </a:effectRef>
+          <a:fontRef idx="minor">
+            <a:schemeClr val="lt1"/>
+          </a:fontRef>
+        </p:style>
+        <p:txBody>
+          <a:bodyPr rtlCol="0" anchor="ctr"/>
+          <a:lstStyle/>
+          <a:p>
+            <a:pPr algn="ctr"/>
+            <a:r>
+              <a:rPr lang="fr-FR" dirty="0"/>
+              <a:t>Home</a:t>
+            </a:r>
+          </a:p>
+        </p:txBody>
+      </p:sp>
+      <p:sp>
+        <p:nvSpPr>
+          <p:cNvPr id="21" name="Oval 20">
+            <a:extLst>
+              <a:ext uri="{FF2B5EF4-FFF2-40B4-BE49-F238E27FC236}">
+                <a16:creationId xmlns:a16="http://schemas.microsoft.com/office/drawing/2014/main" id="{E770452D-73D8-4185-9F48-2D6851046E73}"/>
+              </a:ext>
+            </a:extLst>
+          </p:cNvPr>
+          <p:cNvSpPr/>
+          <p:nvPr/>
+        </p:nvSpPr>
+        <p:spPr>
+          <a:xfrm>
+            <a:off x="8118727" y="3355148"/>
+            <a:ext cx="1406063" cy="703031"/>
+          </a:xfrm>
+          <a:prstGeom prst="ellipse">
+            <a:avLst/>
+          </a:prstGeom>
+        </p:spPr>
+        <p:style>
+          <a:lnRef idx="2">
+            <a:schemeClr val="accent6">
+              <a:shade val="50000"/>
+            </a:schemeClr>
+          </a:lnRef>
+          <a:fillRef idx="1">
+            <a:schemeClr val="accent6"/>
+          </a:fillRef>
+          <a:effectRef idx="0">
+            <a:schemeClr val="accent6"/>
+          </a:effectRef>
+          <a:fontRef idx="minor">
+            <a:schemeClr val="lt1"/>
+          </a:fontRef>
+        </p:style>
+        <p:txBody>
+          <a:bodyPr rtlCol="0" anchor="ctr"/>
+          <a:lstStyle/>
+          <a:p>
+            <a:pPr algn="ctr"/>
+            <a:r>
+              <a:rPr lang="fr-FR" dirty="0"/>
+              <a:t>Legal</a:t>
+            </a:r>
+          </a:p>
+        </p:txBody>
+      </p:sp>
+      <p:sp>
+        <p:nvSpPr>
+          <p:cNvPr id="6" name="TextBox 5">
+            <a:extLst>
+              <a:ext uri="{FF2B5EF4-FFF2-40B4-BE49-F238E27FC236}">
+                <a16:creationId xmlns:a16="http://schemas.microsoft.com/office/drawing/2014/main" id="{0E452A2C-EA0E-400D-AEBF-1684F4677B0C}"/>
+              </a:ext>
+            </a:extLst>
+          </p:cNvPr>
+          <p:cNvSpPr txBox="1"/>
+          <p:nvPr/>
+        </p:nvSpPr>
+        <p:spPr>
+          <a:xfrm>
+            <a:off x="7273592" y="2891770"/>
+            <a:ext cx="874150" cy="369332"/>
+          </a:xfrm>
+          <a:prstGeom prst="rect">
+            <a:avLst/>
+          </a:prstGeom>
+          <a:noFill/>
+        </p:spPr>
+        <p:txBody>
+          <a:bodyPr wrap="none" rtlCol="0">
+            <a:spAutoFit/>
+          </a:bodyPr>
+          <a:lstStyle/>
+          <a:p>
+            <a:r>
+              <a:rPr lang="fr-FR" dirty="0"/>
+              <a:t>routes/</a:t>
+            </a:r>
+          </a:p>
+        </p:txBody>
+      </p:sp>
+      <p:cxnSp>
+        <p:nvCxnSpPr>
+          <p:cNvPr id="16" name="Straight Arrow Connector 15">
+            <a:extLst>
+              <a:ext uri="{FF2B5EF4-FFF2-40B4-BE49-F238E27FC236}">
+                <a16:creationId xmlns:a16="http://schemas.microsoft.com/office/drawing/2014/main" id="{7B8D15ED-8E3E-4B1A-B2D7-38FEF77FC9FA}"/>
+              </a:ext>
+            </a:extLst>
+          </p:cNvPr>
+          <p:cNvCxnSpPr>
+            <a:cxnSpLocks/>
+          </p:cNvCxnSpPr>
+          <p:nvPr/>
+        </p:nvCxnSpPr>
+        <p:spPr>
+          <a:xfrm flipH="1" flipV="1">
+            <a:off x="5207643" y="1713009"/>
+            <a:ext cx="3281574" cy="1086813"/>
+          </a:xfrm>
+          <a:prstGeom prst="straightConnector1">
+            <a:avLst/>
+          </a:prstGeom>
+          <a:ln w="76200">
+            <a:tailEnd type="triangle"/>
+          </a:ln>
+        </p:spPr>
+        <p:style>
+          <a:lnRef idx="1">
+            <a:schemeClr val="accent1"/>
+          </a:lnRef>
+          <a:fillRef idx="0">
+            <a:schemeClr val="accent1"/>
+          </a:fillRef>
+          <a:effectRef idx="0">
+            <a:schemeClr val="accent1"/>
+          </a:effectRef>
+          <a:fontRef idx="minor">
+            <a:schemeClr val="tx1"/>
+          </a:fontRef>
+        </p:style>
+      </p:cxnSp>
+      <p:cxnSp>
+        <p:nvCxnSpPr>
+          <p:cNvPr id="24" name="Straight Arrow Connector 23">
+            <a:extLst>
+              <a:ext uri="{FF2B5EF4-FFF2-40B4-BE49-F238E27FC236}">
+                <a16:creationId xmlns:a16="http://schemas.microsoft.com/office/drawing/2014/main" id="{DA4EFC9E-FB1A-41C7-A5A5-A866772AEEF7}"/>
+              </a:ext>
+            </a:extLst>
+          </p:cNvPr>
+          <p:cNvCxnSpPr>
+            <a:stCxn id="21" idx="2"/>
+            <a:endCxn id="4" idx="2"/>
+          </p:cNvCxnSpPr>
+          <p:nvPr/>
+        </p:nvCxnSpPr>
+        <p:spPr>
+          <a:xfrm flipH="1" flipV="1">
+            <a:off x="4794857" y="1860965"/>
+            <a:ext cx="3323870" cy="1845699"/>
+          </a:xfrm>
+          <a:prstGeom prst="straightConnector1">
+            <a:avLst/>
+          </a:prstGeom>
+          <a:ln w="76200">
+            <a:tailEnd type="triangle"/>
+          </a:ln>
+        </p:spPr>
+        <p:style>
+          <a:lnRef idx="1">
+            <a:schemeClr val="accent1"/>
+          </a:lnRef>
+          <a:fillRef idx="0">
+            <a:schemeClr val="accent1"/>
+          </a:fillRef>
+          <a:effectRef idx="0">
+            <a:schemeClr val="accent1"/>
+          </a:effectRef>
+          <a:fontRef idx="minor">
+            <a:schemeClr val="tx1"/>
+          </a:fontRef>
+        </p:style>
+      </p:cxnSp>
+      <p:sp>
+        <p:nvSpPr>
+          <p:cNvPr id="33" name="Rectangle 32">
+            <a:extLst>
+              <a:ext uri="{FF2B5EF4-FFF2-40B4-BE49-F238E27FC236}">
+                <a16:creationId xmlns:a16="http://schemas.microsoft.com/office/drawing/2014/main" id="{A70DF9C6-00F3-4E9D-A11B-C4D48D9967A5}"/>
+              </a:ext>
+            </a:extLst>
+          </p:cNvPr>
+          <p:cNvSpPr/>
+          <p:nvPr/>
+        </p:nvSpPr>
+        <p:spPr>
+          <a:xfrm>
+            <a:off x="1769064" y="560587"/>
+            <a:ext cx="1172100" cy="629511"/>
+          </a:xfrm>
+          <a:prstGeom prst="rect">
+            <a:avLst/>
+          </a:prstGeom>
+        </p:spPr>
+        <p:style>
+          <a:lnRef idx="2">
+            <a:schemeClr val="accent1">
+              <a:shade val="50000"/>
+            </a:schemeClr>
+          </a:lnRef>
+          <a:fillRef idx="1">
+            <a:schemeClr val="accent1"/>
+          </a:fillRef>
+          <a:effectRef idx="0">
+            <a:schemeClr val="accent1"/>
+          </a:effectRef>
+          <a:fontRef idx="minor">
+            <a:schemeClr val="lt1"/>
+          </a:fontRef>
+        </p:style>
+        <p:txBody>
+          <a:bodyPr rtlCol="0" anchor="ctr"/>
+          <a:lstStyle/>
+          <a:p>
+            <a:pPr algn="ctr"/>
+            <a:r>
+              <a:rPr lang="fr-FR" dirty="0"/>
+              <a:t>Router</a:t>
+            </a:r>
+          </a:p>
+        </p:txBody>
+      </p:sp>
+      <p:cxnSp>
+        <p:nvCxnSpPr>
+          <p:cNvPr id="35" name="Straight Arrow Connector 34">
+            <a:extLst>
+              <a:ext uri="{FF2B5EF4-FFF2-40B4-BE49-F238E27FC236}">
+                <a16:creationId xmlns:a16="http://schemas.microsoft.com/office/drawing/2014/main" id="{02163999-0091-4608-9374-11B56B00A4A5}"/>
+              </a:ext>
+            </a:extLst>
+          </p:cNvPr>
+          <p:cNvCxnSpPr>
+            <a:stCxn id="33" idx="2"/>
+            <a:endCxn id="3" idx="0"/>
+          </p:cNvCxnSpPr>
+          <p:nvPr/>
+        </p:nvCxnSpPr>
+        <p:spPr>
+          <a:xfrm>
+            <a:off x="2355114" y="1190098"/>
+            <a:ext cx="1057806" cy="1130364"/>
+          </a:xfrm>
+          <a:prstGeom prst="straightConnector1">
+            <a:avLst/>
+          </a:prstGeom>
+          <a:ln w="76200">
+            <a:prstDash val="sysDash"/>
+            <a:tailEnd type="triangle"/>
+          </a:ln>
+        </p:spPr>
+        <p:style>
+          <a:lnRef idx="1">
+            <a:schemeClr val="accent1"/>
+          </a:lnRef>
+          <a:fillRef idx="0">
+            <a:schemeClr val="accent1"/>
+          </a:fillRef>
+          <a:effectRef idx="0">
+            <a:schemeClr val="accent1"/>
+          </a:effectRef>
+          <a:fontRef idx="minor">
+            <a:schemeClr val="tx1"/>
+          </a:fontRef>
+        </p:style>
+      </p:cxnSp>
+      <p:sp>
+        <p:nvSpPr>
+          <p:cNvPr id="15" name="Rectangle 14">
+            <a:extLst>
+              <a:ext uri="{FF2B5EF4-FFF2-40B4-BE49-F238E27FC236}">
+                <a16:creationId xmlns:a16="http://schemas.microsoft.com/office/drawing/2014/main" id="{7AD573FD-727F-4024-B3D6-5B3286B3B801}"/>
+              </a:ext>
+            </a:extLst>
+          </p:cNvPr>
+          <p:cNvSpPr/>
+          <p:nvPr/>
+        </p:nvSpPr>
+        <p:spPr>
+          <a:xfrm>
+            <a:off x="4818983" y="4561327"/>
+            <a:ext cx="1162528" cy="647892"/>
+          </a:xfrm>
+          <a:prstGeom prst="rect">
+            <a:avLst/>
+          </a:prstGeom>
+        </p:spPr>
+        <p:style>
+          <a:lnRef idx="2">
+            <a:schemeClr val="accent1">
+              <a:shade val="50000"/>
+            </a:schemeClr>
+          </a:lnRef>
+          <a:fillRef idx="1">
+            <a:schemeClr val="accent1"/>
+          </a:fillRef>
+          <a:effectRef idx="0">
+            <a:schemeClr val="accent1"/>
+          </a:effectRef>
+          <a:fontRef idx="minor">
+            <a:schemeClr val="lt1"/>
+          </a:fontRef>
+        </p:style>
+        <p:txBody>
+          <a:bodyPr rtlCol="0" anchor="ctr"/>
+          <a:lstStyle/>
+          <a:p>
+            <a:pPr algn="ctr"/>
+            <a:r>
+              <a:rPr lang="fr-FR" dirty="0"/>
+              <a:t>Stock</a:t>
+            </a:r>
+          </a:p>
+        </p:txBody>
+      </p:sp>
+      <p:sp>
+        <p:nvSpPr>
+          <p:cNvPr id="31" name="Rectangle 30">
+            <a:extLst>
+              <a:ext uri="{FF2B5EF4-FFF2-40B4-BE49-F238E27FC236}">
+                <a16:creationId xmlns:a16="http://schemas.microsoft.com/office/drawing/2014/main" id="{F2CC8F60-9798-4352-9E23-14EE0EE70357}"/>
+              </a:ext>
+            </a:extLst>
+          </p:cNvPr>
+          <p:cNvSpPr/>
+          <p:nvPr/>
+        </p:nvSpPr>
+        <p:spPr>
+          <a:xfrm>
+            <a:off x="7392721" y="5045282"/>
+            <a:ext cx="1452013" cy="647892"/>
+          </a:xfrm>
+          <a:prstGeom prst="rect">
+            <a:avLst/>
+          </a:prstGeom>
+        </p:spPr>
+        <p:style>
+          <a:lnRef idx="2">
+            <a:schemeClr val="accent1">
+              <a:shade val="50000"/>
+            </a:schemeClr>
+          </a:lnRef>
+          <a:fillRef idx="1">
+            <a:schemeClr val="accent1"/>
+          </a:fillRef>
+          <a:effectRef idx="0">
+            <a:schemeClr val="accent1"/>
+          </a:effectRef>
+          <a:fontRef idx="minor">
+            <a:schemeClr val="lt1"/>
+          </a:fontRef>
+        </p:style>
+        <p:txBody>
+          <a:bodyPr rtlCol="0" anchor="ctr"/>
+          <a:lstStyle/>
+          <a:p>
+            <a:pPr algn="ctr"/>
+            <a:r>
+              <a:rPr lang="fr-FR" dirty="0" err="1"/>
+              <a:t>StockRouting</a:t>
+            </a:r>
+            <a:endParaRPr lang="fr-FR" dirty="0"/>
+          </a:p>
+        </p:txBody>
+      </p:sp>
+      <p:cxnSp>
+        <p:nvCxnSpPr>
+          <p:cNvPr id="23" name="Straight Arrow Connector 22">
+            <a:extLst>
+              <a:ext uri="{FF2B5EF4-FFF2-40B4-BE49-F238E27FC236}">
+                <a16:creationId xmlns:a16="http://schemas.microsoft.com/office/drawing/2014/main" id="{1A660913-C1A8-41DD-8675-B985039E9857}"/>
+              </a:ext>
+            </a:extLst>
+          </p:cNvPr>
+          <p:cNvCxnSpPr>
+            <a:stCxn id="31" idx="1"/>
+            <a:endCxn id="15" idx="3"/>
+          </p:cNvCxnSpPr>
+          <p:nvPr/>
+        </p:nvCxnSpPr>
+        <p:spPr>
+          <a:xfrm flipH="1" flipV="1">
+            <a:off x="5981511" y="4885273"/>
+            <a:ext cx="1411210" cy="483955"/>
+          </a:xfrm>
+          <a:prstGeom prst="straightConnector1">
+            <a:avLst/>
+          </a:prstGeom>
+          <a:ln w="76200">
+            <a:prstDash val="sysDash"/>
+            <a:tailEnd type="triangle"/>
+          </a:ln>
+        </p:spPr>
+        <p:style>
+          <a:lnRef idx="1">
+            <a:schemeClr val="accent1"/>
+          </a:lnRef>
+          <a:fillRef idx="0">
+            <a:schemeClr val="accent1"/>
+          </a:fillRef>
+          <a:effectRef idx="0">
+            <a:schemeClr val="accent1"/>
+          </a:effectRef>
+          <a:fontRef idx="minor">
+            <a:schemeClr val="tx1"/>
+          </a:fontRef>
+        </p:style>
+      </p:cxnSp>
+      <p:sp>
+        <p:nvSpPr>
+          <p:cNvPr id="36" name="Oval 35">
+            <a:extLst>
+              <a:ext uri="{FF2B5EF4-FFF2-40B4-BE49-F238E27FC236}">
+                <a16:creationId xmlns:a16="http://schemas.microsoft.com/office/drawing/2014/main" id="{A1C93CFB-0D78-4A64-AF87-7622C94EA16B}"/>
+              </a:ext>
+            </a:extLst>
+          </p:cNvPr>
+          <p:cNvSpPr/>
+          <p:nvPr/>
+        </p:nvSpPr>
+        <p:spPr>
+          <a:xfrm>
+            <a:off x="4642076" y="5875442"/>
+            <a:ext cx="1516342" cy="744386"/>
+          </a:xfrm>
+          <a:prstGeom prst="ellipse">
+            <a:avLst/>
+          </a:prstGeom>
+        </p:spPr>
+        <p:style>
+          <a:lnRef idx="2">
+            <a:schemeClr val="accent6">
+              <a:shade val="50000"/>
+            </a:schemeClr>
+          </a:lnRef>
+          <a:fillRef idx="1">
+            <a:schemeClr val="accent6"/>
+          </a:fillRef>
+          <a:effectRef idx="0">
+            <a:schemeClr val="accent6"/>
+          </a:effectRef>
+          <a:fontRef idx="minor">
+            <a:schemeClr val="lt1"/>
+          </a:fontRef>
+        </p:style>
+        <p:txBody>
+          <a:bodyPr rtlCol="0" anchor="ctr"/>
+          <a:lstStyle/>
+          <a:p>
+            <a:pPr algn="ctr"/>
+            <a:r>
+              <a:rPr lang="fr-FR" dirty="0"/>
+              <a:t>Stock</a:t>
+            </a:r>
+          </a:p>
+        </p:txBody>
+      </p:sp>
+      <p:cxnSp>
+        <p:nvCxnSpPr>
+          <p:cNvPr id="37" name="Straight Arrow Connector 36">
+            <a:extLst>
+              <a:ext uri="{FF2B5EF4-FFF2-40B4-BE49-F238E27FC236}">
+                <a16:creationId xmlns:a16="http://schemas.microsoft.com/office/drawing/2014/main" id="{08C2908B-E49A-441A-8547-F178D2E91F72}"/>
+              </a:ext>
+            </a:extLst>
+          </p:cNvPr>
+          <p:cNvCxnSpPr>
+            <a:stCxn id="36" idx="0"/>
+            <a:endCxn id="15" idx="2"/>
+          </p:cNvCxnSpPr>
+          <p:nvPr/>
+        </p:nvCxnSpPr>
+        <p:spPr>
+          <a:xfrm flipV="1">
+            <a:off x="5400247" y="5209219"/>
+            <a:ext cx="0" cy="666223"/>
+          </a:xfrm>
+          <a:prstGeom prst="straightConnector1">
+            <a:avLst/>
+          </a:prstGeom>
+          <a:ln w="76200">
+            <a:tailEnd type="triangle"/>
+          </a:ln>
+        </p:spPr>
+        <p:style>
+          <a:lnRef idx="1">
+            <a:schemeClr val="accent1"/>
+          </a:lnRef>
+          <a:fillRef idx="0">
+            <a:schemeClr val="accent1"/>
+          </a:fillRef>
+          <a:effectRef idx="0">
+            <a:schemeClr val="accent1"/>
+          </a:effectRef>
+          <a:fontRef idx="minor">
+            <a:schemeClr val="tx1"/>
+          </a:fontRef>
+        </p:style>
+      </p:cxnSp>
+      <p:cxnSp>
+        <p:nvCxnSpPr>
+          <p:cNvPr id="44" name="Straight Arrow Connector 43">
+            <a:extLst>
+              <a:ext uri="{FF2B5EF4-FFF2-40B4-BE49-F238E27FC236}">
+                <a16:creationId xmlns:a16="http://schemas.microsoft.com/office/drawing/2014/main" id="{09F5456B-7439-4885-B52E-BE09577D0C02}"/>
+              </a:ext>
+            </a:extLst>
+          </p:cNvPr>
+          <p:cNvCxnSpPr>
+            <a:cxnSpLocks/>
+            <a:stCxn id="15" idx="0"/>
+            <a:endCxn id="10" idx="1"/>
+          </p:cNvCxnSpPr>
+          <p:nvPr/>
+        </p:nvCxnSpPr>
+        <p:spPr>
+          <a:xfrm flipV="1">
+            <a:off x="5400247" y="1832629"/>
+            <a:ext cx="2195245" cy="2728698"/>
+          </a:xfrm>
+          <a:prstGeom prst="straightConnector1">
+            <a:avLst/>
+          </a:prstGeom>
+          <a:ln w="76200">
+            <a:prstDash val="sysDot"/>
+            <a:tailEnd type="triangle"/>
+          </a:ln>
+        </p:spPr>
+        <p:style>
+          <a:lnRef idx="1">
+            <a:schemeClr val="accent1"/>
+          </a:lnRef>
+          <a:fillRef idx="0">
+            <a:schemeClr val="accent1"/>
+          </a:fillRef>
+          <a:effectRef idx="0">
+            <a:schemeClr val="accent1"/>
+          </a:effectRef>
+          <a:fontRef idx="minor">
+            <a:schemeClr val="tx1"/>
+          </a:fontRef>
+        </p:style>
+      </p:cxnSp>
+      <p:sp>
+        <p:nvSpPr>
+          <p:cNvPr id="54" name="Oval 53">
+            <a:extLst>
+              <a:ext uri="{FF2B5EF4-FFF2-40B4-BE49-F238E27FC236}">
+                <a16:creationId xmlns:a16="http://schemas.microsoft.com/office/drawing/2014/main" id="{A46C4C28-5A25-4BC7-AEF8-4672989DBDEA}"/>
+              </a:ext>
+            </a:extLst>
+          </p:cNvPr>
+          <p:cNvSpPr/>
+          <p:nvPr/>
+        </p:nvSpPr>
+        <p:spPr>
+          <a:xfrm>
+            <a:off x="6262191" y="5849403"/>
+            <a:ext cx="1516342" cy="744386"/>
+          </a:xfrm>
+          <a:prstGeom prst="ellipse">
+            <a:avLst/>
+          </a:prstGeom>
+        </p:spPr>
+        <p:style>
+          <a:lnRef idx="2">
+            <a:schemeClr val="accent6">
+              <a:shade val="50000"/>
+            </a:schemeClr>
+          </a:lnRef>
+          <a:fillRef idx="1">
+            <a:schemeClr val="accent6"/>
+          </a:fillRef>
+          <a:effectRef idx="0">
+            <a:schemeClr val="accent6"/>
+          </a:effectRef>
+          <a:fontRef idx="minor">
+            <a:schemeClr val="lt1"/>
+          </a:fontRef>
+        </p:style>
+        <p:txBody>
+          <a:bodyPr rtlCol="0" anchor="ctr"/>
+          <a:lstStyle/>
+          <a:p>
+            <a:pPr algn="ctr"/>
+            <a:r>
+              <a:rPr lang="fr-FR" dirty="0" err="1"/>
+              <a:t>Add</a:t>
+            </a:r>
+            <a:endParaRPr lang="fr-FR" dirty="0"/>
+          </a:p>
+        </p:txBody>
+      </p:sp>
+      <p:cxnSp>
+        <p:nvCxnSpPr>
+          <p:cNvPr id="56" name="Straight Arrow Connector 55">
+            <a:extLst>
+              <a:ext uri="{FF2B5EF4-FFF2-40B4-BE49-F238E27FC236}">
+                <a16:creationId xmlns:a16="http://schemas.microsoft.com/office/drawing/2014/main" id="{ADB4E6EC-1F1F-4EC9-8BF8-9DA460D82898}"/>
+              </a:ext>
+            </a:extLst>
+          </p:cNvPr>
+          <p:cNvCxnSpPr>
+            <a:stCxn id="54" idx="0"/>
+          </p:cNvCxnSpPr>
+          <p:nvPr/>
+        </p:nvCxnSpPr>
+        <p:spPr>
+          <a:xfrm flipH="1" flipV="1">
+            <a:off x="5400247" y="5209219"/>
+            <a:ext cx="1620115" cy="640184"/>
+          </a:xfrm>
+          <a:prstGeom prst="straightConnector1">
+            <a:avLst/>
+          </a:prstGeom>
+          <a:ln w="76200">
+            <a:tailEnd type="triangle"/>
+          </a:ln>
+        </p:spPr>
+        <p:style>
+          <a:lnRef idx="1">
+            <a:schemeClr val="accent1"/>
+          </a:lnRef>
+          <a:fillRef idx="0">
+            <a:schemeClr val="accent1"/>
+          </a:fillRef>
+          <a:effectRef idx="0">
+            <a:schemeClr val="accent1"/>
+          </a:effectRef>
+          <a:fontRef idx="minor">
+            <a:schemeClr val="tx1"/>
+          </a:fontRef>
+        </p:style>
+      </p:cxnSp>
+      <p:cxnSp>
+        <p:nvCxnSpPr>
+          <p:cNvPr id="58" name="Straight Arrow Connector 57">
+            <a:extLst>
+              <a:ext uri="{FF2B5EF4-FFF2-40B4-BE49-F238E27FC236}">
+                <a16:creationId xmlns:a16="http://schemas.microsoft.com/office/drawing/2014/main" id="{28E3ACFF-CD2C-4F51-8611-5EC52C829833}"/>
+              </a:ext>
+            </a:extLst>
+          </p:cNvPr>
+          <p:cNvCxnSpPr>
+            <a:cxnSpLocks/>
+            <a:stCxn id="59" idx="3"/>
+            <a:endCxn id="15" idx="1"/>
+          </p:cNvCxnSpPr>
+          <p:nvPr/>
+        </p:nvCxnSpPr>
+        <p:spPr>
+          <a:xfrm flipV="1">
+            <a:off x="2063731" y="4885273"/>
+            <a:ext cx="2755252" cy="1403669"/>
+          </a:xfrm>
+          <a:prstGeom prst="straightConnector1">
+            <a:avLst/>
+          </a:prstGeom>
+          <a:ln w="76200">
+            <a:prstDash val="sysDash"/>
+            <a:tailEnd type="triangle"/>
+          </a:ln>
+        </p:spPr>
+        <p:style>
+          <a:lnRef idx="1">
+            <a:schemeClr val="accent1"/>
+          </a:lnRef>
+          <a:fillRef idx="0">
+            <a:schemeClr val="accent1"/>
+          </a:fillRef>
+          <a:effectRef idx="0">
+            <a:schemeClr val="accent1"/>
+          </a:effectRef>
+          <a:fontRef idx="minor">
+            <a:schemeClr val="tx1"/>
+          </a:fontRef>
+        </p:style>
+      </p:cxnSp>
+      <p:sp>
+        <p:nvSpPr>
+          <p:cNvPr id="59" name="Rectangle 58">
+            <a:extLst>
+              <a:ext uri="{FF2B5EF4-FFF2-40B4-BE49-F238E27FC236}">
+                <a16:creationId xmlns:a16="http://schemas.microsoft.com/office/drawing/2014/main" id="{3E9DCF26-FCD1-42F4-986B-36AB150DA2D0}"/>
+              </a:ext>
+            </a:extLst>
+          </p:cNvPr>
+          <p:cNvSpPr/>
+          <p:nvPr/>
+        </p:nvSpPr>
+        <p:spPr>
+          <a:xfrm>
+            <a:off x="216159" y="5974186"/>
+            <a:ext cx="1847572" cy="629511"/>
+          </a:xfrm>
+          <a:prstGeom prst="rect">
+            <a:avLst/>
+          </a:prstGeom>
+        </p:spPr>
+        <p:style>
+          <a:lnRef idx="2">
+            <a:schemeClr val="accent1">
+              <a:shade val="50000"/>
+            </a:schemeClr>
+          </a:lnRef>
+          <a:fillRef idx="1">
+            <a:schemeClr val="accent1"/>
+          </a:fillRef>
+          <a:effectRef idx="0">
+            <a:schemeClr val="accent1"/>
+          </a:effectRef>
+          <a:fontRef idx="minor">
+            <a:schemeClr val="lt1"/>
+          </a:fontRef>
+        </p:style>
+        <p:txBody>
+          <a:bodyPr rtlCol="0" anchor="ctr"/>
+          <a:lstStyle/>
+          <a:p>
+            <a:pPr algn="ctr"/>
+            <a:r>
+              <a:rPr lang="fr-FR" dirty="0" err="1"/>
+              <a:t>FontAwesome</a:t>
+            </a:r>
+            <a:endParaRPr lang="fr-FR" dirty="0"/>
+          </a:p>
+        </p:txBody>
+      </p:sp>
+      <p:sp>
+        <p:nvSpPr>
+          <p:cNvPr id="38" name="Rectangle 37">
+            <a:extLst>
+              <a:ext uri="{FF2B5EF4-FFF2-40B4-BE49-F238E27FC236}">
+                <a16:creationId xmlns:a16="http://schemas.microsoft.com/office/drawing/2014/main" id="{F71F098A-517B-4669-B40B-1797A932E803}"/>
+              </a:ext>
+            </a:extLst>
+          </p:cNvPr>
+          <p:cNvSpPr/>
+          <p:nvPr/>
+        </p:nvSpPr>
+        <p:spPr>
+          <a:xfrm>
+            <a:off x="10366270" y="3445031"/>
+            <a:ext cx="1162528" cy="647892"/>
+          </a:xfrm>
+          <a:prstGeom prst="rect">
+            <a:avLst/>
+          </a:prstGeom>
+        </p:spPr>
+        <p:style>
+          <a:lnRef idx="2">
+            <a:schemeClr val="accent1">
+              <a:shade val="50000"/>
+            </a:schemeClr>
+          </a:lnRef>
+          <a:fillRef idx="1">
+            <a:schemeClr val="accent1"/>
+          </a:fillRef>
+          <a:effectRef idx="0">
+            <a:schemeClr val="accent1"/>
+          </a:effectRef>
+          <a:fontRef idx="minor">
+            <a:schemeClr val="lt1"/>
+          </a:fontRef>
+        </p:style>
+        <p:txBody>
+          <a:bodyPr rtlCol="0" anchor="ctr"/>
+          <a:lstStyle/>
+          <a:p>
+            <a:pPr algn="ctr"/>
+            <a:r>
+              <a:rPr lang="fr-FR" dirty="0"/>
+              <a:t>Widget</a:t>
+            </a:r>
+          </a:p>
+        </p:txBody>
+      </p:sp>
+      <p:sp>
+        <p:nvSpPr>
+          <p:cNvPr id="22" name="Oval 21">
+            <a:extLst>
+              <a:ext uri="{FF2B5EF4-FFF2-40B4-BE49-F238E27FC236}">
+                <a16:creationId xmlns:a16="http://schemas.microsoft.com/office/drawing/2014/main" id="{0CCFCC66-530A-4263-B162-350A8965D1B4}"/>
+              </a:ext>
+            </a:extLst>
+          </p:cNvPr>
+          <p:cNvSpPr/>
+          <p:nvPr/>
+        </p:nvSpPr>
+        <p:spPr>
+          <a:xfrm>
+            <a:off x="10422935" y="4666197"/>
+            <a:ext cx="1580671" cy="703031"/>
+          </a:xfrm>
+          <a:prstGeom prst="ellipse">
+            <a:avLst/>
+          </a:prstGeom>
+        </p:spPr>
+        <p:style>
+          <a:lnRef idx="2">
+            <a:schemeClr val="accent2">
+              <a:shade val="50000"/>
+            </a:schemeClr>
+          </a:lnRef>
+          <a:fillRef idx="1">
+            <a:schemeClr val="accent2"/>
+          </a:fillRef>
+          <a:effectRef idx="0">
+            <a:schemeClr val="accent2"/>
+          </a:effectRef>
+          <a:fontRef idx="minor">
+            <a:schemeClr val="lt1"/>
+          </a:fontRef>
+        </p:style>
+        <p:txBody>
+          <a:bodyPr rtlCol="0" anchor="ctr"/>
+          <a:lstStyle/>
+          <a:p>
+            <a:pPr algn="ctr"/>
+            <a:r>
+              <a:rPr lang="fr-FR" dirty="0"/>
+              <a:t>autofocus</a:t>
+            </a:r>
+          </a:p>
+        </p:txBody>
+      </p:sp>
+      <p:cxnSp>
+        <p:nvCxnSpPr>
+          <p:cNvPr id="26" name="Straight Arrow Connector 25">
+            <a:extLst>
+              <a:ext uri="{FF2B5EF4-FFF2-40B4-BE49-F238E27FC236}">
+                <a16:creationId xmlns:a16="http://schemas.microsoft.com/office/drawing/2014/main" id="{D6D9BA85-5F1A-4CD3-8492-77AFB8A3C803}"/>
+              </a:ext>
+            </a:extLst>
+          </p:cNvPr>
+          <p:cNvCxnSpPr>
+            <a:stCxn id="22" idx="0"/>
+            <a:endCxn id="38" idx="2"/>
+          </p:cNvCxnSpPr>
+          <p:nvPr/>
+        </p:nvCxnSpPr>
+        <p:spPr>
+          <a:xfrm flipH="1" flipV="1">
+            <a:off x="10947534" y="4092923"/>
+            <a:ext cx="265737" cy="573274"/>
+          </a:xfrm>
+          <a:prstGeom prst="straightConnector1">
+            <a:avLst/>
+          </a:prstGeom>
+          <a:ln w="76200">
+            <a:tailEnd type="triangle"/>
+          </a:ln>
+        </p:spPr>
+        <p:style>
+          <a:lnRef idx="1">
+            <a:schemeClr val="accent1"/>
+          </a:lnRef>
+          <a:fillRef idx="0">
+            <a:schemeClr val="accent1"/>
+          </a:fillRef>
+          <a:effectRef idx="0">
+            <a:schemeClr val="accent1"/>
+          </a:effectRef>
+          <a:fontRef idx="minor">
+            <a:schemeClr val="tx1"/>
+          </a:fontRef>
+        </p:style>
+      </p:cxnSp>
+      <p:cxnSp>
+        <p:nvCxnSpPr>
+          <p:cNvPr id="39" name="Straight Arrow Connector 38">
+            <a:extLst>
+              <a:ext uri="{FF2B5EF4-FFF2-40B4-BE49-F238E27FC236}">
+                <a16:creationId xmlns:a16="http://schemas.microsoft.com/office/drawing/2014/main" id="{8E31E48A-14A5-471E-B957-A5852C06698D}"/>
+              </a:ext>
+            </a:extLst>
+          </p:cNvPr>
+          <p:cNvCxnSpPr>
+            <a:cxnSpLocks/>
+            <a:stCxn id="38" idx="1"/>
+            <a:endCxn id="15" idx="3"/>
+          </p:cNvCxnSpPr>
+          <p:nvPr/>
+        </p:nvCxnSpPr>
+        <p:spPr>
+          <a:xfrm flipH="1">
+            <a:off x="5981511" y="3768977"/>
+            <a:ext cx="4384759" cy="1116296"/>
+          </a:xfrm>
+          <a:prstGeom prst="straightConnector1">
+            <a:avLst/>
+          </a:prstGeom>
+          <a:ln w="76200">
+            <a:prstDash val="sysDash"/>
+            <a:tailEnd type="triangle"/>
+          </a:ln>
+        </p:spPr>
+        <p:style>
+          <a:lnRef idx="1">
+            <a:schemeClr val="accent1"/>
+          </a:lnRef>
+          <a:fillRef idx="0">
+            <a:schemeClr val="accent1"/>
+          </a:fillRef>
+          <a:effectRef idx="0">
+            <a:schemeClr val="accent1"/>
+          </a:effectRef>
+          <a:fontRef idx="minor">
+            <a:schemeClr val="tx1"/>
+          </a:fontRef>
+        </p:style>
+      </p:cxnSp>
+    </p:spTree>
+    <p:extLst>
+      <p:ext uri="{BB962C8B-B14F-4D97-AF65-F5344CB8AC3E}">
+        <p14:creationId xmlns:p14="http://schemas.microsoft.com/office/powerpoint/2010/main" val="3336082081"/>
       </p:ext>
     </p:extLst>
   </p:cSld>
@@ -12665,7 +20306,9 @@
         </p:nvSpPr>
         <p:spPr/>
         <p:txBody>
-          <a:bodyPr/>
+          <a:bodyPr>
+            <a:normAutofit lnSpcReduction="10000"/>
+          </a:bodyPr>
           <a:lstStyle/>
           <a:p>
             <a:r>
@@ -12751,6 +20394,13 @@
             <a:r>
               <a:rPr lang="fr-FR" dirty="0" err="1"/>
               <a:t>SonarLint</a:t>
+            </a:r>
+            <a:endParaRPr lang="fr-FR" dirty="0"/>
+          </a:p>
+          <a:p>
+            <a:r>
+              <a:rPr lang="fr-FR" dirty="0" err="1"/>
+              <a:t>Surround</a:t>
             </a:r>
             <a:endParaRPr lang="fr-FR" dirty="0"/>
           </a:p>
@@ -13892,6 +21542,24 @@
             <a:r>
               <a:rPr lang="fr-FR" dirty="0"/>
               <a:t> express</a:t>
+            </a:r>
+          </a:p>
+          <a:p>
+            <a:r>
+              <a:rPr lang="fr-FR" dirty="0" err="1"/>
+              <a:t>npm</a:t>
+            </a:r>
+            <a:r>
+              <a:rPr lang="fr-FR" dirty="0"/>
+              <a:t> </a:t>
+            </a:r>
+            <a:r>
+              <a:rPr lang="fr-FR" dirty="0" err="1"/>
+              <a:t>install</a:t>
+            </a:r>
+            <a:r>
+              <a:rPr lang="fr-FR" dirty="0"/>
+              <a:t> @types/express -D</a:t>
             </a:r>
           </a:p>
           <a:p>

--- a/notes.pptx
+++ b/notes.pptx
@@ -34,7 +34,12 @@
     <p:sldId id="282" r:id="rId28"/>
     <p:sldId id="283" r:id="rId29"/>
     <p:sldId id="284" r:id="rId30"/>
-    <p:sldId id="285" r:id="rId31"/>
+    <p:sldId id="290" r:id="rId31"/>
+    <p:sldId id="285" r:id="rId32"/>
+    <p:sldId id="286" r:id="rId33"/>
+    <p:sldId id="287" r:id="rId34"/>
+    <p:sldId id="288" r:id="rId35"/>
+    <p:sldId id="289" r:id="rId36"/>
   </p:sldIdLst>
   <p:sldSz cx="12192000" cy="6858000"/>
   <p:notesSz cx="6858000" cy="9144000"/>
@@ -290,7 +295,7 @@
           <a:p>
             <a:fld id="{71997044-8253-414A-AF66-7FB46D6844A2}" type="datetimeFigureOut">
               <a:rPr lang="fr-FR" smtClean="0"/>
-              <a:t>18/05/2022</a:t>
+              <a:t>20/05/2022</a:t>
             </a:fld>
             <a:endParaRPr lang="fr-FR"/>
           </a:p>
@@ -490,7 +495,7 @@
           <a:p>
             <a:fld id="{71997044-8253-414A-AF66-7FB46D6844A2}" type="datetimeFigureOut">
               <a:rPr lang="fr-FR" smtClean="0"/>
-              <a:t>18/05/2022</a:t>
+              <a:t>20/05/2022</a:t>
             </a:fld>
             <a:endParaRPr lang="fr-FR"/>
           </a:p>
@@ -700,7 +705,7 @@
           <a:p>
             <a:fld id="{71997044-8253-414A-AF66-7FB46D6844A2}" type="datetimeFigureOut">
               <a:rPr lang="fr-FR" smtClean="0"/>
-              <a:t>18/05/2022</a:t>
+              <a:t>20/05/2022</a:t>
             </a:fld>
             <a:endParaRPr lang="fr-FR"/>
           </a:p>
@@ -900,7 +905,7 @@
           <a:p>
             <a:fld id="{71997044-8253-414A-AF66-7FB46D6844A2}" type="datetimeFigureOut">
               <a:rPr lang="fr-FR" smtClean="0"/>
-              <a:t>18/05/2022</a:t>
+              <a:t>20/05/2022</a:t>
             </a:fld>
             <a:endParaRPr lang="fr-FR"/>
           </a:p>
@@ -1176,7 +1181,7 @@
           <a:p>
             <a:fld id="{71997044-8253-414A-AF66-7FB46D6844A2}" type="datetimeFigureOut">
               <a:rPr lang="fr-FR" smtClean="0"/>
-              <a:t>18/05/2022</a:t>
+              <a:t>20/05/2022</a:t>
             </a:fld>
             <a:endParaRPr lang="fr-FR"/>
           </a:p>
@@ -1444,7 +1449,7 @@
           <a:p>
             <a:fld id="{71997044-8253-414A-AF66-7FB46D6844A2}" type="datetimeFigureOut">
               <a:rPr lang="fr-FR" smtClean="0"/>
-              <a:t>18/05/2022</a:t>
+              <a:t>20/05/2022</a:t>
             </a:fld>
             <a:endParaRPr lang="fr-FR"/>
           </a:p>
@@ -1859,7 +1864,7 @@
           <a:p>
             <a:fld id="{71997044-8253-414A-AF66-7FB46D6844A2}" type="datetimeFigureOut">
               <a:rPr lang="fr-FR" smtClean="0"/>
-              <a:t>18/05/2022</a:t>
+              <a:t>20/05/2022</a:t>
             </a:fld>
             <a:endParaRPr lang="fr-FR"/>
           </a:p>
@@ -2001,7 +2006,7 @@
           <a:p>
             <a:fld id="{71997044-8253-414A-AF66-7FB46D6844A2}" type="datetimeFigureOut">
               <a:rPr lang="fr-FR" smtClean="0"/>
-              <a:t>18/05/2022</a:t>
+              <a:t>20/05/2022</a:t>
             </a:fld>
             <a:endParaRPr lang="fr-FR"/>
           </a:p>
@@ -2114,7 +2119,7 @@
           <a:p>
             <a:fld id="{71997044-8253-414A-AF66-7FB46D6844A2}" type="datetimeFigureOut">
               <a:rPr lang="fr-FR" smtClean="0"/>
-              <a:t>18/05/2022</a:t>
+              <a:t>20/05/2022</a:t>
             </a:fld>
             <a:endParaRPr lang="fr-FR"/>
           </a:p>
@@ -2427,7 +2432,7 @@
           <a:p>
             <a:fld id="{71997044-8253-414A-AF66-7FB46D6844A2}" type="datetimeFigureOut">
               <a:rPr lang="fr-FR" smtClean="0"/>
-              <a:t>18/05/2022</a:t>
+              <a:t>20/05/2022</a:t>
             </a:fld>
             <a:endParaRPr lang="fr-FR"/>
           </a:p>
@@ -2716,7 +2721,7 @@
           <a:p>
             <a:fld id="{71997044-8253-414A-AF66-7FB46D6844A2}" type="datetimeFigureOut">
               <a:rPr lang="fr-FR" smtClean="0"/>
-              <a:t>18/05/2022</a:t>
+              <a:t>20/05/2022</a:t>
             </a:fld>
             <a:endParaRPr lang="fr-FR"/>
           </a:p>
@@ -2959,7 +2964,7 @@
           <a:p>
             <a:fld id="{71997044-8253-414A-AF66-7FB46D6844A2}" type="datetimeFigureOut">
               <a:rPr lang="fr-FR" smtClean="0"/>
-              <a:t>18/05/2022</a:t>
+              <a:t>20/05/2022</a:t>
             </a:fld>
             <a:endParaRPr lang="fr-FR"/>
           </a:p>
@@ -16537,6 +16542,572 @@
       </p:grpSpPr>
       <p:sp>
         <p:nvSpPr>
+          <p:cNvPr id="2" name="Title 1">
+            <a:extLst>
+              <a:ext uri="{FF2B5EF4-FFF2-40B4-BE49-F238E27FC236}">
+                <a16:creationId xmlns:a16="http://schemas.microsoft.com/office/drawing/2014/main" id="{E989AC86-3128-410B-A043-13E87038AD53}"/>
+              </a:ext>
+            </a:extLst>
+          </p:cNvPr>
+          <p:cNvSpPr>
+            <a:spLocks noGrp="1"/>
+          </p:cNvSpPr>
+          <p:nvPr>
+            <p:ph type="title"/>
+          </p:nvPr>
+        </p:nvSpPr>
+        <p:spPr/>
+        <p:txBody>
+          <a:bodyPr/>
+          <a:lstStyle/>
+          <a:p>
+            <a:r>
+              <a:rPr lang="fr-FR" dirty="0"/>
+              <a:t>Proxy</a:t>
+            </a:r>
+          </a:p>
+        </p:txBody>
+      </p:sp>
+      <p:sp>
+        <p:nvSpPr>
+          <p:cNvPr id="4" name="Rectangle 3">
+            <a:extLst>
+              <a:ext uri="{FF2B5EF4-FFF2-40B4-BE49-F238E27FC236}">
+                <a16:creationId xmlns:a16="http://schemas.microsoft.com/office/drawing/2014/main" id="{FB88CF2A-F430-42A9-AAB3-408C17B771E4}"/>
+              </a:ext>
+            </a:extLst>
+          </p:cNvPr>
+          <p:cNvSpPr/>
+          <p:nvPr/>
+        </p:nvSpPr>
+        <p:spPr>
+          <a:xfrm>
+            <a:off x="601942" y="2756985"/>
+            <a:ext cx="1038464" cy="794931"/>
+          </a:xfrm>
+          <a:prstGeom prst="rect">
+            <a:avLst/>
+          </a:prstGeom>
+        </p:spPr>
+        <p:style>
+          <a:lnRef idx="2">
+            <a:schemeClr val="accent1">
+              <a:shade val="50000"/>
+            </a:schemeClr>
+          </a:lnRef>
+          <a:fillRef idx="1">
+            <a:schemeClr val="accent1"/>
+          </a:fillRef>
+          <a:effectRef idx="0">
+            <a:schemeClr val="accent1"/>
+          </a:effectRef>
+          <a:fontRef idx="minor">
+            <a:schemeClr val="lt1"/>
+          </a:fontRef>
+        </p:style>
+        <p:txBody>
+          <a:bodyPr rtlCol="0" anchor="ctr"/>
+          <a:lstStyle/>
+          <a:p>
+            <a:pPr algn="ctr"/>
+            <a:r>
+              <a:rPr lang="fr-FR" dirty="0"/>
+              <a:t>Client</a:t>
+            </a:r>
+          </a:p>
+        </p:txBody>
+      </p:sp>
+      <p:sp>
+        <p:nvSpPr>
+          <p:cNvPr id="5" name="Rectangle 4">
+            <a:extLst>
+              <a:ext uri="{FF2B5EF4-FFF2-40B4-BE49-F238E27FC236}">
+                <a16:creationId xmlns:a16="http://schemas.microsoft.com/office/drawing/2014/main" id="{9736C025-1364-4FA5-9914-A91E82CE040C}"/>
+              </a:ext>
+            </a:extLst>
+          </p:cNvPr>
+          <p:cNvSpPr/>
+          <p:nvPr/>
+        </p:nvSpPr>
+        <p:spPr>
+          <a:xfrm>
+            <a:off x="6226957" y="1293222"/>
+            <a:ext cx="1038464" cy="794931"/>
+          </a:xfrm>
+          <a:prstGeom prst="rect">
+            <a:avLst/>
+          </a:prstGeom>
+        </p:spPr>
+        <p:style>
+          <a:lnRef idx="2">
+            <a:schemeClr val="accent1">
+              <a:shade val="50000"/>
+            </a:schemeClr>
+          </a:lnRef>
+          <a:fillRef idx="1">
+            <a:schemeClr val="accent1"/>
+          </a:fillRef>
+          <a:effectRef idx="0">
+            <a:schemeClr val="accent1"/>
+          </a:effectRef>
+          <a:fontRef idx="minor">
+            <a:schemeClr val="lt1"/>
+          </a:fontRef>
+        </p:style>
+        <p:txBody>
+          <a:bodyPr rtlCol="0" anchor="ctr"/>
+          <a:lstStyle/>
+          <a:p>
+            <a:pPr algn="ctr"/>
+            <a:r>
+              <a:rPr lang="fr-FR" dirty="0"/>
+              <a:t>Server dev</a:t>
+            </a:r>
+          </a:p>
+        </p:txBody>
+      </p:sp>
+      <p:sp>
+        <p:nvSpPr>
+          <p:cNvPr id="6" name="TextBox 5">
+            <a:extLst>
+              <a:ext uri="{FF2B5EF4-FFF2-40B4-BE49-F238E27FC236}">
+                <a16:creationId xmlns:a16="http://schemas.microsoft.com/office/drawing/2014/main" id="{5285C014-19A8-42C3-9B70-F6E1FE03C268}"/>
+              </a:ext>
+            </a:extLst>
+          </p:cNvPr>
+          <p:cNvSpPr txBox="1"/>
+          <p:nvPr/>
+        </p:nvSpPr>
+        <p:spPr>
+          <a:xfrm>
+            <a:off x="5872378" y="813311"/>
+            <a:ext cx="1557158" cy="369332"/>
+          </a:xfrm>
+          <a:prstGeom prst="rect">
+            <a:avLst/>
+          </a:prstGeom>
+          <a:noFill/>
+        </p:spPr>
+        <p:txBody>
+          <a:bodyPr wrap="none" rtlCol="0">
+            <a:spAutoFit/>
+          </a:bodyPr>
+          <a:lstStyle/>
+          <a:p>
+            <a:r>
+              <a:rPr lang="fr-FR" dirty="0"/>
+              <a:t>localhost:4206</a:t>
+            </a:r>
+          </a:p>
+        </p:txBody>
+      </p:sp>
+      <p:sp>
+        <p:nvSpPr>
+          <p:cNvPr id="7" name="Rectangle 6">
+            <a:extLst>
+              <a:ext uri="{FF2B5EF4-FFF2-40B4-BE49-F238E27FC236}">
+                <a16:creationId xmlns:a16="http://schemas.microsoft.com/office/drawing/2014/main" id="{6219D5B2-E346-4E72-ABBA-29C114077CFF}"/>
+              </a:ext>
+            </a:extLst>
+          </p:cNvPr>
+          <p:cNvSpPr/>
+          <p:nvPr/>
+        </p:nvSpPr>
+        <p:spPr>
+          <a:xfrm>
+            <a:off x="6517206" y="4372382"/>
+            <a:ext cx="1298846" cy="794931"/>
+          </a:xfrm>
+          <a:prstGeom prst="rect">
+            <a:avLst/>
+          </a:prstGeom>
+        </p:spPr>
+        <p:style>
+          <a:lnRef idx="2">
+            <a:schemeClr val="accent1">
+              <a:shade val="50000"/>
+            </a:schemeClr>
+          </a:lnRef>
+          <a:fillRef idx="1">
+            <a:schemeClr val="accent1"/>
+          </a:fillRef>
+          <a:effectRef idx="0">
+            <a:schemeClr val="accent1"/>
+          </a:effectRef>
+          <a:fontRef idx="minor">
+            <a:schemeClr val="lt1"/>
+          </a:fontRef>
+        </p:style>
+        <p:txBody>
+          <a:bodyPr rtlCol="0" anchor="ctr"/>
+          <a:lstStyle/>
+          <a:p>
+            <a:pPr algn="ctr"/>
+            <a:r>
+              <a:rPr lang="fr-FR" dirty="0" err="1"/>
+              <a:t>Back-end</a:t>
+            </a:r>
+            <a:endParaRPr lang="fr-FR" dirty="0"/>
+          </a:p>
+        </p:txBody>
+      </p:sp>
+      <p:sp>
+        <p:nvSpPr>
+          <p:cNvPr id="8" name="TextBox 7">
+            <a:extLst>
+              <a:ext uri="{FF2B5EF4-FFF2-40B4-BE49-F238E27FC236}">
+                <a16:creationId xmlns:a16="http://schemas.microsoft.com/office/drawing/2014/main" id="{77D85EC1-5A34-4247-9421-219C5E29F07C}"/>
+              </a:ext>
+            </a:extLst>
+          </p:cNvPr>
+          <p:cNvSpPr txBox="1"/>
+          <p:nvPr/>
+        </p:nvSpPr>
+        <p:spPr>
+          <a:xfrm>
+            <a:off x="6446750" y="3942488"/>
+            <a:ext cx="1557158" cy="369332"/>
+          </a:xfrm>
+          <a:prstGeom prst="rect">
+            <a:avLst/>
+          </a:prstGeom>
+          <a:noFill/>
+        </p:spPr>
+        <p:txBody>
+          <a:bodyPr wrap="none" rtlCol="0">
+            <a:spAutoFit/>
+          </a:bodyPr>
+          <a:lstStyle/>
+          <a:p>
+            <a:r>
+              <a:rPr lang="fr-FR" dirty="0"/>
+              <a:t>localhost:3000</a:t>
+            </a:r>
+          </a:p>
+        </p:txBody>
+      </p:sp>
+      <p:cxnSp>
+        <p:nvCxnSpPr>
+          <p:cNvPr id="10" name="Straight Arrow Connector 9">
+            <a:extLst>
+              <a:ext uri="{FF2B5EF4-FFF2-40B4-BE49-F238E27FC236}">
+                <a16:creationId xmlns:a16="http://schemas.microsoft.com/office/drawing/2014/main" id="{7874A832-E799-417D-8534-BEA966A46697}"/>
+              </a:ext>
+            </a:extLst>
+          </p:cNvPr>
+          <p:cNvCxnSpPr/>
+          <p:nvPr/>
+        </p:nvCxnSpPr>
+        <p:spPr>
+          <a:xfrm flipV="1">
+            <a:off x="1640406" y="1520937"/>
+            <a:ext cx="4586551" cy="1323352"/>
+          </a:xfrm>
+          <a:prstGeom prst="straightConnector1">
+            <a:avLst/>
+          </a:prstGeom>
+          <a:ln w="76200">
+            <a:tailEnd type="triangle"/>
+          </a:ln>
+        </p:spPr>
+        <p:style>
+          <a:lnRef idx="1">
+            <a:schemeClr val="accent1"/>
+          </a:lnRef>
+          <a:fillRef idx="0">
+            <a:schemeClr val="accent1"/>
+          </a:fillRef>
+          <a:effectRef idx="0">
+            <a:schemeClr val="accent1"/>
+          </a:effectRef>
+          <a:fontRef idx="minor">
+            <a:schemeClr val="tx1"/>
+          </a:fontRef>
+        </p:style>
+      </p:cxnSp>
+      <p:cxnSp>
+        <p:nvCxnSpPr>
+          <p:cNvPr id="12" name="Straight Arrow Connector 11">
+            <a:extLst>
+              <a:ext uri="{FF2B5EF4-FFF2-40B4-BE49-F238E27FC236}">
+                <a16:creationId xmlns:a16="http://schemas.microsoft.com/office/drawing/2014/main" id="{C3F021EA-CE03-41A4-830E-C72A95C794DD}"/>
+              </a:ext>
+            </a:extLst>
+          </p:cNvPr>
+          <p:cNvCxnSpPr/>
+          <p:nvPr/>
+        </p:nvCxnSpPr>
+        <p:spPr>
+          <a:xfrm flipH="1">
+            <a:off x="1640406" y="1971244"/>
+            <a:ext cx="4586551" cy="1383088"/>
+          </a:xfrm>
+          <a:prstGeom prst="straightConnector1">
+            <a:avLst/>
+          </a:prstGeom>
+          <a:ln w="76200">
+            <a:tailEnd type="triangle"/>
+          </a:ln>
+        </p:spPr>
+        <p:style>
+          <a:lnRef idx="1">
+            <a:schemeClr val="accent1"/>
+          </a:lnRef>
+          <a:fillRef idx="0">
+            <a:schemeClr val="accent1"/>
+          </a:fillRef>
+          <a:effectRef idx="0">
+            <a:schemeClr val="accent1"/>
+          </a:effectRef>
+          <a:fontRef idx="minor">
+            <a:schemeClr val="tx1"/>
+          </a:fontRef>
+        </p:style>
+      </p:cxnSp>
+      <p:cxnSp>
+        <p:nvCxnSpPr>
+          <p:cNvPr id="14" name="Straight Arrow Connector 13">
+            <a:extLst>
+              <a:ext uri="{FF2B5EF4-FFF2-40B4-BE49-F238E27FC236}">
+                <a16:creationId xmlns:a16="http://schemas.microsoft.com/office/drawing/2014/main" id="{7C9B1132-0108-41F3-84EC-B560DF8D5870}"/>
+              </a:ext>
+            </a:extLst>
+          </p:cNvPr>
+          <p:cNvCxnSpPr>
+            <a:cxnSpLocks/>
+          </p:cNvCxnSpPr>
+          <p:nvPr/>
+        </p:nvCxnSpPr>
+        <p:spPr>
+          <a:xfrm flipV="1">
+            <a:off x="1640406" y="2127473"/>
+            <a:ext cx="4746609" cy="1350923"/>
+          </a:xfrm>
+          <a:prstGeom prst="straightConnector1">
+            <a:avLst/>
+          </a:prstGeom>
+          <a:ln w="76200">
+            <a:tailEnd type="triangle"/>
+          </a:ln>
+        </p:spPr>
+        <p:style>
+          <a:lnRef idx="1">
+            <a:schemeClr val="accent1"/>
+          </a:lnRef>
+          <a:fillRef idx="0">
+            <a:schemeClr val="accent1"/>
+          </a:fillRef>
+          <a:effectRef idx="0">
+            <a:schemeClr val="accent1"/>
+          </a:effectRef>
+          <a:fontRef idx="minor">
+            <a:schemeClr val="tx1"/>
+          </a:fontRef>
+        </p:style>
+      </p:cxnSp>
+      <p:cxnSp>
+        <p:nvCxnSpPr>
+          <p:cNvPr id="16" name="Straight Arrow Connector 15">
+            <a:extLst>
+              <a:ext uri="{FF2B5EF4-FFF2-40B4-BE49-F238E27FC236}">
+                <a16:creationId xmlns:a16="http://schemas.microsoft.com/office/drawing/2014/main" id="{EA30DE1F-A494-4FEA-A6EA-A2FACA6F6839}"/>
+              </a:ext>
+            </a:extLst>
+          </p:cNvPr>
+          <p:cNvCxnSpPr>
+            <a:cxnSpLocks/>
+            <a:endCxn id="17" idx="3"/>
+          </p:cNvCxnSpPr>
+          <p:nvPr/>
+        </p:nvCxnSpPr>
+        <p:spPr>
+          <a:xfrm flipH="1">
+            <a:off x="1543912" y="2159638"/>
+            <a:ext cx="5026902" cy="1565164"/>
+          </a:xfrm>
+          <a:prstGeom prst="straightConnector1">
+            <a:avLst/>
+          </a:prstGeom>
+          <a:ln w="76200">
+            <a:tailEnd type="triangle"/>
+          </a:ln>
+        </p:spPr>
+        <p:style>
+          <a:lnRef idx="1">
+            <a:schemeClr val="accent1"/>
+          </a:lnRef>
+          <a:fillRef idx="0">
+            <a:schemeClr val="accent1"/>
+          </a:fillRef>
+          <a:effectRef idx="0">
+            <a:schemeClr val="accent1"/>
+          </a:effectRef>
+          <a:fontRef idx="minor">
+            <a:schemeClr val="tx1"/>
+          </a:fontRef>
+        </p:style>
+      </p:cxnSp>
+      <p:sp>
+        <p:nvSpPr>
+          <p:cNvPr id="17" name="Rectangle 16">
+            <a:extLst>
+              <a:ext uri="{FF2B5EF4-FFF2-40B4-BE49-F238E27FC236}">
+                <a16:creationId xmlns:a16="http://schemas.microsoft.com/office/drawing/2014/main" id="{AB37186D-18FD-4E8D-9EB4-29055D5B9239}"/>
+              </a:ext>
+            </a:extLst>
+          </p:cNvPr>
+          <p:cNvSpPr/>
+          <p:nvPr/>
+        </p:nvSpPr>
+        <p:spPr>
+          <a:xfrm>
+            <a:off x="838200" y="3429000"/>
+            <a:ext cx="705712" cy="591603"/>
+          </a:xfrm>
+          <a:prstGeom prst="rect">
+            <a:avLst/>
+          </a:prstGeom>
+        </p:spPr>
+        <p:style>
+          <a:lnRef idx="2">
+            <a:schemeClr val="accent2">
+              <a:shade val="50000"/>
+            </a:schemeClr>
+          </a:lnRef>
+          <a:fillRef idx="1">
+            <a:schemeClr val="accent2"/>
+          </a:fillRef>
+          <a:effectRef idx="0">
+            <a:schemeClr val="accent2"/>
+          </a:effectRef>
+          <a:fontRef idx="minor">
+            <a:schemeClr val="lt1"/>
+          </a:fontRef>
+        </p:style>
+        <p:txBody>
+          <a:bodyPr rtlCol="0" anchor="ctr"/>
+          <a:lstStyle/>
+          <a:p>
+            <a:pPr algn="ctr"/>
+            <a:r>
+              <a:rPr lang="fr-FR" dirty="0"/>
+              <a:t>CORS</a:t>
+            </a:r>
+          </a:p>
+        </p:txBody>
+      </p:sp>
+      <p:cxnSp>
+        <p:nvCxnSpPr>
+          <p:cNvPr id="15" name="Straight Arrow Connector 14">
+            <a:extLst>
+              <a:ext uri="{FF2B5EF4-FFF2-40B4-BE49-F238E27FC236}">
+                <a16:creationId xmlns:a16="http://schemas.microsoft.com/office/drawing/2014/main" id="{C0576B0B-51E1-4B04-8BBF-C4BB7879017E}"/>
+              </a:ext>
+            </a:extLst>
+          </p:cNvPr>
+          <p:cNvCxnSpPr>
+            <a:stCxn id="5" idx="2"/>
+          </p:cNvCxnSpPr>
+          <p:nvPr/>
+        </p:nvCxnSpPr>
+        <p:spPr>
+          <a:xfrm>
+            <a:off x="6746189" y="2088153"/>
+            <a:ext cx="86539" cy="2284229"/>
+          </a:xfrm>
+          <a:prstGeom prst="straightConnector1">
+            <a:avLst/>
+          </a:prstGeom>
+          <a:ln w="76200">
+            <a:tailEnd type="triangle"/>
+          </a:ln>
+        </p:spPr>
+        <p:style>
+          <a:lnRef idx="1">
+            <a:schemeClr val="accent1"/>
+          </a:lnRef>
+          <a:fillRef idx="0">
+            <a:schemeClr val="accent1"/>
+          </a:fillRef>
+          <a:effectRef idx="0">
+            <a:schemeClr val="accent1"/>
+          </a:effectRef>
+          <a:fontRef idx="minor">
+            <a:schemeClr val="tx1"/>
+          </a:fontRef>
+        </p:style>
+      </p:cxnSp>
+      <p:cxnSp>
+        <p:nvCxnSpPr>
+          <p:cNvPr id="19" name="Straight Arrow Connector 18">
+            <a:extLst>
+              <a:ext uri="{FF2B5EF4-FFF2-40B4-BE49-F238E27FC236}">
+                <a16:creationId xmlns:a16="http://schemas.microsoft.com/office/drawing/2014/main" id="{C0624216-36E8-42C2-B86E-6AC80C288E57}"/>
+              </a:ext>
+            </a:extLst>
+          </p:cNvPr>
+          <p:cNvCxnSpPr/>
+          <p:nvPr/>
+        </p:nvCxnSpPr>
+        <p:spPr>
+          <a:xfrm flipH="1" flipV="1">
+            <a:off x="6970577" y="2030979"/>
+            <a:ext cx="82709" cy="2341403"/>
+          </a:xfrm>
+          <a:prstGeom prst="straightConnector1">
+            <a:avLst/>
+          </a:prstGeom>
+          <a:ln w="76200">
+            <a:tailEnd type="triangle"/>
+          </a:ln>
+        </p:spPr>
+        <p:style>
+          <a:lnRef idx="1">
+            <a:schemeClr val="accent1"/>
+          </a:lnRef>
+          <a:fillRef idx="0">
+            <a:schemeClr val="accent1"/>
+          </a:fillRef>
+          <a:effectRef idx="0">
+            <a:schemeClr val="accent1"/>
+          </a:effectRef>
+          <a:fontRef idx="minor">
+            <a:schemeClr val="tx1"/>
+          </a:fontRef>
+        </p:style>
+      </p:cxnSp>
+    </p:spTree>
+    <p:extLst>
+      <p:ext uri="{BB962C8B-B14F-4D97-AF65-F5344CB8AC3E}">
+        <p14:creationId xmlns:p14="http://schemas.microsoft.com/office/powerpoint/2010/main" val="4221042010"/>
+      </p:ext>
+    </p:extLst>
+  </p:cSld>
+  <p:clrMapOvr>
+    <a:masterClrMapping/>
+  </p:clrMapOvr>
+</p:sld>
+</file>
+
+<file path=ppt/slides/slide31.xml><?xml version="1.0" encoding="utf-8"?>
+<p:sld xmlns:a="http://schemas.openxmlformats.org/drawingml/2006/main" xmlns:r="http://schemas.openxmlformats.org/officeDocument/2006/relationships" xmlns:p="http://schemas.openxmlformats.org/presentationml/2006/main">
+  <p:cSld>
+    <p:spTree>
+      <p:nvGrpSpPr>
+        <p:cNvPr id="1" name=""/>
+        <p:cNvGrpSpPr/>
+        <p:nvPr/>
+      </p:nvGrpSpPr>
+      <p:grpSpPr>
+        <a:xfrm>
+          <a:off x="0" y="0"/>
+          <a:ext cx="0" cy="0"/>
+          <a:chOff x="0" y="0"/>
+          <a:chExt cx="0" cy="0"/>
+        </a:xfrm>
+      </p:grpSpPr>
+      <p:sp>
+        <p:nvSpPr>
           <p:cNvPr id="52" name="Rectangle 51">
             <a:extLst>
               <a:ext uri="{FF2B5EF4-FFF2-40B4-BE49-F238E27FC236}">
@@ -18231,6 +18802,1145 @@
     <p:extLst>
       <p:ext uri="{BB962C8B-B14F-4D97-AF65-F5344CB8AC3E}">
         <p14:creationId xmlns:p14="http://schemas.microsoft.com/office/powerpoint/2010/main" val="3336082081"/>
+      </p:ext>
+    </p:extLst>
+  </p:cSld>
+  <p:clrMapOvr>
+    <a:masterClrMapping/>
+  </p:clrMapOvr>
+</p:sld>
+</file>
+
+<file path=ppt/slides/slide32.xml><?xml version="1.0" encoding="utf-8"?>
+<p:sld xmlns:a="http://schemas.openxmlformats.org/drawingml/2006/main" xmlns:r="http://schemas.openxmlformats.org/officeDocument/2006/relationships" xmlns:p="http://schemas.openxmlformats.org/presentationml/2006/main">
+  <p:cSld>
+    <p:spTree>
+      <p:nvGrpSpPr>
+        <p:cNvPr id="1" name=""/>
+        <p:cNvGrpSpPr/>
+        <p:nvPr/>
+      </p:nvGrpSpPr>
+      <p:grpSpPr>
+        <a:xfrm>
+          <a:off x="0" y="0"/>
+          <a:ext cx="0" cy="0"/>
+          <a:chOff x="0" y="0"/>
+          <a:chExt cx="0" cy="0"/>
+        </a:xfrm>
+      </p:grpSpPr>
+      <p:sp>
+        <p:nvSpPr>
+          <p:cNvPr id="2" name="Title 1">
+            <a:extLst>
+              <a:ext uri="{FF2B5EF4-FFF2-40B4-BE49-F238E27FC236}">
+                <a16:creationId xmlns:a16="http://schemas.microsoft.com/office/drawing/2014/main" id="{1C4104FA-1A12-42F8-B290-A31D928C648D}"/>
+              </a:ext>
+            </a:extLst>
+          </p:cNvPr>
+          <p:cNvSpPr>
+            <a:spLocks noGrp="1"/>
+          </p:cNvSpPr>
+          <p:nvPr>
+            <p:ph type="title"/>
+          </p:nvPr>
+        </p:nvSpPr>
+        <p:spPr/>
+        <p:txBody>
+          <a:bodyPr/>
+          <a:lstStyle/>
+          <a:p>
+            <a:r>
+              <a:rPr lang="fr-FR" dirty="0"/>
+              <a:t>Reste a faire</a:t>
+            </a:r>
+          </a:p>
+        </p:txBody>
+      </p:sp>
+      <p:sp>
+        <p:nvSpPr>
+          <p:cNvPr id="3" name="Content Placeholder 2">
+            <a:extLst>
+              <a:ext uri="{FF2B5EF4-FFF2-40B4-BE49-F238E27FC236}">
+                <a16:creationId xmlns:a16="http://schemas.microsoft.com/office/drawing/2014/main" id="{B001849E-C0D1-4758-9C23-F8FF86F4148D}"/>
+              </a:ext>
+            </a:extLst>
+          </p:cNvPr>
+          <p:cNvSpPr>
+            <a:spLocks noGrp="1"/>
+          </p:cNvSpPr>
+          <p:nvPr>
+            <p:ph idx="1"/>
+          </p:nvPr>
+        </p:nvSpPr>
+        <p:spPr/>
+        <p:txBody>
+          <a:bodyPr/>
+          <a:lstStyle/>
+          <a:p>
+            <a:r>
+              <a:rPr lang="fr-FR" dirty="0"/>
+              <a:t>Lint</a:t>
+            </a:r>
+          </a:p>
+          <a:p>
+            <a:r>
+              <a:rPr lang="fr-FR" dirty="0"/>
+              <a:t>Test unitaire</a:t>
+            </a:r>
+          </a:p>
+          <a:p>
+            <a:r>
+              <a:rPr lang="fr-FR" dirty="0"/>
+              <a:t>Test d’</a:t>
+            </a:r>
+            <a:r>
+              <a:rPr lang="fr-FR" dirty="0" err="1"/>
+              <a:t>integration</a:t>
+            </a:r>
+            <a:endParaRPr lang="fr-FR" dirty="0"/>
+          </a:p>
+          <a:p>
+            <a:r>
+              <a:rPr lang="fr-FR" dirty="0"/>
+              <a:t>Mise en prod</a:t>
+            </a:r>
+          </a:p>
+          <a:p>
+            <a:r>
+              <a:rPr lang="fr-FR" dirty="0"/>
+              <a:t>Validateur (formulaire)</a:t>
+            </a:r>
+          </a:p>
+        </p:txBody>
+      </p:sp>
+    </p:spTree>
+    <p:extLst>
+      <p:ext uri="{BB962C8B-B14F-4D97-AF65-F5344CB8AC3E}">
+        <p14:creationId xmlns:p14="http://schemas.microsoft.com/office/powerpoint/2010/main" val="1651855279"/>
+      </p:ext>
+    </p:extLst>
+  </p:cSld>
+  <p:clrMapOvr>
+    <a:masterClrMapping/>
+  </p:clrMapOvr>
+</p:sld>
+</file>
+
+<file path=ppt/slides/slide33.xml><?xml version="1.0" encoding="utf-8"?>
+<p:sld xmlns:a="http://schemas.openxmlformats.org/drawingml/2006/main" xmlns:r="http://schemas.openxmlformats.org/officeDocument/2006/relationships" xmlns:p="http://schemas.openxmlformats.org/presentationml/2006/main">
+  <p:cSld>
+    <p:spTree>
+      <p:nvGrpSpPr>
+        <p:cNvPr id="1" name=""/>
+        <p:cNvGrpSpPr/>
+        <p:nvPr/>
+      </p:nvGrpSpPr>
+      <p:grpSpPr>
+        <a:xfrm>
+          <a:off x="0" y="0"/>
+          <a:ext cx="0" cy="0"/>
+          <a:chOff x="0" y="0"/>
+          <a:chExt cx="0" cy="0"/>
+        </a:xfrm>
+      </p:grpSpPr>
+      <p:sp>
+        <p:nvSpPr>
+          <p:cNvPr id="2" name="Title 1">
+            <a:extLst>
+              <a:ext uri="{FF2B5EF4-FFF2-40B4-BE49-F238E27FC236}">
+                <a16:creationId xmlns:a16="http://schemas.microsoft.com/office/drawing/2014/main" id="{90F3BD51-334E-4E71-88B3-5FA3F04676D1}"/>
+              </a:ext>
+            </a:extLst>
+          </p:cNvPr>
+          <p:cNvSpPr>
+            <a:spLocks noGrp="1"/>
+          </p:cNvSpPr>
+          <p:nvPr>
+            <p:ph type="title"/>
+          </p:nvPr>
+        </p:nvSpPr>
+        <p:spPr/>
+        <p:txBody>
+          <a:bodyPr/>
+          <a:lstStyle/>
+          <a:p>
+            <a:r>
+              <a:rPr lang="fr-FR" dirty="0"/>
+              <a:t>Test</a:t>
+            </a:r>
+          </a:p>
+        </p:txBody>
+      </p:sp>
+      <p:sp>
+        <p:nvSpPr>
+          <p:cNvPr id="4" name="Rectangle 3">
+            <a:extLst>
+              <a:ext uri="{FF2B5EF4-FFF2-40B4-BE49-F238E27FC236}">
+                <a16:creationId xmlns:a16="http://schemas.microsoft.com/office/drawing/2014/main" id="{30348A17-9D43-438A-B89F-E01AB912B501}"/>
+              </a:ext>
+            </a:extLst>
+          </p:cNvPr>
+          <p:cNvSpPr/>
+          <p:nvPr/>
+        </p:nvSpPr>
+        <p:spPr>
+          <a:xfrm>
+            <a:off x="647891" y="2531831"/>
+            <a:ext cx="1534722" cy="1190099"/>
+          </a:xfrm>
+          <a:prstGeom prst="rect">
+            <a:avLst/>
+          </a:prstGeom>
+        </p:spPr>
+        <p:style>
+          <a:lnRef idx="2">
+            <a:schemeClr val="accent6">
+              <a:shade val="50000"/>
+            </a:schemeClr>
+          </a:lnRef>
+          <a:fillRef idx="1">
+            <a:schemeClr val="accent6"/>
+          </a:fillRef>
+          <a:effectRef idx="0">
+            <a:schemeClr val="accent6"/>
+          </a:effectRef>
+          <a:fontRef idx="minor">
+            <a:schemeClr val="lt1"/>
+          </a:fontRef>
+        </p:style>
+        <p:txBody>
+          <a:bodyPr rtlCol="0" anchor="ctr"/>
+          <a:lstStyle/>
+          <a:p>
+            <a:pPr algn="ctr"/>
+            <a:r>
+              <a:rPr lang="fr-FR" dirty="0" err="1"/>
+              <a:t>ng</a:t>
+            </a:r>
+            <a:r>
+              <a:rPr lang="fr-FR" dirty="0"/>
+              <a:t> serve</a:t>
+            </a:r>
+          </a:p>
+        </p:txBody>
+      </p:sp>
+      <p:sp>
+        <p:nvSpPr>
+          <p:cNvPr id="5" name="Rectangle 4">
+            <a:extLst>
+              <a:ext uri="{FF2B5EF4-FFF2-40B4-BE49-F238E27FC236}">
+                <a16:creationId xmlns:a16="http://schemas.microsoft.com/office/drawing/2014/main" id="{B40C699A-AF35-4503-B9FF-D58B16E7E6E0}"/>
+              </a:ext>
+            </a:extLst>
+          </p:cNvPr>
+          <p:cNvSpPr/>
+          <p:nvPr/>
+        </p:nvSpPr>
+        <p:spPr>
+          <a:xfrm>
+            <a:off x="3092418" y="2789150"/>
+            <a:ext cx="1158700" cy="675461"/>
+          </a:xfrm>
+          <a:prstGeom prst="rect">
+            <a:avLst/>
+          </a:prstGeom>
+        </p:spPr>
+        <p:style>
+          <a:lnRef idx="2">
+            <a:schemeClr val="accent6">
+              <a:shade val="50000"/>
+            </a:schemeClr>
+          </a:lnRef>
+          <a:fillRef idx="1">
+            <a:schemeClr val="accent6"/>
+          </a:fillRef>
+          <a:effectRef idx="0">
+            <a:schemeClr val="accent6"/>
+          </a:effectRef>
+          <a:fontRef idx="minor">
+            <a:schemeClr val="lt1"/>
+          </a:fontRef>
+        </p:style>
+        <p:txBody>
+          <a:bodyPr rtlCol="0" anchor="ctr"/>
+          <a:lstStyle/>
+          <a:p>
+            <a:pPr algn="ctr"/>
+            <a:r>
+              <a:rPr lang="fr-FR" dirty="0" err="1"/>
+              <a:t>ng</a:t>
+            </a:r>
+            <a:r>
+              <a:rPr lang="fr-FR" dirty="0"/>
+              <a:t> </a:t>
+            </a:r>
+            <a:r>
+              <a:rPr lang="fr-FR" dirty="0" err="1"/>
+              <a:t>lint</a:t>
+            </a:r>
+            <a:endParaRPr lang="fr-FR" dirty="0"/>
+          </a:p>
+        </p:txBody>
+      </p:sp>
+      <p:sp>
+        <p:nvSpPr>
+          <p:cNvPr id="6" name="Rectangle 5">
+            <a:extLst>
+              <a:ext uri="{FF2B5EF4-FFF2-40B4-BE49-F238E27FC236}">
+                <a16:creationId xmlns:a16="http://schemas.microsoft.com/office/drawing/2014/main" id="{AAAB654C-E0DF-4164-BE6B-F56B5E27C378}"/>
+              </a:ext>
+            </a:extLst>
+          </p:cNvPr>
+          <p:cNvSpPr/>
+          <p:nvPr/>
+        </p:nvSpPr>
+        <p:spPr>
+          <a:xfrm>
+            <a:off x="4889819" y="2789150"/>
+            <a:ext cx="1158700" cy="675461"/>
+          </a:xfrm>
+          <a:prstGeom prst="rect">
+            <a:avLst/>
+          </a:prstGeom>
+        </p:spPr>
+        <p:style>
+          <a:lnRef idx="2">
+            <a:schemeClr val="accent6">
+              <a:shade val="50000"/>
+            </a:schemeClr>
+          </a:lnRef>
+          <a:fillRef idx="1">
+            <a:schemeClr val="accent6"/>
+          </a:fillRef>
+          <a:effectRef idx="0">
+            <a:schemeClr val="accent6"/>
+          </a:effectRef>
+          <a:fontRef idx="minor">
+            <a:schemeClr val="lt1"/>
+          </a:fontRef>
+        </p:style>
+        <p:txBody>
+          <a:bodyPr rtlCol="0" anchor="ctr"/>
+          <a:lstStyle/>
+          <a:p>
+            <a:pPr algn="ctr"/>
+            <a:r>
+              <a:rPr lang="fr-FR" dirty="0" err="1"/>
+              <a:t>ng</a:t>
+            </a:r>
+            <a:r>
+              <a:rPr lang="fr-FR" dirty="0"/>
+              <a:t> test</a:t>
+            </a:r>
+          </a:p>
+        </p:txBody>
+      </p:sp>
+      <p:sp>
+        <p:nvSpPr>
+          <p:cNvPr id="7" name="Rectangle 6">
+            <a:extLst>
+              <a:ext uri="{FF2B5EF4-FFF2-40B4-BE49-F238E27FC236}">
+                <a16:creationId xmlns:a16="http://schemas.microsoft.com/office/drawing/2014/main" id="{A7C0CC38-13B6-4615-A771-D105F1C3B20A}"/>
+              </a:ext>
+            </a:extLst>
+          </p:cNvPr>
+          <p:cNvSpPr/>
+          <p:nvPr/>
+        </p:nvSpPr>
+        <p:spPr>
+          <a:xfrm>
+            <a:off x="6655055" y="2805232"/>
+            <a:ext cx="1158700" cy="675461"/>
+          </a:xfrm>
+          <a:prstGeom prst="rect">
+            <a:avLst/>
+          </a:prstGeom>
+        </p:spPr>
+        <p:style>
+          <a:lnRef idx="2">
+            <a:schemeClr val="accent6">
+              <a:shade val="50000"/>
+            </a:schemeClr>
+          </a:lnRef>
+          <a:fillRef idx="1">
+            <a:schemeClr val="accent6"/>
+          </a:fillRef>
+          <a:effectRef idx="0">
+            <a:schemeClr val="accent6"/>
+          </a:effectRef>
+          <a:fontRef idx="minor">
+            <a:schemeClr val="lt1"/>
+          </a:fontRef>
+        </p:style>
+        <p:txBody>
+          <a:bodyPr rtlCol="0" anchor="ctr"/>
+          <a:lstStyle/>
+          <a:p>
+            <a:pPr algn="ctr"/>
+            <a:r>
+              <a:rPr lang="fr-FR" dirty="0" err="1"/>
+              <a:t>ng</a:t>
+            </a:r>
+            <a:r>
+              <a:rPr lang="fr-FR" dirty="0"/>
+              <a:t> e2e</a:t>
+            </a:r>
+          </a:p>
+        </p:txBody>
+      </p:sp>
+      <p:sp>
+        <p:nvSpPr>
+          <p:cNvPr id="8" name="Rectangle 7">
+            <a:extLst>
+              <a:ext uri="{FF2B5EF4-FFF2-40B4-BE49-F238E27FC236}">
+                <a16:creationId xmlns:a16="http://schemas.microsoft.com/office/drawing/2014/main" id="{FBB1D9CC-5F09-427F-8CB9-839906FCCA9C}"/>
+              </a:ext>
+            </a:extLst>
+          </p:cNvPr>
+          <p:cNvSpPr/>
+          <p:nvPr/>
+        </p:nvSpPr>
+        <p:spPr>
+          <a:xfrm>
+            <a:off x="8565799" y="2547912"/>
+            <a:ext cx="1534722" cy="1190099"/>
+          </a:xfrm>
+          <a:prstGeom prst="rect">
+            <a:avLst/>
+          </a:prstGeom>
+        </p:spPr>
+        <p:style>
+          <a:lnRef idx="2">
+            <a:schemeClr val="accent1">
+              <a:shade val="50000"/>
+            </a:schemeClr>
+          </a:lnRef>
+          <a:fillRef idx="1">
+            <a:schemeClr val="accent1"/>
+          </a:fillRef>
+          <a:effectRef idx="0">
+            <a:schemeClr val="accent1"/>
+          </a:effectRef>
+          <a:fontRef idx="minor">
+            <a:schemeClr val="lt1"/>
+          </a:fontRef>
+        </p:style>
+        <p:txBody>
+          <a:bodyPr rtlCol="0" anchor="ctr"/>
+          <a:lstStyle/>
+          <a:p>
+            <a:pPr algn="ctr"/>
+            <a:r>
+              <a:rPr lang="fr-FR" dirty="0" err="1"/>
+              <a:t>ng</a:t>
+            </a:r>
+            <a:r>
+              <a:rPr lang="fr-FR" dirty="0"/>
+              <a:t> </a:t>
+            </a:r>
+            <a:r>
+              <a:rPr lang="fr-FR" dirty="0" err="1"/>
+              <a:t>build</a:t>
+            </a:r>
+            <a:endParaRPr lang="fr-FR" dirty="0"/>
+          </a:p>
+        </p:txBody>
+      </p:sp>
+    </p:spTree>
+    <p:extLst>
+      <p:ext uri="{BB962C8B-B14F-4D97-AF65-F5344CB8AC3E}">
+        <p14:creationId xmlns:p14="http://schemas.microsoft.com/office/powerpoint/2010/main" val="1732351340"/>
+      </p:ext>
+    </p:extLst>
+  </p:cSld>
+  <p:clrMapOvr>
+    <a:masterClrMapping/>
+  </p:clrMapOvr>
+</p:sld>
+</file>
+
+<file path=ppt/slides/slide34.xml><?xml version="1.0" encoding="utf-8"?>
+<p:sld xmlns:a="http://schemas.openxmlformats.org/drawingml/2006/main" xmlns:r="http://schemas.openxmlformats.org/officeDocument/2006/relationships" xmlns:p="http://schemas.openxmlformats.org/presentationml/2006/main">
+  <p:cSld>
+    <p:spTree>
+      <p:nvGrpSpPr>
+        <p:cNvPr id="1" name=""/>
+        <p:cNvGrpSpPr/>
+        <p:nvPr/>
+      </p:nvGrpSpPr>
+      <p:grpSpPr>
+        <a:xfrm>
+          <a:off x="0" y="0"/>
+          <a:ext cx="0" cy="0"/>
+          <a:chOff x="0" y="0"/>
+          <a:chExt cx="0" cy="0"/>
+        </a:xfrm>
+      </p:grpSpPr>
+      <p:sp>
+        <p:nvSpPr>
+          <p:cNvPr id="2" name="Title 1">
+            <a:extLst>
+              <a:ext uri="{FF2B5EF4-FFF2-40B4-BE49-F238E27FC236}">
+                <a16:creationId xmlns:a16="http://schemas.microsoft.com/office/drawing/2014/main" id="{8A775591-0055-421C-9767-91BED266156A}"/>
+              </a:ext>
+            </a:extLst>
+          </p:cNvPr>
+          <p:cNvSpPr>
+            <a:spLocks noGrp="1"/>
+          </p:cNvSpPr>
+          <p:nvPr>
+            <p:ph type="title"/>
+          </p:nvPr>
+        </p:nvSpPr>
+        <p:spPr/>
+        <p:txBody>
+          <a:bodyPr/>
+          <a:lstStyle/>
+          <a:p>
+            <a:r>
+              <a:rPr lang="fr-FR" dirty="0"/>
+              <a:t>Niveaux de tests unitaires</a:t>
+            </a:r>
+          </a:p>
+        </p:txBody>
+      </p:sp>
+      <p:sp>
+        <p:nvSpPr>
+          <p:cNvPr id="3" name="Content Placeholder 2">
+            <a:extLst>
+              <a:ext uri="{FF2B5EF4-FFF2-40B4-BE49-F238E27FC236}">
+                <a16:creationId xmlns:a16="http://schemas.microsoft.com/office/drawing/2014/main" id="{3DBACD06-6F1B-49B5-9622-17EE14FC2667}"/>
+              </a:ext>
+            </a:extLst>
+          </p:cNvPr>
+          <p:cNvSpPr>
+            <a:spLocks noGrp="1"/>
+          </p:cNvSpPr>
+          <p:nvPr>
+            <p:ph idx="1"/>
+          </p:nvPr>
+        </p:nvSpPr>
+        <p:spPr/>
+        <p:txBody>
+          <a:bodyPr/>
+          <a:lstStyle/>
+          <a:p>
+            <a:pPr marL="514350" indent="-514350">
+              <a:buFont typeface="+mj-lt"/>
+              <a:buAutoNum type="arabicPeriod"/>
+            </a:pPr>
+            <a:r>
+              <a:rPr lang="fr-FR" dirty="0"/>
+              <a:t>Compile</a:t>
+            </a:r>
+          </a:p>
+          <a:p>
+            <a:pPr marL="514350" indent="-514350">
+              <a:buFont typeface="+mj-lt"/>
+              <a:buAutoNum type="arabicPeriod"/>
+            </a:pPr>
+            <a:r>
+              <a:rPr lang="fr-FR" dirty="0"/>
+              <a:t>Tous les tests passent</a:t>
+            </a:r>
+          </a:p>
+          <a:p>
+            <a:pPr marL="514350" indent="-514350">
+              <a:buFont typeface="+mj-lt"/>
+              <a:buAutoNum type="arabicPeriod"/>
+            </a:pPr>
+            <a:r>
+              <a:rPr lang="fr-FR" dirty="0"/>
+              <a:t>Couverture de test près de 100%</a:t>
+            </a:r>
+          </a:p>
+          <a:p>
+            <a:pPr marL="514350" indent="-514350">
+              <a:buFont typeface="+mj-lt"/>
+              <a:buAutoNum type="arabicPeriod"/>
+            </a:pPr>
+            <a:r>
+              <a:rPr lang="fr-FR" dirty="0"/>
+              <a:t>Les tests ont du sens fonctionnel</a:t>
+            </a:r>
+          </a:p>
+        </p:txBody>
+      </p:sp>
+    </p:spTree>
+    <p:extLst>
+      <p:ext uri="{BB962C8B-B14F-4D97-AF65-F5344CB8AC3E}">
+        <p14:creationId xmlns:p14="http://schemas.microsoft.com/office/powerpoint/2010/main" val="2388714255"/>
+      </p:ext>
+    </p:extLst>
+  </p:cSld>
+  <p:clrMapOvr>
+    <a:masterClrMapping/>
+  </p:clrMapOvr>
+</p:sld>
+</file>
+
+<file path=ppt/slides/slide35.xml><?xml version="1.0" encoding="utf-8"?>
+<p:sld xmlns:a="http://schemas.openxmlformats.org/drawingml/2006/main" xmlns:r="http://schemas.openxmlformats.org/officeDocument/2006/relationships" xmlns:p="http://schemas.openxmlformats.org/presentationml/2006/main">
+  <p:cSld>
+    <p:spTree>
+      <p:nvGrpSpPr>
+        <p:cNvPr id="1" name=""/>
+        <p:cNvGrpSpPr/>
+        <p:nvPr/>
+      </p:nvGrpSpPr>
+      <p:grpSpPr>
+        <a:xfrm>
+          <a:off x="0" y="0"/>
+          <a:ext cx="0" cy="0"/>
+          <a:chOff x="0" y="0"/>
+          <a:chExt cx="0" cy="0"/>
+        </a:xfrm>
+      </p:grpSpPr>
+      <p:sp>
+        <p:nvSpPr>
+          <p:cNvPr id="2" name="Title 1">
+            <a:extLst>
+              <a:ext uri="{FF2B5EF4-FFF2-40B4-BE49-F238E27FC236}">
+                <a16:creationId xmlns:a16="http://schemas.microsoft.com/office/drawing/2014/main" id="{6B684B02-CAD0-4CCB-95F5-1B8711D9598A}"/>
+              </a:ext>
+            </a:extLst>
+          </p:cNvPr>
+          <p:cNvSpPr>
+            <a:spLocks noGrp="1"/>
+          </p:cNvSpPr>
+          <p:nvPr>
+            <p:ph type="title"/>
+          </p:nvPr>
+        </p:nvSpPr>
+        <p:spPr/>
+        <p:txBody>
+          <a:bodyPr/>
+          <a:lstStyle/>
+          <a:p>
+            <a:r>
+              <a:rPr lang="fr-FR" dirty="0"/>
+              <a:t>Observable </a:t>
+            </a:r>
+            <a:r>
+              <a:rPr lang="fr-FR" dirty="0" err="1"/>
+              <a:t>operator</a:t>
+            </a:r>
+            <a:r>
+              <a:rPr lang="fr-FR" dirty="0"/>
+              <a:t> (</a:t>
+            </a:r>
+            <a:r>
+              <a:rPr lang="fr-FR" dirty="0" err="1"/>
+              <a:t>delay</a:t>
+            </a:r>
+            <a:r>
+              <a:rPr lang="fr-FR" dirty="0"/>
+              <a:t>)</a:t>
+            </a:r>
+          </a:p>
+        </p:txBody>
+      </p:sp>
+      <p:cxnSp>
+        <p:nvCxnSpPr>
+          <p:cNvPr id="5" name="Straight Arrow Connector 4">
+            <a:extLst>
+              <a:ext uri="{FF2B5EF4-FFF2-40B4-BE49-F238E27FC236}">
+                <a16:creationId xmlns:a16="http://schemas.microsoft.com/office/drawing/2014/main" id="{3733008A-1F03-4C97-BA8E-E4AD3D093709}"/>
+              </a:ext>
+            </a:extLst>
+          </p:cNvPr>
+          <p:cNvCxnSpPr/>
+          <p:nvPr/>
+        </p:nvCxnSpPr>
+        <p:spPr>
+          <a:xfrm flipV="1">
+            <a:off x="335433" y="2228563"/>
+            <a:ext cx="11450678" cy="36760"/>
+          </a:xfrm>
+          <a:prstGeom prst="straightConnector1">
+            <a:avLst/>
+          </a:prstGeom>
+          <a:ln w="76200">
+            <a:tailEnd type="triangle"/>
+          </a:ln>
+        </p:spPr>
+        <p:style>
+          <a:lnRef idx="1">
+            <a:schemeClr val="accent1"/>
+          </a:lnRef>
+          <a:fillRef idx="0">
+            <a:schemeClr val="accent1"/>
+          </a:fillRef>
+          <a:effectRef idx="0">
+            <a:schemeClr val="accent1"/>
+          </a:effectRef>
+          <a:fontRef idx="minor">
+            <a:schemeClr val="tx1"/>
+          </a:fontRef>
+        </p:style>
+      </p:cxnSp>
+      <p:sp>
+        <p:nvSpPr>
+          <p:cNvPr id="6" name="Oval 5">
+            <a:extLst>
+              <a:ext uri="{FF2B5EF4-FFF2-40B4-BE49-F238E27FC236}">
+                <a16:creationId xmlns:a16="http://schemas.microsoft.com/office/drawing/2014/main" id="{ED690427-4F2A-4125-A100-C2B38F4AEF2B}"/>
+              </a:ext>
+            </a:extLst>
+          </p:cNvPr>
+          <p:cNvSpPr/>
+          <p:nvPr/>
+        </p:nvSpPr>
+        <p:spPr>
+          <a:xfrm>
+            <a:off x="1068332" y="1991922"/>
+            <a:ext cx="528422" cy="510042"/>
+          </a:xfrm>
+          <a:prstGeom prst="ellipse">
+            <a:avLst/>
+          </a:prstGeom>
+        </p:spPr>
+        <p:style>
+          <a:lnRef idx="2">
+            <a:schemeClr val="accent1">
+              <a:shade val="50000"/>
+            </a:schemeClr>
+          </a:lnRef>
+          <a:fillRef idx="1">
+            <a:schemeClr val="accent1"/>
+          </a:fillRef>
+          <a:effectRef idx="0">
+            <a:schemeClr val="accent1"/>
+          </a:effectRef>
+          <a:fontRef idx="minor">
+            <a:schemeClr val="lt1"/>
+          </a:fontRef>
+        </p:style>
+        <p:txBody>
+          <a:bodyPr rtlCol="0" anchor="ctr"/>
+          <a:lstStyle/>
+          <a:p>
+            <a:pPr algn="ctr"/>
+            <a:endParaRPr lang="fr-FR"/>
+          </a:p>
+        </p:txBody>
+      </p:sp>
+      <p:cxnSp>
+        <p:nvCxnSpPr>
+          <p:cNvPr id="8" name="Straight Connector 7">
+            <a:extLst>
+              <a:ext uri="{FF2B5EF4-FFF2-40B4-BE49-F238E27FC236}">
+                <a16:creationId xmlns:a16="http://schemas.microsoft.com/office/drawing/2014/main" id="{A76A817E-11AB-4C6B-9193-26A4F05DAFC8}"/>
+              </a:ext>
+            </a:extLst>
+          </p:cNvPr>
+          <p:cNvCxnSpPr/>
+          <p:nvPr/>
+        </p:nvCxnSpPr>
+        <p:spPr>
+          <a:xfrm>
+            <a:off x="574372" y="1925294"/>
+            <a:ext cx="0" cy="726007"/>
+          </a:xfrm>
+          <a:prstGeom prst="line">
+            <a:avLst/>
+          </a:prstGeom>
+          <a:ln w="76200"/>
+        </p:spPr>
+        <p:style>
+          <a:lnRef idx="1">
+            <a:schemeClr val="accent1"/>
+          </a:lnRef>
+          <a:fillRef idx="0">
+            <a:schemeClr val="accent1"/>
+          </a:fillRef>
+          <a:effectRef idx="0">
+            <a:schemeClr val="accent1"/>
+          </a:effectRef>
+          <a:fontRef idx="minor">
+            <a:schemeClr val="tx1"/>
+          </a:fontRef>
+        </p:style>
+      </p:cxnSp>
+      <p:sp>
+        <p:nvSpPr>
+          <p:cNvPr id="9" name="Oval 8">
+            <a:extLst>
+              <a:ext uri="{FF2B5EF4-FFF2-40B4-BE49-F238E27FC236}">
+                <a16:creationId xmlns:a16="http://schemas.microsoft.com/office/drawing/2014/main" id="{F3B15631-3003-4285-88BC-4CA9AB0639AD}"/>
+              </a:ext>
+            </a:extLst>
+          </p:cNvPr>
+          <p:cNvSpPr/>
+          <p:nvPr/>
+        </p:nvSpPr>
+        <p:spPr>
+          <a:xfrm>
+            <a:off x="4248820" y="1991922"/>
+            <a:ext cx="528422" cy="510042"/>
+          </a:xfrm>
+          <a:prstGeom prst="ellipse">
+            <a:avLst/>
+          </a:prstGeom>
+        </p:spPr>
+        <p:style>
+          <a:lnRef idx="2">
+            <a:schemeClr val="accent1">
+              <a:shade val="50000"/>
+            </a:schemeClr>
+          </a:lnRef>
+          <a:fillRef idx="1">
+            <a:schemeClr val="accent1"/>
+          </a:fillRef>
+          <a:effectRef idx="0">
+            <a:schemeClr val="accent1"/>
+          </a:effectRef>
+          <a:fontRef idx="minor">
+            <a:schemeClr val="lt1"/>
+          </a:fontRef>
+        </p:style>
+        <p:txBody>
+          <a:bodyPr rtlCol="0" anchor="ctr"/>
+          <a:lstStyle/>
+          <a:p>
+            <a:pPr algn="ctr"/>
+            <a:endParaRPr lang="fr-FR"/>
+          </a:p>
+        </p:txBody>
+      </p:sp>
+      <p:cxnSp>
+        <p:nvCxnSpPr>
+          <p:cNvPr id="10" name="Straight Arrow Connector 9">
+            <a:extLst>
+              <a:ext uri="{FF2B5EF4-FFF2-40B4-BE49-F238E27FC236}">
+                <a16:creationId xmlns:a16="http://schemas.microsoft.com/office/drawing/2014/main" id="{3CD153CD-AD15-43DE-8E8F-44673A63D205}"/>
+              </a:ext>
+            </a:extLst>
+          </p:cNvPr>
+          <p:cNvCxnSpPr/>
+          <p:nvPr/>
+        </p:nvCxnSpPr>
+        <p:spPr>
+          <a:xfrm flipV="1">
+            <a:off x="335433" y="3479162"/>
+            <a:ext cx="11450678" cy="36760"/>
+          </a:xfrm>
+          <a:prstGeom prst="straightConnector1">
+            <a:avLst/>
+          </a:prstGeom>
+          <a:ln w="76200">
+            <a:tailEnd type="triangle"/>
+          </a:ln>
+        </p:spPr>
+        <p:style>
+          <a:lnRef idx="1">
+            <a:schemeClr val="accent1"/>
+          </a:lnRef>
+          <a:fillRef idx="0">
+            <a:schemeClr val="accent1"/>
+          </a:fillRef>
+          <a:effectRef idx="0">
+            <a:schemeClr val="accent1"/>
+          </a:effectRef>
+          <a:fontRef idx="minor">
+            <a:schemeClr val="tx1"/>
+          </a:fontRef>
+        </p:style>
+      </p:cxnSp>
+      <p:sp>
+        <p:nvSpPr>
+          <p:cNvPr id="11" name="Oval 10">
+            <a:extLst>
+              <a:ext uri="{FF2B5EF4-FFF2-40B4-BE49-F238E27FC236}">
+                <a16:creationId xmlns:a16="http://schemas.microsoft.com/office/drawing/2014/main" id="{485134A2-0B75-4DB5-ACFE-E7091506895B}"/>
+              </a:ext>
+            </a:extLst>
+          </p:cNvPr>
+          <p:cNvSpPr/>
+          <p:nvPr/>
+        </p:nvSpPr>
+        <p:spPr>
+          <a:xfrm>
+            <a:off x="2520352" y="3242521"/>
+            <a:ext cx="528422" cy="510042"/>
+          </a:xfrm>
+          <a:prstGeom prst="ellipse">
+            <a:avLst/>
+          </a:prstGeom>
+        </p:spPr>
+        <p:style>
+          <a:lnRef idx="2">
+            <a:schemeClr val="accent1">
+              <a:shade val="50000"/>
+            </a:schemeClr>
+          </a:lnRef>
+          <a:fillRef idx="1">
+            <a:schemeClr val="accent1"/>
+          </a:fillRef>
+          <a:effectRef idx="0">
+            <a:schemeClr val="accent1"/>
+          </a:effectRef>
+          <a:fontRef idx="minor">
+            <a:schemeClr val="lt1"/>
+          </a:fontRef>
+        </p:style>
+        <p:txBody>
+          <a:bodyPr rtlCol="0" anchor="ctr"/>
+          <a:lstStyle/>
+          <a:p>
+            <a:pPr algn="ctr"/>
+            <a:endParaRPr lang="fr-FR"/>
+          </a:p>
+        </p:txBody>
+      </p:sp>
+      <p:cxnSp>
+        <p:nvCxnSpPr>
+          <p:cNvPr id="12" name="Straight Connector 11">
+            <a:extLst>
+              <a:ext uri="{FF2B5EF4-FFF2-40B4-BE49-F238E27FC236}">
+                <a16:creationId xmlns:a16="http://schemas.microsoft.com/office/drawing/2014/main" id="{C57302C7-CA5F-4BE9-9AF9-D6BAFE49D4F5}"/>
+              </a:ext>
+            </a:extLst>
+          </p:cNvPr>
+          <p:cNvCxnSpPr/>
+          <p:nvPr/>
+        </p:nvCxnSpPr>
+        <p:spPr>
+          <a:xfrm>
+            <a:off x="574372" y="3175893"/>
+            <a:ext cx="0" cy="726007"/>
+          </a:xfrm>
+          <a:prstGeom prst="line">
+            <a:avLst/>
+          </a:prstGeom>
+          <a:ln w="76200"/>
+        </p:spPr>
+        <p:style>
+          <a:lnRef idx="1">
+            <a:schemeClr val="accent1"/>
+          </a:lnRef>
+          <a:fillRef idx="0">
+            <a:schemeClr val="accent1"/>
+          </a:fillRef>
+          <a:effectRef idx="0">
+            <a:schemeClr val="accent1"/>
+          </a:effectRef>
+          <a:fontRef idx="minor">
+            <a:schemeClr val="tx1"/>
+          </a:fontRef>
+        </p:style>
+      </p:cxnSp>
+      <p:sp>
+        <p:nvSpPr>
+          <p:cNvPr id="13" name="Oval 12">
+            <a:extLst>
+              <a:ext uri="{FF2B5EF4-FFF2-40B4-BE49-F238E27FC236}">
+                <a16:creationId xmlns:a16="http://schemas.microsoft.com/office/drawing/2014/main" id="{52100751-2150-44C9-8E55-B716B4D8F7E8}"/>
+              </a:ext>
+            </a:extLst>
+          </p:cNvPr>
+          <p:cNvSpPr/>
+          <p:nvPr/>
+        </p:nvSpPr>
+        <p:spPr>
+          <a:xfrm>
+            <a:off x="5700840" y="3242521"/>
+            <a:ext cx="528422" cy="510042"/>
+          </a:xfrm>
+          <a:prstGeom prst="ellipse">
+            <a:avLst/>
+          </a:prstGeom>
+        </p:spPr>
+        <p:style>
+          <a:lnRef idx="2">
+            <a:schemeClr val="accent1">
+              <a:shade val="50000"/>
+            </a:schemeClr>
+          </a:lnRef>
+          <a:fillRef idx="1">
+            <a:schemeClr val="accent1"/>
+          </a:fillRef>
+          <a:effectRef idx="0">
+            <a:schemeClr val="accent1"/>
+          </a:effectRef>
+          <a:fontRef idx="minor">
+            <a:schemeClr val="lt1"/>
+          </a:fontRef>
+        </p:style>
+        <p:txBody>
+          <a:bodyPr rtlCol="0" anchor="ctr"/>
+          <a:lstStyle/>
+          <a:p>
+            <a:pPr algn="ctr"/>
+            <a:endParaRPr lang="fr-FR"/>
+          </a:p>
+        </p:txBody>
+      </p:sp>
+      <p:sp>
+        <p:nvSpPr>
+          <p:cNvPr id="14" name="TextBox 13">
+            <a:extLst>
+              <a:ext uri="{FF2B5EF4-FFF2-40B4-BE49-F238E27FC236}">
+                <a16:creationId xmlns:a16="http://schemas.microsoft.com/office/drawing/2014/main" id="{D1F1C6CE-A88A-41FE-B41E-8BA80FD29FD0}"/>
+              </a:ext>
+            </a:extLst>
+          </p:cNvPr>
+          <p:cNvSpPr txBox="1"/>
+          <p:nvPr/>
+        </p:nvSpPr>
+        <p:spPr>
+          <a:xfrm>
+            <a:off x="574372" y="2738605"/>
+            <a:ext cx="1294457" cy="369332"/>
+          </a:xfrm>
+          <a:prstGeom prst="rect">
+            <a:avLst/>
+          </a:prstGeom>
+          <a:noFill/>
+        </p:spPr>
+        <p:txBody>
+          <a:bodyPr wrap="none" rtlCol="0">
+            <a:spAutoFit/>
+          </a:bodyPr>
+          <a:lstStyle/>
+          <a:p>
+            <a:r>
+              <a:rPr lang="fr-FR" dirty="0" err="1"/>
+              <a:t>delay</a:t>
+            </a:r>
+            <a:r>
+              <a:rPr lang="fr-FR" dirty="0"/>
+              <a:t>(2000)</a:t>
+            </a:r>
+          </a:p>
+        </p:txBody>
+      </p:sp>
+      <p:cxnSp>
+        <p:nvCxnSpPr>
+          <p:cNvPr id="16" name="Straight Arrow Connector 15">
+            <a:extLst>
+              <a:ext uri="{FF2B5EF4-FFF2-40B4-BE49-F238E27FC236}">
+                <a16:creationId xmlns:a16="http://schemas.microsoft.com/office/drawing/2014/main" id="{2613F071-FC07-4268-8E48-3BB450457A00}"/>
+              </a:ext>
+            </a:extLst>
+          </p:cNvPr>
+          <p:cNvCxnSpPr/>
+          <p:nvPr/>
+        </p:nvCxnSpPr>
+        <p:spPr>
+          <a:xfrm flipV="1">
+            <a:off x="1268213" y="4343783"/>
+            <a:ext cx="1479582" cy="12254"/>
+          </a:xfrm>
+          <a:prstGeom prst="straightConnector1">
+            <a:avLst/>
+          </a:prstGeom>
+          <a:ln w="76200">
+            <a:headEnd type="triangle"/>
+            <a:tailEnd type="triangle"/>
+          </a:ln>
+        </p:spPr>
+        <p:style>
+          <a:lnRef idx="1">
+            <a:schemeClr val="accent1"/>
+          </a:lnRef>
+          <a:fillRef idx="0">
+            <a:schemeClr val="accent1"/>
+          </a:fillRef>
+          <a:effectRef idx="0">
+            <a:schemeClr val="accent1"/>
+          </a:effectRef>
+          <a:fontRef idx="minor">
+            <a:schemeClr val="tx1"/>
+          </a:fontRef>
+        </p:style>
+      </p:cxnSp>
+      <p:sp>
+        <p:nvSpPr>
+          <p:cNvPr id="17" name="TextBox 16">
+            <a:extLst>
+              <a:ext uri="{FF2B5EF4-FFF2-40B4-BE49-F238E27FC236}">
+                <a16:creationId xmlns:a16="http://schemas.microsoft.com/office/drawing/2014/main" id="{7CE7F165-3735-45D1-8EA2-DC83B858A6C3}"/>
+              </a:ext>
+            </a:extLst>
+          </p:cNvPr>
+          <p:cNvSpPr txBox="1"/>
+          <p:nvPr/>
+        </p:nvSpPr>
+        <p:spPr>
+          <a:xfrm>
+            <a:off x="1511747" y="4493120"/>
+            <a:ext cx="926857" cy="369332"/>
+          </a:xfrm>
+          <a:prstGeom prst="rect">
+            <a:avLst/>
+          </a:prstGeom>
+          <a:noFill/>
+        </p:spPr>
+        <p:txBody>
+          <a:bodyPr wrap="none" rtlCol="0">
+            <a:spAutoFit/>
+          </a:bodyPr>
+          <a:lstStyle/>
+          <a:p>
+            <a:r>
+              <a:rPr lang="fr-FR" dirty="0"/>
+              <a:t>2000ms</a:t>
+            </a:r>
+          </a:p>
+        </p:txBody>
+      </p:sp>
+      <p:sp>
+        <p:nvSpPr>
+          <p:cNvPr id="18" name="TextBox 17">
+            <a:extLst>
+              <a:ext uri="{FF2B5EF4-FFF2-40B4-BE49-F238E27FC236}">
+                <a16:creationId xmlns:a16="http://schemas.microsoft.com/office/drawing/2014/main" id="{F06F0FEE-B7E9-45F5-90F9-D0ADF01D97FF}"/>
+              </a:ext>
+            </a:extLst>
+          </p:cNvPr>
+          <p:cNvSpPr txBox="1"/>
+          <p:nvPr/>
+        </p:nvSpPr>
+        <p:spPr>
+          <a:xfrm>
+            <a:off x="726006" y="5247461"/>
+            <a:ext cx="2237472" cy="369332"/>
+          </a:xfrm>
+          <a:prstGeom prst="rect">
+            <a:avLst/>
+          </a:prstGeom>
+          <a:noFill/>
+        </p:spPr>
+        <p:txBody>
+          <a:bodyPr wrap="none" rtlCol="0">
+            <a:spAutoFit/>
+          </a:bodyPr>
+          <a:lstStyle/>
+          <a:p>
+            <a:r>
+              <a:rPr lang="fr-FR" dirty="0" err="1"/>
+              <a:t>obs.pipe</a:t>
+            </a:r>
+            <a:r>
+              <a:rPr lang="fr-FR" dirty="0"/>
+              <a:t>(</a:t>
+            </a:r>
+            <a:r>
+              <a:rPr lang="fr-FR" dirty="0" err="1"/>
+              <a:t>delay</a:t>
+            </a:r>
+            <a:r>
+              <a:rPr lang="fr-FR" dirty="0"/>
+              <a:t>(2000))</a:t>
+            </a:r>
+          </a:p>
+        </p:txBody>
+      </p:sp>
+    </p:spTree>
+    <p:extLst>
+      <p:ext uri="{BB962C8B-B14F-4D97-AF65-F5344CB8AC3E}">
+        <p14:creationId xmlns:p14="http://schemas.microsoft.com/office/powerpoint/2010/main" val="1515612929"/>
       </p:ext>
     </p:extLst>
   </p:cSld>
